--- a/GlobalAzure2023_GetYourFuncOnWithAzureFunctions.pptx
+++ b/GlobalAzure2023_GetYourFuncOnWithAzureFunctions.pptx
@@ -435,15 +435,15 @@
           <inkml:channelProperty channel="F" name="resolution" value="0" units="1/dev"/>
         </inkml:channelProperties>
       </inkml:inkSource>
-      <inkml:timestamp xml:id="ts0" timeString="2023-04-22T09:59:18.033"/>
+      <inkml:timestamp xml:id="ts0" timeString="2023-04-26T18:08:14.498"/>
     </inkml:context>
     <inkml:brush xml:id="br0">
-      <inkml:brushProperty name="width" value="0.1" units="cm"/>
-      <inkml:brushProperty name="height" value="0.1" units="cm"/>
-      <inkml:brushProperty name="color" value="#FFFF00"/>
+      <inkml:brushProperty name="width" value="0.05" units="cm"/>
+      <inkml:brushProperty name="height" value="0.05" units="cm"/>
+      <inkml:brushProperty name="color" value="#FFFFFF"/>
     </inkml:brush>
   </inkml:definitions>
-  <inkml:trace contextRef="#ctx0" brushRef="#br0">0 0 24575,'16'4'0,"49"25"0,64 40 0,102 51 0,87 45 0,104 69-3261,111 87 3261,25 36-2732,-48-7 2732,-98-47 0,-103-56-1029,-89-57 1029,-73-50 0,-54-40 0,-39-33 1870,-24-29-1870,-18-20-3039</inkml:trace>
+  <inkml:trace contextRef="#ctx0" brushRef="#br0">1 40 24575,'95'-9'0,"-14"0"0,713 1 0,-43 2 0,-602-2-1365,-141 8-5461</inkml:trace>
 </inkml:ink>
 </file>
 
@@ -463,15 +463,15 @@
           <inkml:channelProperty channel="F" name="resolution" value="0" units="1/dev"/>
         </inkml:channelProperties>
       </inkml:inkSource>
-      <inkml:timestamp xml:id="ts0" timeString="2023-04-22T10:01:00.673"/>
+      <inkml:timestamp xml:id="ts0" timeString="2023-04-26T18:08:17.738"/>
     </inkml:context>
     <inkml:brush xml:id="br0">
-      <inkml:brushProperty name="width" value="0.1" units="cm"/>
-      <inkml:brushProperty name="height" value="0.1" units="cm"/>
-      <inkml:brushProperty name="color" value="#FFFF00"/>
+      <inkml:brushProperty name="width" value="0.05" units="cm"/>
+      <inkml:brushProperty name="height" value="0.05" units="cm"/>
+      <inkml:brushProperty name="color" value="#FFFFFF"/>
     </inkml:brush>
   </inkml:definitions>
-  <inkml:trace contextRef="#ctx0" brushRef="#br0">0 1 24575,'107'3'7,"0"6"0,198 40 0,197 88-263,37 46-170,-9 23 0,522 286 0,-1035-484 846,1-1-1,26 8 0,10 3-1529</inkml:trace>
+  <inkml:trace contextRef="#ctx0" brushRef="#br0">25 0 24575,'41'38'0,"83"60"0,-27-23 0,-86-66 0,-8-7 0,0 0 0,0 0 0,0 0 0,-1 1 0,1-1 0,-1 1 0,0 0 0,0-1 0,3 6 0,-4-6 0,-1-1 0,0 0 0,0 1 0,-1-1 0,1 0 0,0 1 0,0-1 0,-1 0 0,1 1 0,-1-1 0,1 0 0,-1 0 0,1 1 0,-1-1 0,0 0 0,0 0 0,1 0 0,-1 0 0,0 0 0,0 0 0,0 0 0,0 0 0,0 0 0,0 0 0,-1-1 0,1 1 0,0 0 0,0-1 0,-2 1 0,-64 39-455,-1-4 0,-82 31 0,131-59-6371</inkml:trace>
 </inkml:ink>
 </file>
 
@@ -491,15 +491,15 @@
           <inkml:channelProperty channel="F" name="resolution" value="0" units="1/dev"/>
         </inkml:channelProperties>
       </inkml:inkSource>
-      <inkml:timestamp xml:id="ts0" timeString="2023-04-22T10:01:29.197"/>
+      <inkml:timestamp xml:id="ts0" timeString="2023-04-26T18:13:33.352"/>
     </inkml:context>
     <inkml:brush xml:id="br0">
-      <inkml:brushProperty name="width" value="0.1" units="cm"/>
-      <inkml:brushProperty name="height" value="0.1" units="cm"/>
-      <inkml:brushProperty name="color" value="#FFFF00"/>
+      <inkml:brushProperty name="width" value="0.05" units="cm"/>
+      <inkml:brushProperty name="height" value="0.05" units="cm"/>
+      <inkml:brushProperty name="color" value="#FFFFFF"/>
     </inkml:brush>
   </inkml:definitions>
-  <inkml:trace contextRef="#ctx0" brushRef="#br0">516 1 24575,'222'580'0,"-155"-433"0,-67-147 0,0 1 0,1 0 0,-1-1 0,0 1 0,0 0 0,0 0 0,1-1 0,-1 1 0,0 0 0,0-1 0,0 1 0,0 0 0,0 0 0,-1-1 0,1 1 0,0 0 0,0-1 0,0 1 0,-1 0 0,1 0 0,0-1 0,-1 1 0,1-1 0,0 1 0,-1 0 0,1-1 0,-1 1 0,1-1 0,-1 1 0,1-1 0,-1 1 0,0-1 0,1 1 0,-1-1 0,1 0 0,-1 1 0,0-1 0,1 0 0,-1 0 0,0 1 0,0-1 0,-38 10 0,30-8 0,-336 89 115,-16 3-1595,323-86-5346</inkml:trace>
+  <inkml:trace contextRef="#ctx0" brushRef="#br0">0 0 24575,'9'247'0,"0"8"0,-9-85-1365,0-156-5461</inkml:trace>
 </inkml:ink>
 </file>
 
@@ -519,15 +519,15 @@
           <inkml:channelProperty channel="F" name="resolution" value="0" units="1/dev"/>
         </inkml:channelProperties>
       </inkml:inkSource>
-      <inkml:timestamp xml:id="ts0" timeString="2023-04-22T10:18:33.154"/>
+      <inkml:timestamp xml:id="ts0" timeString="2023-04-26T18:14:09.698"/>
     </inkml:context>
     <inkml:brush xml:id="br0">
-      <inkml:brushProperty name="width" value="0.1" units="cm"/>
-      <inkml:brushProperty name="height" value="0.1" units="cm"/>
-      <inkml:brushProperty name="color" value="#FFFF00"/>
+      <inkml:brushProperty name="width" value="0.05" units="cm"/>
+      <inkml:brushProperty name="height" value="0.05" units="cm"/>
+      <inkml:brushProperty name="color" value="#FFFFFF"/>
     </inkml:brush>
   </inkml:definitions>
-  <inkml:trace contextRef="#ctx0" brushRef="#br0">796 1 24575,'0'9'0,"0"16"0,-5 25 0,-10 36 0,-15 47 0,-13 54 0,-19 57 0,-14 48 0,-11 32-1171,-4 10 1171,1-9 0,6-23 0,9-47 0,12-56 0,18-59 0,15-53-7020</inkml:trace>
+  <inkml:trace contextRef="#ctx0" brushRef="#br0">0 91 24575,'2'3'0,"-1"0"0,1-1 0,0 1 0,1 0 0,-1-1 0,0 0 0,1 1 0,-1-1 0,4 2 0,5 6 0,99 128 0,-110-137 0,1-1 0,-1 1 0,1-1 0,-1 1 0,1-1 0,0 1 0,-1-1 0,1 1 0,0-1 0,0 0 0,-1 0 0,1 1 0,0-1 0,0 0 0,0 0 0,-1 0 0,1 0 0,0 1 0,0-1 0,0 0 0,-1-1 0,1 1 0,0 0 0,0 0 0,0 0 0,-1 0 0,1-1 0,0 1 0,0 0 0,-1-1 0,1 1 0,0 0 0,-1-1 0,1 1 0,0-1 0,-1 1 0,1-1 0,-1 0 0,1 1 0,-1-1 0,1 0 0,-1 1 0,1-1 0,-1 0 0,0 1 0,1-2 0,31-46 0,-21 29 0,137-164-1365,-141 174-5461</inkml:trace>
 </inkml:ink>
 </file>
 
@@ -547,15 +547,15 @@
           <inkml:channelProperty channel="F" name="resolution" value="0" units="1/dev"/>
         </inkml:channelProperties>
       </inkml:inkSource>
-      <inkml:timestamp xml:id="ts0" timeString="2023-04-22T10:18:55.621"/>
+      <inkml:timestamp xml:id="ts0" timeString="2023-04-26T18:14:20.111"/>
     </inkml:context>
     <inkml:brush xml:id="br0">
-      <inkml:brushProperty name="width" value="0.1" units="cm"/>
-      <inkml:brushProperty name="height" value="0.1" units="cm"/>
-      <inkml:brushProperty name="color" value="#FFFF00"/>
+      <inkml:brushProperty name="width" value="0.05" units="cm"/>
+      <inkml:brushProperty name="height" value="0.05" units="cm"/>
+      <inkml:brushProperty name="color" value="#FFFFFF"/>
     </inkml:brush>
   </inkml:definitions>
-  <inkml:trace contextRef="#ctx0" brushRef="#br0">1 0 24575,'1'7'0,"1"-1"0,1 1 0,-1-1 0,1 0 0,0 0 0,1 0 0,-1-1 0,1 1 0,7 7 0,4 9 0,21 45 0,-3 2 0,-2 1 0,31 114 0,-46-137 0,-15-43 0,0-1 0,0 1 0,1-1 0,-1 1 0,1-1 0,0 0 0,0 0 0,0 0 0,1 0 0,-1 0 0,1 0 0,-1 0 0,1-1 0,0 1 0,0-1 0,0 0 0,0 0 0,1 0 0,-1 0 0,1-1 0,-1 0 0,1 1 0,-1-1 0,1 0 0,0 0 0,-1-1 0,1 1 0,7-1 0,5-1 0,0-1 0,0 0 0,0-1 0,-1 0 0,28-11 0,74-33-239,220-122-1,-268 131-646,-8 6-5940</inkml:trace>
+  <inkml:trace contextRef="#ctx0" brushRef="#br0">0 20 24575,'1'-1'0,"-1"0"0,1 0 0,-1 0 0,1 0 0,0 1 0,-1-1 0,1 0 0,0 0 0,-1 0 0,1 1 0,0-1 0,0 0 0,0 1 0,0-1 0,0 1 0,0-1 0,0 1 0,0-1 0,0 1 0,0 0 0,0-1 0,0 1 0,0 0 0,0 0 0,0 0 0,0 0 0,2 0 0,36-3 0,-34 3 0,848-2 0,-417 5 0,-378-3 0,896 35 0,-869-29 0,-41-3 0,55 10 0,-96-12-124,0 0 0,1 0 0,-1 0 0,0 0 0,0 0 0,0 1-1,-1-1 1,1 1 0,0 0 0,3 2 0</inkml:trace>
 </inkml:ink>
 </file>
 
@@ -575,15 +575,15 @@
           <inkml:channelProperty channel="F" name="resolution" value="0" units="1/dev"/>
         </inkml:channelProperties>
       </inkml:inkSource>
-      <inkml:timestamp xml:id="ts0" timeString="2023-04-22T10:19:22.247"/>
+      <inkml:timestamp xml:id="ts0" timeString="2023-04-26T18:14:56.513"/>
     </inkml:context>
     <inkml:brush xml:id="br0">
-      <inkml:brushProperty name="width" value="0.1" units="cm"/>
-      <inkml:brushProperty name="height" value="0.1" units="cm"/>
-      <inkml:brushProperty name="color" value="#FFFF00"/>
+      <inkml:brushProperty name="width" value="0.05" units="cm"/>
+      <inkml:brushProperty name="height" value="0.05" units="cm"/>
+      <inkml:brushProperty name="color" value="#FFFFFF"/>
     </inkml:brush>
   </inkml:definitions>
-  <inkml:trace contextRef="#ctx0" brushRef="#br0">1 0 24575,'9'13'0,"11"36"0,12 53 0,22 93 0,24 79 0,3 29 0,5 38-1730,-2 17 1730,-8 24 0,-11-10 0,-18-45 0,-16-71 0,-14-68 418,-9-64-418,-7-51-6879</inkml:trace>
+  <inkml:trace contextRef="#ctx0" brushRef="#br0">36 1 24575,'3'0'0,"1"1"0,0 0 0,0 0 0,-1 0 0,1 1 0,0-1 0,-1 1 0,0 0 0,1 0 0,-1 0 0,0 0 0,4 3 0,36 36 0,-36-35 0,163 179 0,-169-184 0,-1 0 0,1 0 0,0 0 0,-1 0 0,1 0 0,-1 1 0,0-1 0,1 0 0,-1 0 0,0 0 0,0 1 0,1-1 0,-1 0 0,0 0 0,0 1 0,0-1 0,-1 0 0,1 0 0,0 0 0,0 1 0,-1-1 0,1 0 0,-1 0 0,1 0 0,-1 0 0,1 0 0,-1 1 0,0-1 0,1 0 0,-1-1 0,0 1 0,0 0 0,0 0 0,0 0 0,0 0 0,0-1 0,-1 2 0,-48 32 0,39-28 0,-174 101 0,136-67-1365</inkml:trace>
 </inkml:ink>
 </file>
 
@@ -603,15 +603,15 @@
           <inkml:channelProperty channel="F" name="resolution" value="0" units="1/dev"/>
         </inkml:channelProperties>
       </inkml:inkSource>
-      <inkml:timestamp xml:id="ts0" timeString="2023-04-22T10:19:54.520"/>
+      <inkml:timestamp xml:id="ts0" timeString="2023-04-26T18:16:35.606"/>
     </inkml:context>
     <inkml:brush xml:id="br0">
-      <inkml:brushProperty name="width" value="0.1" units="cm"/>
-      <inkml:brushProperty name="height" value="0.1" units="cm"/>
-      <inkml:brushProperty name="color" value="#FFFF00"/>
+      <inkml:brushProperty name="width" value="0.05" units="cm"/>
+      <inkml:brushProperty name="height" value="0.05" units="cm"/>
+      <inkml:brushProperty name="color" value="#FFFFFF"/>
     </inkml:brush>
   </inkml:definitions>
-  <inkml:trace contextRef="#ctx0" brushRef="#br0">0 420 24575,'7'1'0,"0"1"0,0-1 0,0 2 0,0-1 0,-1 1 0,1 0 0,-1 0 0,1 1 0,-1 0 0,0 0 0,-1 0 0,1 1 0,-1-1 0,0 2 0,8 8 0,6 5 0,196 218 0,-164-177 0,-21-21 0,33 57 0,-42-61 0,2-1 0,43 50 0,-65-84 0,-1 1 0,0 0 0,1-1 0,-1 1 0,1 0 0,-1-1 0,1 1 0,0 0 0,-1-1 0,1 1 0,0-1 0,-1 1 0,1-1 0,0 1 0,0-1 0,-1 0 0,1 1 0,0-1 0,0 0 0,0 0 0,-1 1 0,1-1 0,0 0 0,0 0 0,0 0 0,0 0 0,0 0 0,-1 0 0,1 0 0,0-1 0,1 1 0,15-29 0,133-345 0,20-48 0,-73 208-1365,-68 157-5461</inkml:trace>
+  <inkml:trace contextRef="#ctx0" brushRef="#br0">70 685 24575,'-16'-89'0,"11"4"0,-37-374 0,38 431-1365,1 4-5461</inkml:trace>
 </inkml:ink>
 </file>
 
@@ -659,6 +659,230 @@
           <inkml:channelProperty channel="F" name="resolution" value="0" units="1/dev"/>
         </inkml:channelProperties>
       </inkml:inkSource>
+      <inkml:timestamp xml:id="ts0" timeString="2023-04-26T18:16:46.186"/>
+    </inkml:context>
+    <inkml:brush xml:id="br0">
+      <inkml:brushProperty name="width" value="0.05" units="cm"/>
+      <inkml:brushProperty name="height" value="0.05" units="cm"/>
+      <inkml:brushProperty name="color" value="#FFFFFF"/>
+    </inkml:brush>
+  </inkml:definitions>
+  <inkml:trace contextRef="#ctx0" brushRef="#br0">0 282 24575,'67'-160'0,"-26"59"0,-41 100 0,0 0 0,1 0 0,-1 0 0,0 0 0,1 0 0,-1 0 0,1 0 0,-1 0 0,1 0 0,-1 0 0,1 0 0,-1 0 0,1 1 0,0-1 0,0 0 0,-1 0 0,1 1 0,0-1 0,0 1 0,0-1 0,0 0 0,0 1 0,0 0 0,0-1 0,0 1 0,1-1 0,0 2 0,1 0 0,-1 0 0,0 1 0,1-1 0,-1 0 0,0 1 0,0-1 0,0 1 0,0 0 0,3 3 0,8 9 19,-1 1 0,18 27 1,-23-31-198,0 0 0,1-1 0,0 0 0,1 0 0,0-1 1,0 0-1,21 16 0</inkml:trace>
+</inkml:ink>
+</file>
+
+<file path=ppt/ink/ink21.xml><?xml version="1.0" encoding="utf-8"?>
+<inkml:ink xmlns:inkml="http://www.w3.org/2003/InkML">
+  <inkml:definitions>
+    <inkml:context xml:id="ctx0">
+      <inkml:inkSource xml:id="inkSrc0">
+        <inkml:traceFormat>
+          <inkml:channel name="X" type="integer" min="-2.14748E9" max="2.14748E9" units="cm"/>
+          <inkml:channel name="Y" type="integer" min="-2.14748E9" max="2.14748E9" units="cm"/>
+          <inkml:channel name="F" type="integer" max="32767" units="dev"/>
+        </inkml:traceFormat>
+        <inkml:channelProperties>
+          <inkml:channelProperty channel="X" name="resolution" value="1000" units="1/cm"/>
+          <inkml:channelProperty channel="Y" name="resolution" value="1000" units="1/cm"/>
+          <inkml:channelProperty channel="F" name="resolution" value="0" units="1/dev"/>
+        </inkml:channelProperties>
+      </inkml:inkSource>
+      <inkml:timestamp xml:id="ts0" timeString="2023-04-22T09:59:18.033"/>
+    </inkml:context>
+    <inkml:brush xml:id="br0">
+      <inkml:brushProperty name="width" value="0.1" units="cm"/>
+      <inkml:brushProperty name="height" value="0.1" units="cm"/>
+      <inkml:brushProperty name="color" value="#FFFF00"/>
+    </inkml:brush>
+  </inkml:definitions>
+  <inkml:trace contextRef="#ctx0" brushRef="#br0">0 0 24575,'16'4'0,"49"25"0,64 40 0,102 51 0,87 45 0,104 69-3261,111 87 3261,25 36-2732,-48-7 2732,-98-47 0,-103-56-1029,-89-57 1029,-73-50 0,-54-40 0,-39-33 1870,-24-29-1870,-18-20-3039</inkml:trace>
+</inkml:ink>
+</file>
+
+<file path=ppt/ink/ink22.xml><?xml version="1.0" encoding="utf-8"?>
+<inkml:ink xmlns:inkml="http://www.w3.org/2003/InkML">
+  <inkml:definitions>
+    <inkml:context xml:id="ctx0">
+      <inkml:inkSource xml:id="inkSrc0">
+        <inkml:traceFormat>
+          <inkml:channel name="X" type="integer" min="-2.14748E9" max="2.14748E9" units="cm"/>
+          <inkml:channel name="Y" type="integer" min="-2.14748E9" max="2.14748E9" units="cm"/>
+          <inkml:channel name="F" type="integer" max="32767" units="dev"/>
+        </inkml:traceFormat>
+        <inkml:channelProperties>
+          <inkml:channelProperty channel="X" name="resolution" value="1000" units="1/cm"/>
+          <inkml:channelProperty channel="Y" name="resolution" value="1000" units="1/cm"/>
+          <inkml:channelProperty channel="F" name="resolution" value="0" units="1/dev"/>
+        </inkml:channelProperties>
+      </inkml:inkSource>
+      <inkml:timestamp xml:id="ts0" timeString="2023-04-22T10:01:00.673"/>
+    </inkml:context>
+    <inkml:brush xml:id="br0">
+      <inkml:brushProperty name="width" value="0.1" units="cm"/>
+      <inkml:brushProperty name="height" value="0.1" units="cm"/>
+      <inkml:brushProperty name="color" value="#FFFF00"/>
+    </inkml:brush>
+  </inkml:definitions>
+  <inkml:trace contextRef="#ctx0" brushRef="#br0">0 1 24575,'107'3'7,"0"6"0,198 40 0,197 88-263,37 46-170,-9 23 0,522 286 0,-1035-484 846,1-1-1,26 8 0,10 3-1529</inkml:trace>
+</inkml:ink>
+</file>
+
+<file path=ppt/ink/ink23.xml><?xml version="1.0" encoding="utf-8"?>
+<inkml:ink xmlns:inkml="http://www.w3.org/2003/InkML">
+  <inkml:definitions>
+    <inkml:context xml:id="ctx0">
+      <inkml:inkSource xml:id="inkSrc0">
+        <inkml:traceFormat>
+          <inkml:channel name="X" type="integer" min="-2.14748E9" max="2.14748E9" units="cm"/>
+          <inkml:channel name="Y" type="integer" min="-2.14748E9" max="2.14748E9" units="cm"/>
+          <inkml:channel name="F" type="integer" max="32767" units="dev"/>
+        </inkml:traceFormat>
+        <inkml:channelProperties>
+          <inkml:channelProperty channel="X" name="resolution" value="1000" units="1/cm"/>
+          <inkml:channelProperty channel="Y" name="resolution" value="1000" units="1/cm"/>
+          <inkml:channelProperty channel="F" name="resolution" value="0" units="1/dev"/>
+        </inkml:channelProperties>
+      </inkml:inkSource>
+      <inkml:timestamp xml:id="ts0" timeString="2023-04-22T10:01:29.197"/>
+    </inkml:context>
+    <inkml:brush xml:id="br0">
+      <inkml:brushProperty name="width" value="0.1" units="cm"/>
+      <inkml:brushProperty name="height" value="0.1" units="cm"/>
+      <inkml:brushProperty name="color" value="#FFFF00"/>
+    </inkml:brush>
+  </inkml:definitions>
+  <inkml:trace contextRef="#ctx0" brushRef="#br0">516 1 24575,'222'580'0,"-155"-433"0,-67-147 0,0 1 0,1 0 0,-1-1 0,0 1 0,0 0 0,0 0 0,1-1 0,-1 1 0,0 0 0,0-1 0,0 1 0,0 0 0,0 0 0,-1-1 0,1 1 0,0 0 0,0-1 0,0 1 0,-1 0 0,1 0 0,0-1 0,-1 1 0,1-1 0,0 1 0,-1 0 0,1-1 0,-1 1 0,1-1 0,-1 1 0,1-1 0,-1 1 0,0-1 0,1 1 0,-1-1 0,1 0 0,-1 1 0,0-1 0,1 0 0,-1 0 0,0 1 0,0-1 0,-38 10 0,30-8 0,-336 89 115,-16 3-1595,323-86-5346</inkml:trace>
+</inkml:ink>
+</file>
+
+<file path=ppt/ink/ink24.xml><?xml version="1.0" encoding="utf-8"?>
+<inkml:ink xmlns:inkml="http://www.w3.org/2003/InkML">
+  <inkml:definitions>
+    <inkml:context xml:id="ctx0">
+      <inkml:inkSource xml:id="inkSrc0">
+        <inkml:traceFormat>
+          <inkml:channel name="X" type="integer" min="-2.14748E9" max="2.14748E9" units="cm"/>
+          <inkml:channel name="Y" type="integer" min="-2.14748E9" max="2.14748E9" units="cm"/>
+          <inkml:channel name="F" type="integer" max="32767" units="dev"/>
+        </inkml:traceFormat>
+        <inkml:channelProperties>
+          <inkml:channelProperty channel="X" name="resolution" value="1000" units="1/cm"/>
+          <inkml:channelProperty channel="Y" name="resolution" value="1000" units="1/cm"/>
+          <inkml:channelProperty channel="F" name="resolution" value="0" units="1/dev"/>
+        </inkml:channelProperties>
+      </inkml:inkSource>
+      <inkml:timestamp xml:id="ts0" timeString="2023-04-22T10:18:33.154"/>
+    </inkml:context>
+    <inkml:brush xml:id="br0">
+      <inkml:brushProperty name="width" value="0.1" units="cm"/>
+      <inkml:brushProperty name="height" value="0.1" units="cm"/>
+      <inkml:brushProperty name="color" value="#FFFF00"/>
+    </inkml:brush>
+  </inkml:definitions>
+  <inkml:trace contextRef="#ctx0" brushRef="#br0">796 1 24575,'0'9'0,"0"16"0,-5 25 0,-10 36 0,-15 47 0,-13 54 0,-19 57 0,-14 48 0,-11 32-1171,-4 10 1171,1-9 0,6-23 0,9-47 0,12-56 0,18-59 0,15-53-7020</inkml:trace>
+</inkml:ink>
+</file>
+
+<file path=ppt/ink/ink25.xml><?xml version="1.0" encoding="utf-8"?>
+<inkml:ink xmlns:inkml="http://www.w3.org/2003/InkML">
+  <inkml:definitions>
+    <inkml:context xml:id="ctx0">
+      <inkml:inkSource xml:id="inkSrc0">
+        <inkml:traceFormat>
+          <inkml:channel name="X" type="integer" min="-2.14748E9" max="2.14748E9" units="cm"/>
+          <inkml:channel name="Y" type="integer" min="-2.14748E9" max="2.14748E9" units="cm"/>
+          <inkml:channel name="F" type="integer" max="32767" units="dev"/>
+        </inkml:traceFormat>
+        <inkml:channelProperties>
+          <inkml:channelProperty channel="X" name="resolution" value="1000" units="1/cm"/>
+          <inkml:channelProperty channel="Y" name="resolution" value="1000" units="1/cm"/>
+          <inkml:channelProperty channel="F" name="resolution" value="0" units="1/dev"/>
+        </inkml:channelProperties>
+      </inkml:inkSource>
+      <inkml:timestamp xml:id="ts0" timeString="2023-04-22T10:18:55.621"/>
+    </inkml:context>
+    <inkml:brush xml:id="br0">
+      <inkml:brushProperty name="width" value="0.1" units="cm"/>
+      <inkml:brushProperty name="height" value="0.1" units="cm"/>
+      <inkml:brushProperty name="color" value="#FFFF00"/>
+    </inkml:brush>
+  </inkml:definitions>
+  <inkml:trace contextRef="#ctx0" brushRef="#br0">1 0 24575,'1'7'0,"1"-1"0,1 1 0,-1-1 0,1 0 0,0 0 0,1 0 0,-1-1 0,1 1 0,7 7 0,4 9 0,21 45 0,-3 2 0,-2 1 0,31 114 0,-46-137 0,-15-43 0,0-1 0,0 1 0,1-1 0,-1 1 0,1-1 0,0 0 0,0 0 0,0 0 0,1 0 0,-1 0 0,1 0 0,-1 0 0,1-1 0,0 1 0,0-1 0,0 0 0,0 0 0,1 0 0,-1 0 0,1-1 0,-1 0 0,1 1 0,-1-1 0,1 0 0,0 0 0,-1-1 0,1 1 0,7-1 0,5-1 0,0-1 0,0 0 0,0-1 0,-1 0 0,28-11 0,74-33-239,220-122-1,-268 131-646,-8 6-5940</inkml:trace>
+</inkml:ink>
+</file>
+
+<file path=ppt/ink/ink26.xml><?xml version="1.0" encoding="utf-8"?>
+<inkml:ink xmlns:inkml="http://www.w3.org/2003/InkML">
+  <inkml:definitions>
+    <inkml:context xml:id="ctx0">
+      <inkml:inkSource xml:id="inkSrc0">
+        <inkml:traceFormat>
+          <inkml:channel name="X" type="integer" min="-2.14748E9" max="2.14748E9" units="cm"/>
+          <inkml:channel name="Y" type="integer" min="-2.14748E9" max="2.14748E9" units="cm"/>
+          <inkml:channel name="F" type="integer" max="32767" units="dev"/>
+        </inkml:traceFormat>
+        <inkml:channelProperties>
+          <inkml:channelProperty channel="X" name="resolution" value="1000" units="1/cm"/>
+          <inkml:channelProperty channel="Y" name="resolution" value="1000" units="1/cm"/>
+          <inkml:channelProperty channel="F" name="resolution" value="0" units="1/dev"/>
+        </inkml:channelProperties>
+      </inkml:inkSource>
+      <inkml:timestamp xml:id="ts0" timeString="2023-04-22T10:19:22.247"/>
+    </inkml:context>
+    <inkml:brush xml:id="br0">
+      <inkml:brushProperty name="width" value="0.1" units="cm"/>
+      <inkml:brushProperty name="height" value="0.1" units="cm"/>
+      <inkml:brushProperty name="color" value="#FFFF00"/>
+    </inkml:brush>
+  </inkml:definitions>
+  <inkml:trace contextRef="#ctx0" brushRef="#br0">1 0 24575,'9'13'0,"11"36"0,12 53 0,22 93 0,24 79 0,3 29 0,5 38-1730,-2 17 1730,-8 24 0,-11-10 0,-18-45 0,-16-71 0,-14-68 418,-9-64-418,-7-51-6879</inkml:trace>
+</inkml:ink>
+</file>
+
+<file path=ppt/ink/ink27.xml><?xml version="1.0" encoding="utf-8"?>
+<inkml:ink xmlns:inkml="http://www.w3.org/2003/InkML">
+  <inkml:definitions>
+    <inkml:context xml:id="ctx0">
+      <inkml:inkSource xml:id="inkSrc0">
+        <inkml:traceFormat>
+          <inkml:channel name="X" type="integer" min="-2.14748E9" max="2.14748E9" units="cm"/>
+          <inkml:channel name="Y" type="integer" min="-2.14748E9" max="2.14748E9" units="cm"/>
+          <inkml:channel name="F" type="integer" max="32767" units="dev"/>
+        </inkml:traceFormat>
+        <inkml:channelProperties>
+          <inkml:channelProperty channel="X" name="resolution" value="1000" units="1/cm"/>
+          <inkml:channelProperty channel="Y" name="resolution" value="1000" units="1/cm"/>
+          <inkml:channelProperty channel="F" name="resolution" value="0" units="1/dev"/>
+        </inkml:channelProperties>
+      </inkml:inkSource>
+      <inkml:timestamp xml:id="ts0" timeString="2023-04-22T10:19:54.520"/>
+    </inkml:context>
+    <inkml:brush xml:id="br0">
+      <inkml:brushProperty name="width" value="0.1" units="cm"/>
+      <inkml:brushProperty name="height" value="0.1" units="cm"/>
+      <inkml:brushProperty name="color" value="#FFFF00"/>
+    </inkml:brush>
+  </inkml:definitions>
+  <inkml:trace contextRef="#ctx0" brushRef="#br0">0 420 24575,'7'1'0,"0"1"0,0-1 0,0 2 0,0-1 0,-1 1 0,1 0 0,-1 0 0,1 1 0,-1 0 0,0 0 0,-1 0 0,1 1 0,-1-1 0,0 2 0,8 8 0,6 5 0,196 218 0,-164-177 0,-21-21 0,33 57 0,-42-61 0,2-1 0,43 50 0,-65-84 0,-1 1 0,0 0 0,1-1 0,-1 1 0,1 0 0,-1-1 0,1 1 0,0 0 0,-1-1 0,1 1 0,0-1 0,-1 1 0,1-1 0,0 1 0,0-1 0,-1 0 0,1 1 0,0-1 0,0 0 0,0 0 0,-1 1 0,1-1 0,0 0 0,0 0 0,0 0 0,0 0 0,0 0 0,-1 0 0,1 0 0,0-1 0,1 1 0,15-29 0,133-345 0,20-48 0,-73 208-1365,-68 157-5461</inkml:trace>
+</inkml:ink>
+</file>
+
+<file path=ppt/ink/ink28.xml><?xml version="1.0" encoding="utf-8"?>
+<inkml:ink xmlns:inkml="http://www.w3.org/2003/InkML">
+  <inkml:definitions>
+    <inkml:context xml:id="ctx0">
+      <inkml:inkSource xml:id="inkSrc0">
+        <inkml:traceFormat>
+          <inkml:channel name="X" type="integer" min="-2.14748E9" max="2.14748E9" units="cm"/>
+          <inkml:channel name="Y" type="integer" min="-2.14748E9" max="2.14748E9" units="cm"/>
+          <inkml:channel name="F" type="integer" max="32767" units="dev"/>
+        </inkml:traceFormat>
+        <inkml:channelProperties>
+          <inkml:channelProperty channel="X" name="resolution" value="1000" units="1/cm"/>
+          <inkml:channelProperty channel="Y" name="resolution" value="1000" units="1/cm"/>
+          <inkml:channelProperty channel="F" name="resolution" value="0" units="1/dev"/>
+        </inkml:channelProperties>
+      </inkml:inkSource>
       <inkml:timestamp xml:id="ts0" timeString="2023-04-22T09:59:22.984"/>
     </inkml:context>
     <inkml:brush xml:id="br0">
@@ -671,7 +895,7 @@
 </inkml:ink>
 </file>
 
-<file path=ppt/ink/ink21.xml><?xml version="1.0" encoding="utf-8"?>
+<file path=ppt/ink/ink29.xml><?xml version="1.0" encoding="utf-8"?>
 <inkml:ink xmlns:inkml="http://www.w3.org/2003/InkML">
   <inkml:definitions>
     <inkml:context xml:id="ctx0">
@@ -696,34 +920,6 @@
     </inkml:brush>
   </inkml:definitions>
   <inkml:trace contextRef="#ctx0" brushRef="#br0">0 1 24575,'0'4'0,"16"17"0,25 33 0,37 43 0,61 80 0,46 65 0,24 51-1880,-9 20 1880,11 63 0,-16 11-1466,-21-12 1466,-28-31 0,-35-50-818,-29-58 818,-27-63 0,-25-60-4027</inkml:trace>
-</inkml:ink>
-</file>
-
-<file path=ppt/ink/ink22.xml><?xml version="1.0" encoding="utf-8"?>
-<inkml:ink xmlns:inkml="http://www.w3.org/2003/InkML">
-  <inkml:definitions>
-    <inkml:context xml:id="ctx0">
-      <inkml:inkSource xml:id="inkSrc0">
-        <inkml:traceFormat>
-          <inkml:channel name="X" type="integer" min="-2.14748E9" max="2.14748E9" units="cm"/>
-          <inkml:channel name="Y" type="integer" min="-2.14748E9" max="2.14748E9" units="cm"/>
-          <inkml:channel name="F" type="integer" max="32767" units="dev"/>
-        </inkml:traceFormat>
-        <inkml:channelProperties>
-          <inkml:channelProperty channel="X" name="resolution" value="1000" units="1/cm"/>
-          <inkml:channelProperty channel="Y" name="resolution" value="1000" units="1/cm"/>
-          <inkml:channelProperty channel="F" name="resolution" value="0" units="1/dev"/>
-        </inkml:channelProperties>
-      </inkml:inkSource>
-      <inkml:timestamp xml:id="ts0" timeString="2023-04-22T10:20:31.253"/>
-    </inkml:context>
-    <inkml:brush xml:id="br0">
-      <inkml:brushProperty name="width" value="0.1" units="cm"/>
-      <inkml:brushProperty name="height" value="0.1" units="cm"/>
-      <inkml:brushProperty name="color" value="#FFFF00"/>
-    </inkml:brush>
-  </inkml:definitions>
-  <inkml:trace contextRef="#ctx0" brushRef="#br0">1 401 24575,'27'2'0,"0"0"0,0 2 0,-1 1 0,1 1 0,-1 1 0,0 2 0,35 16 0,14 12 0,75 49 0,-116-65 0,0 1 0,-2 2 0,0 1 0,35 36 0,-66-59 0,0 0 0,1 0 0,0-1 0,-1 1 0,1 0 0,0-1 0,-1 1 0,1-1 0,0 0 0,0 0 0,0 0 0,0 0 0,4 1 0,-5-2 0,1-1 0,-1 1 0,1-1 0,-1 0 0,1 1 0,-1-1 0,0 0 0,1 0 0,-1 0 0,0 0 0,0-1 0,0 1 0,1 0 0,-1 0 0,-1-1 0,1 1 0,0 0 0,0-1 0,0 1 0,-1-1 0,2-1 0,111-234 0,-22 42 0,47-53-1365,-109 195-5461</inkml:trace>
 </inkml:ink>
 </file>
 
@@ -752,6 +948,34 @@
     </inkml:brush>
   </inkml:definitions>
   <inkml:trace contextRef="#ctx0" brushRef="#br0">1 0 24575,'625'0'-1365,"-603"0"-5461</inkml:trace>
+</inkml:ink>
+</file>
+
+<file path=ppt/ink/ink30.xml><?xml version="1.0" encoding="utf-8"?>
+<inkml:ink xmlns:inkml="http://www.w3.org/2003/InkML">
+  <inkml:definitions>
+    <inkml:context xml:id="ctx0">
+      <inkml:inkSource xml:id="inkSrc0">
+        <inkml:traceFormat>
+          <inkml:channel name="X" type="integer" min="-2.14748E9" max="2.14748E9" units="cm"/>
+          <inkml:channel name="Y" type="integer" min="-2.14748E9" max="2.14748E9" units="cm"/>
+          <inkml:channel name="F" type="integer" max="32767" units="dev"/>
+        </inkml:traceFormat>
+        <inkml:channelProperties>
+          <inkml:channelProperty channel="X" name="resolution" value="1000" units="1/cm"/>
+          <inkml:channelProperty channel="Y" name="resolution" value="1000" units="1/cm"/>
+          <inkml:channelProperty channel="F" name="resolution" value="0" units="1/dev"/>
+        </inkml:channelProperties>
+      </inkml:inkSource>
+      <inkml:timestamp xml:id="ts0" timeString="2023-04-22T10:20:31.253"/>
+    </inkml:context>
+    <inkml:brush xml:id="br0">
+      <inkml:brushProperty name="width" value="0.1" units="cm"/>
+      <inkml:brushProperty name="height" value="0.1" units="cm"/>
+      <inkml:brushProperty name="color" value="#FFFF00"/>
+    </inkml:brush>
+  </inkml:definitions>
+  <inkml:trace contextRef="#ctx0" brushRef="#br0">1 401 24575,'27'2'0,"0"0"0,0 2 0,-1 1 0,1 1 0,-1 1 0,0 2 0,35 16 0,14 12 0,75 49 0,-116-65 0,0 1 0,-2 2 0,0 1 0,35 36 0,-66-59 0,0 0 0,1 0 0,0-1 0,-1 1 0,1 0 0,0-1 0,-1 1 0,1-1 0,0 0 0,0 0 0,0 0 0,0 0 0,4 1 0,-5-2 0,1-1 0,-1 1 0,1-1 0,-1 0 0,1 1 0,-1-1 0,0 0 0,1 0 0,-1 0 0,0 0 0,0-1 0,0 1 0,1 0 0,-1 0 0,-1-1 0,1 1 0,0 0 0,0-1 0,0 1 0,-1-1 0,2-1 0,111-234 0,-22 42 0,47-53-1365,-109 195-5461</inkml:trace>
 </inkml:ink>
 </file>
 
@@ -24612,7 +24836,7 @@
                 <a:latin typeface="Cascadia Code" panose="020B0609020000020004" pitchFamily="49" charset="0"/>
                 <a:cs typeface="Cascadia Code" panose="020B0609020000020004" pitchFamily="49" charset="0"/>
               </a:rPr>
-              <a:t>Bindings</a:t>
+              <a:t>Bindings &amp; Triggers</a:t>
             </a:r>
             <a:endParaRPr sz="6000" dirty="0">
               <a:solidFill>
@@ -24638,7 +24862,7 @@
         </p:nvGrpSpPr>
         <p:grpSpPr>
           <a:xfrm>
-            <a:off x="6096000" y="3361888"/>
+            <a:off x="2745798" y="3632547"/>
             <a:ext cx="1231001" cy="922484"/>
             <a:chOff x="6096000" y="3361888"/>
             <a:chExt cx="1231001" cy="922484"/>
@@ -24737,10 +24961,10 @@
         </p:nvGrpSpPr>
         <p:grpSpPr>
           <a:xfrm>
-            <a:off x="4612382" y="2111140"/>
-            <a:ext cx="6140742" cy="3722097"/>
-            <a:chOff x="3025629" y="2111140"/>
-            <a:chExt cx="6140742" cy="3722097"/>
+            <a:off x="1559452" y="2359750"/>
+            <a:ext cx="4820569" cy="2951206"/>
+            <a:chOff x="3208601" y="2359750"/>
+            <a:chExt cx="4820569" cy="2951206"/>
           </a:xfrm>
         </p:grpSpPr>
         <p:sp>
@@ -24757,8 +24981,8 @@
           </p:nvSpPr>
           <p:spPr>
             <a:xfrm>
-              <a:off x="3025629" y="2111140"/>
-              <a:ext cx="6140742" cy="3414320"/>
+              <a:off x="3208601" y="2359750"/>
+              <a:ext cx="4820569" cy="2643429"/>
             </a:xfrm>
             <a:prstGeom prst="roundRect">
               <a:avLst/>
@@ -24810,7 +25034,7 @@
           </p:nvSpPr>
           <p:spPr>
             <a:xfrm>
-              <a:off x="7413811" y="5525460"/>
+              <a:off x="6303488" y="5003179"/>
               <a:ext cx="1622611" cy="307777"/>
             </a:xfrm>
             <a:prstGeom prst="rect">
@@ -24859,7 +25083,7 @@
         </p:nvGrpSpPr>
         <p:grpSpPr>
           <a:xfrm>
-            <a:off x="5817761" y="2450052"/>
+            <a:off x="2467559" y="2720711"/>
             <a:ext cx="1155511" cy="603078"/>
             <a:chOff x="5817761" y="2395046"/>
             <a:chExt cx="1155511" cy="603078"/>
@@ -24977,14 +25201,14 @@
         </p:nvGrpSpPr>
         <p:grpSpPr>
           <a:xfrm>
-            <a:off x="6483592" y="3065555"/>
+            <a:off x="3133390" y="3336214"/>
             <a:ext cx="137160" cy="237325"/>
             <a:chOff x="6027180" y="3065555"/>
             <a:chExt cx="137160" cy="237325"/>
           </a:xfrm>
         </p:grpSpPr>
-        <mc:AlternateContent xmlns:mc="http://schemas.openxmlformats.org/markup-compatibility/2006">
-          <mc:Choice xmlns:p14="http://schemas.microsoft.com/office/powerpoint/2010/main" Requires="p14">
+        <mc:AlternateContent xmlns:mc="http://schemas.openxmlformats.org/markup-compatibility/2006" xmlns:p14="http://schemas.microsoft.com/office/powerpoint/2010/main">
+          <mc:Choice Requires="p14">
             <p:contentPart p14:bwMode="auto" r:id="rId4">
               <p14:nvContentPartPr>
                 <p14:cNvPr id="35" name="Ink 34">
@@ -25003,7 +25227,7 @@
               </p14:xfrm>
             </p:contentPart>
           </mc:Choice>
-          <mc:Fallback>
+          <mc:Fallback xmlns="">
             <p:pic>
               <p:nvPicPr>
                 <p:cNvPr id="35" name="Ink 34">
@@ -25034,8 +25258,8 @@
             </p:pic>
           </mc:Fallback>
         </mc:AlternateContent>
-        <mc:AlternateContent xmlns:mc="http://schemas.openxmlformats.org/markup-compatibility/2006">
-          <mc:Choice xmlns:p14="http://schemas.microsoft.com/office/powerpoint/2010/main" Requires="p14">
+        <mc:AlternateContent xmlns:mc="http://schemas.openxmlformats.org/markup-compatibility/2006" xmlns:p14="http://schemas.microsoft.com/office/powerpoint/2010/main">
+          <mc:Choice Requires="p14">
             <p:contentPart p14:bwMode="auto" r:id="rId6">
               <p14:nvContentPartPr>
                 <p14:cNvPr id="390" name="Ink 389">
@@ -25054,7 +25278,7 @@
               </p14:xfrm>
             </p:contentPart>
           </mc:Choice>
-          <mc:Fallback>
+          <mc:Fallback xmlns="">
             <p:pic>
               <p:nvPicPr>
                 <p:cNvPr id="390" name="Ink 389">
@@ -25100,7 +25324,7 @@
         </p:nvGrpSpPr>
         <p:grpSpPr>
           <a:xfrm>
-            <a:off x="5005724" y="3520061"/>
+            <a:off x="1655522" y="3790720"/>
             <a:ext cx="837659" cy="660940"/>
             <a:chOff x="5005724" y="3520061"/>
             <a:chExt cx="837659" cy="660940"/>
@@ -25219,14 +25443,14 @@
         </p:nvGrpSpPr>
         <p:grpSpPr>
           <a:xfrm>
-            <a:off x="5754123" y="3766939"/>
+            <a:off x="2403921" y="4037598"/>
             <a:ext cx="249735" cy="126360"/>
             <a:chOff x="5297711" y="3766939"/>
             <a:chExt cx="249735" cy="126360"/>
           </a:xfrm>
         </p:grpSpPr>
-        <mc:AlternateContent xmlns:mc="http://schemas.openxmlformats.org/markup-compatibility/2006">
-          <mc:Choice xmlns:p14="http://schemas.microsoft.com/office/powerpoint/2010/main" Requires="p14">
+        <mc:AlternateContent xmlns:mc="http://schemas.openxmlformats.org/markup-compatibility/2006" xmlns:p14="http://schemas.microsoft.com/office/powerpoint/2010/main">
+          <mc:Choice Requires="p14">
             <p:contentPart p14:bwMode="auto" r:id="rId8">
               <p14:nvContentPartPr>
                 <p14:cNvPr id="405" name="Ink 404">
@@ -25245,7 +25469,7 @@
               </p14:xfrm>
             </p:contentPart>
           </mc:Choice>
-          <mc:Fallback>
+          <mc:Fallback xmlns="">
             <p:pic>
               <p:nvPicPr>
                 <p:cNvPr id="405" name="Ink 404">
@@ -25276,8 +25500,8 @@
             </p:pic>
           </mc:Fallback>
         </mc:AlternateContent>
-        <mc:AlternateContent xmlns:mc="http://schemas.openxmlformats.org/markup-compatibility/2006">
-          <mc:Choice xmlns:p14="http://schemas.microsoft.com/office/powerpoint/2010/main" Requires="p14">
+        <mc:AlternateContent xmlns:mc="http://schemas.openxmlformats.org/markup-compatibility/2006" xmlns:p14="http://schemas.microsoft.com/office/powerpoint/2010/main">
+          <mc:Choice Requires="p14">
             <p:contentPart p14:bwMode="auto" r:id="rId10">
               <p14:nvContentPartPr>
                 <p14:cNvPr id="494" name="Ink 493">
@@ -25296,7 +25520,7 @@
               </p14:xfrm>
             </p:contentPart>
           </mc:Choice>
-          <mc:Fallback>
+          <mc:Fallback xmlns="">
             <p:pic>
               <p:nvPicPr>
                 <p:cNvPr id="494" name="Ink 493">
@@ -25701,7 +25925,7 @@
         </p:nvGrpSpPr>
         <p:grpSpPr>
           <a:xfrm>
-            <a:off x="7250508" y="3525822"/>
+            <a:off x="3900306" y="3796481"/>
             <a:ext cx="912824" cy="660940"/>
             <a:chOff x="7250508" y="3525822"/>
             <a:chExt cx="912824" cy="660940"/>
@@ -25820,14 +26044,14 @@
         </p:nvGrpSpPr>
         <p:grpSpPr>
           <a:xfrm>
-            <a:off x="7104014" y="3742329"/>
+            <a:off x="3753812" y="4012988"/>
             <a:ext cx="257400" cy="126720"/>
             <a:chOff x="8234355" y="3742329"/>
             <a:chExt cx="257400" cy="126720"/>
           </a:xfrm>
         </p:grpSpPr>
-        <mc:AlternateContent xmlns:mc="http://schemas.openxmlformats.org/markup-compatibility/2006">
-          <mc:Choice xmlns:p14="http://schemas.microsoft.com/office/powerpoint/2010/main" Requires="p14">
+        <mc:AlternateContent xmlns:mc="http://schemas.openxmlformats.org/markup-compatibility/2006" xmlns:p14="http://schemas.microsoft.com/office/powerpoint/2010/main">
+          <mc:Choice Requires="p14">
             <p:contentPart p14:bwMode="auto" r:id="rId12">
               <p14:nvContentPartPr>
                 <p14:cNvPr id="558" name="Ink 557">
@@ -25846,7 +26070,7 @@
               </p14:xfrm>
             </p:contentPart>
           </mc:Choice>
-          <mc:Fallback>
+          <mc:Fallback xmlns="">
             <p:pic>
               <p:nvPicPr>
                 <p:cNvPr id="558" name="Ink 557">
@@ -25877,8 +26101,8 @@
             </p:pic>
           </mc:Fallback>
         </mc:AlternateContent>
-        <mc:AlternateContent xmlns:mc="http://schemas.openxmlformats.org/markup-compatibility/2006">
-          <mc:Choice xmlns:p14="http://schemas.microsoft.com/office/powerpoint/2010/main" Requires="p14">
+        <mc:AlternateContent xmlns:mc="http://schemas.openxmlformats.org/markup-compatibility/2006" xmlns:p14="http://schemas.microsoft.com/office/powerpoint/2010/main">
+          <mc:Choice Requires="p14">
             <p:contentPart p14:bwMode="auto" r:id="rId14">
               <p14:nvContentPartPr>
                 <p14:cNvPr id="564" name="Ink 563">
@@ -25897,7 +26121,7 @@
               </p14:xfrm>
             </p:contentPart>
           </mc:Choice>
-          <mc:Fallback>
+          <mc:Fallback xmlns="">
             <p:pic>
               <p:nvPicPr>
                 <p:cNvPr id="564" name="Ink 563">
@@ -25943,14 +26167,14 @@
         </p:nvGrpSpPr>
         <p:grpSpPr>
           <a:xfrm>
-            <a:off x="7991409" y="3752485"/>
+            <a:off x="4641207" y="4023144"/>
             <a:ext cx="276480" cy="141120"/>
             <a:chOff x="9121750" y="3752485"/>
             <a:chExt cx="276480" cy="141120"/>
           </a:xfrm>
         </p:grpSpPr>
-        <mc:AlternateContent xmlns:mc="http://schemas.openxmlformats.org/markup-compatibility/2006">
-          <mc:Choice xmlns:p14="http://schemas.microsoft.com/office/powerpoint/2010/main" Requires="p14">
+        <mc:AlternateContent xmlns:mc="http://schemas.openxmlformats.org/markup-compatibility/2006" xmlns:p14="http://schemas.microsoft.com/office/powerpoint/2010/main">
+          <mc:Choice Requires="p14">
             <p:contentPart p14:bwMode="auto" r:id="rId16">
               <p14:nvContentPartPr>
                 <p14:cNvPr id="567" name="Ink 566">
@@ -25969,7 +26193,7 @@
               </p14:xfrm>
             </p:contentPart>
           </mc:Choice>
-          <mc:Fallback>
+          <mc:Fallback xmlns="">
             <p:pic>
               <p:nvPicPr>
                 <p:cNvPr id="567" name="Ink 566">
@@ -26000,8 +26224,8 @@
             </p:pic>
           </mc:Fallback>
         </mc:AlternateContent>
-        <mc:AlternateContent xmlns:mc="http://schemas.openxmlformats.org/markup-compatibility/2006">
-          <mc:Choice xmlns:p14="http://schemas.microsoft.com/office/powerpoint/2010/main" Requires="p14">
+        <mc:AlternateContent xmlns:mc="http://schemas.openxmlformats.org/markup-compatibility/2006" xmlns:p14="http://schemas.microsoft.com/office/powerpoint/2010/main">
+          <mc:Choice Requires="p14">
             <p:contentPart p14:bwMode="auto" r:id="rId18">
               <p14:nvContentPartPr>
                 <p14:cNvPr id="573" name="Ink 572">
@@ -26020,7 +26244,7 @@
               </p14:xfrm>
             </p:contentPart>
           </mc:Choice>
-          <mc:Fallback>
+          <mc:Fallback xmlns="">
             <p:pic>
               <p:nvPicPr>
                 <p:cNvPr id="573" name="Ink 572">
@@ -26066,7 +26290,7 @@
         </p:nvGrpSpPr>
         <p:grpSpPr>
           <a:xfrm>
-            <a:off x="8400138" y="3353532"/>
+            <a:off x="5049936" y="3624191"/>
             <a:ext cx="1601238" cy="922484"/>
             <a:chOff x="8400138" y="3353532"/>
             <a:chExt cx="1601238" cy="922484"/>
@@ -26165,7 +26389,7 @@
         </p:nvGrpSpPr>
         <p:grpSpPr>
           <a:xfrm>
-            <a:off x="7336795" y="3589061"/>
+            <a:off x="3986593" y="3859720"/>
             <a:ext cx="912824" cy="775062"/>
             <a:chOff x="8386742" y="4440456"/>
             <a:chExt cx="912824" cy="775062"/>
@@ -26271,7 +26495,7 @@
         </p:nvGrpSpPr>
         <p:grpSpPr>
           <a:xfrm>
-            <a:off x="7235835" y="3602905"/>
+            <a:off x="3885633" y="3873564"/>
             <a:ext cx="844924" cy="755818"/>
             <a:chOff x="7025733" y="4458004"/>
             <a:chExt cx="844924" cy="755818"/>
@@ -26377,7 +26601,7 @@
         </p:nvGrpSpPr>
         <p:grpSpPr>
           <a:xfrm>
-            <a:off x="5970742" y="2395090"/>
+            <a:off x="2620540" y="2665749"/>
             <a:ext cx="798509" cy="609882"/>
             <a:chOff x="5528620" y="4212212"/>
             <a:chExt cx="798509" cy="609882"/>
@@ -26482,7 +26706,7 @@
         </p:nvGrpSpPr>
         <p:grpSpPr>
           <a:xfrm>
-            <a:off x="5898924" y="2448189"/>
+            <a:off x="2548722" y="2718848"/>
             <a:ext cx="944761" cy="603078"/>
             <a:chOff x="6892266" y="2393110"/>
             <a:chExt cx="944761" cy="603078"/>
@@ -26600,7 +26824,7 @@
         </p:nvGrpSpPr>
         <p:grpSpPr>
           <a:xfrm>
-            <a:off x="7221858" y="2792051"/>
+            <a:off x="3871656" y="3062710"/>
             <a:ext cx="1364911" cy="597345"/>
             <a:chOff x="7285999" y="2830592"/>
             <a:chExt cx="1364911" cy="597345"/>
@@ -26724,7 +26948,7 @@
         </p:nvGrpSpPr>
         <p:grpSpPr>
           <a:xfrm>
-            <a:off x="5069671" y="3563753"/>
+            <a:off x="1719469" y="3834412"/>
             <a:ext cx="912824" cy="786332"/>
             <a:chOff x="9406279" y="2635984"/>
             <a:chExt cx="912824" cy="786332"/>
@@ -26830,7 +27054,7 @@
         </p:nvGrpSpPr>
         <p:grpSpPr>
           <a:xfrm>
-            <a:off x="5882430" y="2382665"/>
+            <a:off x="2532228" y="2653324"/>
             <a:ext cx="912824" cy="624058"/>
             <a:chOff x="8485070" y="4365521"/>
             <a:chExt cx="912824" cy="624058"/>
@@ -26935,14 +27159,14 @@
         </p:nvGrpSpPr>
         <p:grpSpPr>
           <a:xfrm>
-            <a:off x="6900574" y="3165356"/>
+            <a:off x="3550372" y="3436015"/>
             <a:ext cx="364680" cy="316080"/>
             <a:chOff x="6900574" y="3165356"/>
             <a:chExt cx="364680" cy="316080"/>
           </a:xfrm>
         </p:grpSpPr>
-        <mc:AlternateContent xmlns:mc="http://schemas.openxmlformats.org/markup-compatibility/2006">
-          <mc:Choice xmlns:p14="http://schemas.microsoft.com/office/powerpoint/2010/main" Requires="p14">
+        <mc:AlternateContent xmlns:mc="http://schemas.openxmlformats.org/markup-compatibility/2006" xmlns:p14="http://schemas.microsoft.com/office/powerpoint/2010/main">
+          <mc:Choice Requires="p14">
             <p:contentPart p14:bwMode="auto" r:id="rId32">
               <p14:nvContentPartPr>
                 <p14:cNvPr id="659" name="Ink 658">
@@ -26961,7 +27185,7 @@
               </p14:xfrm>
             </p:contentPart>
           </mc:Choice>
-          <mc:Fallback>
+          <mc:Fallback xmlns="">
             <p:pic>
               <p:nvPicPr>
                 <p:cNvPr id="659" name="Ink 658">
@@ -26992,8 +27216,8 @@
             </p:pic>
           </mc:Fallback>
         </mc:AlternateContent>
-        <mc:AlternateContent xmlns:mc="http://schemas.openxmlformats.org/markup-compatibility/2006">
-          <mc:Choice xmlns:p14="http://schemas.microsoft.com/office/powerpoint/2010/main" Requires="p14">
+        <mc:AlternateContent xmlns:mc="http://schemas.openxmlformats.org/markup-compatibility/2006" xmlns:p14="http://schemas.microsoft.com/office/powerpoint/2010/main">
+          <mc:Choice Requires="p14">
             <p:contentPart p14:bwMode="auto" r:id="rId34">
               <p14:nvContentPartPr>
                 <p14:cNvPr id="663" name="Ink 662">
@@ -27012,7 +27236,7 @@
               </p14:xfrm>
             </p:contentPart>
           </mc:Choice>
-          <mc:Fallback>
+          <mc:Fallback xmlns="">
             <p:pic>
               <p:nvPicPr>
                 <p:cNvPr id="663" name="Ink 662">
@@ -27043,8 +27267,8 @@
             </p:pic>
           </mc:Fallback>
         </mc:AlternateContent>
-        <mc:AlternateContent xmlns:mc="http://schemas.openxmlformats.org/markup-compatibility/2006">
-          <mc:Choice xmlns:p14="http://schemas.microsoft.com/office/powerpoint/2010/main" Requires="p14">
+        <mc:AlternateContent xmlns:mc="http://schemas.openxmlformats.org/markup-compatibility/2006" xmlns:p14="http://schemas.microsoft.com/office/powerpoint/2010/main">
+          <mc:Choice Requires="p14">
             <p:contentPart p14:bwMode="auto" r:id="rId36">
               <p14:nvContentPartPr>
                 <p14:cNvPr id="665" name="Ink 664">
@@ -27063,7 +27287,7 @@
               </p14:xfrm>
             </p:contentPart>
           </mc:Choice>
-          <mc:Fallback>
+          <mc:Fallback xmlns="">
             <p:pic>
               <p:nvPicPr>
                 <p:cNvPr id="665" name="Ink 664">
@@ -27094,8 +27318,8 @@
             </p:pic>
           </mc:Fallback>
         </mc:AlternateContent>
-        <mc:AlternateContent xmlns:mc="http://schemas.openxmlformats.org/markup-compatibility/2006">
-          <mc:Choice xmlns:p14="http://schemas.microsoft.com/office/powerpoint/2010/main" Requires="p14">
+        <mc:AlternateContent xmlns:mc="http://schemas.openxmlformats.org/markup-compatibility/2006" xmlns:p14="http://schemas.microsoft.com/office/powerpoint/2010/main">
+          <mc:Choice Requires="p14">
             <p:contentPart p14:bwMode="auto" r:id="rId38">
               <p14:nvContentPartPr>
                 <p14:cNvPr id="668" name="Ink 667">
@@ -27114,7 +27338,7 @@
               </p14:xfrm>
             </p:contentPart>
           </mc:Choice>
-          <mc:Fallback>
+          <mc:Fallback xmlns="">
             <p:pic>
               <p:nvPicPr>
                 <p:cNvPr id="668" name="Ink 667">
@@ -27349,6 +27573,1010 @@
           </a:p>
         </p:txBody>
       </p:sp>
+      <p:grpSp>
+        <p:nvGrpSpPr>
+          <p:cNvPr id="8" name="StorageTable">
+            <a:extLst>
+              <a:ext uri="{FF2B5EF4-FFF2-40B4-BE49-F238E27FC236}">
+                <a16:creationId xmlns:a16="http://schemas.microsoft.com/office/drawing/2014/main" id="{E656317B-DC61-B095-B5AB-B8E399D97BC3}"/>
+              </a:ext>
+            </a:extLst>
+          </p:cNvPr>
+          <p:cNvGrpSpPr/>
+          <p:nvPr/>
+        </p:nvGrpSpPr>
+        <p:grpSpPr>
+          <a:xfrm>
+            <a:off x="6815225" y="3834412"/>
+            <a:ext cx="912824" cy="786332"/>
+            <a:chOff x="9406279" y="2635984"/>
+            <a:chExt cx="912824" cy="786332"/>
+          </a:xfrm>
+        </p:grpSpPr>
+        <p:pic>
+          <p:nvPicPr>
+            <p:cNvPr id="9" name="Graphic 8">
+              <a:extLst>
+                <a:ext uri="{FF2B5EF4-FFF2-40B4-BE49-F238E27FC236}">
+                  <a16:creationId xmlns:a16="http://schemas.microsoft.com/office/drawing/2014/main" id="{CFB099E8-3017-0005-A3CA-9461832D3F77}"/>
+                </a:ext>
+              </a:extLst>
+            </p:cNvPr>
+            <p:cNvPicPr>
+              <a:picLocks noChangeAspect="1"/>
+            </p:cNvPicPr>
+            <p:nvPr/>
+          </p:nvPicPr>
+          <p:blipFill>
+            <a:blip r:embed="rId28">
+              <a:extLst>
+                <a:ext uri="{96DAC541-7B7A-43D3-8B79-37D633B846F1}">
+                  <asvg:svgBlip xmlns:asvg="http://schemas.microsoft.com/office/drawing/2016/SVG/main" r:embed="rId29"/>
+                </a:ext>
+              </a:extLst>
+            </a:blip>
+            <a:stretch>
+              <a:fillRect/>
+            </a:stretch>
+          </p:blipFill>
+          <p:spPr>
+            <a:xfrm>
+              <a:off x="9551291" y="2635984"/>
+              <a:ext cx="444523" cy="444523"/>
+            </a:xfrm>
+            <a:prstGeom prst="rect">
+              <a:avLst/>
+            </a:prstGeom>
+          </p:spPr>
+        </p:pic>
+        <p:sp>
+          <p:nvSpPr>
+            <p:cNvPr id="10" name="TextBox 9">
+              <a:extLst>
+                <a:ext uri="{FF2B5EF4-FFF2-40B4-BE49-F238E27FC236}">
+                  <a16:creationId xmlns:a16="http://schemas.microsoft.com/office/drawing/2014/main" id="{E7FE62C3-2CA7-DEA6-745D-C7DA82503F2C}"/>
+                </a:ext>
+              </a:extLst>
+            </p:cNvPr>
+            <p:cNvSpPr txBox="1"/>
+            <p:nvPr/>
+          </p:nvSpPr>
+          <p:spPr>
+            <a:xfrm>
+              <a:off x="9406279" y="2991429"/>
+              <a:ext cx="912824" cy="430887"/>
+            </a:xfrm>
+            <a:prstGeom prst="rect">
+              <a:avLst/>
+            </a:prstGeom>
+            <a:noFill/>
+          </p:spPr>
+          <p:txBody>
+            <a:bodyPr wrap="square" rtlCol="0">
+              <a:spAutoFit/>
+            </a:bodyPr>
+            <a:lstStyle/>
+            <a:p>
+              <a:pPr algn="r"/>
+              <a:r>
+                <a:rPr lang="en-US" sz="1100" b="1" dirty="0">
+                  <a:solidFill>
+                    <a:srgbClr val="B9D4B4"/>
+                  </a:solidFill>
+                  <a:latin typeface="Cascadia Code" panose="020B0609020000020004" pitchFamily="49" charset="0"/>
+                  <a:cs typeface="Cascadia Code" panose="020B0609020000020004" pitchFamily="49" charset="0"/>
+                </a:rPr>
+                <a:t>Storage Table</a:t>
+              </a:r>
+              <a:endParaRPr lang="en-SE" sz="1100" b="1" dirty="0">
+                <a:solidFill>
+                  <a:srgbClr val="B9D4B4"/>
+                </a:solidFill>
+                <a:latin typeface="Cascadia Code" panose="020B0609020000020004" pitchFamily="49" charset="0"/>
+                <a:cs typeface="Cascadia Code" panose="020B0609020000020004" pitchFamily="49" charset="0"/>
+              </a:endParaRPr>
+            </a:p>
+          </p:txBody>
+        </p:sp>
+      </p:grpSp>
+      <p:grpSp>
+        <p:nvGrpSpPr>
+          <p:cNvPr id="51" name="OutputTableArrow">
+            <a:extLst>
+              <a:ext uri="{FF2B5EF4-FFF2-40B4-BE49-F238E27FC236}">
+                <a16:creationId xmlns:a16="http://schemas.microsoft.com/office/drawing/2014/main" id="{3C14E3E3-CD6B-2D05-3E6E-0B44B815BC44}"/>
+              </a:ext>
+            </a:extLst>
+          </p:cNvPr>
+          <p:cNvGrpSpPr/>
+          <p:nvPr/>
+        </p:nvGrpSpPr>
+        <p:grpSpPr>
+          <a:xfrm>
+            <a:off x="6109965" y="4006678"/>
+            <a:ext cx="697975" cy="155880"/>
+            <a:chOff x="5595615" y="4006678"/>
+            <a:chExt cx="697975" cy="155880"/>
+          </a:xfrm>
+        </p:grpSpPr>
+        <mc:AlternateContent xmlns:mc="http://schemas.openxmlformats.org/markup-compatibility/2006">
+          <mc:Choice xmlns:p14="http://schemas.microsoft.com/office/powerpoint/2010/main" Requires="p14">
+            <p:contentPart p14:bwMode="auto" r:id="rId40">
+              <p14:nvContentPartPr>
+                <p14:cNvPr id="48" name="Ink 47">
+                  <a:extLst>
+                    <a:ext uri="{FF2B5EF4-FFF2-40B4-BE49-F238E27FC236}">
+                      <a16:creationId xmlns:a16="http://schemas.microsoft.com/office/drawing/2014/main" id="{EAF3E80C-5DBF-1254-FD85-6D7B39B464AD}"/>
+                    </a:ext>
+                  </a:extLst>
+                </p14:cNvPr>
+                <p14:cNvContentPartPr/>
+                <p14:nvPr/>
+              </p14:nvContentPartPr>
+              <p14:xfrm>
+                <a:off x="5595615" y="4095533"/>
+                <a:ext cx="676800" cy="14760"/>
+              </p14:xfrm>
+            </p:contentPart>
+          </mc:Choice>
+          <mc:Fallback>
+            <p:pic>
+              <p:nvPicPr>
+                <p:cNvPr id="48" name="Ink 47">
+                  <a:extLst>
+                    <a:ext uri="{FF2B5EF4-FFF2-40B4-BE49-F238E27FC236}">
+                      <a16:creationId xmlns:a16="http://schemas.microsoft.com/office/drawing/2014/main" id="{EAF3E80C-5DBF-1254-FD85-6D7B39B464AD}"/>
+                    </a:ext>
+                  </a:extLst>
+                </p:cNvPr>
+                <p:cNvPicPr/>
+                <p:nvPr/>
+              </p:nvPicPr>
+              <p:blipFill>
+                <a:blip r:embed="rId41"/>
+                <a:stretch>
+                  <a:fillRect/>
+                </a:stretch>
+              </p:blipFill>
+              <p:spPr>
+                <a:xfrm>
+                  <a:off x="5586975" y="4086533"/>
+                  <a:ext cx="694440" cy="32400"/>
+                </a:xfrm>
+                <a:prstGeom prst="rect">
+                  <a:avLst/>
+                </a:prstGeom>
+              </p:spPr>
+            </p:pic>
+          </mc:Fallback>
+        </mc:AlternateContent>
+        <mc:AlternateContent xmlns:mc="http://schemas.openxmlformats.org/markup-compatibility/2006">
+          <mc:Choice xmlns:p14="http://schemas.microsoft.com/office/powerpoint/2010/main" Requires="p14">
+            <p:contentPart p14:bwMode="auto" r:id="rId42">
+              <p14:nvContentPartPr>
+                <p14:cNvPr id="50" name="Ink 49">
+                  <a:extLst>
+                    <a:ext uri="{FF2B5EF4-FFF2-40B4-BE49-F238E27FC236}">
+                      <a16:creationId xmlns:a16="http://schemas.microsoft.com/office/drawing/2014/main" id="{B39ABA0E-7ED3-D081-9775-8C01BC89BE17}"/>
+                    </a:ext>
+                  </a:extLst>
+                </p14:cNvPr>
+                <p14:cNvContentPartPr/>
+                <p14:nvPr/>
+              </p14:nvContentPartPr>
+              <p14:xfrm>
+                <a:off x="6175870" y="4006678"/>
+                <a:ext cx="117720" cy="155880"/>
+              </p14:xfrm>
+            </p:contentPart>
+          </mc:Choice>
+          <mc:Fallback>
+            <p:pic>
+              <p:nvPicPr>
+                <p:cNvPr id="50" name="Ink 49">
+                  <a:extLst>
+                    <a:ext uri="{FF2B5EF4-FFF2-40B4-BE49-F238E27FC236}">
+                      <a16:creationId xmlns:a16="http://schemas.microsoft.com/office/drawing/2014/main" id="{B39ABA0E-7ED3-D081-9775-8C01BC89BE17}"/>
+                    </a:ext>
+                  </a:extLst>
+                </p:cNvPr>
+                <p:cNvPicPr/>
+                <p:nvPr/>
+              </p:nvPicPr>
+              <p:blipFill>
+                <a:blip r:embed="rId43"/>
+                <a:stretch>
+                  <a:fillRect/>
+                </a:stretch>
+              </p:blipFill>
+              <p:spPr>
+                <a:xfrm>
+                  <a:off x="6167230" y="3997678"/>
+                  <a:ext cx="135360" cy="173520"/>
+                </a:xfrm>
+                <a:prstGeom prst="rect">
+                  <a:avLst/>
+                </a:prstGeom>
+              </p:spPr>
+            </p:pic>
+          </mc:Fallback>
+        </mc:AlternateContent>
+      </p:grpSp>
+      <p:grpSp>
+        <p:nvGrpSpPr>
+          <p:cNvPr id="52" name="FunctionApp">
+            <a:extLst>
+              <a:ext uri="{FF2B5EF4-FFF2-40B4-BE49-F238E27FC236}">
+                <a16:creationId xmlns:a16="http://schemas.microsoft.com/office/drawing/2014/main" id="{922FBC0B-93E4-AFBF-80FB-893B1B3DD235}"/>
+              </a:ext>
+            </a:extLst>
+          </p:cNvPr>
+          <p:cNvGrpSpPr/>
+          <p:nvPr/>
+        </p:nvGrpSpPr>
+        <p:grpSpPr>
+          <a:xfrm>
+            <a:off x="7984977" y="2422572"/>
+            <a:ext cx="2231161" cy="2893662"/>
+            <a:chOff x="3208602" y="2359750"/>
+            <a:chExt cx="2231161" cy="2893662"/>
+          </a:xfrm>
+        </p:grpSpPr>
+        <p:sp>
+          <p:nvSpPr>
+            <p:cNvPr id="53" name="Rectangle: Rounded Corners 52">
+              <a:extLst>
+                <a:ext uri="{FF2B5EF4-FFF2-40B4-BE49-F238E27FC236}">
+                  <a16:creationId xmlns:a16="http://schemas.microsoft.com/office/drawing/2014/main" id="{45581A64-9D0E-B530-6915-ABB91349DAC1}"/>
+                </a:ext>
+              </a:extLst>
+            </p:cNvPr>
+            <p:cNvSpPr/>
+            <p:nvPr/>
+          </p:nvSpPr>
+          <p:spPr>
+            <a:xfrm>
+              <a:off x="3208602" y="2359750"/>
+              <a:ext cx="2230458" cy="2580607"/>
+            </a:xfrm>
+            <a:prstGeom prst="roundRect">
+              <a:avLst/>
+            </a:prstGeom>
+            <a:noFill/>
+            <a:ln>
+              <a:solidFill>
+                <a:srgbClr val="EB8FD8"/>
+              </a:solidFill>
+              <a:prstDash val="dash"/>
+            </a:ln>
+          </p:spPr>
+          <p:style>
+            <a:lnRef idx="2">
+              <a:schemeClr val="accent1">
+                <a:shade val="50000"/>
+              </a:schemeClr>
+            </a:lnRef>
+            <a:fillRef idx="1">
+              <a:schemeClr val="accent1"/>
+            </a:fillRef>
+            <a:effectRef idx="0">
+              <a:schemeClr val="accent1"/>
+            </a:effectRef>
+            <a:fontRef idx="minor">
+              <a:schemeClr val="lt1"/>
+            </a:fontRef>
+          </p:style>
+          <p:txBody>
+            <a:bodyPr rtlCol="0" anchor="ctr"/>
+            <a:lstStyle/>
+            <a:p>
+              <a:pPr algn="ctr"/>
+              <a:endParaRPr lang="en-SE"/>
+            </a:p>
+          </p:txBody>
+        </p:sp>
+        <p:sp>
+          <p:nvSpPr>
+            <p:cNvPr id="54" name="TextBox 53">
+              <a:extLst>
+                <a:ext uri="{FF2B5EF4-FFF2-40B4-BE49-F238E27FC236}">
+                  <a16:creationId xmlns:a16="http://schemas.microsoft.com/office/drawing/2014/main" id="{1E4E9146-1D80-BC2D-94D7-31394E9764FF}"/>
+                </a:ext>
+              </a:extLst>
+            </p:cNvPr>
+            <p:cNvSpPr txBox="1"/>
+            <p:nvPr/>
+          </p:nvSpPr>
+          <p:spPr>
+            <a:xfrm>
+              <a:off x="3817152" y="4945635"/>
+              <a:ext cx="1622611" cy="307777"/>
+            </a:xfrm>
+            <a:prstGeom prst="rect">
+              <a:avLst/>
+            </a:prstGeom>
+            <a:noFill/>
+          </p:spPr>
+          <p:txBody>
+            <a:bodyPr wrap="square" rtlCol="0">
+              <a:spAutoFit/>
+            </a:bodyPr>
+            <a:lstStyle/>
+            <a:p>
+              <a:r>
+                <a:rPr lang="en-US" b="1" dirty="0">
+                  <a:solidFill>
+                    <a:srgbClr val="B9D4B4"/>
+                  </a:solidFill>
+                  <a:latin typeface="Cascadia Code" panose="020B0609020000020004" pitchFamily="49" charset="0"/>
+                  <a:cs typeface="Cascadia Code" panose="020B0609020000020004" pitchFamily="49" charset="0"/>
+                </a:rPr>
+                <a:t>Function App</a:t>
+              </a:r>
+              <a:endParaRPr lang="en-SE" b="1" dirty="0">
+                <a:solidFill>
+                  <a:srgbClr val="B9D4B4"/>
+                </a:solidFill>
+                <a:latin typeface="Cascadia Code" panose="020B0609020000020004" pitchFamily="49" charset="0"/>
+                <a:cs typeface="Cascadia Code" panose="020B0609020000020004" pitchFamily="49" charset="0"/>
+              </a:endParaRPr>
+            </a:p>
+          </p:txBody>
+        </p:sp>
+      </p:grpSp>
+      <p:grpSp>
+        <p:nvGrpSpPr>
+          <p:cNvPr id="55" name="FunctionC">
+            <a:extLst>
+              <a:ext uri="{FF2B5EF4-FFF2-40B4-BE49-F238E27FC236}">
+                <a16:creationId xmlns:a16="http://schemas.microsoft.com/office/drawing/2014/main" id="{88514D5D-AE2E-3EE3-5A1F-F62B0733C71B}"/>
+              </a:ext>
+            </a:extLst>
+          </p:cNvPr>
+          <p:cNvGrpSpPr/>
+          <p:nvPr/>
+        </p:nvGrpSpPr>
+        <p:grpSpPr>
+          <a:xfrm>
+            <a:off x="8593527" y="3624191"/>
+            <a:ext cx="1601238" cy="922484"/>
+            <a:chOff x="8400138" y="3353532"/>
+            <a:chExt cx="1601238" cy="922484"/>
+          </a:xfrm>
+        </p:grpSpPr>
+        <p:pic>
+          <p:nvPicPr>
+            <p:cNvPr id="56" name="Picture 55">
+              <a:extLst>
+                <a:ext uri="{FF2B5EF4-FFF2-40B4-BE49-F238E27FC236}">
+                  <a16:creationId xmlns:a16="http://schemas.microsoft.com/office/drawing/2014/main" id="{F4E828CC-55D1-E587-D60F-EE9FD43A20A8}"/>
+                </a:ext>
+              </a:extLst>
+            </p:cNvPr>
+            <p:cNvPicPr>
+              <a:picLocks noChangeAspect="1"/>
+            </p:cNvPicPr>
+            <p:nvPr/>
+          </p:nvPicPr>
+          <p:blipFill>
+            <a:blip r:embed="rId3"/>
+            <a:stretch>
+              <a:fillRect/>
+            </a:stretch>
+          </p:blipFill>
+          <p:spPr>
+            <a:xfrm>
+              <a:off x="8400138" y="3353532"/>
+              <a:ext cx="912824" cy="912824"/>
+            </a:xfrm>
+            <a:prstGeom prst="rect">
+              <a:avLst/>
+            </a:prstGeom>
+          </p:spPr>
+        </p:pic>
+        <p:sp>
+          <p:nvSpPr>
+            <p:cNvPr id="57" name="TextBox 56">
+              <a:extLst>
+                <a:ext uri="{FF2B5EF4-FFF2-40B4-BE49-F238E27FC236}">
+                  <a16:creationId xmlns:a16="http://schemas.microsoft.com/office/drawing/2014/main" id="{0EB8D217-EC72-7DB1-55C2-99BA266720B5}"/>
+                </a:ext>
+              </a:extLst>
+            </p:cNvPr>
+            <p:cNvSpPr txBox="1"/>
+            <p:nvPr/>
+          </p:nvSpPr>
+          <p:spPr>
+            <a:xfrm>
+              <a:off x="8764246" y="4014406"/>
+              <a:ext cx="1237130" cy="261610"/>
+            </a:xfrm>
+            <a:prstGeom prst="rect">
+              <a:avLst/>
+            </a:prstGeom>
+            <a:noFill/>
+          </p:spPr>
+          <p:txBody>
+            <a:bodyPr wrap="square" rtlCol="0">
+              <a:spAutoFit/>
+            </a:bodyPr>
+            <a:lstStyle/>
+            <a:p>
+              <a:r>
+                <a:rPr lang="en-US" sz="1100" b="1" dirty="0">
+                  <a:solidFill>
+                    <a:srgbClr val="B9D4B4"/>
+                  </a:solidFill>
+                  <a:latin typeface="Cascadia Code" panose="020B0609020000020004" pitchFamily="49" charset="0"/>
+                  <a:cs typeface="Cascadia Code" panose="020B0609020000020004" pitchFamily="49" charset="0"/>
+                </a:rPr>
+                <a:t>Function</a:t>
+              </a:r>
+              <a:endParaRPr lang="en-SE" sz="1100" b="1" dirty="0">
+                <a:solidFill>
+                  <a:srgbClr val="B9D4B4"/>
+                </a:solidFill>
+                <a:latin typeface="Cascadia Code" panose="020B0609020000020004" pitchFamily="49" charset="0"/>
+                <a:cs typeface="Cascadia Code" panose="020B0609020000020004" pitchFamily="49" charset="0"/>
+              </a:endParaRPr>
+            </a:p>
+          </p:txBody>
+        </p:sp>
+      </p:grpSp>
+      <p:grpSp>
+        <p:nvGrpSpPr>
+          <p:cNvPr id="58" name="Trigger">
+            <a:extLst>
+              <a:ext uri="{FF2B5EF4-FFF2-40B4-BE49-F238E27FC236}">
+                <a16:creationId xmlns:a16="http://schemas.microsoft.com/office/drawing/2014/main" id="{DE43C9C7-A344-2EB4-84B9-1D5C10609094}"/>
+              </a:ext>
+            </a:extLst>
+          </p:cNvPr>
+          <p:cNvGrpSpPr/>
+          <p:nvPr/>
+        </p:nvGrpSpPr>
+        <p:grpSpPr>
+          <a:xfrm>
+            <a:off x="8357296" y="2576907"/>
+            <a:ext cx="1155511" cy="746135"/>
+            <a:chOff x="5817761" y="2251989"/>
+            <a:chExt cx="1155511" cy="746135"/>
+          </a:xfrm>
+        </p:grpSpPr>
+        <p:sp>
+          <p:nvSpPr>
+            <p:cNvPr id="59" name="TextBox 58">
+              <a:extLst>
+                <a:ext uri="{FF2B5EF4-FFF2-40B4-BE49-F238E27FC236}">
+                  <a16:creationId xmlns:a16="http://schemas.microsoft.com/office/drawing/2014/main" id="{13B4E07A-B2CA-7794-8E33-8864CCE1840A}"/>
+                </a:ext>
+              </a:extLst>
+            </p:cNvPr>
+            <p:cNvSpPr txBox="1"/>
+            <p:nvPr/>
+          </p:nvSpPr>
+          <p:spPr>
+            <a:xfrm>
+              <a:off x="6135613" y="2474904"/>
+              <a:ext cx="837659" cy="523220"/>
+            </a:xfrm>
+            <a:prstGeom prst="rect">
+              <a:avLst/>
+            </a:prstGeom>
+            <a:noFill/>
+          </p:spPr>
+          <p:txBody>
+            <a:bodyPr wrap="square" rtlCol="0">
+              <a:spAutoFit/>
+            </a:bodyPr>
+            <a:lstStyle/>
+            <a:p>
+              <a:pPr algn="ctr"/>
+              <a:r>
+                <a:rPr lang="en-US" sz="2800" b="1" dirty="0">
+                  <a:solidFill>
+                    <a:srgbClr val="B9D4B4"/>
+                  </a:solidFill>
+                  <a:latin typeface="Cascadia Code" panose="020B0609020000020004" pitchFamily="49" charset="0"/>
+                  <a:cs typeface="Cascadia Code" panose="020B0609020000020004" pitchFamily="49" charset="0"/>
+                </a:rPr>
+                <a:t>⚡</a:t>
+              </a:r>
+              <a:endParaRPr lang="en-SE" sz="2800" b="1" dirty="0">
+                <a:solidFill>
+                  <a:srgbClr val="B9D4B4"/>
+                </a:solidFill>
+                <a:latin typeface="Cascadia Code" panose="020B0609020000020004" pitchFamily="49" charset="0"/>
+                <a:cs typeface="Cascadia Code" panose="020B0609020000020004" pitchFamily="49" charset="0"/>
+              </a:endParaRPr>
+            </a:p>
+          </p:txBody>
+        </p:sp>
+        <p:sp>
+          <p:nvSpPr>
+            <p:cNvPr id="60" name="TextBox 59">
+              <a:extLst>
+                <a:ext uri="{FF2B5EF4-FFF2-40B4-BE49-F238E27FC236}">
+                  <a16:creationId xmlns:a16="http://schemas.microsoft.com/office/drawing/2014/main" id="{649319A4-5722-DB6F-F80D-8CFA0A46BBB6}"/>
+                </a:ext>
+              </a:extLst>
+            </p:cNvPr>
+            <p:cNvSpPr txBox="1"/>
+            <p:nvPr/>
+          </p:nvSpPr>
+          <p:spPr>
+            <a:xfrm>
+              <a:off x="5817761" y="2251989"/>
+              <a:ext cx="771545" cy="430887"/>
+            </a:xfrm>
+            <a:prstGeom prst="rect">
+              <a:avLst/>
+            </a:prstGeom>
+            <a:noFill/>
+          </p:spPr>
+          <p:txBody>
+            <a:bodyPr wrap="square" rtlCol="0">
+              <a:spAutoFit/>
+            </a:bodyPr>
+            <a:lstStyle/>
+            <a:p>
+              <a:pPr algn="r"/>
+              <a:r>
+                <a:rPr lang="en-US" sz="1100" b="1" dirty="0">
+                  <a:solidFill>
+                    <a:srgbClr val="B9D4B4"/>
+                  </a:solidFill>
+                  <a:latin typeface="Cascadia Code" panose="020B0609020000020004" pitchFamily="49" charset="0"/>
+                  <a:cs typeface="Cascadia Code" panose="020B0609020000020004" pitchFamily="49" charset="0"/>
+                </a:rPr>
+                <a:t>HTTP Trigger</a:t>
+              </a:r>
+              <a:endParaRPr lang="en-SE" sz="1100" b="1" dirty="0">
+                <a:solidFill>
+                  <a:srgbClr val="B9D4B4"/>
+                </a:solidFill>
+                <a:latin typeface="Cascadia Code" panose="020B0609020000020004" pitchFamily="49" charset="0"/>
+                <a:cs typeface="Cascadia Code" panose="020B0609020000020004" pitchFamily="49" charset="0"/>
+              </a:endParaRPr>
+            </a:p>
+          </p:txBody>
+        </p:sp>
+      </p:grpSp>
+      <p:grpSp>
+        <p:nvGrpSpPr>
+          <p:cNvPr id="521" name="Trigger2Arrow">
+            <a:extLst>
+              <a:ext uri="{FF2B5EF4-FFF2-40B4-BE49-F238E27FC236}">
+                <a16:creationId xmlns:a16="http://schemas.microsoft.com/office/drawing/2014/main" id="{219C5D56-E3D1-59D9-4D6C-9618EBA94E83}"/>
+              </a:ext>
+            </a:extLst>
+          </p:cNvPr>
+          <p:cNvGrpSpPr/>
+          <p:nvPr/>
+        </p:nvGrpSpPr>
+        <p:grpSpPr>
+          <a:xfrm>
+            <a:off x="8978805" y="3333480"/>
+            <a:ext cx="135360" cy="253025"/>
+            <a:chOff x="8464455" y="3333480"/>
+            <a:chExt cx="135360" cy="253025"/>
+          </a:xfrm>
+        </p:grpSpPr>
+        <mc:AlternateContent xmlns:mc="http://schemas.openxmlformats.org/markup-compatibility/2006">
+          <mc:Choice xmlns:p14="http://schemas.microsoft.com/office/powerpoint/2010/main" Requires="p14">
+            <p:contentPart p14:bwMode="auto" r:id="rId44">
+              <p14:nvContentPartPr>
+                <p14:cNvPr id="448" name="Ink 447">
+                  <a:extLst>
+                    <a:ext uri="{FF2B5EF4-FFF2-40B4-BE49-F238E27FC236}">
+                      <a16:creationId xmlns:a16="http://schemas.microsoft.com/office/drawing/2014/main" id="{E4325E1E-4C66-ED44-07FD-89033A1DCDD9}"/>
+                    </a:ext>
+                  </a:extLst>
+                </p14:cNvPr>
+                <p14:cNvContentPartPr/>
+                <p14:nvPr/>
+              </p14:nvContentPartPr>
+              <p14:xfrm>
+                <a:off x="8515210" y="3333480"/>
+                <a:ext cx="6840" cy="247320"/>
+              </p14:xfrm>
+            </p:contentPart>
+          </mc:Choice>
+          <mc:Fallback>
+            <p:pic>
+              <p:nvPicPr>
+                <p:cNvPr id="448" name="Ink 447">
+                  <a:extLst>
+                    <a:ext uri="{FF2B5EF4-FFF2-40B4-BE49-F238E27FC236}">
+                      <a16:creationId xmlns:a16="http://schemas.microsoft.com/office/drawing/2014/main" id="{E4325E1E-4C66-ED44-07FD-89033A1DCDD9}"/>
+                    </a:ext>
+                  </a:extLst>
+                </p:cNvPr>
+                <p:cNvPicPr/>
+                <p:nvPr/>
+              </p:nvPicPr>
+              <p:blipFill>
+                <a:blip r:embed="rId45"/>
+                <a:stretch>
+                  <a:fillRect/>
+                </a:stretch>
+              </p:blipFill>
+              <p:spPr>
+                <a:xfrm>
+                  <a:off x="8506210" y="3324480"/>
+                  <a:ext cx="24480" cy="264960"/>
+                </a:xfrm>
+                <a:prstGeom prst="rect">
+                  <a:avLst/>
+                </a:prstGeom>
+              </p:spPr>
+            </p:pic>
+          </mc:Fallback>
+        </mc:AlternateContent>
+        <mc:AlternateContent xmlns:mc="http://schemas.openxmlformats.org/markup-compatibility/2006">
+          <mc:Choice xmlns:p14="http://schemas.microsoft.com/office/powerpoint/2010/main" Requires="p14">
+            <p:contentPart p14:bwMode="auto" r:id="rId46">
+              <p14:nvContentPartPr>
+                <p14:cNvPr id="466" name="Ink 465">
+                  <a:extLst>
+                    <a:ext uri="{FF2B5EF4-FFF2-40B4-BE49-F238E27FC236}">
+                      <a16:creationId xmlns:a16="http://schemas.microsoft.com/office/drawing/2014/main" id="{236FA126-58DE-36F7-6920-58EE5D0C3440}"/>
+                    </a:ext>
+                  </a:extLst>
+                </p14:cNvPr>
+                <p14:cNvContentPartPr/>
+                <p14:nvPr/>
+              </p14:nvContentPartPr>
+              <p14:xfrm>
+                <a:off x="8464455" y="3488225"/>
+                <a:ext cx="135360" cy="98280"/>
+              </p14:xfrm>
+            </p:contentPart>
+          </mc:Choice>
+          <mc:Fallback>
+            <p:pic>
+              <p:nvPicPr>
+                <p:cNvPr id="466" name="Ink 465">
+                  <a:extLst>
+                    <a:ext uri="{FF2B5EF4-FFF2-40B4-BE49-F238E27FC236}">
+                      <a16:creationId xmlns:a16="http://schemas.microsoft.com/office/drawing/2014/main" id="{236FA126-58DE-36F7-6920-58EE5D0C3440}"/>
+                    </a:ext>
+                  </a:extLst>
+                </p:cNvPr>
+                <p:cNvPicPr/>
+                <p:nvPr/>
+              </p:nvPicPr>
+              <p:blipFill>
+                <a:blip r:embed="rId47"/>
+                <a:stretch>
+                  <a:fillRect/>
+                </a:stretch>
+              </p:blipFill>
+              <p:spPr>
+                <a:xfrm>
+                  <a:off x="8455455" y="3479585"/>
+                  <a:ext cx="153000" cy="115920"/>
+                </a:xfrm>
+                <a:prstGeom prst="rect">
+                  <a:avLst/>
+                </a:prstGeom>
+              </p:spPr>
+            </p:pic>
+          </mc:Fallback>
+        </mc:AlternateContent>
+      </p:grpSp>
+      <p:grpSp>
+        <p:nvGrpSpPr>
+          <p:cNvPr id="520" name="InputTableBinding">
+            <a:extLst>
+              <a:ext uri="{FF2B5EF4-FFF2-40B4-BE49-F238E27FC236}">
+                <a16:creationId xmlns:a16="http://schemas.microsoft.com/office/drawing/2014/main" id="{64EEDBB9-EC80-4F31-C5A9-96F7DAAA3720}"/>
+              </a:ext>
+            </a:extLst>
+          </p:cNvPr>
+          <p:cNvGrpSpPr/>
+          <p:nvPr/>
+        </p:nvGrpSpPr>
+        <p:grpSpPr>
+          <a:xfrm flipH="1">
+            <a:off x="7514905" y="4002984"/>
+            <a:ext cx="953400" cy="174240"/>
+            <a:chOff x="7015930" y="3984360"/>
+            <a:chExt cx="953400" cy="174240"/>
+          </a:xfrm>
+        </p:grpSpPr>
+        <mc:AlternateContent xmlns:mc="http://schemas.openxmlformats.org/markup-compatibility/2006">
+          <mc:Choice xmlns:p14="http://schemas.microsoft.com/office/powerpoint/2010/main" Requires="p14">
+            <p:contentPart p14:bwMode="auto" r:id="rId48">
+              <p14:nvContentPartPr>
+                <p14:cNvPr id="470" name="Ink 469">
+                  <a:extLst>
+                    <a:ext uri="{FF2B5EF4-FFF2-40B4-BE49-F238E27FC236}">
+                      <a16:creationId xmlns:a16="http://schemas.microsoft.com/office/drawing/2014/main" id="{38CC7CAC-0D6E-FDF9-3941-D054B966C565}"/>
+                    </a:ext>
+                  </a:extLst>
+                </p14:cNvPr>
+                <p14:cNvContentPartPr/>
+                <p14:nvPr/>
+              </p14:nvContentPartPr>
+              <p14:xfrm>
+                <a:off x="7020730" y="4056600"/>
+                <a:ext cx="948600" cy="28080"/>
+              </p14:xfrm>
+            </p:contentPart>
+          </mc:Choice>
+          <mc:Fallback>
+            <p:pic>
+              <p:nvPicPr>
+                <p:cNvPr id="470" name="Ink 469">
+                  <a:extLst>
+                    <a:ext uri="{FF2B5EF4-FFF2-40B4-BE49-F238E27FC236}">
+                      <a16:creationId xmlns:a16="http://schemas.microsoft.com/office/drawing/2014/main" id="{38CC7CAC-0D6E-FDF9-3941-D054B966C565}"/>
+                    </a:ext>
+                  </a:extLst>
+                </p:cNvPr>
+                <p:cNvPicPr/>
+                <p:nvPr/>
+              </p:nvPicPr>
+              <p:blipFill>
+                <a:blip r:embed="rId49"/>
+                <a:stretch>
+                  <a:fillRect/>
+                </a:stretch>
+              </p:blipFill>
+              <p:spPr>
+                <a:xfrm>
+                  <a:off x="7011730" y="4047600"/>
+                  <a:ext cx="966240" cy="45720"/>
+                </a:xfrm>
+                <a:prstGeom prst="rect">
+                  <a:avLst/>
+                </a:prstGeom>
+              </p:spPr>
+            </p:pic>
+          </mc:Fallback>
+        </mc:AlternateContent>
+        <mc:AlternateContent xmlns:mc="http://schemas.openxmlformats.org/markup-compatibility/2006">
+          <mc:Choice xmlns:p14="http://schemas.microsoft.com/office/powerpoint/2010/main" Requires="p14">
+            <p:contentPart p14:bwMode="auto" r:id="rId50">
+              <p14:nvContentPartPr>
+                <p14:cNvPr id="487" name="Ink 486">
+                  <a:extLst>
+                    <a:ext uri="{FF2B5EF4-FFF2-40B4-BE49-F238E27FC236}">
+                      <a16:creationId xmlns:a16="http://schemas.microsoft.com/office/drawing/2014/main" id="{272FDD9D-21A6-AF5D-8841-378BB25E290F}"/>
+                    </a:ext>
+                  </a:extLst>
+                </p14:cNvPr>
+                <p14:cNvContentPartPr/>
+                <p14:nvPr/>
+              </p14:nvContentPartPr>
+              <p14:xfrm>
+                <a:off x="7015930" y="3984360"/>
+                <a:ext cx="111960" cy="174240"/>
+              </p14:xfrm>
+            </p:contentPart>
+          </mc:Choice>
+          <mc:Fallback>
+            <p:pic>
+              <p:nvPicPr>
+                <p:cNvPr id="487" name="Ink 486">
+                  <a:extLst>
+                    <a:ext uri="{FF2B5EF4-FFF2-40B4-BE49-F238E27FC236}">
+                      <a16:creationId xmlns:a16="http://schemas.microsoft.com/office/drawing/2014/main" id="{272FDD9D-21A6-AF5D-8841-378BB25E290F}"/>
+                    </a:ext>
+                  </a:extLst>
+                </p:cNvPr>
+                <p:cNvPicPr/>
+                <p:nvPr/>
+              </p:nvPicPr>
+              <p:blipFill>
+                <a:blip r:embed="rId51"/>
+                <a:stretch>
+                  <a:fillRect/>
+                </a:stretch>
+              </p:blipFill>
+              <p:spPr>
+                <a:xfrm>
+                  <a:off x="7007290" y="3975720"/>
+                  <a:ext cx="129600" cy="191880"/>
+                </a:xfrm>
+                <a:prstGeom prst="rect">
+                  <a:avLst/>
+                </a:prstGeom>
+              </p:spPr>
+            </p:pic>
+          </mc:Fallback>
+        </mc:AlternateContent>
+      </p:grpSp>
+      <p:grpSp>
+        <p:nvGrpSpPr>
+          <p:cNvPr id="519" name="OutputResponseArrow">
+            <a:extLst>
+              <a:ext uri="{FF2B5EF4-FFF2-40B4-BE49-F238E27FC236}">
+                <a16:creationId xmlns:a16="http://schemas.microsoft.com/office/drawing/2014/main" id="{7D9653CF-7C8E-FF32-98F7-10624951DC42}"/>
+              </a:ext>
+            </a:extLst>
+          </p:cNvPr>
+          <p:cNvGrpSpPr/>
+          <p:nvPr/>
+        </p:nvGrpSpPr>
+        <p:grpSpPr>
+          <a:xfrm>
+            <a:off x="9158273" y="3322841"/>
+            <a:ext cx="106920" cy="252439"/>
+            <a:chOff x="8643923" y="3322841"/>
+            <a:chExt cx="106920" cy="252439"/>
+          </a:xfrm>
+        </p:grpSpPr>
+        <mc:AlternateContent xmlns:mc="http://schemas.openxmlformats.org/markup-compatibility/2006">
+          <mc:Choice xmlns:p14="http://schemas.microsoft.com/office/powerpoint/2010/main" Requires="p14">
+            <p:contentPart p14:bwMode="auto" r:id="rId52">
+              <p14:nvContentPartPr>
+                <p14:cNvPr id="513" name="Ink 512">
+                  <a:extLst>
+                    <a:ext uri="{FF2B5EF4-FFF2-40B4-BE49-F238E27FC236}">
+                      <a16:creationId xmlns:a16="http://schemas.microsoft.com/office/drawing/2014/main" id="{F7D4CC97-24F2-53C1-15D8-4B1A013B17DB}"/>
+                    </a:ext>
+                  </a:extLst>
+                </p14:cNvPr>
+                <p14:cNvContentPartPr/>
+                <p14:nvPr/>
+              </p14:nvContentPartPr>
+              <p14:xfrm>
+                <a:off x="8693290" y="3328320"/>
+                <a:ext cx="25560" cy="246960"/>
+              </p14:xfrm>
+            </p:contentPart>
+          </mc:Choice>
+          <mc:Fallback>
+            <p:pic>
+              <p:nvPicPr>
+                <p:cNvPr id="513" name="Ink 512">
+                  <a:extLst>
+                    <a:ext uri="{FF2B5EF4-FFF2-40B4-BE49-F238E27FC236}">
+                      <a16:creationId xmlns:a16="http://schemas.microsoft.com/office/drawing/2014/main" id="{F7D4CC97-24F2-53C1-15D8-4B1A013B17DB}"/>
+                    </a:ext>
+                  </a:extLst>
+                </p:cNvPr>
+                <p:cNvPicPr/>
+                <p:nvPr/>
+              </p:nvPicPr>
+              <p:blipFill>
+                <a:blip r:embed="rId53"/>
+                <a:stretch>
+                  <a:fillRect/>
+                </a:stretch>
+              </p:blipFill>
+              <p:spPr>
+                <a:xfrm>
+                  <a:off x="8684290" y="3319320"/>
+                  <a:ext cx="43200" cy="264600"/>
+                </a:xfrm>
+                <a:prstGeom prst="rect">
+                  <a:avLst/>
+                </a:prstGeom>
+              </p:spPr>
+            </p:pic>
+          </mc:Fallback>
+        </mc:AlternateContent>
+        <mc:AlternateContent xmlns:mc="http://schemas.openxmlformats.org/markup-compatibility/2006">
+          <mc:Choice xmlns:p14="http://schemas.microsoft.com/office/powerpoint/2010/main" Requires="p14">
+            <p:contentPart p14:bwMode="auto" r:id="rId54">
+              <p14:nvContentPartPr>
+                <p14:cNvPr id="518" name="Ink 517">
+                  <a:extLst>
+                    <a:ext uri="{FF2B5EF4-FFF2-40B4-BE49-F238E27FC236}">
+                      <a16:creationId xmlns:a16="http://schemas.microsoft.com/office/drawing/2014/main" id="{159A23FE-4F77-97D9-6AE1-4B53609A1D1D}"/>
+                    </a:ext>
+                  </a:extLst>
+                </p14:cNvPr>
+                <p14:cNvContentPartPr/>
+                <p14:nvPr/>
+              </p14:nvContentPartPr>
+              <p14:xfrm>
+                <a:off x="8643923" y="3322841"/>
+                <a:ext cx="106920" cy="101520"/>
+              </p14:xfrm>
+            </p:contentPart>
+          </mc:Choice>
+          <mc:Fallback>
+            <p:pic>
+              <p:nvPicPr>
+                <p:cNvPr id="518" name="Ink 517">
+                  <a:extLst>
+                    <a:ext uri="{FF2B5EF4-FFF2-40B4-BE49-F238E27FC236}">
+                      <a16:creationId xmlns:a16="http://schemas.microsoft.com/office/drawing/2014/main" id="{159A23FE-4F77-97D9-6AE1-4B53609A1D1D}"/>
+                    </a:ext>
+                  </a:extLst>
+                </p:cNvPr>
+                <p:cNvPicPr/>
+                <p:nvPr/>
+              </p:nvPicPr>
+              <p:blipFill>
+                <a:blip r:embed="rId55"/>
+                <a:stretch>
+                  <a:fillRect/>
+                </a:stretch>
+              </p:blipFill>
+              <p:spPr>
+                <a:xfrm>
+                  <a:off x="8634923" y="3313841"/>
+                  <a:ext cx="124560" cy="119160"/>
+                </a:xfrm>
+                <a:prstGeom prst="rect">
+                  <a:avLst/>
+                </a:prstGeom>
+              </p:spPr>
+            </p:pic>
+          </mc:Fallback>
+        </mc:AlternateContent>
+      </p:grpSp>
+      <p:pic>
+        <p:nvPicPr>
+          <p:cNvPr id="523" name="pwsh">
+            <a:extLst>
+              <a:ext uri="{FF2B5EF4-FFF2-40B4-BE49-F238E27FC236}">
+                <a16:creationId xmlns:a16="http://schemas.microsoft.com/office/drawing/2014/main" id="{70C1325F-96AE-67BC-C222-3013E7FBD4F4}"/>
+              </a:ext>
+            </a:extLst>
+          </p:cNvPr>
+          <p:cNvPicPr>
+            <a:picLocks noChangeAspect="1"/>
+          </p:cNvPicPr>
+          <p:nvPr/>
+        </p:nvPicPr>
+        <p:blipFill>
+          <a:blip r:embed="rId56">
+            <a:extLst>
+              <a:ext uri="{96DAC541-7B7A-43D3-8B79-37D633B846F1}">
+                <asvg:svgBlip xmlns:asvg="http://schemas.microsoft.com/office/drawing/2016/SVG/main" r:embed="rId57"/>
+              </a:ext>
+            </a:extLst>
+          </a:blip>
+          <a:stretch>
+            <a:fillRect/>
+          </a:stretch>
+        </p:blipFill>
+        <p:spPr>
+          <a:xfrm>
+            <a:off x="9835918" y="2294411"/>
+            <a:ext cx="571500" cy="428625"/>
+          </a:xfrm>
+          <a:prstGeom prst="rect">
+            <a:avLst/>
+          </a:prstGeom>
+        </p:spPr>
+      </p:pic>
+      <p:pic>
+        <p:nvPicPr>
+          <p:cNvPr id="527" name="csharp" descr="Icon&#10;&#10;Description automatically generated">
+            <a:extLst>
+              <a:ext uri="{FF2B5EF4-FFF2-40B4-BE49-F238E27FC236}">
+                <a16:creationId xmlns:a16="http://schemas.microsoft.com/office/drawing/2014/main" id="{AA62BD71-8CA9-A6D1-FE07-23AA49A2F456}"/>
+              </a:ext>
+            </a:extLst>
+          </p:cNvPr>
+          <p:cNvPicPr>
+            <a:picLocks noChangeAspect="1"/>
+          </p:cNvPicPr>
+          <p:nvPr/>
+        </p:nvPicPr>
+        <p:blipFill>
+          <a:blip r:embed="rId58"/>
+          <a:stretch>
+            <a:fillRect/>
+          </a:stretch>
+        </p:blipFill>
+        <p:spPr>
+          <a:xfrm>
+            <a:off x="5726076" y="2028598"/>
+            <a:ext cx="996682" cy="996682"/>
+          </a:xfrm>
+          <a:prstGeom prst="rect">
+            <a:avLst/>
+          </a:prstGeom>
+        </p:spPr>
+      </p:pic>
     </p:spTree>
     <p:extLst>
       <p:ext uri="{BB962C8B-B14F-4D97-AF65-F5344CB8AC3E}">
@@ -27860,14 +29088,30 @@
                             </p:stCondLst>
                             <p:childTnLst>
                               <p:par>
-                                <p:cTn id="45" presetID="19" presetClass="emph" presetSubtype="0" fill="hold" grpId="1" nodeType="clickEffect">
+                                <p:cTn id="45" presetID="10" presetClass="exit" presetSubtype="0" fill="hold" grpId="1" nodeType="clickEffect">
                                   <p:stCondLst>
                                     <p:cond delay="0"/>
                                   </p:stCondLst>
                                   <p:childTnLst>
-                                    <p:animClr clrSpc="rgb" dir="cw">
-                                      <p:cBhvr override="childStyle">
-                                        <p:cTn id="46" dur="500" fill="hold"/>
+                                    <p:animEffect transition="out" filter="fade">
+                                      <p:cBhvr>
+                                        <p:cTn id="46" dur="500"/>
+                                        <p:tgtEl>
+                                          <p:spTgt spid="506">
+                                            <p:txEl>
+                                              <p:pRg st="0" end="0"/>
+                                            </p:txEl>
+                                          </p:spTgt>
+                                        </p:tgtEl>
+                                      </p:cBhvr>
+                                    </p:animEffect>
+                                    <p:set>
+                                      <p:cBhvr>
+                                        <p:cTn id="47" dur="1" fill="hold">
+                                          <p:stCondLst>
+                                            <p:cond delay="499"/>
+                                          </p:stCondLst>
+                                        </p:cTn>
                                         <p:tgtEl>
                                           <p:spTgt spid="506">
                                             <p:txEl>
@@ -27876,79 +29120,41 @@
                                           </p:spTgt>
                                         </p:tgtEl>
                                         <p:attrNameLst>
-                                          <p:attrName>style.color</p:attrName>
+                                          <p:attrName>style.visibility</p:attrName>
                                         </p:attrNameLst>
                                       </p:cBhvr>
                                       <p:to>
-                                        <a:schemeClr val="accent2"/>
-                                      </p:to>
-                                    </p:animClr>
-                                    <p:animClr clrSpc="rgb" dir="cw">
-                                      <p:cBhvr>
-                                        <p:cTn id="47" dur="500" fill="hold"/>
-                                        <p:tgtEl>
-                                          <p:spTgt spid="506">
-                                            <p:txEl>
-                                              <p:pRg st="0" end="0"/>
-                                            </p:txEl>
-                                          </p:spTgt>
-                                        </p:tgtEl>
-                                        <p:attrNameLst>
-                                          <p:attrName>fillcolor</p:attrName>
-                                        </p:attrNameLst>
-                                      </p:cBhvr>
-                                      <p:to>
-                                        <a:schemeClr val="accent2"/>
-                                      </p:to>
-                                    </p:animClr>
-                                    <p:set>
-                                      <p:cBhvr>
-                                        <p:cTn id="48" dur="500" fill="hold"/>
-                                        <p:tgtEl>
-                                          <p:spTgt spid="506">
-                                            <p:txEl>
-                                              <p:pRg st="0" end="0"/>
-                                            </p:txEl>
-                                          </p:spTgt>
-                                        </p:tgtEl>
-                                        <p:attrNameLst>
-                                          <p:attrName>fill.type</p:attrName>
-                                        </p:attrNameLst>
-                                      </p:cBhvr>
-                                      <p:to>
-                                        <p:strVal val="solid"/>
-                                      </p:to>
-                                    </p:set>
-                                    <p:set>
-                                      <p:cBhvr>
-                                        <p:cTn id="49" dur="500" fill="hold"/>
-                                        <p:tgtEl>
-                                          <p:spTgt spid="506">
-                                            <p:txEl>
-                                              <p:pRg st="0" end="0"/>
-                                            </p:txEl>
-                                          </p:spTgt>
-                                        </p:tgtEl>
-                                        <p:attrNameLst>
-                                          <p:attrName>fill.on</p:attrName>
-                                        </p:attrNameLst>
-                                      </p:cBhvr>
-                                      <p:to>
-                                        <p:strVal val="true"/>
+                                        <p:strVal val="hidden"/>
                                       </p:to>
                                     </p:set>
                                   </p:childTnLst>
                                 </p:cTn>
                               </p:par>
                               <p:par>
-                                <p:cTn id="50" presetID="19" presetClass="emph" presetSubtype="0" fill="hold" grpId="1" nodeType="withEffect">
+                                <p:cTn id="48" presetID="10" presetClass="exit" presetSubtype="0" fill="hold" grpId="1" nodeType="withEffect">
                                   <p:stCondLst>
                                     <p:cond delay="0"/>
                                   </p:stCondLst>
                                   <p:childTnLst>
-                                    <p:animClr clrSpc="rgb" dir="cw">
-                                      <p:cBhvr override="childStyle">
-                                        <p:cTn id="51" dur="500" fill="hold"/>
+                                    <p:animEffect transition="out" filter="fade">
+                                      <p:cBhvr>
+                                        <p:cTn id="49" dur="500"/>
+                                        <p:tgtEl>
+                                          <p:spTgt spid="506">
+                                            <p:txEl>
+                                              <p:pRg st="1" end="1"/>
+                                            </p:txEl>
+                                          </p:spTgt>
+                                        </p:tgtEl>
+                                      </p:cBhvr>
+                                    </p:animEffect>
+                                    <p:set>
+                                      <p:cBhvr>
+                                        <p:cTn id="50" dur="1" fill="hold">
+                                          <p:stCondLst>
+                                            <p:cond delay="499"/>
+                                          </p:stCondLst>
+                                        </p:cTn>
                                         <p:tgtEl>
                                           <p:spTgt spid="506">
                                             <p:txEl>
@@ -27957,79 +29163,41 @@
                                           </p:spTgt>
                                         </p:tgtEl>
                                         <p:attrNameLst>
-                                          <p:attrName>style.color</p:attrName>
+                                          <p:attrName>style.visibility</p:attrName>
                                         </p:attrNameLst>
                                       </p:cBhvr>
                                       <p:to>
-                                        <a:schemeClr val="accent2"/>
-                                      </p:to>
-                                    </p:animClr>
-                                    <p:animClr clrSpc="rgb" dir="cw">
-                                      <p:cBhvr>
-                                        <p:cTn id="52" dur="500" fill="hold"/>
-                                        <p:tgtEl>
-                                          <p:spTgt spid="506">
-                                            <p:txEl>
-                                              <p:pRg st="1" end="1"/>
-                                            </p:txEl>
-                                          </p:spTgt>
-                                        </p:tgtEl>
-                                        <p:attrNameLst>
-                                          <p:attrName>fillcolor</p:attrName>
-                                        </p:attrNameLst>
-                                      </p:cBhvr>
-                                      <p:to>
-                                        <a:schemeClr val="accent2"/>
-                                      </p:to>
-                                    </p:animClr>
-                                    <p:set>
-                                      <p:cBhvr>
-                                        <p:cTn id="53" dur="500" fill="hold"/>
-                                        <p:tgtEl>
-                                          <p:spTgt spid="506">
-                                            <p:txEl>
-                                              <p:pRg st="1" end="1"/>
-                                            </p:txEl>
-                                          </p:spTgt>
-                                        </p:tgtEl>
-                                        <p:attrNameLst>
-                                          <p:attrName>fill.type</p:attrName>
-                                        </p:attrNameLst>
-                                      </p:cBhvr>
-                                      <p:to>
-                                        <p:strVal val="solid"/>
-                                      </p:to>
-                                    </p:set>
-                                    <p:set>
-                                      <p:cBhvr>
-                                        <p:cTn id="54" dur="500" fill="hold"/>
-                                        <p:tgtEl>
-                                          <p:spTgt spid="506">
-                                            <p:txEl>
-                                              <p:pRg st="1" end="1"/>
-                                            </p:txEl>
-                                          </p:spTgt>
-                                        </p:tgtEl>
-                                        <p:attrNameLst>
-                                          <p:attrName>fill.on</p:attrName>
-                                        </p:attrNameLst>
-                                      </p:cBhvr>
-                                      <p:to>
-                                        <p:strVal val="true"/>
+                                        <p:strVal val="hidden"/>
                                       </p:to>
                                     </p:set>
                                   </p:childTnLst>
                                 </p:cTn>
                               </p:par>
                               <p:par>
-                                <p:cTn id="55" presetID="19" presetClass="emph" presetSubtype="0" fill="hold" grpId="1" nodeType="withEffect">
+                                <p:cTn id="51" presetID="10" presetClass="exit" presetSubtype="0" fill="hold" grpId="1" nodeType="withEffect">
                                   <p:stCondLst>
                                     <p:cond delay="0"/>
                                   </p:stCondLst>
                                   <p:childTnLst>
-                                    <p:animClr clrSpc="rgb" dir="cw">
-                                      <p:cBhvr override="childStyle">
-                                        <p:cTn id="56" dur="500" fill="hold"/>
+                                    <p:animEffect transition="out" filter="fade">
+                                      <p:cBhvr>
+                                        <p:cTn id="52" dur="500"/>
+                                        <p:tgtEl>
+                                          <p:spTgt spid="506">
+                                            <p:txEl>
+                                              <p:pRg st="2" end="2"/>
+                                            </p:txEl>
+                                          </p:spTgt>
+                                        </p:tgtEl>
+                                      </p:cBhvr>
+                                    </p:animEffect>
+                                    <p:set>
+                                      <p:cBhvr>
+                                        <p:cTn id="53" dur="1" fill="hold">
+                                          <p:stCondLst>
+                                            <p:cond delay="499"/>
+                                          </p:stCondLst>
+                                        </p:cTn>
                                         <p:tgtEl>
                                           <p:spTgt spid="506">
                                             <p:txEl>
@@ -28038,79 +29206,41 @@
                                           </p:spTgt>
                                         </p:tgtEl>
                                         <p:attrNameLst>
-                                          <p:attrName>style.color</p:attrName>
+                                          <p:attrName>style.visibility</p:attrName>
                                         </p:attrNameLst>
                                       </p:cBhvr>
                                       <p:to>
-                                        <a:schemeClr val="accent2"/>
-                                      </p:to>
-                                    </p:animClr>
-                                    <p:animClr clrSpc="rgb" dir="cw">
-                                      <p:cBhvr>
-                                        <p:cTn id="57" dur="500" fill="hold"/>
-                                        <p:tgtEl>
-                                          <p:spTgt spid="506">
-                                            <p:txEl>
-                                              <p:pRg st="2" end="2"/>
-                                            </p:txEl>
-                                          </p:spTgt>
-                                        </p:tgtEl>
-                                        <p:attrNameLst>
-                                          <p:attrName>fillcolor</p:attrName>
-                                        </p:attrNameLst>
-                                      </p:cBhvr>
-                                      <p:to>
-                                        <a:schemeClr val="accent2"/>
-                                      </p:to>
-                                    </p:animClr>
-                                    <p:set>
-                                      <p:cBhvr>
-                                        <p:cTn id="58" dur="500" fill="hold"/>
-                                        <p:tgtEl>
-                                          <p:spTgt spid="506">
-                                            <p:txEl>
-                                              <p:pRg st="2" end="2"/>
-                                            </p:txEl>
-                                          </p:spTgt>
-                                        </p:tgtEl>
-                                        <p:attrNameLst>
-                                          <p:attrName>fill.type</p:attrName>
-                                        </p:attrNameLst>
-                                      </p:cBhvr>
-                                      <p:to>
-                                        <p:strVal val="solid"/>
-                                      </p:to>
-                                    </p:set>
-                                    <p:set>
-                                      <p:cBhvr>
-                                        <p:cTn id="59" dur="500" fill="hold"/>
-                                        <p:tgtEl>
-                                          <p:spTgt spid="506">
-                                            <p:txEl>
-                                              <p:pRg st="2" end="2"/>
-                                            </p:txEl>
-                                          </p:spTgt>
-                                        </p:tgtEl>
-                                        <p:attrNameLst>
-                                          <p:attrName>fill.on</p:attrName>
-                                        </p:attrNameLst>
-                                      </p:cBhvr>
-                                      <p:to>
-                                        <p:strVal val="true"/>
+                                        <p:strVal val="hidden"/>
                                       </p:to>
                                     </p:set>
                                   </p:childTnLst>
                                 </p:cTn>
                               </p:par>
                               <p:par>
-                                <p:cTn id="60" presetID="19" presetClass="emph" presetSubtype="0" fill="hold" grpId="1" nodeType="withEffect">
+                                <p:cTn id="54" presetID="10" presetClass="exit" presetSubtype="0" fill="hold" grpId="1" nodeType="withEffect">
                                   <p:stCondLst>
                                     <p:cond delay="0"/>
                                   </p:stCondLst>
                                   <p:childTnLst>
-                                    <p:animClr clrSpc="rgb" dir="cw">
-                                      <p:cBhvr override="childStyle">
-                                        <p:cTn id="61" dur="500" fill="hold"/>
+                                    <p:animEffect transition="out" filter="fade">
+                                      <p:cBhvr>
+                                        <p:cTn id="55" dur="500"/>
+                                        <p:tgtEl>
+                                          <p:spTgt spid="506">
+                                            <p:txEl>
+                                              <p:pRg st="3" end="3"/>
+                                            </p:txEl>
+                                          </p:spTgt>
+                                        </p:tgtEl>
+                                      </p:cBhvr>
+                                    </p:animEffect>
+                                    <p:set>
+                                      <p:cBhvr>
+                                        <p:cTn id="56" dur="1" fill="hold">
+                                          <p:stCondLst>
+                                            <p:cond delay="499"/>
+                                          </p:stCondLst>
+                                        </p:cTn>
                                         <p:tgtEl>
                                           <p:spTgt spid="506">
                                             <p:txEl>
@@ -28119,79 +29249,41 @@
                                           </p:spTgt>
                                         </p:tgtEl>
                                         <p:attrNameLst>
-                                          <p:attrName>style.color</p:attrName>
+                                          <p:attrName>style.visibility</p:attrName>
                                         </p:attrNameLst>
                                       </p:cBhvr>
                                       <p:to>
-                                        <a:schemeClr val="accent2"/>
-                                      </p:to>
-                                    </p:animClr>
-                                    <p:animClr clrSpc="rgb" dir="cw">
-                                      <p:cBhvr>
-                                        <p:cTn id="62" dur="500" fill="hold"/>
-                                        <p:tgtEl>
-                                          <p:spTgt spid="506">
-                                            <p:txEl>
-                                              <p:pRg st="3" end="3"/>
-                                            </p:txEl>
-                                          </p:spTgt>
-                                        </p:tgtEl>
-                                        <p:attrNameLst>
-                                          <p:attrName>fillcolor</p:attrName>
-                                        </p:attrNameLst>
-                                      </p:cBhvr>
-                                      <p:to>
-                                        <a:schemeClr val="accent2"/>
-                                      </p:to>
-                                    </p:animClr>
-                                    <p:set>
-                                      <p:cBhvr>
-                                        <p:cTn id="63" dur="500" fill="hold"/>
-                                        <p:tgtEl>
-                                          <p:spTgt spid="506">
-                                            <p:txEl>
-                                              <p:pRg st="3" end="3"/>
-                                            </p:txEl>
-                                          </p:spTgt>
-                                        </p:tgtEl>
-                                        <p:attrNameLst>
-                                          <p:attrName>fill.type</p:attrName>
-                                        </p:attrNameLst>
-                                      </p:cBhvr>
-                                      <p:to>
-                                        <p:strVal val="solid"/>
-                                      </p:to>
-                                    </p:set>
-                                    <p:set>
-                                      <p:cBhvr>
-                                        <p:cTn id="64" dur="500" fill="hold"/>
-                                        <p:tgtEl>
-                                          <p:spTgt spid="506">
-                                            <p:txEl>
-                                              <p:pRg st="3" end="3"/>
-                                            </p:txEl>
-                                          </p:spTgt>
-                                        </p:tgtEl>
-                                        <p:attrNameLst>
-                                          <p:attrName>fill.on</p:attrName>
-                                        </p:attrNameLst>
-                                      </p:cBhvr>
-                                      <p:to>
-                                        <p:strVal val="true"/>
+                                        <p:strVal val="hidden"/>
                                       </p:to>
                                     </p:set>
                                   </p:childTnLst>
                                 </p:cTn>
                               </p:par>
                               <p:par>
-                                <p:cTn id="65" presetID="19" presetClass="emph" presetSubtype="0" fill="hold" grpId="1" nodeType="withEffect">
+                                <p:cTn id="57" presetID="10" presetClass="exit" presetSubtype="0" fill="hold" grpId="1" nodeType="withEffect">
                                   <p:stCondLst>
                                     <p:cond delay="0"/>
                                   </p:stCondLst>
                                   <p:childTnLst>
-                                    <p:animClr clrSpc="rgb" dir="cw">
-                                      <p:cBhvr override="childStyle">
-                                        <p:cTn id="66" dur="500" fill="hold"/>
+                                    <p:animEffect transition="out" filter="fade">
+                                      <p:cBhvr>
+                                        <p:cTn id="58" dur="500"/>
+                                        <p:tgtEl>
+                                          <p:spTgt spid="506">
+                                            <p:txEl>
+                                              <p:pRg st="4" end="4"/>
+                                            </p:txEl>
+                                          </p:spTgt>
+                                        </p:tgtEl>
+                                      </p:cBhvr>
+                                    </p:animEffect>
+                                    <p:set>
+                                      <p:cBhvr>
+                                        <p:cTn id="59" dur="1" fill="hold">
+                                          <p:stCondLst>
+                                            <p:cond delay="499"/>
+                                          </p:stCondLst>
+                                        </p:cTn>
                                         <p:tgtEl>
                                           <p:spTgt spid="506">
                                             <p:txEl>
@@ -28200,97 +29292,200 @@
                                           </p:spTgt>
                                         </p:tgtEl>
                                         <p:attrNameLst>
-                                          <p:attrName>style.color</p:attrName>
+                                          <p:attrName>style.visibility</p:attrName>
                                         </p:attrNameLst>
                                       </p:cBhvr>
                                       <p:to>
-                                        <a:schemeClr val="accent2"/>
-                                      </p:to>
-                                    </p:animClr>
-                                    <p:animClr clrSpc="rgb" dir="cw">
-                                      <p:cBhvr>
-                                        <p:cTn id="67" dur="500" fill="hold"/>
-                                        <p:tgtEl>
-                                          <p:spTgt spid="506">
-                                            <p:txEl>
-                                              <p:pRg st="4" end="4"/>
-                                            </p:txEl>
-                                          </p:spTgt>
-                                        </p:tgtEl>
-                                        <p:attrNameLst>
-                                          <p:attrName>fillcolor</p:attrName>
-                                        </p:attrNameLst>
-                                      </p:cBhvr>
-                                      <p:to>
-                                        <a:schemeClr val="accent2"/>
-                                      </p:to>
-                                    </p:animClr>
-                                    <p:set>
-                                      <p:cBhvr>
-                                        <p:cTn id="68" dur="500" fill="hold"/>
-                                        <p:tgtEl>
-                                          <p:spTgt spid="506">
-                                            <p:txEl>
-                                              <p:pRg st="4" end="4"/>
-                                            </p:txEl>
-                                          </p:spTgt>
-                                        </p:tgtEl>
-                                        <p:attrNameLst>
-                                          <p:attrName>fill.type</p:attrName>
-                                        </p:attrNameLst>
-                                      </p:cBhvr>
-                                      <p:to>
-                                        <p:strVal val="solid"/>
-                                      </p:to>
-                                    </p:set>
-                                    <p:set>
-                                      <p:cBhvr>
-                                        <p:cTn id="69" dur="500" fill="hold"/>
-                                        <p:tgtEl>
-                                          <p:spTgt spid="506">
-                                            <p:txEl>
-                                              <p:pRg st="4" end="4"/>
-                                            </p:txEl>
-                                          </p:spTgt>
-                                        </p:tgtEl>
-                                        <p:attrNameLst>
-                                          <p:attrName>fill.on</p:attrName>
-                                        </p:attrNameLst>
-                                      </p:cBhvr>
-                                      <p:to>
-                                        <p:strVal val="true"/>
+                                        <p:strVal val="hidden"/>
                                       </p:to>
                                     </p:set>
                                   </p:childTnLst>
                                 </p:cTn>
                               </p:par>
-                            </p:childTnLst>
-                          </p:cTn>
-                        </p:par>
-                      </p:childTnLst>
-                    </p:cTn>
-                  </p:par>
-                  <p:par>
-                    <p:cTn id="70" fill="hold">
-                      <p:stCondLst>
-                        <p:cond delay="indefinite"/>
-                      </p:stCondLst>
-                      <p:childTnLst>
-                        <p:par>
-                          <p:cTn id="71" fill="hold">
-                            <p:stCondLst>
-                              <p:cond delay="0"/>
-                            </p:stCondLst>
-                            <p:childTnLst>
                               <p:par>
-                                <p:cTn id="72" presetID="10" presetClass="entr" presetSubtype="0" fill="hold" nodeType="clickEffect">
+                                <p:cTn id="60" presetID="10" presetClass="exit" presetSubtype="0" fill="hold" grpId="1" nodeType="withEffect">
                                   <p:stCondLst>
                                     <p:cond delay="0"/>
                                   </p:stCondLst>
                                   <p:childTnLst>
+                                    <p:animEffect transition="out" filter="fade">
+                                      <p:cBhvr>
+                                        <p:cTn id="61" dur="500"/>
+                                        <p:tgtEl>
+                                          <p:spTgt spid="671"/>
+                                        </p:tgtEl>
+                                      </p:cBhvr>
+                                    </p:animEffect>
                                     <p:set>
                                       <p:cBhvr>
-                                        <p:cTn id="73" dur="1" fill="hold">
+                                        <p:cTn id="62" dur="1" fill="hold">
+                                          <p:stCondLst>
+                                            <p:cond delay="499"/>
+                                          </p:stCondLst>
+                                        </p:cTn>
+                                        <p:tgtEl>
+                                          <p:spTgt spid="671"/>
+                                        </p:tgtEl>
+                                        <p:attrNameLst>
+                                          <p:attrName>style.visibility</p:attrName>
+                                        </p:attrNameLst>
+                                      </p:cBhvr>
+                                      <p:to>
+                                        <p:strVal val="hidden"/>
+                                      </p:to>
+                                    </p:set>
+                                  </p:childTnLst>
+                                </p:cTn>
+                              </p:par>
+                              <p:par>
+                                <p:cTn id="63" presetID="10" presetClass="exit" presetSubtype="0" fill="hold" grpId="1" nodeType="withEffect">
+                                  <p:stCondLst>
+                                    <p:cond delay="0"/>
+                                  </p:stCondLst>
+                                  <p:childTnLst>
+                                    <p:animEffect transition="out" filter="fade">
+                                      <p:cBhvr>
+                                        <p:cTn id="64" dur="500"/>
+                                        <p:tgtEl>
+                                          <p:spTgt spid="672"/>
+                                        </p:tgtEl>
+                                      </p:cBhvr>
+                                    </p:animEffect>
+                                    <p:set>
+                                      <p:cBhvr>
+                                        <p:cTn id="65" dur="1" fill="hold">
+                                          <p:stCondLst>
+                                            <p:cond delay="499"/>
+                                          </p:stCondLst>
+                                        </p:cTn>
+                                        <p:tgtEl>
+                                          <p:spTgt spid="672"/>
+                                        </p:tgtEl>
+                                        <p:attrNameLst>
+                                          <p:attrName>style.visibility</p:attrName>
+                                        </p:attrNameLst>
+                                      </p:cBhvr>
+                                      <p:to>
+                                        <p:strVal val="hidden"/>
+                                      </p:to>
+                                    </p:set>
+                                  </p:childTnLst>
+                                </p:cTn>
+                              </p:par>
+                              <p:par>
+                                <p:cTn id="66" presetID="10" presetClass="exit" presetSubtype="0" fill="hold" grpId="1" nodeType="withEffect">
+                                  <p:stCondLst>
+                                    <p:cond delay="0"/>
+                                  </p:stCondLst>
+                                  <p:childTnLst>
+                                    <p:animEffect transition="out" filter="fade">
+                                      <p:cBhvr>
+                                        <p:cTn id="67" dur="500"/>
+                                        <p:tgtEl>
+                                          <p:spTgt spid="673"/>
+                                        </p:tgtEl>
+                                      </p:cBhvr>
+                                    </p:animEffect>
+                                    <p:set>
+                                      <p:cBhvr>
+                                        <p:cTn id="68" dur="1" fill="hold">
+                                          <p:stCondLst>
+                                            <p:cond delay="499"/>
+                                          </p:stCondLst>
+                                        </p:cTn>
+                                        <p:tgtEl>
+                                          <p:spTgt spid="673"/>
+                                        </p:tgtEl>
+                                        <p:attrNameLst>
+                                          <p:attrName>style.visibility</p:attrName>
+                                        </p:attrNameLst>
+                                      </p:cBhvr>
+                                      <p:to>
+                                        <p:strVal val="hidden"/>
+                                      </p:to>
+                                    </p:set>
+                                  </p:childTnLst>
+                                </p:cTn>
+                              </p:par>
+                              <p:par>
+                                <p:cTn id="69" presetID="10" presetClass="exit" presetSubtype="0" fill="hold" grpId="1" nodeType="withEffect">
+                                  <p:stCondLst>
+                                    <p:cond delay="0"/>
+                                  </p:stCondLst>
+                                  <p:childTnLst>
+                                    <p:animEffect transition="out" filter="fade">
+                                      <p:cBhvr>
+                                        <p:cTn id="70" dur="500"/>
+                                        <p:tgtEl>
+                                          <p:spTgt spid="675"/>
+                                        </p:tgtEl>
+                                      </p:cBhvr>
+                                    </p:animEffect>
+                                    <p:set>
+                                      <p:cBhvr>
+                                        <p:cTn id="71" dur="1" fill="hold">
+                                          <p:stCondLst>
+                                            <p:cond delay="499"/>
+                                          </p:stCondLst>
+                                        </p:cTn>
+                                        <p:tgtEl>
+                                          <p:spTgt spid="675"/>
+                                        </p:tgtEl>
+                                        <p:attrNameLst>
+                                          <p:attrName>style.visibility</p:attrName>
+                                        </p:attrNameLst>
+                                      </p:cBhvr>
+                                      <p:to>
+                                        <p:strVal val="hidden"/>
+                                      </p:to>
+                                    </p:set>
+                                  </p:childTnLst>
+                                </p:cTn>
+                              </p:par>
+                              <p:par>
+                                <p:cTn id="72" presetID="10" presetClass="exit" presetSubtype="0" fill="hold" grpId="1" nodeType="withEffect">
+                                  <p:stCondLst>
+                                    <p:cond delay="0"/>
+                                  </p:stCondLst>
+                                  <p:childTnLst>
+                                    <p:animEffect transition="out" filter="fade">
+                                      <p:cBhvr>
+                                        <p:cTn id="73" dur="500"/>
+                                        <p:tgtEl>
+                                          <p:spTgt spid="676"/>
+                                        </p:tgtEl>
+                                      </p:cBhvr>
+                                    </p:animEffect>
+                                    <p:set>
+                                      <p:cBhvr>
+                                        <p:cTn id="74" dur="1" fill="hold">
+                                          <p:stCondLst>
+                                            <p:cond delay="499"/>
+                                          </p:stCondLst>
+                                        </p:cTn>
+                                        <p:tgtEl>
+                                          <p:spTgt spid="676"/>
+                                        </p:tgtEl>
+                                        <p:attrNameLst>
+                                          <p:attrName>style.visibility</p:attrName>
+                                        </p:attrNameLst>
+                                      </p:cBhvr>
+                                      <p:to>
+                                        <p:strVal val="hidden"/>
+                                      </p:to>
+                                    </p:set>
+                                  </p:childTnLst>
+                                </p:cTn>
+                              </p:par>
+                              <p:par>
+                                <p:cTn id="75" presetID="10" presetClass="entr" presetSubtype="0" fill="hold" nodeType="withEffect">
+                                  <p:stCondLst>
+                                    <p:cond delay="500"/>
+                                  </p:stCondLst>
+                                  <p:childTnLst>
+                                    <p:set>
+                                      <p:cBhvr>
+                                        <p:cTn id="76" dur="1" fill="hold">
                                           <p:stCondLst>
                                             <p:cond delay="0"/>
                                           </p:stCondLst>
@@ -28308,7 +29503,7 @@
                                     </p:set>
                                     <p:animEffect transition="in" filter="fade">
                                       <p:cBhvr>
-                                        <p:cTn id="74" dur="500"/>
+                                        <p:cTn id="77" dur="500"/>
                                         <p:tgtEl>
                                           <p:spTgt spid="623"/>
                                         </p:tgtEl>
@@ -28324,26 +29519,26 @@
                     </p:cTn>
                   </p:par>
                   <p:par>
-                    <p:cTn id="75" fill="hold">
+                    <p:cTn id="78" fill="hold">
                       <p:stCondLst>
                         <p:cond delay="indefinite"/>
                       </p:stCondLst>
                       <p:childTnLst>
                         <p:par>
-                          <p:cTn id="76" fill="hold">
+                          <p:cTn id="79" fill="hold">
                             <p:stCondLst>
                               <p:cond delay="0"/>
                             </p:stCondLst>
                             <p:childTnLst>
                               <p:par>
-                                <p:cTn id="77" presetID="21" presetClass="entr" presetSubtype="4" fill="hold" nodeType="clickEffect">
+                                <p:cTn id="80" presetID="21" presetClass="entr" presetSubtype="4" fill="hold" nodeType="clickEffect">
                                   <p:stCondLst>
                                     <p:cond delay="0"/>
                                   </p:stCondLst>
                                   <p:childTnLst>
                                     <p:set>
                                       <p:cBhvr>
-                                        <p:cTn id="78" dur="1" fill="hold">
+                                        <p:cTn id="81" dur="1" fill="hold">
                                           <p:stCondLst>
                                             <p:cond delay="0"/>
                                           </p:stCondLst>
@@ -28361,7 +29556,7 @@
                                     </p:set>
                                     <p:animEffect transition="in" filter="wheel(4)">
                                       <p:cBhvr>
-                                        <p:cTn id="79" dur="1000"/>
+                                        <p:cTn id="82" dur="1000"/>
                                         <p:tgtEl>
                                           <p:spTgt spid="16"/>
                                         </p:tgtEl>
@@ -28377,26 +29572,26 @@
                     </p:cTn>
                   </p:par>
                   <p:par>
-                    <p:cTn id="80" fill="hold">
+                    <p:cTn id="83" fill="hold">
                       <p:stCondLst>
                         <p:cond delay="indefinite"/>
                       </p:stCondLst>
                       <p:childTnLst>
                         <p:par>
-                          <p:cTn id="81" fill="hold">
+                          <p:cTn id="84" fill="hold">
                             <p:stCondLst>
                               <p:cond delay="0"/>
                             </p:stCondLst>
                             <p:childTnLst>
                               <p:par>
-                                <p:cTn id="82" presetID="10" presetClass="entr" presetSubtype="0" fill="hold" nodeType="clickEffect">
+                                <p:cTn id="85" presetID="10" presetClass="entr" presetSubtype="0" fill="hold" nodeType="clickEffect">
                                   <p:stCondLst>
                                     <p:cond delay="0"/>
                                   </p:stCondLst>
                                   <p:childTnLst>
                                     <p:set>
                                       <p:cBhvr>
-                                        <p:cTn id="83" dur="1" fill="hold">
+                                        <p:cTn id="86" dur="1" fill="hold">
                                           <p:stCondLst>
                                             <p:cond delay="0"/>
                                           </p:stCondLst>
@@ -28414,7 +29609,7 @@
                                     </p:set>
                                     <p:animEffect transition="in" filter="fade">
                                       <p:cBhvr>
-                                        <p:cTn id="84" dur="500"/>
+                                        <p:cTn id="87" dur="500"/>
                                         <p:tgtEl>
                                           <p:spTgt spid="615"/>
                                         </p:tgtEl>
@@ -28424,14 +29619,14 @@
                                 </p:cTn>
                               </p:par>
                               <p:par>
-                                <p:cTn id="85" presetID="10" presetClass="entr" presetSubtype="0" fill="hold" nodeType="withEffect">
+                                <p:cTn id="88" presetID="10" presetClass="entr" presetSubtype="0" fill="hold" nodeType="withEffect">
                                   <p:stCondLst>
                                     <p:cond delay="0"/>
                                   </p:stCondLst>
                                   <p:childTnLst>
                                     <p:set>
                                       <p:cBhvr>
-                                        <p:cTn id="86" dur="1" fill="hold">
+                                        <p:cTn id="89" dur="1" fill="hold">
                                           <p:stCondLst>
                                             <p:cond delay="0"/>
                                           </p:stCondLst>
@@ -28449,7 +29644,7 @@
                                     </p:set>
                                     <p:animEffect transition="in" filter="fade">
                                       <p:cBhvr>
-                                        <p:cTn id="87" dur="500"/>
+                                        <p:cTn id="90" dur="500"/>
                                         <p:tgtEl>
                                           <p:spTgt spid="391"/>
                                         </p:tgtEl>
@@ -28465,26 +29660,26 @@
                     </p:cTn>
                   </p:par>
                   <p:par>
-                    <p:cTn id="88" fill="hold">
+                    <p:cTn id="91" fill="hold">
                       <p:stCondLst>
                         <p:cond delay="indefinite"/>
                       </p:stCondLst>
                       <p:childTnLst>
                         <p:par>
-                          <p:cTn id="89" fill="hold">
+                          <p:cTn id="92" fill="hold">
                             <p:stCondLst>
                               <p:cond delay="0"/>
                             </p:stCondLst>
                             <p:childTnLst>
                               <p:par>
-                                <p:cTn id="90" presetID="22" presetClass="entr" presetSubtype="1" fill="hold" nodeType="clickEffect">
+                                <p:cTn id="93" presetID="10" presetClass="entr" presetSubtype="0" fill="hold" nodeType="clickEffect">
                                   <p:stCondLst>
                                     <p:cond delay="0"/>
                                   </p:stCondLst>
                                   <p:childTnLst>
                                     <p:set>
                                       <p:cBhvr>
-                                        <p:cTn id="91" dur="1" fill="hold">
+                                        <p:cTn id="94" dur="1" fill="hold">
                                           <p:stCondLst>
                                             <p:cond delay="0"/>
                                           </p:stCondLst>
@@ -28500,9 +29695,9 @@
                                         <p:strVal val="visible"/>
                                       </p:to>
                                     </p:set>
-                                    <p:animEffect transition="in" filter="wipe(up)">
+                                    <p:animEffect transition="in" filter="fade">
                                       <p:cBhvr>
-                                        <p:cTn id="92" dur="500"/>
+                                        <p:cTn id="95" dur="500"/>
                                         <p:tgtEl>
                                           <p:spTgt spid="617"/>
                                         </p:tgtEl>
@@ -28512,14 +29707,14 @@
                                 </p:cTn>
                               </p:par>
                               <p:par>
-                                <p:cTn id="93" presetID="10" presetClass="entr" presetSubtype="0" fill="hold" nodeType="withEffect">
+                                <p:cTn id="96" presetID="10" presetClass="entr" presetSubtype="0" fill="hold" nodeType="withEffect">
                                   <p:stCondLst>
                                     <p:cond delay="0"/>
                                   </p:stCondLst>
                                   <p:childTnLst>
                                     <p:set>
                                       <p:cBhvr>
-                                        <p:cTn id="94" dur="1" fill="hold">
+                                        <p:cTn id="97" dur="1" fill="hold">
                                           <p:stCondLst>
                                             <p:cond delay="0"/>
                                           </p:stCondLst>
@@ -28537,7 +29732,7 @@
                                     </p:set>
                                     <p:animEffect transition="in" filter="fade">
                                       <p:cBhvr>
-                                        <p:cTn id="95" dur="500"/>
+                                        <p:cTn id="98" dur="500"/>
                                         <p:tgtEl>
                                           <p:spTgt spid="497"/>
                                         </p:tgtEl>
@@ -28553,26 +29748,26 @@
                     </p:cTn>
                   </p:par>
                   <p:par>
-                    <p:cTn id="96" fill="hold">
+                    <p:cTn id="99" fill="hold">
                       <p:stCondLst>
                         <p:cond delay="indefinite"/>
                       </p:stCondLst>
                       <p:childTnLst>
                         <p:par>
-                          <p:cTn id="97" fill="hold">
+                          <p:cTn id="100" fill="hold">
                             <p:stCondLst>
                               <p:cond delay="0"/>
                             </p:stCondLst>
                             <p:childTnLst>
                               <p:par>
-                                <p:cTn id="98" presetID="10" presetClass="entr" presetSubtype="0" fill="hold" nodeType="clickEffect">
+                                <p:cTn id="101" presetID="10" presetClass="entr" presetSubtype="0" fill="hold" nodeType="clickEffect">
                                   <p:stCondLst>
                                     <p:cond delay="0"/>
                                   </p:stCondLst>
                                   <p:childTnLst>
                                     <p:set>
                                       <p:cBhvr>
-                                        <p:cTn id="99" dur="1" fill="hold">
+                                        <p:cTn id="102" dur="1" fill="hold">
                                           <p:stCondLst>
                                             <p:cond delay="0"/>
                                           </p:stCondLst>
@@ -28590,7 +29785,7 @@
                                     </p:set>
                                     <p:animEffect transition="in" filter="fade">
                                       <p:cBhvr>
-                                        <p:cTn id="100" dur="500"/>
+                                        <p:cTn id="103" dur="500"/>
                                         <p:tgtEl>
                                           <p:spTgt spid="624"/>
                                         </p:tgtEl>
@@ -28600,14 +29795,14 @@
                                 </p:cTn>
                               </p:par>
                               <p:par>
-                                <p:cTn id="101" presetID="10" presetClass="entr" presetSubtype="0" fill="hold" nodeType="withEffect">
+                                <p:cTn id="104" presetID="10" presetClass="entr" presetSubtype="0" fill="hold" nodeType="withEffect">
                                   <p:stCondLst>
                                     <p:cond delay="0"/>
                                   </p:stCondLst>
                                   <p:childTnLst>
                                     <p:set>
                                       <p:cBhvr>
-                                        <p:cTn id="102" dur="1" fill="hold">
+                                        <p:cTn id="105" dur="1" fill="hold">
                                           <p:stCondLst>
                                             <p:cond delay="0"/>
                                           </p:stCondLst>
@@ -28625,7 +29820,7 @@
                                     </p:set>
                                     <p:animEffect transition="in" filter="fade">
                                       <p:cBhvr>
-                                        <p:cTn id="103" dur="500"/>
+                                        <p:cTn id="106" dur="500"/>
                                         <p:tgtEl>
                                           <p:spTgt spid="577"/>
                                         </p:tgtEl>
@@ -28641,26 +29836,26 @@
                     </p:cTn>
                   </p:par>
                   <p:par>
-                    <p:cTn id="104" fill="hold">
+                    <p:cTn id="107" fill="hold">
                       <p:stCondLst>
                         <p:cond delay="indefinite"/>
                       </p:stCondLst>
                       <p:childTnLst>
                         <p:par>
-                          <p:cTn id="105" fill="hold">
+                          <p:cTn id="108" fill="hold">
                             <p:stCondLst>
                               <p:cond delay="0"/>
                             </p:stCondLst>
                             <p:childTnLst>
                               <p:par>
-                                <p:cTn id="106" presetID="22" presetClass="entr" presetSubtype="1" fill="hold" nodeType="clickEffect">
+                                <p:cTn id="109" presetID="22" presetClass="entr" presetSubtype="1" fill="hold" nodeType="clickEffect">
                                   <p:stCondLst>
                                     <p:cond delay="0"/>
                                   </p:stCondLst>
                                   <p:childTnLst>
                                     <p:set>
                                       <p:cBhvr>
-                                        <p:cTn id="107" dur="1" fill="hold">
+                                        <p:cTn id="110" dur="1" fill="hold">
                                           <p:stCondLst>
                                             <p:cond delay="0"/>
                                           </p:stCondLst>
@@ -28678,7 +29873,7 @@
                                     </p:set>
                                     <p:animEffect transition="in" filter="wipe(up)">
                                       <p:cBhvr>
-                                        <p:cTn id="108" dur="500"/>
+                                        <p:cTn id="111" dur="500"/>
                                         <p:tgtEl>
                                           <p:spTgt spid="646"/>
                                         </p:tgtEl>
@@ -28688,14 +29883,14 @@
                                 </p:cTn>
                               </p:par>
                               <p:par>
-                                <p:cTn id="109" presetID="22" presetClass="exit" presetSubtype="1" fill="hold" nodeType="withEffect">
+                                <p:cTn id="112" presetID="22" presetClass="exit" presetSubtype="1" fill="hold" nodeType="withEffect">
                                   <p:stCondLst>
                                     <p:cond delay="0"/>
                                   </p:stCondLst>
                                   <p:childTnLst>
                                     <p:animEffect transition="out" filter="wipe(up)">
                                       <p:cBhvr>
-                                        <p:cTn id="110" dur="500"/>
+                                        <p:cTn id="113" dur="500"/>
                                         <p:tgtEl>
                                           <p:spTgt spid="615"/>
                                         </p:tgtEl>
@@ -28703,7 +29898,7 @@
                                     </p:animEffect>
                                     <p:set>
                                       <p:cBhvr>
-                                        <p:cTn id="111" dur="1" fill="hold">
+                                        <p:cTn id="114" dur="1" fill="hold">
                                           <p:stCondLst>
                                             <p:cond delay="499"/>
                                           </p:stCondLst>
@@ -28729,26 +29924,26 @@
                     </p:cTn>
                   </p:par>
                   <p:par>
-                    <p:cTn id="112" fill="hold">
+                    <p:cTn id="115" fill="hold">
                       <p:stCondLst>
                         <p:cond delay="indefinite"/>
                       </p:stCondLst>
                       <p:childTnLst>
                         <p:par>
-                          <p:cTn id="113" fill="hold">
+                          <p:cTn id="116" fill="hold">
                             <p:stCondLst>
                               <p:cond delay="0"/>
                             </p:stCondLst>
                             <p:childTnLst>
                               <p:par>
-                                <p:cTn id="114" presetID="22" presetClass="entr" presetSubtype="1" fill="hold" nodeType="clickEffect">
+                                <p:cTn id="117" presetID="22" presetClass="entr" presetSubtype="1" fill="hold" nodeType="clickEffect">
                                   <p:stCondLst>
                                     <p:cond delay="0"/>
                                   </p:stCondLst>
                                   <p:childTnLst>
                                     <p:set>
                                       <p:cBhvr>
-                                        <p:cTn id="115" dur="1" fill="hold">
+                                        <p:cTn id="118" dur="1" fill="hold">
                                           <p:stCondLst>
                                             <p:cond delay="0"/>
                                           </p:stCondLst>
@@ -28766,7 +29961,7 @@
                                     </p:set>
                                     <p:animEffect transition="in" filter="wipe(up)">
                                       <p:cBhvr>
-                                        <p:cTn id="116" dur="500"/>
+                                        <p:cTn id="119" dur="500"/>
                                         <p:tgtEl>
                                           <p:spTgt spid="619"/>
                                         </p:tgtEl>
@@ -28776,14 +29971,14 @@
                                 </p:cTn>
                               </p:par>
                               <p:par>
-                                <p:cTn id="117" presetID="22" presetClass="exit" presetSubtype="1" fill="hold" nodeType="withEffect">
+                                <p:cTn id="120" presetID="22" presetClass="exit" presetSubtype="1" fill="hold" nodeType="withEffect">
                                   <p:stCondLst>
                                     <p:cond delay="0"/>
                                   </p:stCondLst>
                                   <p:childTnLst>
                                     <p:animEffect transition="out" filter="wipe(up)">
                                       <p:cBhvr>
-                                        <p:cTn id="118" dur="500"/>
+                                        <p:cTn id="121" dur="500"/>
                                         <p:tgtEl>
                                           <p:spTgt spid="646"/>
                                         </p:tgtEl>
@@ -28791,7 +29986,7 @@
                                     </p:animEffect>
                                     <p:set>
                                       <p:cBhvr>
-                                        <p:cTn id="119" dur="1" fill="hold">
+                                        <p:cTn id="122" dur="1" fill="hold">
                                           <p:stCondLst>
                                             <p:cond delay="499"/>
                                           </p:stCondLst>
@@ -28817,26 +30012,26 @@
                     </p:cTn>
                   </p:par>
                   <p:par>
-                    <p:cTn id="120" fill="hold">
+                    <p:cTn id="123" fill="hold">
                       <p:stCondLst>
                         <p:cond delay="indefinite"/>
                       </p:stCondLst>
                       <p:childTnLst>
                         <p:par>
-                          <p:cTn id="121" fill="hold">
+                          <p:cTn id="124" fill="hold">
                             <p:stCondLst>
                               <p:cond delay="0"/>
                             </p:stCondLst>
                             <p:childTnLst>
                               <p:par>
-                                <p:cTn id="122" presetID="22" presetClass="entr" presetSubtype="1" fill="hold" nodeType="clickEffect">
+                                <p:cTn id="125" presetID="22" presetClass="entr" presetSubtype="1" fill="hold" nodeType="clickEffect">
                                   <p:stCondLst>
                                     <p:cond delay="0"/>
                                   </p:stCondLst>
                                   <p:childTnLst>
                                     <p:set>
                                       <p:cBhvr>
-                                        <p:cTn id="123" dur="1" fill="hold">
+                                        <p:cTn id="126" dur="1" fill="hold">
                                           <p:stCondLst>
                                             <p:cond delay="0"/>
                                           </p:stCondLst>
@@ -28854,7 +30049,7 @@
                                     </p:set>
                                     <p:animEffect transition="in" filter="wipe(up)">
                                       <p:cBhvr>
-                                        <p:cTn id="124" dur="500"/>
+                                        <p:cTn id="127" dur="500"/>
                                         <p:tgtEl>
                                           <p:spTgt spid="618"/>
                                         </p:tgtEl>
@@ -28864,14 +30059,14 @@
                                 </p:cTn>
                               </p:par>
                               <p:par>
-                                <p:cTn id="125" presetID="22" presetClass="exit" presetSubtype="1" fill="hold" nodeType="withEffect">
+                                <p:cTn id="128" presetID="22" presetClass="exit" presetSubtype="1" fill="hold" nodeType="withEffect">
                                   <p:stCondLst>
                                     <p:cond delay="0"/>
                                   </p:stCondLst>
                                   <p:childTnLst>
                                     <p:animEffect transition="out" filter="wipe(up)">
                                       <p:cBhvr>
-                                        <p:cTn id="126" dur="500"/>
+                                        <p:cTn id="129" dur="500"/>
                                         <p:tgtEl>
                                           <p:spTgt spid="619"/>
                                         </p:tgtEl>
@@ -28879,7 +30074,7 @@
                                     </p:animEffect>
                                     <p:set>
                                       <p:cBhvr>
-                                        <p:cTn id="127" dur="1" fill="hold">
+                                        <p:cTn id="130" dur="1" fill="hold">
                                           <p:stCondLst>
                                             <p:cond delay="499"/>
                                           </p:stCondLst>
@@ -28905,26 +30100,26 @@
                     </p:cTn>
                   </p:par>
                   <p:par>
-                    <p:cTn id="128" fill="hold">
+                    <p:cTn id="131" fill="hold">
                       <p:stCondLst>
                         <p:cond delay="indefinite"/>
                       </p:stCondLst>
                       <p:childTnLst>
                         <p:par>
-                          <p:cTn id="129" fill="hold">
+                          <p:cTn id="132" fill="hold">
                             <p:stCondLst>
                               <p:cond delay="0"/>
                             </p:stCondLst>
                             <p:childTnLst>
                               <p:par>
-                                <p:cTn id="130" presetID="22" presetClass="entr" presetSubtype="1" fill="hold" nodeType="clickEffect">
+                                <p:cTn id="133" presetID="22" presetClass="entr" presetSubtype="1" fill="hold" nodeType="clickEffect">
                                   <p:stCondLst>
                                     <p:cond delay="0"/>
                                   </p:stCondLst>
                                   <p:childTnLst>
                                     <p:set>
                                       <p:cBhvr>
-                                        <p:cTn id="131" dur="1" fill="hold">
+                                        <p:cTn id="134" dur="1" fill="hold">
                                           <p:stCondLst>
                                             <p:cond delay="0"/>
                                           </p:stCondLst>
@@ -28942,7 +30137,7 @@
                                     </p:set>
                                     <p:animEffect transition="in" filter="wipe(up)">
                                       <p:cBhvr>
-                                        <p:cTn id="132" dur="500"/>
+                                        <p:cTn id="135" dur="500"/>
                                         <p:tgtEl>
                                           <p:spTgt spid="637"/>
                                         </p:tgtEl>
@@ -28952,14 +30147,14 @@
                                 </p:cTn>
                               </p:par>
                               <p:par>
-                                <p:cTn id="133" presetID="22" presetClass="exit" presetSubtype="1" fill="hold" nodeType="withEffect">
+                                <p:cTn id="136" presetID="22" presetClass="exit" presetSubtype="1" fill="hold" nodeType="withEffect">
                                   <p:stCondLst>
                                     <p:cond delay="0"/>
                                   </p:stCondLst>
                                   <p:childTnLst>
                                     <p:animEffect transition="out" filter="wipe(up)">
                                       <p:cBhvr>
-                                        <p:cTn id="134" dur="500"/>
+                                        <p:cTn id="137" dur="500"/>
                                         <p:tgtEl>
                                           <p:spTgt spid="617"/>
                                         </p:tgtEl>
@@ -28967,7 +30162,7 @@
                                     </p:animEffect>
                                     <p:set>
                                       <p:cBhvr>
-                                        <p:cTn id="135" dur="1" fill="hold">
+                                        <p:cTn id="138" dur="1" fill="hold">
                                           <p:stCondLst>
                                             <p:cond delay="499"/>
                                           </p:stCondLst>
@@ -28993,26 +30188,26 @@
                     </p:cTn>
                   </p:par>
                   <p:par>
-                    <p:cTn id="136" fill="hold">
+                    <p:cTn id="139" fill="hold">
                       <p:stCondLst>
                         <p:cond delay="indefinite"/>
                       </p:stCondLst>
                       <p:childTnLst>
                         <p:par>
-                          <p:cTn id="137" fill="hold">
+                          <p:cTn id="140" fill="hold">
                             <p:stCondLst>
                               <p:cond delay="0"/>
                             </p:stCondLst>
                             <p:childTnLst>
                               <p:par>
-                                <p:cTn id="138" presetID="22" presetClass="entr" presetSubtype="1" fill="hold" nodeType="clickEffect">
+                                <p:cTn id="141" presetID="22" presetClass="entr" presetSubtype="1" fill="hold" nodeType="clickEffect">
                                   <p:stCondLst>
                                     <p:cond delay="0"/>
                                   </p:stCondLst>
                                   <p:childTnLst>
                                     <p:set>
                                       <p:cBhvr>
-                                        <p:cTn id="139" dur="1" fill="hold">
+                                        <p:cTn id="142" dur="1" fill="hold">
                                           <p:stCondLst>
                                             <p:cond delay="0"/>
                                           </p:stCondLst>
@@ -29030,7 +30225,7 @@
                                     </p:set>
                                     <p:animEffect transition="in" filter="wipe(up)">
                                       <p:cBhvr>
-                                        <p:cTn id="140" dur="500"/>
+                                        <p:cTn id="143" dur="500"/>
                                         <p:tgtEl>
                                           <p:spTgt spid="620"/>
                                         </p:tgtEl>
@@ -29040,14 +30235,14 @@
                                 </p:cTn>
                               </p:par>
                               <p:par>
-                                <p:cTn id="141" presetID="22" presetClass="exit" presetSubtype="1" fill="hold" nodeType="withEffect">
+                                <p:cTn id="144" presetID="22" presetClass="exit" presetSubtype="1" fill="hold" nodeType="withEffect">
                                   <p:stCondLst>
                                     <p:cond delay="0"/>
                                   </p:stCondLst>
                                   <p:childTnLst>
                                     <p:animEffect transition="out" filter="wipe(up)">
                                       <p:cBhvr>
-                                        <p:cTn id="142" dur="500"/>
+                                        <p:cTn id="145" dur="500"/>
                                         <p:tgtEl>
                                           <p:spTgt spid="624"/>
                                         </p:tgtEl>
@@ -29055,7 +30250,7 @@
                                     </p:animEffect>
                                     <p:set>
                                       <p:cBhvr>
-                                        <p:cTn id="143" dur="1" fill="hold">
+                                        <p:cTn id="146" dur="1" fill="hold">
                                           <p:stCondLst>
                                             <p:cond delay="499"/>
                                           </p:stCondLst>
@@ -29081,26 +30276,26 @@
                     </p:cTn>
                   </p:par>
                   <p:par>
-                    <p:cTn id="144" fill="hold">
+                    <p:cTn id="147" fill="hold">
                       <p:stCondLst>
                         <p:cond delay="indefinite"/>
                       </p:stCondLst>
                       <p:childTnLst>
                         <p:par>
-                          <p:cTn id="145" fill="hold">
+                          <p:cTn id="148" fill="hold">
                             <p:stCondLst>
                               <p:cond delay="0"/>
                             </p:stCondLst>
                             <p:childTnLst>
                               <p:par>
-                                <p:cTn id="146" presetID="22" presetClass="entr" presetSubtype="1" fill="hold" nodeType="clickEffect">
+                                <p:cTn id="149" presetID="22" presetClass="entr" presetSubtype="1" fill="hold" nodeType="clickEffect">
                                   <p:stCondLst>
                                     <p:cond delay="0"/>
                                   </p:stCondLst>
                                   <p:childTnLst>
                                     <p:set>
                                       <p:cBhvr>
-                                        <p:cTn id="147" dur="1" fill="hold">
+                                        <p:cTn id="150" dur="1" fill="hold">
                                           <p:stCondLst>
                                             <p:cond delay="0"/>
                                           </p:stCondLst>
@@ -29118,7 +30313,7 @@
                                     </p:set>
                                     <p:animEffect transition="in" filter="wipe(up)">
                                       <p:cBhvr>
-                                        <p:cTn id="148" dur="500"/>
+                                        <p:cTn id="151" dur="500"/>
                                         <p:tgtEl>
                                           <p:spTgt spid="632"/>
                                         </p:tgtEl>
@@ -29128,14 +30323,14 @@
                                 </p:cTn>
                               </p:par>
                               <p:par>
-                                <p:cTn id="149" presetID="22" presetClass="exit" presetSubtype="1" fill="hold" nodeType="withEffect">
+                                <p:cTn id="152" presetID="22" presetClass="exit" presetSubtype="1" fill="hold" nodeType="withEffect">
                                   <p:stCondLst>
                                     <p:cond delay="0"/>
                                   </p:stCondLst>
                                   <p:childTnLst>
                                     <p:animEffect transition="out" filter="wipe(up)">
                                       <p:cBhvr>
-                                        <p:cTn id="150" dur="500"/>
+                                        <p:cTn id="153" dur="500"/>
                                         <p:tgtEl>
                                           <p:spTgt spid="620"/>
                                         </p:tgtEl>
@@ -29143,7 +30338,7 @@
                                     </p:animEffect>
                                     <p:set>
                                       <p:cBhvr>
-                                        <p:cTn id="151" dur="1" fill="hold">
+                                        <p:cTn id="154" dur="1" fill="hold">
                                           <p:stCondLst>
                                             <p:cond delay="499"/>
                                           </p:stCondLst>
@@ -29169,26 +30364,26 @@
                     </p:cTn>
                   </p:par>
                   <p:par>
-                    <p:cTn id="152" fill="hold">
+                    <p:cTn id="155" fill="hold">
                       <p:stCondLst>
                         <p:cond delay="indefinite"/>
                       </p:stCondLst>
                       <p:childTnLst>
                         <p:par>
-                          <p:cTn id="153" fill="hold">
+                          <p:cTn id="156" fill="hold">
                             <p:stCondLst>
                               <p:cond delay="0"/>
                             </p:stCondLst>
                             <p:childTnLst>
                               <p:par>
-                                <p:cTn id="154" presetID="10" presetClass="entr" presetSubtype="0" fill="hold" nodeType="clickEffect">
+                                <p:cTn id="157" presetID="10" presetClass="entr" presetSubtype="0" fill="hold" nodeType="clickEffect">
                                   <p:stCondLst>
                                     <p:cond delay="0"/>
                                   </p:stCondLst>
                                   <p:childTnLst>
                                     <p:set>
                                       <p:cBhvr>
-                                        <p:cTn id="155" dur="1" fill="hold">
+                                        <p:cTn id="158" dur="1" fill="hold">
                                           <p:stCondLst>
                                             <p:cond delay="0"/>
                                           </p:stCondLst>
@@ -29206,7 +30401,7 @@
                                     </p:set>
                                     <p:animEffect transition="in" filter="fade">
                                       <p:cBhvr>
-                                        <p:cTn id="156" dur="500"/>
+                                        <p:cTn id="159" dur="500"/>
                                         <p:tgtEl>
                                           <p:spTgt spid="622"/>
                                         </p:tgtEl>
@@ -29216,14 +30411,14 @@
                                 </p:cTn>
                               </p:par>
                               <p:par>
-                                <p:cTn id="157" presetID="10" presetClass="entr" presetSubtype="0" fill="hold" nodeType="withEffect">
+                                <p:cTn id="160" presetID="10" presetClass="entr" presetSubtype="0" fill="hold" nodeType="withEffect">
                                   <p:stCondLst>
                                     <p:cond delay="0"/>
                                   </p:stCondLst>
                                   <p:childTnLst>
                                     <p:set>
                                       <p:cBhvr>
-                                        <p:cTn id="158" dur="1" fill="hold">
+                                        <p:cTn id="161" dur="1" fill="hold">
                                           <p:stCondLst>
                                             <p:cond delay="0"/>
                                           </p:stCondLst>
@@ -29241,7 +30436,7 @@
                                     </p:set>
                                     <p:animEffect transition="in" filter="fade">
                                       <p:cBhvr>
-                                        <p:cTn id="159" dur="500"/>
+                                        <p:cTn id="162" dur="500"/>
                                         <p:tgtEl>
                                           <p:spTgt spid="578"/>
                                         </p:tgtEl>
@@ -29257,26 +30452,26 @@
                     </p:cTn>
                   </p:par>
                   <p:par>
-                    <p:cTn id="160" fill="hold">
+                    <p:cTn id="163" fill="hold">
                       <p:stCondLst>
                         <p:cond delay="indefinite"/>
                       </p:stCondLst>
                       <p:childTnLst>
                         <p:par>
-                          <p:cTn id="161" fill="hold">
+                          <p:cTn id="164" fill="hold">
                             <p:stCondLst>
                               <p:cond delay="0"/>
                             </p:stCondLst>
                             <p:childTnLst>
                               <p:par>
-                                <p:cTn id="162" presetID="10" presetClass="entr" presetSubtype="0" fill="hold" nodeType="clickEffect">
+                                <p:cTn id="165" presetID="10" presetClass="entr" presetSubtype="0" fill="hold" nodeType="clickEffect">
                                   <p:stCondLst>
                                     <p:cond delay="0"/>
                                   </p:stCondLst>
                                   <p:childTnLst>
                                     <p:set>
                                       <p:cBhvr>
-                                        <p:cTn id="163" dur="1" fill="hold">
+                                        <p:cTn id="166" dur="1" fill="hold">
                                           <p:stCondLst>
                                             <p:cond delay="0"/>
                                           </p:stCondLst>
@@ -29294,7 +30489,7 @@
                                     </p:set>
                                     <p:animEffect transition="in" filter="fade">
                                       <p:cBhvr>
-                                        <p:cTn id="164" dur="500"/>
+                                        <p:cTn id="167" dur="500"/>
                                         <p:tgtEl>
                                           <p:spTgt spid="638"/>
                                         </p:tgtEl>
@@ -29304,14 +30499,14 @@
                                 </p:cTn>
                               </p:par>
                               <p:par>
-                                <p:cTn id="165" presetID="10" presetClass="entr" presetSubtype="0" fill="hold" nodeType="withEffect">
+                                <p:cTn id="168" presetID="10" presetClass="entr" presetSubtype="0" fill="hold" nodeType="withEffect">
                                   <p:stCondLst>
                                     <p:cond delay="0"/>
                                   </p:stCondLst>
                                   <p:childTnLst>
                                     <p:set>
                                       <p:cBhvr>
-                                        <p:cTn id="166" dur="1" fill="hold">
+                                        <p:cTn id="169" dur="1" fill="hold">
                                           <p:stCondLst>
                                             <p:cond delay="0"/>
                                           </p:stCondLst>
@@ -29329,9 +30524,537 @@
                                     </p:set>
                                     <p:animEffect transition="in" filter="fade">
                                       <p:cBhvr>
-                                        <p:cTn id="167" dur="500"/>
+                                        <p:cTn id="170" dur="500"/>
                                         <p:tgtEl>
                                           <p:spTgt spid="669"/>
+                                        </p:tgtEl>
+                                      </p:cBhvr>
+                                    </p:animEffect>
+                                  </p:childTnLst>
+                                </p:cTn>
+                              </p:par>
+                              <p:par>
+                                <p:cTn id="171" presetID="10" presetClass="exit" presetSubtype="0" fill="hold" nodeType="withEffect">
+                                  <p:stCondLst>
+                                    <p:cond delay="0"/>
+                                  </p:stCondLst>
+                                  <p:childTnLst>
+                                    <p:animEffect transition="out" filter="fade">
+                                      <p:cBhvr>
+                                        <p:cTn id="172" dur="500"/>
+                                        <p:tgtEl>
+                                          <p:spTgt spid="637"/>
+                                        </p:tgtEl>
+                                      </p:cBhvr>
+                                    </p:animEffect>
+                                    <p:set>
+                                      <p:cBhvr>
+                                        <p:cTn id="173" dur="1" fill="hold">
+                                          <p:stCondLst>
+                                            <p:cond delay="499"/>
+                                          </p:stCondLst>
+                                        </p:cTn>
+                                        <p:tgtEl>
+                                          <p:spTgt spid="637"/>
+                                        </p:tgtEl>
+                                        <p:attrNameLst>
+                                          <p:attrName>style.visibility</p:attrName>
+                                        </p:attrNameLst>
+                                      </p:cBhvr>
+                                      <p:to>
+                                        <p:strVal val="hidden"/>
+                                      </p:to>
+                                    </p:set>
+                                  </p:childTnLst>
+                                </p:cTn>
+                              </p:par>
+                              <p:par>
+                                <p:cTn id="174" presetID="10" presetClass="exit" presetSubtype="0" fill="hold" nodeType="withEffect">
+                                  <p:stCondLst>
+                                    <p:cond delay="0"/>
+                                  </p:stCondLst>
+                                  <p:childTnLst>
+                                    <p:animEffect transition="out" filter="fade">
+                                      <p:cBhvr>
+                                        <p:cTn id="175" dur="500"/>
+                                        <p:tgtEl>
+                                          <p:spTgt spid="497"/>
+                                        </p:tgtEl>
+                                      </p:cBhvr>
+                                    </p:animEffect>
+                                    <p:set>
+                                      <p:cBhvr>
+                                        <p:cTn id="176" dur="1" fill="hold">
+                                          <p:stCondLst>
+                                            <p:cond delay="499"/>
+                                          </p:stCondLst>
+                                        </p:cTn>
+                                        <p:tgtEl>
+                                          <p:spTgt spid="497"/>
+                                        </p:tgtEl>
+                                        <p:attrNameLst>
+                                          <p:attrName>style.visibility</p:attrName>
+                                        </p:attrNameLst>
+                                      </p:cBhvr>
+                                      <p:to>
+                                        <p:strVal val="hidden"/>
+                                      </p:to>
+                                    </p:set>
+                                  </p:childTnLst>
+                                </p:cTn>
+                              </p:par>
+                            </p:childTnLst>
+                          </p:cTn>
+                        </p:par>
+                      </p:childTnLst>
+                    </p:cTn>
+                  </p:par>
+                  <p:par>
+                    <p:cTn id="177" fill="hold">
+                      <p:stCondLst>
+                        <p:cond delay="indefinite"/>
+                      </p:stCondLst>
+                      <p:childTnLst>
+                        <p:par>
+                          <p:cTn id="178" fill="hold">
+                            <p:stCondLst>
+                              <p:cond delay="0"/>
+                            </p:stCondLst>
+                            <p:childTnLst>
+                              <p:par>
+                                <p:cTn id="179" presetID="22" presetClass="entr" presetSubtype="1" fill="hold" nodeType="clickEffect">
+                                  <p:stCondLst>
+                                    <p:cond delay="0"/>
+                                  </p:stCondLst>
+                                  <p:childTnLst>
+                                    <p:set>
+                                      <p:cBhvr>
+                                        <p:cTn id="180" dur="1" fill="hold">
+                                          <p:stCondLst>
+                                            <p:cond delay="0"/>
+                                          </p:stCondLst>
+                                        </p:cTn>
+                                        <p:tgtEl>
+                                          <p:spTgt spid="8"/>
+                                        </p:tgtEl>
+                                        <p:attrNameLst>
+                                          <p:attrName>style.visibility</p:attrName>
+                                        </p:attrNameLst>
+                                      </p:cBhvr>
+                                      <p:to>
+                                        <p:strVal val="visible"/>
+                                      </p:to>
+                                    </p:set>
+                                    <p:animEffect transition="in" filter="wipe(up)">
+                                      <p:cBhvr>
+                                        <p:cTn id="181" dur="500"/>
+                                        <p:tgtEl>
+                                          <p:spTgt spid="8"/>
+                                        </p:tgtEl>
+                                      </p:cBhvr>
+                                    </p:animEffect>
+                                  </p:childTnLst>
+                                </p:cTn>
+                              </p:par>
+                              <p:par>
+                                <p:cTn id="182" presetID="10" presetClass="entr" presetSubtype="0" fill="hold" nodeType="withEffect">
+                                  <p:stCondLst>
+                                    <p:cond delay="0"/>
+                                  </p:stCondLst>
+                                  <p:childTnLst>
+                                    <p:set>
+                                      <p:cBhvr>
+                                        <p:cTn id="183" dur="1" fill="hold">
+                                          <p:stCondLst>
+                                            <p:cond delay="0"/>
+                                          </p:stCondLst>
+                                        </p:cTn>
+                                        <p:tgtEl>
+                                          <p:spTgt spid="51"/>
+                                        </p:tgtEl>
+                                        <p:attrNameLst>
+                                          <p:attrName>style.visibility</p:attrName>
+                                        </p:attrNameLst>
+                                      </p:cBhvr>
+                                      <p:to>
+                                        <p:strVal val="visible"/>
+                                      </p:to>
+                                    </p:set>
+                                    <p:animEffect transition="in" filter="fade">
+                                      <p:cBhvr>
+                                        <p:cTn id="184" dur="500"/>
+                                        <p:tgtEl>
+                                          <p:spTgt spid="51"/>
+                                        </p:tgtEl>
+                                      </p:cBhvr>
+                                    </p:animEffect>
+                                  </p:childTnLst>
+                                </p:cTn>
+                              </p:par>
+                            </p:childTnLst>
+                          </p:cTn>
+                        </p:par>
+                      </p:childTnLst>
+                    </p:cTn>
+                  </p:par>
+                  <p:par>
+                    <p:cTn id="185" fill="hold">
+                      <p:stCondLst>
+                        <p:cond delay="indefinite"/>
+                      </p:stCondLst>
+                      <p:childTnLst>
+                        <p:par>
+                          <p:cTn id="186" fill="hold">
+                            <p:stCondLst>
+                              <p:cond delay="0"/>
+                            </p:stCondLst>
+                            <p:childTnLst>
+                              <p:par>
+                                <p:cTn id="187" presetID="21" presetClass="entr" presetSubtype="4" fill="hold" nodeType="clickEffect">
+                                  <p:stCondLst>
+                                    <p:cond delay="0"/>
+                                  </p:stCondLst>
+                                  <p:childTnLst>
+                                    <p:set>
+                                      <p:cBhvr>
+                                        <p:cTn id="188" dur="1" fill="hold">
+                                          <p:stCondLst>
+                                            <p:cond delay="0"/>
+                                          </p:stCondLst>
+                                        </p:cTn>
+                                        <p:tgtEl>
+                                          <p:spTgt spid="52"/>
+                                        </p:tgtEl>
+                                        <p:attrNameLst>
+                                          <p:attrName>style.visibility</p:attrName>
+                                        </p:attrNameLst>
+                                      </p:cBhvr>
+                                      <p:to>
+                                        <p:strVal val="visible"/>
+                                      </p:to>
+                                    </p:set>
+                                    <p:animEffect transition="in" filter="wheel(4)">
+                                      <p:cBhvr>
+                                        <p:cTn id="189" dur="1000"/>
+                                        <p:tgtEl>
+                                          <p:spTgt spid="52"/>
+                                        </p:tgtEl>
+                                      </p:cBhvr>
+                                    </p:animEffect>
+                                  </p:childTnLst>
+                                </p:cTn>
+                              </p:par>
+                              <p:par>
+                                <p:cTn id="190" presetID="10" presetClass="entr" presetSubtype="0" fill="hold" nodeType="withEffect">
+                                  <p:stCondLst>
+                                    <p:cond delay="0"/>
+                                  </p:stCondLst>
+                                  <p:childTnLst>
+                                    <p:set>
+                                      <p:cBhvr>
+                                        <p:cTn id="191" dur="1" fill="hold">
+                                          <p:stCondLst>
+                                            <p:cond delay="0"/>
+                                          </p:stCondLst>
+                                        </p:cTn>
+                                        <p:tgtEl>
+                                          <p:spTgt spid="55"/>
+                                        </p:tgtEl>
+                                        <p:attrNameLst>
+                                          <p:attrName>style.visibility</p:attrName>
+                                        </p:attrNameLst>
+                                      </p:cBhvr>
+                                      <p:to>
+                                        <p:strVal val="visible"/>
+                                      </p:to>
+                                    </p:set>
+                                    <p:animEffect transition="in" filter="fade">
+                                      <p:cBhvr>
+                                        <p:cTn id="192" dur="500"/>
+                                        <p:tgtEl>
+                                          <p:spTgt spid="55"/>
+                                        </p:tgtEl>
+                                      </p:cBhvr>
+                                    </p:animEffect>
+                                  </p:childTnLst>
+                                </p:cTn>
+                              </p:par>
+                            </p:childTnLst>
+                          </p:cTn>
+                        </p:par>
+                      </p:childTnLst>
+                    </p:cTn>
+                  </p:par>
+                  <p:par>
+                    <p:cTn id="193" fill="hold">
+                      <p:stCondLst>
+                        <p:cond delay="indefinite"/>
+                      </p:stCondLst>
+                      <p:childTnLst>
+                        <p:par>
+                          <p:cTn id="194" fill="hold">
+                            <p:stCondLst>
+                              <p:cond delay="0"/>
+                            </p:stCondLst>
+                            <p:childTnLst>
+                              <p:par>
+                                <p:cTn id="195" presetID="10" presetClass="entr" presetSubtype="0" fill="hold" nodeType="clickEffect">
+                                  <p:stCondLst>
+                                    <p:cond delay="0"/>
+                                  </p:stCondLst>
+                                  <p:childTnLst>
+                                    <p:set>
+                                      <p:cBhvr>
+                                        <p:cTn id="196" dur="1" fill="hold">
+                                          <p:stCondLst>
+                                            <p:cond delay="0"/>
+                                          </p:stCondLst>
+                                        </p:cTn>
+                                        <p:tgtEl>
+                                          <p:spTgt spid="58"/>
+                                        </p:tgtEl>
+                                        <p:attrNameLst>
+                                          <p:attrName>style.visibility</p:attrName>
+                                        </p:attrNameLst>
+                                      </p:cBhvr>
+                                      <p:to>
+                                        <p:strVal val="visible"/>
+                                      </p:to>
+                                    </p:set>
+                                    <p:animEffect transition="in" filter="fade">
+                                      <p:cBhvr>
+                                        <p:cTn id="197" dur="500"/>
+                                        <p:tgtEl>
+                                          <p:spTgt spid="58"/>
+                                        </p:tgtEl>
+                                      </p:cBhvr>
+                                    </p:animEffect>
+                                  </p:childTnLst>
+                                </p:cTn>
+                              </p:par>
+                              <p:par>
+                                <p:cTn id="198" presetID="10" presetClass="entr" presetSubtype="0" fill="hold" nodeType="withEffect">
+                                  <p:stCondLst>
+                                    <p:cond delay="0"/>
+                                  </p:stCondLst>
+                                  <p:childTnLst>
+                                    <p:set>
+                                      <p:cBhvr>
+                                        <p:cTn id="199" dur="1" fill="hold">
+                                          <p:stCondLst>
+                                            <p:cond delay="0"/>
+                                          </p:stCondLst>
+                                        </p:cTn>
+                                        <p:tgtEl>
+                                          <p:spTgt spid="521"/>
+                                        </p:tgtEl>
+                                        <p:attrNameLst>
+                                          <p:attrName>style.visibility</p:attrName>
+                                        </p:attrNameLst>
+                                      </p:cBhvr>
+                                      <p:to>
+                                        <p:strVal val="visible"/>
+                                      </p:to>
+                                    </p:set>
+                                    <p:animEffect transition="in" filter="fade">
+                                      <p:cBhvr>
+                                        <p:cTn id="200" dur="500"/>
+                                        <p:tgtEl>
+                                          <p:spTgt spid="521"/>
+                                        </p:tgtEl>
+                                      </p:cBhvr>
+                                    </p:animEffect>
+                                  </p:childTnLst>
+                                </p:cTn>
+                              </p:par>
+                            </p:childTnLst>
+                          </p:cTn>
+                        </p:par>
+                      </p:childTnLst>
+                    </p:cTn>
+                  </p:par>
+                  <p:par>
+                    <p:cTn id="201" fill="hold">
+                      <p:stCondLst>
+                        <p:cond delay="indefinite"/>
+                      </p:stCondLst>
+                      <p:childTnLst>
+                        <p:par>
+                          <p:cTn id="202" fill="hold">
+                            <p:stCondLst>
+                              <p:cond delay="0"/>
+                            </p:stCondLst>
+                            <p:childTnLst>
+                              <p:par>
+                                <p:cTn id="203" presetID="10" presetClass="entr" presetSubtype="0" fill="hold" nodeType="clickEffect">
+                                  <p:stCondLst>
+                                    <p:cond delay="0"/>
+                                  </p:stCondLst>
+                                  <p:childTnLst>
+                                    <p:set>
+                                      <p:cBhvr>
+                                        <p:cTn id="204" dur="1" fill="hold">
+                                          <p:stCondLst>
+                                            <p:cond delay="0"/>
+                                          </p:stCondLst>
+                                        </p:cTn>
+                                        <p:tgtEl>
+                                          <p:spTgt spid="520"/>
+                                        </p:tgtEl>
+                                        <p:attrNameLst>
+                                          <p:attrName>style.visibility</p:attrName>
+                                        </p:attrNameLst>
+                                      </p:cBhvr>
+                                      <p:to>
+                                        <p:strVal val="visible"/>
+                                      </p:to>
+                                    </p:set>
+                                    <p:animEffect transition="in" filter="fade">
+                                      <p:cBhvr>
+                                        <p:cTn id="205" dur="500"/>
+                                        <p:tgtEl>
+                                          <p:spTgt spid="520"/>
+                                        </p:tgtEl>
+                                      </p:cBhvr>
+                                    </p:animEffect>
+                                  </p:childTnLst>
+                                </p:cTn>
+                              </p:par>
+                            </p:childTnLst>
+                          </p:cTn>
+                        </p:par>
+                      </p:childTnLst>
+                    </p:cTn>
+                  </p:par>
+                  <p:par>
+                    <p:cTn id="206" fill="hold">
+                      <p:stCondLst>
+                        <p:cond delay="indefinite"/>
+                      </p:stCondLst>
+                      <p:childTnLst>
+                        <p:par>
+                          <p:cTn id="207" fill="hold">
+                            <p:stCondLst>
+                              <p:cond delay="0"/>
+                            </p:stCondLst>
+                            <p:childTnLst>
+                              <p:par>
+                                <p:cTn id="208" presetID="10" presetClass="entr" presetSubtype="0" fill="hold" nodeType="clickEffect">
+                                  <p:stCondLst>
+                                    <p:cond delay="0"/>
+                                  </p:stCondLst>
+                                  <p:childTnLst>
+                                    <p:set>
+                                      <p:cBhvr>
+                                        <p:cTn id="209" dur="1" fill="hold">
+                                          <p:stCondLst>
+                                            <p:cond delay="0"/>
+                                          </p:stCondLst>
+                                        </p:cTn>
+                                        <p:tgtEl>
+                                          <p:spTgt spid="519"/>
+                                        </p:tgtEl>
+                                        <p:attrNameLst>
+                                          <p:attrName>style.visibility</p:attrName>
+                                        </p:attrNameLst>
+                                      </p:cBhvr>
+                                      <p:to>
+                                        <p:strVal val="visible"/>
+                                      </p:to>
+                                    </p:set>
+                                    <p:animEffect transition="in" filter="fade">
+                                      <p:cBhvr>
+                                        <p:cTn id="210" dur="500"/>
+                                        <p:tgtEl>
+                                          <p:spTgt spid="519"/>
+                                        </p:tgtEl>
+                                      </p:cBhvr>
+                                    </p:animEffect>
+                                  </p:childTnLst>
+                                </p:cTn>
+                              </p:par>
+                            </p:childTnLst>
+                          </p:cTn>
+                        </p:par>
+                      </p:childTnLst>
+                    </p:cTn>
+                  </p:par>
+                  <p:par>
+                    <p:cTn id="211" fill="hold">
+                      <p:stCondLst>
+                        <p:cond delay="indefinite"/>
+                      </p:stCondLst>
+                      <p:childTnLst>
+                        <p:par>
+                          <p:cTn id="212" fill="hold">
+                            <p:stCondLst>
+                              <p:cond delay="0"/>
+                            </p:stCondLst>
+                            <p:childTnLst>
+                              <p:par>
+                                <p:cTn id="213" presetID="10" presetClass="entr" presetSubtype="0" fill="hold" nodeType="clickEffect">
+                                  <p:stCondLst>
+                                    <p:cond delay="0"/>
+                                  </p:stCondLst>
+                                  <p:childTnLst>
+                                    <p:set>
+                                      <p:cBhvr>
+                                        <p:cTn id="214" dur="1" fill="hold">
+                                          <p:stCondLst>
+                                            <p:cond delay="0"/>
+                                          </p:stCondLst>
+                                        </p:cTn>
+                                        <p:tgtEl>
+                                          <p:spTgt spid="527"/>
+                                        </p:tgtEl>
+                                        <p:attrNameLst>
+                                          <p:attrName>style.visibility</p:attrName>
+                                        </p:attrNameLst>
+                                      </p:cBhvr>
+                                      <p:to>
+                                        <p:strVal val="visible"/>
+                                      </p:to>
+                                    </p:set>
+                                    <p:animEffect transition="in" filter="fade">
+                                      <p:cBhvr>
+                                        <p:cTn id="215" dur="500"/>
+                                        <p:tgtEl>
+                                          <p:spTgt spid="527"/>
+                                        </p:tgtEl>
+                                      </p:cBhvr>
+                                    </p:animEffect>
+                                  </p:childTnLst>
+                                </p:cTn>
+                              </p:par>
+                              <p:par>
+                                <p:cTn id="216" presetID="10" presetClass="entr" presetSubtype="0" fill="hold" nodeType="withEffect">
+                                  <p:stCondLst>
+                                    <p:cond delay="0"/>
+                                  </p:stCondLst>
+                                  <p:childTnLst>
+                                    <p:set>
+                                      <p:cBhvr>
+                                        <p:cTn id="217" dur="1" fill="hold">
+                                          <p:stCondLst>
+                                            <p:cond delay="0"/>
+                                          </p:stCondLst>
+                                        </p:cTn>
+                                        <p:tgtEl>
+                                          <p:spTgt spid="523"/>
+                                        </p:tgtEl>
+                                        <p:attrNameLst>
+                                          <p:attrName>style.visibility</p:attrName>
+                                        </p:attrNameLst>
+                                      </p:cBhvr>
+                                      <p:to>
+                                        <p:strVal val="visible"/>
+                                      </p:to>
+                                    </p:set>
+                                    <p:animEffect transition="in" filter="fade">
+                                      <p:cBhvr>
+                                        <p:cTn id="218" dur="500"/>
+                                        <p:tgtEl>
+                                          <p:spTgt spid="523"/>
                                         </p:tgtEl>
                                       </p:cBhvr>
                                     </p:animEffect>
@@ -29369,10 +31092,15 @@
       <p:bldP spid="506" grpId="0" uiExpand="1" build="p"/>
       <p:bldP spid="506" grpId="1" uiExpand="1" build="allAtOnce"/>
       <p:bldP spid="671" grpId="0"/>
+      <p:bldP spid="671" grpId="1"/>
       <p:bldP spid="672" grpId="0"/>
+      <p:bldP spid="672" grpId="1"/>
       <p:bldP spid="673" grpId="0"/>
+      <p:bldP spid="673" grpId="1"/>
       <p:bldP spid="675" grpId="0"/>
+      <p:bldP spid="675" grpId="1"/>
       <p:bldP spid="676" grpId="0"/>
+      <p:bldP spid="676" grpId="1"/>
     </p:bldLst>
   </p:timing>
 </p:sld>

--- a/GlobalAzure2023_GetYourFuncOnWithAzureFunctions.pptx
+++ b/GlobalAzure2023_GetYourFuncOnWithAzureFunctions.pptx
@@ -27699,8 +27699,8 @@
             <a:chExt cx="697975" cy="155880"/>
           </a:xfrm>
         </p:grpSpPr>
-        <mc:AlternateContent xmlns:mc="http://schemas.openxmlformats.org/markup-compatibility/2006">
-          <mc:Choice xmlns:p14="http://schemas.microsoft.com/office/powerpoint/2010/main" Requires="p14">
+        <mc:AlternateContent xmlns:mc="http://schemas.openxmlformats.org/markup-compatibility/2006" xmlns:p14="http://schemas.microsoft.com/office/powerpoint/2010/main">
+          <mc:Choice Requires="p14">
             <p:contentPart p14:bwMode="auto" r:id="rId40">
               <p14:nvContentPartPr>
                 <p14:cNvPr id="48" name="Ink 47">
@@ -27719,7 +27719,7 @@
               </p14:xfrm>
             </p:contentPart>
           </mc:Choice>
-          <mc:Fallback>
+          <mc:Fallback xmlns="">
             <p:pic>
               <p:nvPicPr>
                 <p:cNvPr id="48" name="Ink 47">
@@ -27750,8 +27750,8 @@
             </p:pic>
           </mc:Fallback>
         </mc:AlternateContent>
-        <mc:AlternateContent xmlns:mc="http://schemas.openxmlformats.org/markup-compatibility/2006">
-          <mc:Choice xmlns:p14="http://schemas.microsoft.com/office/powerpoint/2010/main" Requires="p14">
+        <mc:AlternateContent xmlns:mc="http://schemas.openxmlformats.org/markup-compatibility/2006" xmlns:p14="http://schemas.microsoft.com/office/powerpoint/2010/main">
+          <mc:Choice Requires="p14">
             <p:contentPart p14:bwMode="auto" r:id="rId42">
               <p14:nvContentPartPr>
                 <p14:cNvPr id="50" name="Ink 49">
@@ -27770,7 +27770,7 @@
               </p14:xfrm>
             </p:contentPart>
           </mc:Choice>
-          <mc:Fallback>
+          <mc:Fallback xmlns="">
             <p:pic>
               <p:nvPicPr>
                 <p:cNvPr id="50" name="Ink 49">
@@ -28162,8 +28162,8 @@
             <a:chExt cx="135360" cy="253025"/>
           </a:xfrm>
         </p:grpSpPr>
-        <mc:AlternateContent xmlns:mc="http://schemas.openxmlformats.org/markup-compatibility/2006">
-          <mc:Choice xmlns:p14="http://schemas.microsoft.com/office/powerpoint/2010/main" Requires="p14">
+        <mc:AlternateContent xmlns:mc="http://schemas.openxmlformats.org/markup-compatibility/2006" xmlns:p14="http://schemas.microsoft.com/office/powerpoint/2010/main">
+          <mc:Choice Requires="p14">
             <p:contentPart p14:bwMode="auto" r:id="rId44">
               <p14:nvContentPartPr>
                 <p14:cNvPr id="448" name="Ink 447">
@@ -28182,7 +28182,7 @@
               </p14:xfrm>
             </p:contentPart>
           </mc:Choice>
-          <mc:Fallback>
+          <mc:Fallback xmlns="">
             <p:pic>
               <p:nvPicPr>
                 <p:cNvPr id="448" name="Ink 447">
@@ -28213,8 +28213,8 @@
             </p:pic>
           </mc:Fallback>
         </mc:AlternateContent>
-        <mc:AlternateContent xmlns:mc="http://schemas.openxmlformats.org/markup-compatibility/2006">
-          <mc:Choice xmlns:p14="http://schemas.microsoft.com/office/powerpoint/2010/main" Requires="p14">
+        <mc:AlternateContent xmlns:mc="http://schemas.openxmlformats.org/markup-compatibility/2006" xmlns:p14="http://schemas.microsoft.com/office/powerpoint/2010/main">
+          <mc:Choice Requires="p14">
             <p:contentPart p14:bwMode="auto" r:id="rId46">
               <p14:nvContentPartPr>
                 <p14:cNvPr id="466" name="Ink 465">
@@ -28233,7 +28233,7 @@
               </p14:xfrm>
             </p:contentPart>
           </mc:Choice>
-          <mc:Fallback>
+          <mc:Fallback xmlns="">
             <p:pic>
               <p:nvPicPr>
                 <p:cNvPr id="466" name="Ink 465">
@@ -28285,8 +28285,8 @@
             <a:chExt cx="953400" cy="174240"/>
           </a:xfrm>
         </p:grpSpPr>
-        <mc:AlternateContent xmlns:mc="http://schemas.openxmlformats.org/markup-compatibility/2006">
-          <mc:Choice xmlns:p14="http://schemas.microsoft.com/office/powerpoint/2010/main" Requires="p14">
+        <mc:AlternateContent xmlns:mc="http://schemas.openxmlformats.org/markup-compatibility/2006" xmlns:p14="http://schemas.microsoft.com/office/powerpoint/2010/main">
+          <mc:Choice Requires="p14">
             <p:contentPart p14:bwMode="auto" r:id="rId48">
               <p14:nvContentPartPr>
                 <p14:cNvPr id="470" name="Ink 469">
@@ -28305,7 +28305,7 @@
               </p14:xfrm>
             </p:contentPart>
           </mc:Choice>
-          <mc:Fallback>
+          <mc:Fallback xmlns="">
             <p:pic>
               <p:nvPicPr>
                 <p:cNvPr id="470" name="Ink 469">
@@ -28336,8 +28336,8 @@
             </p:pic>
           </mc:Fallback>
         </mc:AlternateContent>
-        <mc:AlternateContent xmlns:mc="http://schemas.openxmlformats.org/markup-compatibility/2006">
-          <mc:Choice xmlns:p14="http://schemas.microsoft.com/office/powerpoint/2010/main" Requires="p14">
+        <mc:AlternateContent xmlns:mc="http://schemas.openxmlformats.org/markup-compatibility/2006" xmlns:p14="http://schemas.microsoft.com/office/powerpoint/2010/main">
+          <mc:Choice Requires="p14">
             <p:contentPart p14:bwMode="auto" r:id="rId50">
               <p14:nvContentPartPr>
                 <p14:cNvPr id="487" name="Ink 486">
@@ -28356,7 +28356,7 @@
               </p14:xfrm>
             </p:contentPart>
           </mc:Choice>
-          <mc:Fallback>
+          <mc:Fallback xmlns="">
             <p:pic>
               <p:nvPicPr>
                 <p:cNvPr id="487" name="Ink 486">
@@ -28408,8 +28408,8 @@
             <a:chExt cx="106920" cy="252439"/>
           </a:xfrm>
         </p:grpSpPr>
-        <mc:AlternateContent xmlns:mc="http://schemas.openxmlformats.org/markup-compatibility/2006">
-          <mc:Choice xmlns:p14="http://schemas.microsoft.com/office/powerpoint/2010/main" Requires="p14">
+        <mc:AlternateContent xmlns:mc="http://schemas.openxmlformats.org/markup-compatibility/2006" xmlns:p14="http://schemas.microsoft.com/office/powerpoint/2010/main">
+          <mc:Choice Requires="p14">
             <p:contentPart p14:bwMode="auto" r:id="rId52">
               <p14:nvContentPartPr>
                 <p14:cNvPr id="513" name="Ink 512">
@@ -28428,7 +28428,7 @@
               </p14:xfrm>
             </p:contentPart>
           </mc:Choice>
-          <mc:Fallback>
+          <mc:Fallback xmlns="">
             <p:pic>
               <p:nvPicPr>
                 <p:cNvPr id="513" name="Ink 512">
@@ -28459,8 +28459,8 @@
             </p:pic>
           </mc:Fallback>
         </mc:AlternateContent>
-        <mc:AlternateContent xmlns:mc="http://schemas.openxmlformats.org/markup-compatibility/2006">
-          <mc:Choice xmlns:p14="http://schemas.microsoft.com/office/powerpoint/2010/main" Requires="p14">
+        <mc:AlternateContent xmlns:mc="http://schemas.openxmlformats.org/markup-compatibility/2006" xmlns:p14="http://schemas.microsoft.com/office/powerpoint/2010/main">
+          <mc:Choice Requires="p14">
             <p:contentPart p14:bwMode="auto" r:id="rId54">
               <p14:nvContentPartPr>
                 <p14:cNvPr id="518" name="Ink 517">
@@ -28479,7 +28479,7 @@
               </p14:xfrm>
             </p:contentPart>
           </mc:Choice>
-          <mc:Fallback>
+          <mc:Fallback xmlns="">
             <p:pic>
               <p:nvPicPr>
                 <p:cNvPr id="518" name="Ink 517">
@@ -31279,7 +31279,7 @@
             </a:pPr>
             <a:r>
               <a:rPr lang="en-US" dirty="0"/>
-              <a:t>Real-life example?</a:t>
+              <a:t>Identity-based connection</a:t>
             </a:r>
           </a:p>
           <a:p>

--- a/GlobalAzure2023_GetYourFuncOnWithAzureFunctions.pptx
+++ b/GlobalAzure2023_GetYourFuncOnWithAzureFunctions.pptx
@@ -5,55 +5,59 @@
     <p:sldMasterId id="2147483668" r:id="rId1"/>
   </p:sldMasterIdLst>
   <p:notesMasterIdLst>
-    <p:notesMasterId r:id="rId9"/>
+    <p:notesMasterId r:id="rId10"/>
   </p:notesMasterIdLst>
+  <p:handoutMasterIdLst>
+    <p:handoutMasterId r:id="rId11"/>
+  </p:handoutMasterIdLst>
   <p:sldIdLst>
     <p:sldId id="256" r:id="rId2"/>
     <p:sldId id="257" r:id="rId3"/>
     <p:sldId id="258" r:id="rId4"/>
     <p:sldId id="271" r:id="rId5"/>
     <p:sldId id="282" r:id="rId6"/>
-    <p:sldId id="280" r:id="rId7"/>
+    <p:sldId id="284" r:id="rId7"/>
     <p:sldId id="277" r:id="rId8"/>
+    <p:sldId id="283" r:id="rId9"/>
   </p:sldIdLst>
   <p:sldSz cx="12192000" cy="6858000"/>
   <p:notesSz cx="6858000" cy="9144000"/>
   <p:embeddedFontLst>
     <p:embeddedFont>
       <p:font typeface="Abril Fatface" panose="02000503000000020003" pitchFamily="2" charset="0"/>
-      <p:regular r:id="rId10"/>
+      <p:regular r:id="rId12"/>
     </p:embeddedFont>
     <p:embeddedFont>
       <p:font typeface="Aldrich" panose="02000000000000000000" pitchFamily="2" charset="0"/>
-      <p:regular r:id="rId11"/>
+      <p:regular r:id="rId13"/>
     </p:embeddedFont>
     <p:embeddedFont>
       <p:font typeface="Calibri" panose="020F0502020204030204" pitchFamily="34" charset="0"/>
-      <p:regular r:id="rId12"/>
-      <p:bold r:id="rId13"/>
-      <p:italic r:id="rId14"/>
-      <p:boldItalic r:id="rId15"/>
+      <p:regular r:id="rId14"/>
+      <p:bold r:id="rId15"/>
+      <p:italic r:id="rId16"/>
+      <p:boldItalic r:id="rId17"/>
     </p:embeddedFont>
     <p:embeddedFont>
       <p:font typeface="Cascadia Code" panose="020B0609020000020004" pitchFamily="49" charset="0"/>
-      <p:regular r:id="rId16"/>
-      <p:bold r:id="rId17"/>
-      <p:italic r:id="rId18"/>
-      <p:boldItalic r:id="rId19"/>
+      <p:regular r:id="rId18"/>
+      <p:bold r:id="rId19"/>
+      <p:italic r:id="rId20"/>
+      <p:boldItalic r:id="rId21"/>
     </p:embeddedFont>
     <p:embeddedFont>
       <p:font typeface="Roboto" panose="02000000000000000000" pitchFamily="2" charset="0"/>
-      <p:regular r:id="rId20"/>
-      <p:bold r:id="rId21"/>
-      <p:italic r:id="rId22"/>
-      <p:boldItalic r:id="rId23"/>
+      <p:regular r:id="rId22"/>
+      <p:bold r:id="rId23"/>
+      <p:italic r:id="rId24"/>
+      <p:boldItalic r:id="rId25"/>
     </p:embeddedFont>
     <p:embeddedFont>
       <p:font typeface="Roboto Mono" panose="00000009000000000000" pitchFamily="49" charset="0"/>
-      <p:regular r:id="rId24"/>
-      <p:bold r:id="rId25"/>
-      <p:italic r:id="rId26"/>
-      <p:boldItalic r:id="rId27"/>
+      <p:regular r:id="rId26"/>
+      <p:bold r:id="rId27"/>
+      <p:italic r:id="rId28"/>
+      <p:boldItalic r:id="rId29"/>
     </p:embeddedFont>
   </p:embeddedFontLst>
   <p:defaultTextStyle>
@@ -305,6 +309,195 @@
     </p:ext>
   </p:extLst>
 </p:presentation>
+</file>
+
+<file path=ppt/handoutMasters/handoutMaster1.xml><?xml version="1.0" encoding="utf-8"?>
+<p:handoutMaster xmlns:a="http://schemas.openxmlformats.org/drawingml/2006/main" xmlns:r="http://schemas.openxmlformats.org/officeDocument/2006/relationships" xmlns:p="http://schemas.openxmlformats.org/presentationml/2006/main">
+  <p:cSld>
+    <p:bg>
+      <p:bgRef idx="1001">
+        <a:schemeClr val="bg1"/>
+      </p:bgRef>
+    </p:bg>
+    <p:spTree>
+      <p:nvGrpSpPr>
+        <p:cNvPr id="1" name=""/>
+        <p:cNvGrpSpPr/>
+        <p:nvPr/>
+      </p:nvGrpSpPr>
+      <p:grpSpPr>
+        <a:xfrm>
+          <a:off x="0" y="0"/>
+          <a:ext cx="0" cy="0"/>
+          <a:chOff x="0" y="0"/>
+          <a:chExt cx="0" cy="0"/>
+        </a:xfrm>
+      </p:grpSpPr>
+      <p:sp>
+        <p:nvSpPr>
+          <p:cNvPr id="2" name="Header Placeholder 1">
+            <a:extLst>
+              <a:ext uri="{FF2B5EF4-FFF2-40B4-BE49-F238E27FC236}">
+                <a16:creationId xmlns:a16="http://schemas.microsoft.com/office/drawing/2014/main" id="{98D721AC-7000-A915-CA21-CF293FE9D204}"/>
+              </a:ext>
+            </a:extLst>
+          </p:cNvPr>
+          <p:cNvSpPr>
+            <a:spLocks noGrp="1"/>
+          </p:cNvSpPr>
+          <p:nvPr>
+            <p:ph type="hdr" sz="quarter"/>
+          </p:nvPr>
+        </p:nvSpPr>
+        <p:spPr>
+          <a:xfrm>
+            <a:off x="0" y="0"/>
+            <a:ext cx="2971800" cy="458788"/>
+          </a:xfrm>
+          <a:prstGeom prst="rect">
+            <a:avLst/>
+          </a:prstGeom>
+        </p:spPr>
+        <p:txBody>
+          <a:bodyPr vert="horz" lIns="91440" tIns="45720" rIns="91440" bIns="45720" rtlCol="0"/>
+          <a:lstStyle>
+            <a:lvl1pPr algn="l">
+              <a:defRPr sz="1200"/>
+            </a:lvl1pPr>
+          </a:lstStyle>
+          <a:p>
+            <a:endParaRPr lang="en-SE"/>
+          </a:p>
+        </p:txBody>
+      </p:sp>
+      <p:sp>
+        <p:nvSpPr>
+          <p:cNvPr id="3" name="Date Placeholder 2">
+            <a:extLst>
+              <a:ext uri="{FF2B5EF4-FFF2-40B4-BE49-F238E27FC236}">
+                <a16:creationId xmlns:a16="http://schemas.microsoft.com/office/drawing/2014/main" id="{7997B374-4787-62F3-3890-5A2B04B1D917}"/>
+              </a:ext>
+            </a:extLst>
+          </p:cNvPr>
+          <p:cNvSpPr>
+            <a:spLocks noGrp="1"/>
+          </p:cNvSpPr>
+          <p:nvPr>
+            <p:ph type="dt" sz="quarter" idx="1"/>
+          </p:nvPr>
+        </p:nvSpPr>
+        <p:spPr>
+          <a:xfrm>
+            <a:off x="3884613" y="0"/>
+            <a:ext cx="2971800" cy="458788"/>
+          </a:xfrm>
+          <a:prstGeom prst="rect">
+            <a:avLst/>
+          </a:prstGeom>
+        </p:spPr>
+        <p:txBody>
+          <a:bodyPr vert="horz" lIns="91440" tIns="45720" rIns="91440" bIns="45720" rtlCol="0"/>
+          <a:lstStyle>
+            <a:lvl1pPr algn="r">
+              <a:defRPr sz="1200"/>
+            </a:lvl1pPr>
+          </a:lstStyle>
+          <a:p>
+            <a:fld id="{DD9B018F-CE35-4D11-9224-0AB2FB6DB20F}" type="datetimeFigureOut">
+              <a:rPr lang="en-SE" smtClean="0"/>
+              <a:t>2023-05-02</a:t>
+            </a:fld>
+            <a:endParaRPr lang="en-SE"/>
+          </a:p>
+        </p:txBody>
+      </p:sp>
+      <p:sp>
+        <p:nvSpPr>
+          <p:cNvPr id="4" name="Footer Placeholder 3">
+            <a:extLst>
+              <a:ext uri="{FF2B5EF4-FFF2-40B4-BE49-F238E27FC236}">
+                <a16:creationId xmlns:a16="http://schemas.microsoft.com/office/drawing/2014/main" id="{299FBA36-BDCD-268F-1CE2-23DA6CB06394}"/>
+              </a:ext>
+            </a:extLst>
+          </p:cNvPr>
+          <p:cNvSpPr>
+            <a:spLocks noGrp="1"/>
+          </p:cNvSpPr>
+          <p:nvPr>
+            <p:ph type="ftr" sz="quarter" idx="2"/>
+          </p:nvPr>
+        </p:nvSpPr>
+        <p:spPr>
+          <a:xfrm>
+            <a:off x="0" y="8685213"/>
+            <a:ext cx="2971800" cy="458787"/>
+          </a:xfrm>
+          <a:prstGeom prst="rect">
+            <a:avLst/>
+          </a:prstGeom>
+        </p:spPr>
+        <p:txBody>
+          <a:bodyPr vert="horz" lIns="91440" tIns="45720" rIns="91440" bIns="45720" rtlCol="0" anchor="b"/>
+          <a:lstStyle>
+            <a:lvl1pPr algn="l">
+              <a:defRPr sz="1200"/>
+            </a:lvl1pPr>
+          </a:lstStyle>
+          <a:p>
+            <a:endParaRPr lang="en-SE"/>
+          </a:p>
+        </p:txBody>
+      </p:sp>
+      <p:sp>
+        <p:nvSpPr>
+          <p:cNvPr id="5" name="Slide Number Placeholder 4">
+            <a:extLst>
+              <a:ext uri="{FF2B5EF4-FFF2-40B4-BE49-F238E27FC236}">
+                <a16:creationId xmlns:a16="http://schemas.microsoft.com/office/drawing/2014/main" id="{40E7E74F-52D8-647C-65B9-207CB1FFB714}"/>
+              </a:ext>
+            </a:extLst>
+          </p:cNvPr>
+          <p:cNvSpPr>
+            <a:spLocks noGrp="1"/>
+          </p:cNvSpPr>
+          <p:nvPr>
+            <p:ph type="sldNum" sz="quarter" idx="3"/>
+          </p:nvPr>
+        </p:nvSpPr>
+        <p:spPr>
+          <a:xfrm>
+            <a:off x="3884613" y="8685213"/>
+            <a:ext cx="2971800" cy="458787"/>
+          </a:xfrm>
+          <a:prstGeom prst="rect">
+            <a:avLst/>
+          </a:prstGeom>
+        </p:spPr>
+        <p:txBody>
+          <a:bodyPr vert="horz" lIns="91440" tIns="45720" rIns="91440" bIns="45720" rtlCol="0" anchor="b"/>
+          <a:lstStyle>
+            <a:lvl1pPr algn="r">
+              <a:defRPr sz="1200"/>
+            </a:lvl1pPr>
+          </a:lstStyle>
+          <a:p>
+            <a:fld id="{76A1AFF1-EA21-43B1-85AA-F3CC84488BC3}" type="slidenum">
+              <a:rPr lang="en-SE" smtClean="0"/>
+              <a:t>‹#›</a:t>
+            </a:fld>
+            <a:endParaRPr lang="en-SE"/>
+          </a:p>
+        </p:txBody>
+      </p:sp>
+    </p:spTree>
+    <p:extLst>
+      <p:ext uri="{BB962C8B-B14F-4D97-AF65-F5344CB8AC3E}">
+        <p14:creationId xmlns:p14="http://schemas.microsoft.com/office/powerpoint/2010/main" val="2743710115"/>
+      </p:ext>
+    </p:extLst>
+  </p:cSld>
+  <p:clrMap bg1="lt1" tx1="dk1" bg2="lt2" tx2="dk2" accent1="accent1" accent2="accent2" accent3="accent3" accent4="accent4" accent5="accent5" accent6="accent6" hlink="hlink" folHlink="folHlink"/>
+</p:handoutMaster>
 </file>
 
 <file path=ppt/ink/ink1.xml><?xml version="1.0" encoding="utf-8"?>
@@ -687,15 +880,15 @@
           <inkml:channelProperty channel="F" name="resolution" value="0" units="1/dev"/>
         </inkml:channelProperties>
       </inkml:inkSource>
-      <inkml:timestamp xml:id="ts0" timeString="2023-04-22T09:59:18.033"/>
+      <inkml:timestamp xml:id="ts0" timeString="2023-04-26T12:00:23.415"/>
     </inkml:context>
     <inkml:brush xml:id="br0">
-      <inkml:brushProperty name="width" value="0.1" units="cm"/>
-      <inkml:brushProperty name="height" value="0.1" units="cm"/>
-      <inkml:brushProperty name="color" value="#FFFF00"/>
+      <inkml:brushProperty name="width" value="0.05" units="cm"/>
+      <inkml:brushProperty name="height" value="0.05" units="cm"/>
+      <inkml:brushProperty name="color" value="#FFFFFF"/>
     </inkml:brush>
   </inkml:definitions>
-  <inkml:trace contextRef="#ctx0" brushRef="#br0">0 0 24575,'16'4'0,"49"25"0,64 40 0,102 51 0,87 45 0,104 69-3261,111 87 3261,25 36-2732,-48-7 2732,-98-47 0,-103-56-1029,-89-57 1029,-73-50 0,-54-40 0,-39-33 1870,-24-29-1870,-18-20-3039</inkml:trace>
+  <inkml:trace contextRef="#ctx0" brushRef="#br0">1 0 24575,'0'5'0,"0"9"0,0 15 0,0 16 0,0 17 0,0 10 0,0 6 0,0-2 0,0-5 0,0-11 0,0-11 0,0-5 0,0-11-8191</inkml:trace>
 </inkml:ink>
 </file>
 
@@ -715,15 +908,15 @@
           <inkml:channelProperty channel="F" name="resolution" value="0" units="1/dev"/>
         </inkml:channelProperties>
       </inkml:inkSource>
-      <inkml:timestamp xml:id="ts0" timeString="2023-04-22T10:01:00.673"/>
+      <inkml:timestamp xml:id="ts0" timeString="2023-04-26T12:01:56.011"/>
     </inkml:context>
     <inkml:brush xml:id="br0">
-      <inkml:brushProperty name="width" value="0.1" units="cm"/>
-      <inkml:brushProperty name="height" value="0.1" units="cm"/>
-      <inkml:brushProperty name="color" value="#FFFF00"/>
+      <inkml:brushProperty name="width" value="0.05" units="cm"/>
+      <inkml:brushProperty name="height" value="0.05" units="cm"/>
+      <inkml:brushProperty name="color" value="#FFFFFF"/>
     </inkml:brush>
   </inkml:definitions>
-  <inkml:trace contextRef="#ctx0" brushRef="#br0">0 1 24575,'107'3'7,"0"6"0,198 40 0,197 88-263,37 46-170,-9 23 0,522 286 0,-1035-484 846,1-1-1,26 8 0,10 3-1529</inkml:trace>
+  <inkml:trace contextRef="#ctx0" brushRef="#br0">0 26 24575,'1'5'0,"0"0"0,0-1 0,0 1 0,0-1 0,1 1 0,0-1 0,0 1 0,0-1 0,0 0 0,1 0 0,5 6 0,39 44 0,-35-41 0,21 26 0,-19-22 0,1 0 0,25 22 0,-39-39 0,0 1 0,-1-1 0,1 1 0,0-1 0,0 1 0,-1-1 0,1 0 0,0 0 0,0 1 0,0-1 0,0 0 0,-1 0 0,1 0 0,0 0 0,0 0 0,0 0 0,0 0 0,0 0 0,-1 0 0,1 0 0,0 0 0,0-1 0,0 1 0,0 0 0,-1-1 0,1 1 0,0 0 0,0-1 0,-1 1 0,1-1 0,0 1 0,-1-1 0,1 0 0,0 1 0,-1-1 0,1 0 0,-1 1 0,1-1 0,0-1 0,19-37 0,-15 27 0,4-6-104,2-6-106,1 1 0,0 0 0,2 1-1,1 1 1,34-40 0,-34 48-6616</inkml:trace>
 </inkml:ink>
 </file>
 
@@ -743,15 +936,15 @@
           <inkml:channelProperty channel="F" name="resolution" value="0" units="1/dev"/>
         </inkml:channelProperties>
       </inkml:inkSource>
-      <inkml:timestamp xml:id="ts0" timeString="2023-04-22T10:01:29.197"/>
+      <inkml:timestamp xml:id="ts0" timeString="2023-04-26T12:43:49.294"/>
     </inkml:context>
     <inkml:brush xml:id="br0">
-      <inkml:brushProperty name="width" value="0.1" units="cm"/>
-      <inkml:brushProperty name="height" value="0.1" units="cm"/>
-      <inkml:brushProperty name="color" value="#FFFF00"/>
+      <inkml:brushProperty name="width" value="0.05" units="cm"/>
+      <inkml:brushProperty name="height" value="0.05" units="cm"/>
+      <inkml:brushProperty name="color" value="#FFFFFF"/>
     </inkml:brush>
   </inkml:definitions>
-  <inkml:trace contextRef="#ctx0" brushRef="#br0">516 1 24575,'222'580'0,"-155"-433"0,-67-147 0,0 1 0,1 0 0,-1-1 0,0 1 0,0 0 0,0 0 0,1-1 0,-1 1 0,0 0 0,0-1 0,0 1 0,0 0 0,0 0 0,-1-1 0,1 1 0,0 0 0,0-1 0,0 1 0,-1 0 0,1 0 0,0-1 0,-1 1 0,1-1 0,0 1 0,-1 0 0,1-1 0,-1 1 0,1-1 0,-1 1 0,1-1 0,-1 1 0,0-1 0,1 1 0,-1-1 0,1 0 0,-1 1 0,0-1 0,1 0 0,-1 0 0,0 1 0,0-1 0,-38 10 0,30-8 0,-336 89 115,-16 3-1595,323-86-5346</inkml:trace>
+  <inkml:trace contextRef="#ctx0" brushRef="#br0">0 7 24575,'209'4'-33,"-67"0"-633,183-18 0,-316 13-6160</inkml:trace>
 </inkml:ink>
 </file>
 
@@ -771,15 +964,15 @@
           <inkml:channelProperty channel="F" name="resolution" value="0" units="1/dev"/>
         </inkml:channelProperties>
       </inkml:inkSource>
-      <inkml:timestamp xml:id="ts0" timeString="2023-04-22T10:18:33.154"/>
+      <inkml:timestamp xml:id="ts0" timeString="2023-04-26T12:44:00.972"/>
     </inkml:context>
     <inkml:brush xml:id="br0">
-      <inkml:brushProperty name="width" value="0.1" units="cm"/>
-      <inkml:brushProperty name="height" value="0.1" units="cm"/>
-      <inkml:brushProperty name="color" value="#FFFF00"/>
+      <inkml:brushProperty name="width" value="0.05" units="cm"/>
+      <inkml:brushProperty name="height" value="0.05" units="cm"/>
+      <inkml:brushProperty name="color" value="#FFFFFF"/>
     </inkml:brush>
   </inkml:definitions>
-  <inkml:trace contextRef="#ctx0" brushRef="#br0">796 1 24575,'0'9'0,"0"16"0,-5 25 0,-10 36 0,-15 47 0,-13 54 0,-19 57 0,-14 48 0,-11 32-1171,-4 10 1171,1-9 0,6-23 0,9-47 0,12-56 0,18-59 0,15-53-7020</inkml:trace>
+  <inkml:trace contextRef="#ctx0" brushRef="#br0">1 1 24575,'14'9'0,"0"0"0,0 2 0,-1 0 0,-1 0 0,22 25 0,8 7 0,26 8 0,-68-50 0,0 0 0,1-1 0,-1 1 0,0 0 0,0 0 0,0 0 0,0-1 0,0 1 0,0 0 0,-1 0 0,1 0 0,0 0 0,0-1 0,-1 1 0,1 0 0,0 0 0,-1-1 0,1 1 0,0 0 0,-1-1 0,1 1 0,-1 0 0,0-1 0,1 1 0,-1-1 0,1 1 0,-1-1 0,0 1 0,0 0 0,-26 23 0,23-20 0,-41 32-20,23-19-428,2 0-1,-30 33 1</inkml:trace>
 </inkml:ink>
 </file>
 
@@ -799,15 +992,15 @@
           <inkml:channelProperty channel="F" name="resolution" value="0" units="1/dev"/>
         </inkml:channelProperties>
       </inkml:inkSource>
-      <inkml:timestamp xml:id="ts0" timeString="2023-04-22T10:18:55.621"/>
+      <inkml:timestamp xml:id="ts0" timeString="2023-04-26T12:44:19.778"/>
     </inkml:context>
     <inkml:brush xml:id="br0">
-      <inkml:brushProperty name="width" value="0.1" units="cm"/>
-      <inkml:brushProperty name="height" value="0.1" units="cm"/>
-      <inkml:brushProperty name="color" value="#FFFF00"/>
+      <inkml:brushProperty name="width" value="0.05" units="cm"/>
+      <inkml:brushProperty name="height" value="0.05" units="cm"/>
+      <inkml:brushProperty name="color" value="#FFFFFF"/>
     </inkml:brush>
   </inkml:definitions>
-  <inkml:trace contextRef="#ctx0" brushRef="#br0">1 0 24575,'1'7'0,"1"-1"0,1 1 0,-1-1 0,1 0 0,0 0 0,1 0 0,-1-1 0,1 1 0,7 7 0,4 9 0,21 45 0,-3 2 0,-2 1 0,31 114 0,-46-137 0,-15-43 0,0-1 0,0 1 0,1-1 0,-1 1 0,1-1 0,0 0 0,0 0 0,0 0 0,1 0 0,-1 0 0,1 0 0,-1 0 0,1-1 0,0 1 0,0-1 0,0 0 0,0 0 0,1 0 0,-1 0 0,1-1 0,-1 0 0,1 1 0,-1-1 0,1 0 0,0 0 0,-1-1 0,1 1 0,7-1 0,5-1 0,0-1 0,0 0 0,0-1 0,-1 0 0,28-11 0,74-33-239,220-122-1,-268 131-646,-8 6-5940</inkml:trace>
+  <inkml:trace contextRef="#ctx0" brushRef="#br0">0 23 24575,'2'0'0,"2"0"0,5 0 0,7-2 0,6 0 0,10 0 0,10 1 0,10 0 0,14 0 0,8 2 0,3 1 0,1 1 0,-3 1 0,-6-1 0,-10-1 0,-9 0 0,-14-1-8191</inkml:trace>
 </inkml:ink>
 </file>
 
@@ -827,15 +1020,15 @@
           <inkml:channelProperty channel="F" name="resolution" value="0" units="1/dev"/>
         </inkml:channelProperties>
       </inkml:inkSource>
-      <inkml:timestamp xml:id="ts0" timeString="2023-04-22T10:19:22.247"/>
+      <inkml:timestamp xml:id="ts0" timeString="2023-04-26T12:44:32.899"/>
     </inkml:context>
     <inkml:brush xml:id="br0">
-      <inkml:brushProperty name="width" value="0.1" units="cm"/>
-      <inkml:brushProperty name="height" value="0.1" units="cm"/>
-      <inkml:brushProperty name="color" value="#FFFF00"/>
+      <inkml:brushProperty name="width" value="0.05" units="cm"/>
+      <inkml:brushProperty name="height" value="0.05" units="cm"/>
+      <inkml:brushProperty name="color" value="#FFFFFF"/>
     </inkml:brush>
   </inkml:definitions>
-  <inkml:trace contextRef="#ctx0" brushRef="#br0">1 0 24575,'9'13'0,"11"36"0,12 53 0,22 93 0,24 79 0,3 29 0,5 38-1730,-2 17 1730,-8 24 0,-11-10 0,-18-45 0,-16-71 0,-14-68 418,-9-64-418,-7-51-6879</inkml:trace>
+  <inkml:trace contextRef="#ctx0" brushRef="#br0">2 1 24575,'53'53'0,"101"78"0,-153-130 0,-1-1 0,0 1 0,1 0 0,-1-1 0,1 1 0,-1 0 0,0 0 0,0-1 0,1 1 0,-1 0 0,0 0 0,0 0 0,0-1 0,0 1 0,0 0 0,0 0 0,0 0 0,0-1 0,0 1 0,0 0 0,-1 0 0,1-1 0,0 1 0,0 0 0,-1 0 0,1-1 0,-1 1 0,1 0 0,0-1 0,-1 1 0,1 0 0,-1-1 0,0 1 0,-21 26 0,19-24 0,-32 31-455,-1-1 0,-61 41 0,83-64-6371</inkml:trace>
 </inkml:ink>
 </file>
 
@@ -855,15 +1048,15 @@
           <inkml:channelProperty channel="F" name="resolution" value="0" units="1/dev"/>
         </inkml:channelProperties>
       </inkml:inkSource>
-      <inkml:timestamp xml:id="ts0" timeString="2023-04-22T10:19:54.520"/>
+      <inkml:timestamp xml:id="ts0" timeString="2023-04-26T16:32:26.217"/>
     </inkml:context>
     <inkml:brush xml:id="br0">
-      <inkml:brushProperty name="width" value="0.1" units="cm"/>
-      <inkml:brushProperty name="height" value="0.1" units="cm"/>
-      <inkml:brushProperty name="color" value="#FFFF00"/>
+      <inkml:brushProperty name="width" value="0.05" units="cm"/>
+      <inkml:brushProperty name="height" value="0.05" units="cm"/>
+      <inkml:brushProperty name="color" value="#FFFFFF"/>
     </inkml:brush>
   </inkml:definitions>
-  <inkml:trace contextRef="#ctx0" brushRef="#br0">0 420 24575,'7'1'0,"0"1"0,0-1 0,0 2 0,0-1 0,-1 1 0,1 0 0,-1 0 0,1 1 0,-1 0 0,0 0 0,-1 0 0,1 1 0,-1-1 0,0 2 0,8 8 0,6 5 0,196 218 0,-164-177 0,-21-21 0,33 57 0,-42-61 0,2-1 0,43 50 0,-65-84 0,-1 1 0,0 0 0,1-1 0,-1 1 0,1 0 0,-1-1 0,1 1 0,0 0 0,-1-1 0,1 1 0,0-1 0,-1 1 0,1-1 0,0 1 0,0-1 0,-1 0 0,1 1 0,0-1 0,0 0 0,0 0 0,-1 1 0,1-1 0,0 0 0,0 0 0,0 0 0,0 0 0,0 0 0,-1 0 0,1 0 0,0-1 0,1 1 0,15-29 0,133-345 0,20-48 0,-73 208-1365,-68 157-5461</inkml:trace>
+  <inkml:trace contextRef="#ctx0" brushRef="#br0">1 597 24575,'1'0'0,"0"-1"0,3-1 0,3-6 0,14-14 0,13-14 0,15-12 0,8-9 0,9-4 0,8-6 0,-2 0 0,-2 6 0,-5 3 0,-10 10 0,-13 12 0,-13 11-8191</inkml:trace>
 </inkml:ink>
 </file>
 
@@ -883,15 +1076,15 @@
           <inkml:channelProperty channel="F" name="resolution" value="0" units="1/dev"/>
         </inkml:channelProperties>
       </inkml:inkSource>
-      <inkml:timestamp xml:id="ts0" timeString="2023-04-22T09:59:22.984"/>
+      <inkml:timestamp xml:id="ts0" timeString="2023-04-26T16:32:31.992"/>
     </inkml:context>
     <inkml:brush xml:id="br0">
-      <inkml:brushProperty name="width" value="0.1" units="cm"/>
-      <inkml:brushProperty name="height" value="0.1" units="cm"/>
-      <inkml:brushProperty name="color" value="#FFFF00"/>
+      <inkml:brushProperty name="width" value="0.05" units="cm"/>
+      <inkml:brushProperty name="height" value="0.05" units="cm"/>
+      <inkml:brushProperty name="color" value="#FFFFFF"/>
     </inkml:brush>
   </inkml:definitions>
-  <inkml:trace contextRef="#ctx0" brushRef="#br0">1 913 24575,'48'-1'0,"-2"0"0,0 1 0,0 3 0,0 1 0,76 18 0,-60-4 0,2-2 0,130 13 0,-193-29 0,0 0 0,0 0 0,0 0 0,0 0 0,1 0 0,-1 0 0,0 0 0,0-1 0,0 1 0,0 0 0,1-1 0,-1 1 0,0-1 0,0 1 0,0-1 0,0 1 0,0-1 0,0 0 0,0 0 0,0 1 0,-1-1 0,1 0 0,0 0 0,0 0 0,-1 0 0,1 0 0,0 0 0,-1 0 0,1 0 0,-1 0 0,1 0 0,-1 0 0,0-1 0,1 1 0,-1 0 0,0 0 0,0 0 0,0-1 0,0 1 0,0 0 0,0 0 0,0 0 0,-1-2 0,0-9 0,-1 1 0,-1-1 0,-6-20 0,1 6 0,-39-161 0,-57-260 0,95 386-682,-2-73-1,9 87-6143</inkml:trace>
+  <inkml:trace contextRef="#ctx0" brushRef="#br0">0 51 24575,'65'-2'0,"97"-16"0,-134 3 0,-26 13 0,0 1 0,0-1 0,0 1 0,0 0 0,0-1 0,0 1 0,0 0 0,0 0 0,1 0 0,-1 1 0,0-1 0,1 0 0,-1 1 0,0 0 0,1-1 0,4 1 0,-6 3 0,0-1 0,-1 0 0,1 1 0,0-1 0,-1 0 0,1 1 0,-1-1 0,0 1 0,0-1 0,0 0 0,0 1 0,-1-1 0,1 1 0,0-1 0,-2 5 0,1-2 0,-5 34-119,1-11-89,1 0 1,1 0-1,1 1 0,2-1 1,4 37-1,-3-57-6618</inkml:trace>
 </inkml:ink>
 </file>
 
@@ -911,15 +1104,15 @@
           <inkml:channelProperty channel="F" name="resolution" value="0" units="1/dev"/>
         </inkml:channelProperties>
       </inkml:inkSource>
-      <inkml:timestamp xml:id="ts0" timeString="2023-04-22T09:59:25.283"/>
+      <inkml:timestamp xml:id="ts0" timeString="2023-04-26T16:32:35.700"/>
     </inkml:context>
     <inkml:brush xml:id="br0">
-      <inkml:brushProperty name="width" value="0.1" units="cm"/>
-      <inkml:brushProperty name="height" value="0.1" units="cm"/>
-      <inkml:brushProperty name="color" value="#FFFF00"/>
+      <inkml:brushProperty name="width" value="0.05" units="cm"/>
+      <inkml:brushProperty name="height" value="0.05" units="cm"/>
+      <inkml:brushProperty name="color" value="#FFFFFF"/>
     </inkml:brush>
   </inkml:definitions>
-  <inkml:trace contextRef="#ctx0" brushRef="#br0">0 1 24575,'0'4'0,"16"17"0,25 33 0,37 43 0,61 80 0,46 65 0,24 51-1880,-9 20 1880,11 63 0,-16 11-1466,-21-12 1466,-28-31 0,-35-50-818,-29-58 818,-27-63 0,-25-60-4027</inkml:trace>
+  <inkml:trace contextRef="#ctx0" brushRef="#br0">784 1 24575,'-1'0'0,"-4"3"0,-6 6 0,-6 8 0,-6 8 0,-8 7 0,-10 12 0,-8 6 0,-11 5 0,-4 0 0,-6 2 0,-9-1 0,-3-3 0,1-4 0,8-8 0,16-10 0,18-10-8191</inkml:trace>
 </inkml:ink>
 </file>
 
@@ -967,7 +1160,259 @@
           <inkml:channelProperty channel="F" name="resolution" value="0" units="1/dev"/>
         </inkml:channelProperties>
       </inkml:inkSource>
-      <inkml:timestamp xml:id="ts0" timeString="2023-04-22T10:20:31.253"/>
+      <inkml:timestamp xml:id="ts0" timeString="2023-04-26T16:32:40.168"/>
+    </inkml:context>
+    <inkml:brush xml:id="br0">
+      <inkml:brushProperty name="width" value="0.05" units="cm"/>
+      <inkml:brushProperty name="height" value="0.05" units="cm"/>
+      <inkml:brushProperty name="color" value="#FFFFFF"/>
+    </inkml:brush>
+  </inkml:definitions>
+  <inkml:trace contextRef="#ctx0" brushRef="#br0">65 0 24575,'-2'4'0,"0"1"0,-1 0 0,2-1 0,-1 1 0,0 0 0,1 0 0,0 0 0,0 0 0,1 0 0,-1 5 0,-2 9 0,-43 152 0,46-170 0,0 0 0,0 0 0,0 0 0,0 0 0,0 0 0,0 0 0,1 0 0,-1 0 0,0 0 0,1 0 0,-1 0 0,0-1 0,1 1 0,-1 0 0,1 0 0,-1 0 0,1-1 0,0 1 0,-1 0 0,1 0 0,0-1 0,0 1 0,-1 0 0,1-1 0,0 1 0,0-1 0,0 1 0,0-1 0,-1 0 0,1 1 0,0-1 0,0 0 0,0 0 0,0 1 0,0-1 0,0 0 0,0 0 0,0 0 0,2-1 0,52 2 0,-41-2 0,143 6-1365</inkml:trace>
+</inkml:ink>
+</file>
+
+<file path=ppt/ink/ink31.xml><?xml version="1.0" encoding="utf-8"?>
+<inkml:ink xmlns:inkml="http://www.w3.org/2003/InkML">
+  <inkml:definitions>
+    <inkml:context xml:id="ctx0">
+      <inkml:inkSource xml:id="inkSrc0">
+        <inkml:traceFormat>
+          <inkml:channel name="X" type="integer" min="-2.14748E9" max="2.14748E9" units="cm"/>
+          <inkml:channel name="Y" type="integer" min="-2.14748E9" max="2.14748E9" units="cm"/>
+          <inkml:channel name="F" type="integer" max="32767" units="dev"/>
+        </inkml:traceFormat>
+        <inkml:channelProperties>
+          <inkml:channelProperty channel="X" name="resolution" value="1000" units="1/cm"/>
+          <inkml:channelProperty channel="Y" name="resolution" value="1000" units="1/cm"/>
+          <inkml:channelProperty channel="F" name="resolution" value="0" units="1/dev"/>
+        </inkml:channelProperties>
+      </inkml:inkSource>
+      <inkml:timestamp xml:id="ts0" timeString="2023-04-26T18:08:14.498"/>
+    </inkml:context>
+    <inkml:brush xml:id="br0">
+      <inkml:brushProperty name="width" value="0.05" units="cm"/>
+      <inkml:brushProperty name="height" value="0.05" units="cm"/>
+      <inkml:brushProperty name="color" value="#FFFFFF"/>
+    </inkml:brush>
+  </inkml:definitions>
+  <inkml:trace contextRef="#ctx0" brushRef="#br0">1 40 24575,'95'-9'0,"-14"0"0,713 1 0,-43 2 0,-602-2-1365,-141 8-5461</inkml:trace>
+</inkml:ink>
+</file>
+
+<file path=ppt/ink/ink32.xml><?xml version="1.0" encoding="utf-8"?>
+<inkml:ink xmlns:inkml="http://www.w3.org/2003/InkML">
+  <inkml:definitions>
+    <inkml:context xml:id="ctx0">
+      <inkml:inkSource xml:id="inkSrc0">
+        <inkml:traceFormat>
+          <inkml:channel name="X" type="integer" min="-2.14748E9" max="2.14748E9" units="cm"/>
+          <inkml:channel name="Y" type="integer" min="-2.14748E9" max="2.14748E9" units="cm"/>
+          <inkml:channel name="F" type="integer" max="32767" units="dev"/>
+        </inkml:traceFormat>
+        <inkml:channelProperties>
+          <inkml:channelProperty channel="X" name="resolution" value="1000" units="1/cm"/>
+          <inkml:channelProperty channel="Y" name="resolution" value="1000" units="1/cm"/>
+          <inkml:channelProperty channel="F" name="resolution" value="0" units="1/dev"/>
+        </inkml:channelProperties>
+      </inkml:inkSource>
+      <inkml:timestamp xml:id="ts0" timeString="2023-04-26T18:08:17.738"/>
+    </inkml:context>
+    <inkml:brush xml:id="br0">
+      <inkml:brushProperty name="width" value="0.05" units="cm"/>
+      <inkml:brushProperty name="height" value="0.05" units="cm"/>
+      <inkml:brushProperty name="color" value="#FFFFFF"/>
+    </inkml:brush>
+  </inkml:definitions>
+  <inkml:trace contextRef="#ctx0" brushRef="#br0">25 0 24575,'41'38'0,"83"60"0,-27-23 0,-86-66 0,-8-7 0,0 0 0,0 0 0,0 0 0,-1 1 0,1-1 0,-1 1 0,0 0 0,0-1 0,3 6 0,-4-6 0,-1-1 0,0 0 0,0 1 0,-1-1 0,1 0 0,0 1 0,0-1 0,-1 0 0,1 1 0,-1-1 0,1 0 0,-1 0 0,1 1 0,-1-1 0,0 0 0,0 0 0,1 0 0,-1 0 0,0 0 0,0 0 0,0 0 0,0 0 0,0 0 0,0 0 0,-1-1 0,1 1 0,0 0 0,0-1 0,-2 1 0,-64 39-455,-1-4 0,-82 31 0,131-59-6371</inkml:trace>
+</inkml:ink>
+</file>
+
+<file path=ppt/ink/ink33.xml><?xml version="1.0" encoding="utf-8"?>
+<inkml:ink xmlns:inkml="http://www.w3.org/2003/InkML">
+  <inkml:definitions>
+    <inkml:context xml:id="ctx0">
+      <inkml:inkSource xml:id="inkSrc0">
+        <inkml:traceFormat>
+          <inkml:channel name="X" type="integer" min="-2.14748E9" max="2.14748E9" units="cm"/>
+          <inkml:channel name="Y" type="integer" min="-2.14748E9" max="2.14748E9" units="cm"/>
+          <inkml:channel name="F" type="integer" max="32767" units="dev"/>
+        </inkml:traceFormat>
+        <inkml:channelProperties>
+          <inkml:channelProperty channel="X" name="resolution" value="1000" units="1/cm"/>
+          <inkml:channelProperty channel="Y" name="resolution" value="1000" units="1/cm"/>
+          <inkml:channelProperty channel="F" name="resolution" value="0" units="1/dev"/>
+        </inkml:channelProperties>
+      </inkml:inkSource>
+      <inkml:timestamp xml:id="ts0" timeString="2023-04-26T18:13:33.352"/>
+    </inkml:context>
+    <inkml:brush xml:id="br0">
+      <inkml:brushProperty name="width" value="0.05" units="cm"/>
+      <inkml:brushProperty name="height" value="0.05" units="cm"/>
+      <inkml:brushProperty name="color" value="#FFFFFF"/>
+    </inkml:brush>
+  </inkml:definitions>
+  <inkml:trace contextRef="#ctx0" brushRef="#br0">0 0 24575,'9'247'0,"0"8"0,-9-85-1365,0-156-5461</inkml:trace>
+</inkml:ink>
+</file>
+
+<file path=ppt/ink/ink34.xml><?xml version="1.0" encoding="utf-8"?>
+<inkml:ink xmlns:inkml="http://www.w3.org/2003/InkML">
+  <inkml:definitions>
+    <inkml:context xml:id="ctx0">
+      <inkml:inkSource xml:id="inkSrc0">
+        <inkml:traceFormat>
+          <inkml:channel name="X" type="integer" min="-2.14748E9" max="2.14748E9" units="cm"/>
+          <inkml:channel name="Y" type="integer" min="-2.14748E9" max="2.14748E9" units="cm"/>
+          <inkml:channel name="F" type="integer" max="32767" units="dev"/>
+        </inkml:traceFormat>
+        <inkml:channelProperties>
+          <inkml:channelProperty channel="X" name="resolution" value="1000" units="1/cm"/>
+          <inkml:channelProperty channel="Y" name="resolution" value="1000" units="1/cm"/>
+          <inkml:channelProperty channel="F" name="resolution" value="0" units="1/dev"/>
+        </inkml:channelProperties>
+      </inkml:inkSource>
+      <inkml:timestamp xml:id="ts0" timeString="2023-04-26T18:14:09.698"/>
+    </inkml:context>
+    <inkml:brush xml:id="br0">
+      <inkml:brushProperty name="width" value="0.05" units="cm"/>
+      <inkml:brushProperty name="height" value="0.05" units="cm"/>
+      <inkml:brushProperty name="color" value="#FFFFFF"/>
+    </inkml:brush>
+  </inkml:definitions>
+  <inkml:trace contextRef="#ctx0" brushRef="#br0">0 91 24575,'2'3'0,"-1"0"0,1-1 0,0 1 0,1 0 0,-1-1 0,0 0 0,1 1 0,-1-1 0,4 2 0,5 6 0,99 128 0,-110-137 0,1-1 0,-1 1 0,1-1 0,-1 1 0,1-1 0,0 1 0,-1-1 0,1 1 0,0-1 0,0 0 0,-1 0 0,1 1 0,0-1 0,0 0 0,0 0 0,-1 0 0,1 0 0,0 1 0,0-1 0,0 0 0,-1-1 0,1 1 0,0 0 0,0 0 0,0 0 0,-1 0 0,1-1 0,0 1 0,0 0 0,-1-1 0,1 1 0,0 0 0,-1-1 0,1 1 0,0-1 0,-1 1 0,1-1 0,-1 0 0,1 1 0,-1-1 0,1 0 0,-1 1 0,1-1 0,-1 0 0,0 1 0,1-2 0,31-46 0,-21 29 0,137-164-1365,-141 174-5461</inkml:trace>
+</inkml:ink>
+</file>
+
+<file path=ppt/ink/ink35.xml><?xml version="1.0" encoding="utf-8"?>
+<inkml:ink xmlns:inkml="http://www.w3.org/2003/InkML">
+  <inkml:definitions>
+    <inkml:context xml:id="ctx0">
+      <inkml:inkSource xml:id="inkSrc0">
+        <inkml:traceFormat>
+          <inkml:channel name="X" type="integer" min="-2.14748E9" max="2.14748E9" units="cm"/>
+          <inkml:channel name="Y" type="integer" min="-2.14748E9" max="2.14748E9" units="cm"/>
+          <inkml:channel name="F" type="integer" max="32767" units="dev"/>
+        </inkml:traceFormat>
+        <inkml:channelProperties>
+          <inkml:channelProperty channel="X" name="resolution" value="1000" units="1/cm"/>
+          <inkml:channelProperty channel="Y" name="resolution" value="1000" units="1/cm"/>
+          <inkml:channelProperty channel="F" name="resolution" value="0" units="1/dev"/>
+        </inkml:channelProperties>
+      </inkml:inkSource>
+      <inkml:timestamp xml:id="ts0" timeString="2023-04-26T18:14:20.111"/>
+    </inkml:context>
+    <inkml:brush xml:id="br0">
+      <inkml:brushProperty name="width" value="0.05" units="cm"/>
+      <inkml:brushProperty name="height" value="0.05" units="cm"/>
+      <inkml:brushProperty name="color" value="#FFFFFF"/>
+    </inkml:brush>
+  </inkml:definitions>
+  <inkml:trace contextRef="#ctx0" brushRef="#br0">0 20 24575,'1'-1'0,"-1"0"0,1 0 0,-1 0 0,1 0 0,0 1 0,-1-1 0,1 0 0,0 0 0,-1 0 0,1 1 0,0-1 0,0 0 0,0 1 0,0-1 0,0 1 0,0-1 0,0 1 0,0-1 0,0 1 0,0 0 0,0-1 0,0 1 0,0 0 0,0 0 0,0 0 0,0 0 0,2 0 0,36-3 0,-34 3 0,848-2 0,-417 5 0,-378-3 0,896 35 0,-869-29 0,-41-3 0,55 10 0,-96-12-124,0 0 0,1 0 0,-1 0 0,0 0 0,0 0 0,0 1-1,-1-1 1,1 1 0,0 0 0,3 2 0</inkml:trace>
+</inkml:ink>
+</file>
+
+<file path=ppt/ink/ink36.xml><?xml version="1.0" encoding="utf-8"?>
+<inkml:ink xmlns:inkml="http://www.w3.org/2003/InkML">
+  <inkml:definitions>
+    <inkml:context xml:id="ctx0">
+      <inkml:inkSource xml:id="inkSrc0">
+        <inkml:traceFormat>
+          <inkml:channel name="X" type="integer" min="-2.14748E9" max="2.14748E9" units="cm"/>
+          <inkml:channel name="Y" type="integer" min="-2.14748E9" max="2.14748E9" units="cm"/>
+          <inkml:channel name="F" type="integer" max="32767" units="dev"/>
+        </inkml:traceFormat>
+        <inkml:channelProperties>
+          <inkml:channelProperty channel="X" name="resolution" value="1000" units="1/cm"/>
+          <inkml:channelProperty channel="Y" name="resolution" value="1000" units="1/cm"/>
+          <inkml:channelProperty channel="F" name="resolution" value="0" units="1/dev"/>
+        </inkml:channelProperties>
+      </inkml:inkSource>
+      <inkml:timestamp xml:id="ts0" timeString="2023-04-26T18:14:56.513"/>
+    </inkml:context>
+    <inkml:brush xml:id="br0">
+      <inkml:brushProperty name="width" value="0.05" units="cm"/>
+      <inkml:brushProperty name="height" value="0.05" units="cm"/>
+      <inkml:brushProperty name="color" value="#FFFFFF"/>
+    </inkml:brush>
+  </inkml:definitions>
+  <inkml:trace contextRef="#ctx0" brushRef="#br0">36 1 24575,'3'0'0,"1"1"0,0 0 0,0 0 0,-1 0 0,1 1 0,0-1 0,-1 1 0,0 0 0,1 0 0,-1 0 0,0 0 0,4 3 0,36 36 0,-36-35 0,163 179 0,-169-184 0,-1 0 0,1 0 0,0 0 0,-1 0 0,1 0 0,-1 1 0,0-1 0,1 0 0,-1 0 0,0 0 0,0 1 0,1-1 0,-1 0 0,0 0 0,0 1 0,0-1 0,-1 0 0,1 0 0,0 0 0,0 1 0,-1-1 0,1 0 0,-1 0 0,1 0 0,-1 0 0,1 0 0,-1 1 0,0-1 0,1 0 0,-1-1 0,0 1 0,0 0 0,0 0 0,0 0 0,0 0 0,0-1 0,-1 2 0,-48 32 0,39-28 0,-174 101 0,136-67-1365</inkml:trace>
+</inkml:ink>
+</file>
+
+<file path=ppt/ink/ink37.xml><?xml version="1.0" encoding="utf-8"?>
+<inkml:ink xmlns:inkml="http://www.w3.org/2003/InkML">
+  <inkml:definitions>
+    <inkml:context xml:id="ctx0">
+      <inkml:inkSource xml:id="inkSrc0">
+        <inkml:traceFormat>
+          <inkml:channel name="X" type="integer" min="-2.14748E9" max="2.14748E9" units="cm"/>
+          <inkml:channel name="Y" type="integer" min="-2.14748E9" max="2.14748E9" units="cm"/>
+          <inkml:channel name="F" type="integer" max="32767" units="dev"/>
+        </inkml:traceFormat>
+        <inkml:channelProperties>
+          <inkml:channelProperty channel="X" name="resolution" value="1000" units="1/cm"/>
+          <inkml:channelProperty channel="Y" name="resolution" value="1000" units="1/cm"/>
+          <inkml:channelProperty channel="F" name="resolution" value="0" units="1/dev"/>
+        </inkml:channelProperties>
+      </inkml:inkSource>
+      <inkml:timestamp xml:id="ts0" timeString="2023-04-26T18:16:35.606"/>
+    </inkml:context>
+    <inkml:brush xml:id="br0">
+      <inkml:brushProperty name="width" value="0.05" units="cm"/>
+      <inkml:brushProperty name="height" value="0.05" units="cm"/>
+      <inkml:brushProperty name="color" value="#FFFFFF"/>
+    </inkml:brush>
+  </inkml:definitions>
+  <inkml:trace contextRef="#ctx0" brushRef="#br0">70 685 24575,'-16'-89'0,"11"4"0,-37-374 0,38 431-1365,1 4-5461</inkml:trace>
+</inkml:ink>
+</file>
+
+<file path=ppt/ink/ink38.xml><?xml version="1.0" encoding="utf-8"?>
+<inkml:ink xmlns:inkml="http://www.w3.org/2003/InkML">
+  <inkml:definitions>
+    <inkml:context xml:id="ctx0">
+      <inkml:inkSource xml:id="inkSrc0">
+        <inkml:traceFormat>
+          <inkml:channel name="X" type="integer" min="-2.14748E9" max="2.14748E9" units="cm"/>
+          <inkml:channel name="Y" type="integer" min="-2.14748E9" max="2.14748E9" units="cm"/>
+          <inkml:channel name="F" type="integer" max="32767" units="dev"/>
+        </inkml:traceFormat>
+        <inkml:channelProperties>
+          <inkml:channelProperty channel="X" name="resolution" value="1000" units="1/cm"/>
+          <inkml:channelProperty channel="Y" name="resolution" value="1000" units="1/cm"/>
+          <inkml:channelProperty channel="F" name="resolution" value="0" units="1/dev"/>
+        </inkml:channelProperties>
+      </inkml:inkSource>
+      <inkml:timestamp xml:id="ts0" timeString="2023-04-26T18:16:46.186"/>
+    </inkml:context>
+    <inkml:brush xml:id="br0">
+      <inkml:brushProperty name="width" value="0.05" units="cm"/>
+      <inkml:brushProperty name="height" value="0.05" units="cm"/>
+      <inkml:brushProperty name="color" value="#FFFFFF"/>
+    </inkml:brush>
+  </inkml:definitions>
+  <inkml:trace contextRef="#ctx0" brushRef="#br0">0 282 24575,'67'-160'0,"-26"59"0,-41 100 0,0 0 0,1 0 0,-1 0 0,0 0 0,1 0 0,-1 0 0,1 0 0,-1 0 0,1 0 0,-1 0 0,1 0 0,-1 0 0,1 1 0,0-1 0,0 0 0,-1 0 0,1 1 0,0-1 0,0 1 0,0-1 0,0 0 0,0 1 0,0 0 0,0-1 0,0 1 0,1-1 0,0 2 0,1 0 0,-1 0 0,0 1 0,1-1 0,-1 0 0,0 1 0,0-1 0,0 1 0,0 0 0,3 3 0,8 9 19,-1 1 0,18 27 1,-23-31-198,0 0 0,1-1 0,0 0 0,1 0 0,0-1 1,0 0-1,21 16 0</inkml:trace>
+</inkml:ink>
+</file>
+
+<file path=ppt/ink/ink39.xml><?xml version="1.0" encoding="utf-8"?>
+<inkml:ink xmlns:inkml="http://www.w3.org/2003/InkML">
+  <inkml:definitions>
+    <inkml:context xml:id="ctx0">
+      <inkml:inkSource xml:id="inkSrc0">
+        <inkml:traceFormat>
+          <inkml:channel name="X" type="integer" min="-2.14748E9" max="2.14748E9" units="cm"/>
+          <inkml:channel name="Y" type="integer" min="-2.14748E9" max="2.14748E9" units="cm"/>
+          <inkml:channel name="F" type="integer" max="32767" units="dev"/>
+        </inkml:traceFormat>
+        <inkml:channelProperties>
+          <inkml:channelProperty channel="X" name="resolution" value="1000" units="1/cm"/>
+          <inkml:channelProperty channel="Y" name="resolution" value="1000" units="1/cm"/>
+          <inkml:channelProperty channel="F" name="resolution" value="0" units="1/dev"/>
+        </inkml:channelProperties>
+      </inkml:inkSource>
+      <inkml:timestamp xml:id="ts0" timeString="2023-04-22T09:59:18.033"/>
     </inkml:context>
     <inkml:brush xml:id="br0">
       <inkml:brushProperty name="width" value="0.1" units="cm"/>
@@ -975,7 +1420,7 @@
       <inkml:brushProperty name="color" value="#FFFF00"/>
     </inkml:brush>
   </inkml:definitions>
-  <inkml:trace contextRef="#ctx0" brushRef="#br0">1 401 24575,'27'2'0,"0"0"0,0 2 0,-1 1 0,1 1 0,-1 1 0,0 2 0,35 16 0,14 12 0,75 49 0,-116-65 0,0 1 0,-2 2 0,0 1 0,35 36 0,-66-59 0,0 0 0,1 0 0,0-1 0,-1 1 0,1 0 0,0-1 0,-1 1 0,1-1 0,0 0 0,0 0 0,0 0 0,0 0 0,4 1 0,-5-2 0,1-1 0,-1 1 0,1-1 0,-1 0 0,1 1 0,-1-1 0,0 0 0,1 0 0,-1 0 0,0 0 0,0-1 0,0 1 0,1 0 0,-1 0 0,-1-1 0,1 1 0,0 0 0,0-1 0,0 1 0,-1-1 0,2-1 0,111-234 0,-22 42 0,47-53-1365,-109 195-5461</inkml:trace>
+  <inkml:trace contextRef="#ctx0" brushRef="#br0">0 0 24575,'16'4'0,"49"25"0,64 40 0,102 51 0,87 45 0,104 69-3261,111 87 3261,25 36-2732,-48-7 2732,-98-47 0,-103-56-1029,-89-57 1029,-73-50 0,-54-40 0,-39-33 1870,-24-29-1870,-18-20-3039</inkml:trace>
 </inkml:ink>
 </file>
 
@@ -1004,6 +1449,258 @@
     </inkml:brush>
   </inkml:definitions>
   <inkml:trace contextRef="#ctx0" brushRef="#br0">0 1 24575,'8'1'0,"0"1"0,0 0 0,0 0 0,0 1 0,-1 0 0,1 0 0,-1 1 0,0 0 0,0 1 0,0-1 0,10 11 0,31 16 0,66 32 0,-114-63 0,1 0 0,-1 0 0,0 0 0,1 0 0,-1 1 0,0-1 0,0 0 0,1 0 0,-1 0 0,0 1 0,0-1 0,1 0 0,-1 1 0,0-1 0,0 0 0,0 0 0,1 1 0,-1-1 0,0 0 0,0 1 0,0-1 0,0 0 0,0 1 0,0-1 0,0 0 0,0 1 0,1-1 0,-1 1 0,0-1 0,-1 0 0,1 1 0,0-1 0,0 0 0,0 1 0,0-1 0,0 1 0,-12 14 0,-22 11 0,31-24 0,-42 28 0,21-16 0,1 1 0,1 1 0,0 2 0,-28 28 0,37-31-1365</inkml:trace>
+</inkml:ink>
+</file>
+
+<file path=ppt/ink/ink40.xml><?xml version="1.0" encoding="utf-8"?>
+<inkml:ink xmlns:inkml="http://www.w3.org/2003/InkML">
+  <inkml:definitions>
+    <inkml:context xml:id="ctx0">
+      <inkml:inkSource xml:id="inkSrc0">
+        <inkml:traceFormat>
+          <inkml:channel name="X" type="integer" min="-2.14748E9" max="2.14748E9" units="cm"/>
+          <inkml:channel name="Y" type="integer" min="-2.14748E9" max="2.14748E9" units="cm"/>
+          <inkml:channel name="F" type="integer" max="32767" units="dev"/>
+        </inkml:traceFormat>
+        <inkml:channelProperties>
+          <inkml:channelProperty channel="X" name="resolution" value="1000" units="1/cm"/>
+          <inkml:channelProperty channel="Y" name="resolution" value="1000" units="1/cm"/>
+          <inkml:channelProperty channel="F" name="resolution" value="0" units="1/dev"/>
+        </inkml:channelProperties>
+      </inkml:inkSource>
+      <inkml:timestamp xml:id="ts0" timeString="2023-04-22T09:59:22.984"/>
+    </inkml:context>
+    <inkml:brush xml:id="br0">
+      <inkml:brushProperty name="width" value="0.1" units="cm"/>
+      <inkml:brushProperty name="height" value="0.1" units="cm"/>
+      <inkml:brushProperty name="color" value="#FFFF00"/>
+    </inkml:brush>
+  </inkml:definitions>
+  <inkml:trace contextRef="#ctx0" brushRef="#br0">1 913 24575,'48'-1'0,"-2"0"0,0 1 0,0 3 0,0 1 0,76 18 0,-60-4 0,2-2 0,130 13 0,-193-29 0,0 0 0,0 0 0,0 0 0,0 0 0,1 0 0,-1 0 0,0 0 0,0-1 0,0 1 0,0 0 0,1-1 0,-1 1 0,0-1 0,0 1 0,0-1 0,0 1 0,0-1 0,0 0 0,0 0 0,0 1 0,-1-1 0,1 0 0,0 0 0,0 0 0,-1 0 0,1 0 0,0 0 0,-1 0 0,1 0 0,-1 0 0,1 0 0,-1 0 0,0-1 0,1 1 0,-1 0 0,0 0 0,0 0 0,0-1 0,0 1 0,0 0 0,0 0 0,0 0 0,-1-2 0,0-9 0,-1 1 0,-1-1 0,-6-20 0,1 6 0,-39-161 0,-57-260 0,95 386-682,-2-73-1,9 87-6143</inkml:trace>
+</inkml:ink>
+</file>
+
+<file path=ppt/ink/ink41.xml><?xml version="1.0" encoding="utf-8"?>
+<inkml:ink xmlns:inkml="http://www.w3.org/2003/InkML">
+  <inkml:definitions>
+    <inkml:context xml:id="ctx0">
+      <inkml:inkSource xml:id="inkSrc0">
+        <inkml:traceFormat>
+          <inkml:channel name="X" type="integer" min="-2.14748E9" max="2.14748E9" units="cm"/>
+          <inkml:channel name="Y" type="integer" min="-2.14748E9" max="2.14748E9" units="cm"/>
+          <inkml:channel name="F" type="integer" max="32767" units="dev"/>
+        </inkml:traceFormat>
+        <inkml:channelProperties>
+          <inkml:channelProperty channel="X" name="resolution" value="1000" units="1/cm"/>
+          <inkml:channelProperty channel="Y" name="resolution" value="1000" units="1/cm"/>
+          <inkml:channelProperty channel="F" name="resolution" value="0" units="1/dev"/>
+        </inkml:channelProperties>
+      </inkml:inkSource>
+      <inkml:timestamp xml:id="ts0" timeString="2023-04-22T10:01:00.673"/>
+    </inkml:context>
+    <inkml:brush xml:id="br0">
+      <inkml:brushProperty name="width" value="0.1" units="cm"/>
+      <inkml:brushProperty name="height" value="0.1" units="cm"/>
+      <inkml:brushProperty name="color" value="#FFFF00"/>
+    </inkml:brush>
+  </inkml:definitions>
+  <inkml:trace contextRef="#ctx0" brushRef="#br0">0 1 24575,'107'3'7,"0"6"0,198 40 0,197 88-263,37 46-170,-9 23 0,522 286 0,-1035-484 846,1-1-1,26 8 0,10 3-1529</inkml:trace>
+</inkml:ink>
+</file>
+
+<file path=ppt/ink/ink42.xml><?xml version="1.0" encoding="utf-8"?>
+<inkml:ink xmlns:inkml="http://www.w3.org/2003/InkML">
+  <inkml:definitions>
+    <inkml:context xml:id="ctx0">
+      <inkml:inkSource xml:id="inkSrc0">
+        <inkml:traceFormat>
+          <inkml:channel name="X" type="integer" min="-2.14748E9" max="2.14748E9" units="cm"/>
+          <inkml:channel name="Y" type="integer" min="-2.14748E9" max="2.14748E9" units="cm"/>
+          <inkml:channel name="F" type="integer" max="32767" units="dev"/>
+        </inkml:traceFormat>
+        <inkml:channelProperties>
+          <inkml:channelProperty channel="X" name="resolution" value="1000" units="1/cm"/>
+          <inkml:channelProperty channel="Y" name="resolution" value="1000" units="1/cm"/>
+          <inkml:channelProperty channel="F" name="resolution" value="0" units="1/dev"/>
+        </inkml:channelProperties>
+      </inkml:inkSource>
+      <inkml:timestamp xml:id="ts0" timeString="2023-04-22T10:01:29.197"/>
+    </inkml:context>
+    <inkml:brush xml:id="br0">
+      <inkml:brushProperty name="width" value="0.1" units="cm"/>
+      <inkml:brushProperty name="height" value="0.1" units="cm"/>
+      <inkml:brushProperty name="color" value="#FFFF00"/>
+    </inkml:brush>
+  </inkml:definitions>
+  <inkml:trace contextRef="#ctx0" brushRef="#br0">516 1 24575,'222'580'0,"-155"-433"0,-67-147 0,0 1 0,1 0 0,-1-1 0,0 1 0,0 0 0,0 0 0,1-1 0,-1 1 0,0 0 0,0-1 0,0 1 0,0 0 0,0 0 0,-1-1 0,1 1 0,0 0 0,0-1 0,0 1 0,-1 0 0,1 0 0,0-1 0,-1 1 0,1-1 0,0 1 0,-1 0 0,1-1 0,-1 1 0,1-1 0,-1 1 0,1-1 0,-1 1 0,0-1 0,1 1 0,-1-1 0,1 0 0,-1 1 0,0-1 0,1 0 0,-1 0 0,0 1 0,0-1 0,-38 10 0,30-8 0,-336 89 115,-16 3-1595,323-86-5346</inkml:trace>
+</inkml:ink>
+</file>
+
+<file path=ppt/ink/ink43.xml><?xml version="1.0" encoding="utf-8"?>
+<inkml:ink xmlns:inkml="http://www.w3.org/2003/InkML">
+  <inkml:definitions>
+    <inkml:context xml:id="ctx0">
+      <inkml:inkSource xml:id="inkSrc0">
+        <inkml:traceFormat>
+          <inkml:channel name="X" type="integer" min="-2.14748E9" max="2.14748E9" units="cm"/>
+          <inkml:channel name="Y" type="integer" min="-2.14748E9" max="2.14748E9" units="cm"/>
+          <inkml:channel name="F" type="integer" max="32767" units="dev"/>
+        </inkml:traceFormat>
+        <inkml:channelProperties>
+          <inkml:channelProperty channel="X" name="resolution" value="1000" units="1/cm"/>
+          <inkml:channelProperty channel="Y" name="resolution" value="1000" units="1/cm"/>
+          <inkml:channelProperty channel="F" name="resolution" value="0" units="1/dev"/>
+        </inkml:channelProperties>
+      </inkml:inkSource>
+      <inkml:timestamp xml:id="ts0" timeString="2023-04-22T10:19:22.247"/>
+    </inkml:context>
+    <inkml:brush xml:id="br0">
+      <inkml:brushProperty name="width" value="0.1" units="cm"/>
+      <inkml:brushProperty name="height" value="0.1" units="cm"/>
+      <inkml:brushProperty name="color" value="#FFFF00"/>
+    </inkml:brush>
+  </inkml:definitions>
+  <inkml:trace contextRef="#ctx0" brushRef="#br0">1 0 24575,'9'13'0,"11"36"0,12 53 0,22 93 0,24 79 0,3 29 0,5 38-1730,-2 17 1730,-8 24 0,-11-10 0,-18-45 0,-16-71 0,-14-68 418,-9-64-418,-7-51-6879</inkml:trace>
+</inkml:ink>
+</file>
+
+<file path=ppt/ink/ink44.xml><?xml version="1.0" encoding="utf-8"?>
+<inkml:ink xmlns:inkml="http://www.w3.org/2003/InkML">
+  <inkml:definitions>
+    <inkml:context xml:id="ctx0">
+      <inkml:inkSource xml:id="inkSrc0">
+        <inkml:traceFormat>
+          <inkml:channel name="X" type="integer" min="-2.14748E9" max="2.14748E9" units="cm"/>
+          <inkml:channel name="Y" type="integer" min="-2.14748E9" max="2.14748E9" units="cm"/>
+          <inkml:channel name="F" type="integer" max="32767" units="dev"/>
+        </inkml:traceFormat>
+        <inkml:channelProperties>
+          <inkml:channelProperty channel="X" name="resolution" value="1000" units="1/cm"/>
+          <inkml:channelProperty channel="Y" name="resolution" value="1000" units="1/cm"/>
+          <inkml:channelProperty channel="F" name="resolution" value="0" units="1/dev"/>
+        </inkml:channelProperties>
+      </inkml:inkSource>
+      <inkml:timestamp xml:id="ts0" timeString="2023-04-22T10:19:54.520"/>
+    </inkml:context>
+    <inkml:brush xml:id="br0">
+      <inkml:brushProperty name="width" value="0.1" units="cm"/>
+      <inkml:brushProperty name="height" value="0.1" units="cm"/>
+      <inkml:brushProperty name="color" value="#FFFF00"/>
+    </inkml:brush>
+  </inkml:definitions>
+  <inkml:trace contextRef="#ctx0" brushRef="#br0">0 420 24575,'7'1'0,"0"1"0,0-1 0,0 2 0,0-1 0,-1 1 0,1 0 0,-1 0 0,1 1 0,-1 0 0,0 0 0,-1 0 0,1 1 0,-1-1 0,0 2 0,8 8 0,6 5 0,196 218 0,-164-177 0,-21-21 0,33 57 0,-42-61 0,2-1 0,43 50 0,-65-84 0,-1 1 0,0 0 0,1-1 0,-1 1 0,1 0 0,-1-1 0,1 1 0,0 0 0,-1-1 0,1 1 0,0-1 0,-1 1 0,1-1 0,0 1 0,0-1 0,-1 0 0,1 1 0,0-1 0,0 0 0,0 0 0,-1 1 0,1-1 0,0 0 0,0 0 0,0 0 0,0 0 0,0 0 0,-1 0 0,1 0 0,0-1 0,1 1 0,15-29 0,133-345 0,20-48 0,-73 208-1365,-68 157-5461</inkml:trace>
+</inkml:ink>
+</file>
+
+<file path=ppt/ink/ink45.xml><?xml version="1.0" encoding="utf-8"?>
+<inkml:ink xmlns:inkml="http://www.w3.org/2003/InkML">
+  <inkml:definitions>
+    <inkml:context xml:id="ctx0">
+      <inkml:inkSource xml:id="inkSrc0">
+        <inkml:traceFormat>
+          <inkml:channel name="X" type="integer" min="-2.14748E9" max="2.14748E9" units="cm"/>
+          <inkml:channel name="Y" type="integer" min="-2.14748E9" max="2.14748E9" units="cm"/>
+          <inkml:channel name="F" type="integer" max="32767" units="dev"/>
+        </inkml:traceFormat>
+        <inkml:channelProperties>
+          <inkml:channelProperty channel="X" name="resolution" value="1000" units="1/cm"/>
+          <inkml:channelProperty channel="Y" name="resolution" value="1000" units="1/cm"/>
+          <inkml:channelProperty channel="F" name="resolution" value="0" units="1/dev"/>
+        </inkml:channelProperties>
+      </inkml:inkSource>
+      <inkml:timestamp xml:id="ts0" timeString="2023-04-22T09:59:25.283"/>
+    </inkml:context>
+    <inkml:brush xml:id="br0">
+      <inkml:brushProperty name="width" value="0.1" units="cm"/>
+      <inkml:brushProperty name="height" value="0.1" units="cm"/>
+      <inkml:brushProperty name="color" value="#FFFF00"/>
+    </inkml:brush>
+  </inkml:definitions>
+  <inkml:trace contextRef="#ctx0" brushRef="#br0">0 1 24575,'0'4'0,"16"17"0,25 33 0,37 43 0,61 80 0,46 65 0,24 51-1880,-9 20 1880,11 63 0,-16 11-1466,-21-12 1466,-28-31 0,-35-50-818,-29-58 818,-27-63 0,-25-60-4027</inkml:trace>
+</inkml:ink>
+</file>
+
+<file path=ppt/ink/ink46.xml><?xml version="1.0" encoding="utf-8"?>
+<inkml:ink xmlns:inkml="http://www.w3.org/2003/InkML">
+  <inkml:definitions>
+    <inkml:context xml:id="ctx0">
+      <inkml:inkSource xml:id="inkSrc0">
+        <inkml:traceFormat>
+          <inkml:channel name="X" type="integer" min="-2.14748E9" max="2.14748E9" units="cm"/>
+          <inkml:channel name="Y" type="integer" min="-2.14748E9" max="2.14748E9" units="cm"/>
+          <inkml:channel name="F" type="integer" max="32767" units="dev"/>
+        </inkml:traceFormat>
+        <inkml:channelProperties>
+          <inkml:channelProperty channel="X" name="resolution" value="1000" units="1/cm"/>
+          <inkml:channelProperty channel="Y" name="resolution" value="1000" units="1/cm"/>
+          <inkml:channelProperty channel="F" name="resolution" value="0" units="1/dev"/>
+        </inkml:channelProperties>
+      </inkml:inkSource>
+      <inkml:timestamp xml:id="ts0" timeString="2023-04-22T10:20:31.253"/>
+    </inkml:context>
+    <inkml:brush xml:id="br0">
+      <inkml:brushProperty name="width" value="0.1" units="cm"/>
+      <inkml:brushProperty name="height" value="0.1" units="cm"/>
+      <inkml:brushProperty name="color" value="#FFFF00"/>
+    </inkml:brush>
+  </inkml:definitions>
+  <inkml:trace contextRef="#ctx0" brushRef="#br0">1 401 24575,'27'2'0,"0"0"0,0 2 0,-1 1 0,1 1 0,-1 1 0,0 2 0,35 16 0,14 12 0,75 49 0,-116-65 0,0 1 0,-2 2 0,0 1 0,35 36 0,-66-59 0,0 0 0,1 0 0,0-1 0,-1 1 0,1 0 0,0-1 0,-1 1 0,1-1 0,0 0 0,0 0 0,0 0 0,0 0 0,4 1 0,-5-2 0,1-1 0,-1 1 0,1-1 0,-1 0 0,1 1 0,-1-1 0,0 0 0,1 0 0,-1 0 0,0 0 0,0-1 0,0 1 0,1 0 0,-1 0 0,-1-1 0,1 1 0,0 0 0,0-1 0,0 1 0,-1-1 0,2-1 0,111-234 0,-22 42 0,47-53-1365,-109 195-5461</inkml:trace>
+</inkml:ink>
+</file>
+
+<file path=ppt/ink/ink47.xml><?xml version="1.0" encoding="utf-8"?>
+<inkml:ink xmlns:inkml="http://www.w3.org/2003/InkML">
+  <inkml:definitions>
+    <inkml:context xml:id="ctx0">
+      <inkml:inkSource xml:id="inkSrc0">
+        <inkml:traceFormat>
+          <inkml:channel name="X" type="integer" min="-2.14748E9" max="2.14748E9" units="cm"/>
+          <inkml:channel name="Y" type="integer" min="-2.14748E9" max="2.14748E9" units="cm"/>
+          <inkml:channel name="F" type="integer" max="32767" units="dev"/>
+        </inkml:traceFormat>
+        <inkml:channelProperties>
+          <inkml:channelProperty channel="X" name="resolution" value="1000" units="1/cm"/>
+          <inkml:channelProperty channel="Y" name="resolution" value="1000" units="1/cm"/>
+          <inkml:channelProperty channel="F" name="resolution" value="0" units="1/dev"/>
+        </inkml:channelProperties>
+      </inkml:inkSource>
+      <inkml:timestamp xml:id="ts0" timeString="2023-04-22T10:18:33.154"/>
+    </inkml:context>
+    <inkml:brush xml:id="br0">
+      <inkml:brushProperty name="width" value="0.1" units="cm"/>
+      <inkml:brushProperty name="height" value="0.1" units="cm"/>
+      <inkml:brushProperty name="color" value="#FFFF00"/>
+    </inkml:brush>
+  </inkml:definitions>
+  <inkml:trace contextRef="#ctx0" brushRef="#br0">796 1 24575,'0'9'0,"0"16"0,-5 25 0,-10 36 0,-15 47 0,-13 54 0,-19 57 0,-14 48 0,-11 32-1171,-4 10 1171,1-9 0,6-23 0,9-47 0,12-56 0,18-59 0,15-53-7020</inkml:trace>
+</inkml:ink>
+</file>
+
+<file path=ppt/ink/ink48.xml><?xml version="1.0" encoding="utf-8"?>
+<inkml:ink xmlns:inkml="http://www.w3.org/2003/InkML">
+  <inkml:definitions>
+    <inkml:context xml:id="ctx0">
+      <inkml:inkSource xml:id="inkSrc0">
+        <inkml:traceFormat>
+          <inkml:channel name="X" type="integer" min="-2.14748E9" max="2.14748E9" units="cm"/>
+          <inkml:channel name="Y" type="integer" min="-2.14748E9" max="2.14748E9" units="cm"/>
+          <inkml:channel name="F" type="integer" max="32767" units="dev"/>
+        </inkml:traceFormat>
+        <inkml:channelProperties>
+          <inkml:channelProperty channel="X" name="resolution" value="1000" units="1/cm"/>
+          <inkml:channelProperty channel="Y" name="resolution" value="1000" units="1/cm"/>
+          <inkml:channelProperty channel="F" name="resolution" value="0" units="1/dev"/>
+        </inkml:channelProperties>
+      </inkml:inkSource>
+      <inkml:timestamp xml:id="ts0" timeString="2023-04-22T10:18:55.621"/>
+    </inkml:context>
+    <inkml:brush xml:id="br0">
+      <inkml:brushProperty name="width" value="0.1" units="cm"/>
+      <inkml:brushProperty name="height" value="0.1" units="cm"/>
+      <inkml:brushProperty name="color" value="#FFFF00"/>
+    </inkml:brush>
+  </inkml:definitions>
+  <inkml:trace contextRef="#ctx0" brushRef="#br0">1 0 24575,'1'7'0,"1"-1"0,1 1 0,-1-1 0,1 0 0,0 0 0,1 0 0,-1-1 0,1 1 0,7 7 0,4 9 0,21 45 0,-3 2 0,-2 1 0,31 114 0,-46-137 0,-15-43 0,0-1 0,0 1 0,1-1 0,-1 1 0,1-1 0,0 0 0,0 0 0,0 0 0,1 0 0,-1 0 0,1 0 0,-1 0 0,1-1 0,0 1 0,0-1 0,0 0 0,0 0 0,1 0 0,-1 0 0,1-1 0,-1 0 0,1 1 0,-1-1 0,1 0 0,0 0 0,-1-1 0,1 1 0,7-1 0,5-1 0,0-1 0,0 0 0,0-1 0,-1 0 0,28-11 0,74-33-239,220-122-1,-268 131-646,-8 6-5940</inkml:trace>
 </inkml:ink>
 </file>
 
@@ -2224,7 +2921,7 @@
     </p:spTree>
     <p:extLst>
       <p:ext uri="{BB962C8B-B14F-4D97-AF65-F5344CB8AC3E}">
-        <p14:creationId xmlns:p14="http://schemas.microsoft.com/office/powerpoint/2010/main" val="1387377847"/>
+        <p14:creationId xmlns:p14="http://schemas.microsoft.com/office/powerpoint/2010/main" val="1362168358"/>
       </p:ext>
     </p:extLst>
   </p:cSld>
@@ -2331,6 +3028,115 @@
         </p:txBody>
       </p:sp>
     </p:spTree>
+  </p:cSld>
+  <p:clrMapOvr>
+    <a:masterClrMapping/>
+  </p:clrMapOvr>
+</p:notes>
+</file>
+
+<file path=ppt/notesSlides/notesSlide8.xml><?xml version="1.0" encoding="utf-8"?>
+<p:notes xmlns:a="http://schemas.openxmlformats.org/drawingml/2006/main" xmlns:r="http://schemas.openxmlformats.org/officeDocument/2006/relationships" xmlns:p="http://schemas.openxmlformats.org/presentationml/2006/main" showMasterSp="0" showMasterPhAnim="0">
+  <p:cSld>
+    <p:spTree>
+      <p:nvGrpSpPr>
+        <p:cNvPr id="1" name="Shape 849"/>
+        <p:cNvGrpSpPr/>
+        <p:nvPr/>
+      </p:nvGrpSpPr>
+      <p:grpSpPr>
+        <a:xfrm>
+          <a:off x="0" y="0"/>
+          <a:ext cx="0" cy="0"/>
+          <a:chOff x="0" y="0"/>
+          <a:chExt cx="0" cy="0"/>
+        </a:xfrm>
+      </p:grpSpPr>
+      <p:sp>
+        <p:nvSpPr>
+          <p:cNvPr id="850" name="Google Shape;850;ga073618e60_0_753:notes"/>
+          <p:cNvSpPr>
+            <a:spLocks noGrp="1" noRot="1" noChangeAspect="1"/>
+          </p:cNvSpPr>
+          <p:nvPr>
+            <p:ph type="sldImg" idx="2"/>
+          </p:nvPr>
+        </p:nvSpPr>
+        <p:spPr>
+          <a:xfrm>
+            <a:off x="381000" y="685800"/>
+            <a:ext cx="6096000" cy="3429000"/>
+          </a:xfrm>
+          <a:custGeom>
+            <a:avLst/>
+            <a:gdLst/>
+            <a:ahLst/>
+            <a:cxnLst/>
+            <a:rect l="l" t="t" r="r" b="b"/>
+            <a:pathLst>
+              <a:path w="120000" h="120000" extrusionOk="0">
+                <a:moveTo>
+                  <a:pt x="0" y="0"/>
+                </a:moveTo>
+                <a:lnTo>
+                  <a:pt x="120000" y="0"/>
+                </a:lnTo>
+                <a:lnTo>
+                  <a:pt x="120000" y="120000"/>
+                </a:lnTo>
+                <a:lnTo>
+                  <a:pt x="0" y="120000"/>
+                </a:lnTo>
+                <a:close/>
+              </a:path>
+            </a:pathLst>
+          </a:custGeom>
+        </p:spPr>
+      </p:sp>
+      <p:sp>
+        <p:nvSpPr>
+          <p:cNvPr id="851" name="Google Shape;851;ga073618e60_0_753:notes"/>
+          <p:cNvSpPr txBox="1">
+            <a:spLocks noGrp="1"/>
+          </p:cNvSpPr>
+          <p:nvPr>
+            <p:ph type="body" idx="1"/>
+          </p:nvPr>
+        </p:nvSpPr>
+        <p:spPr>
+          <a:xfrm>
+            <a:off x="685800" y="4343400"/>
+            <a:ext cx="5486400" cy="4114800"/>
+          </a:xfrm>
+          <a:prstGeom prst="rect">
+            <a:avLst/>
+          </a:prstGeom>
+        </p:spPr>
+        <p:txBody>
+          <a:bodyPr spcFirstLastPara="1" wrap="square" lIns="91425" tIns="91425" rIns="91425" bIns="91425" anchor="t" anchorCtr="0">
+            <a:noAutofit/>
+          </a:bodyPr>
+          <a:lstStyle/>
+          <a:p>
+            <a:pPr marL="0" lvl="0" indent="0" algn="l" rtl="0">
+              <a:spcBef>
+                <a:spcPts val="0"/>
+              </a:spcBef>
+              <a:spcAft>
+                <a:spcPts val="0"/>
+              </a:spcAft>
+              <a:buNone/>
+            </a:pPr>
+            <a:endParaRPr/>
+          </a:p>
+        </p:txBody>
+      </p:sp>
+    </p:spTree>
+    <p:extLst>
+      <p:ext uri="{BB962C8B-B14F-4D97-AF65-F5344CB8AC3E}">
+        <p14:creationId xmlns:p14="http://schemas.microsoft.com/office/powerpoint/2010/main" val="1250346663"/>
+      </p:ext>
+    </p:extLst>
   </p:cSld>
   <p:clrMapOvr>
     <a:masterClrMapping/>
@@ -19542,7 +20348,7 @@
                 <a:ea typeface="Roboto Mono" panose="00000009000000000000" pitchFamily="49" charset="0"/>
                 <a:cs typeface="Cascadia Code" panose="020B0609020000020004" pitchFamily="49" charset="0"/>
               </a:rPr>
-              <a:t> new -n agenda</a:t>
+              <a:t> new -n session</a:t>
             </a:r>
             <a:endParaRPr lang="en-US" sz="1600" dirty="0">
               <a:solidFill>
@@ -20170,8 +20976,8 @@
         </p:nvSpPr>
         <p:spPr>
           <a:xfrm>
-            <a:off x="8191956" y="4325808"/>
-            <a:ext cx="3617266" cy="1323164"/>
+            <a:off x="4282711" y="4325808"/>
+            <a:ext cx="3598214" cy="1323164"/>
           </a:xfrm>
           <a:prstGeom prst="roundRect">
             <a:avLst>
@@ -20231,7 +21037,7 @@
         </p:nvSpPr>
         <p:spPr>
           <a:xfrm>
-            <a:off x="8233668" y="4415240"/>
+            <a:off x="4324423" y="4415240"/>
             <a:ext cx="3617267" cy="1206300"/>
           </a:xfrm>
           <a:prstGeom prst="rect">
@@ -20413,127 +21219,6 @@
       </p:sp>
       <p:sp>
         <p:nvSpPr>
-          <p:cNvPr id="29" name="Google Shape;95;p5">
-            <a:extLst>
-              <a:ext uri="{FF2B5EF4-FFF2-40B4-BE49-F238E27FC236}">
-                <a16:creationId xmlns:a16="http://schemas.microsoft.com/office/drawing/2014/main" id="{93F80B58-561F-057C-81A3-66D152A0E91C}"/>
-              </a:ext>
-            </a:extLst>
-          </p:cNvPr>
-          <p:cNvSpPr/>
-          <p:nvPr/>
-        </p:nvSpPr>
-        <p:spPr>
-          <a:xfrm>
-            <a:off x="4332306" y="4325808"/>
-            <a:ext cx="3509100" cy="1323164"/>
-          </a:xfrm>
-          <a:prstGeom prst="roundRect">
-            <a:avLst>
-              <a:gd name="adj" fmla="val 9303"/>
-            </a:avLst>
-          </a:prstGeom>
-          <a:solidFill>
-            <a:schemeClr val="lt2"/>
-          </a:solidFill>
-          <a:ln>
-            <a:noFill/>
-          </a:ln>
-          <a:effectLst>
-            <a:outerShdw blurRad="63500" sx="102000" sy="102000" algn="ctr" rotWithShape="0">
-              <a:srgbClr val="000000">
-                <a:alpha val="9800"/>
-              </a:srgbClr>
-            </a:outerShdw>
-          </a:effectLst>
-        </p:spPr>
-        <p:txBody>
-          <a:bodyPr spcFirstLastPara="1" wrap="square" lIns="91425" tIns="45700" rIns="91425" bIns="45700" anchor="ctr" anchorCtr="0">
-            <a:noAutofit/>
-          </a:bodyPr>
-          <a:lstStyle/>
-          <a:p>
-            <a:pPr marL="0" marR="0" lvl="0" indent="0" algn="ctr" rtl="0">
-              <a:spcBef>
-                <a:spcPts val="0"/>
-              </a:spcBef>
-              <a:spcAft>
-                <a:spcPts val="0"/>
-              </a:spcAft>
-              <a:buNone/>
-            </a:pPr>
-            <a:endParaRPr dirty="0">
-              <a:sym typeface="Calibri"/>
-            </a:endParaRPr>
-          </a:p>
-        </p:txBody>
-      </p:sp>
-      <p:sp>
-        <p:nvSpPr>
-          <p:cNvPr id="397" name="Recap"/>
-          <p:cNvSpPr txBox="1">
-            <a:spLocks noGrp="1"/>
-          </p:cNvSpPr>
-          <p:nvPr>
-            <p:ph type="body" idx="4294967295"/>
-          </p:nvPr>
-        </p:nvSpPr>
-        <p:spPr>
-          <a:xfrm>
-            <a:off x="4371957" y="4298376"/>
-            <a:ext cx="3294600" cy="1206300"/>
-          </a:xfrm>
-          <a:prstGeom prst="rect">
-            <a:avLst/>
-          </a:prstGeom>
-        </p:spPr>
-        <p:txBody>
-          <a:bodyPr spcFirstLastPara="1" wrap="square" lIns="121900" tIns="121900" rIns="121900" bIns="121900" anchor="ctr" anchorCtr="0">
-            <a:noAutofit/>
-          </a:bodyPr>
-          <a:lstStyle/>
-          <a:p>
-            <a:pPr marL="0" lvl="0" indent="0" algn="l" rtl="0">
-              <a:spcBef>
-                <a:spcPts val="0"/>
-              </a:spcBef>
-              <a:spcAft>
-                <a:spcPts val="2100"/>
-              </a:spcAft>
-              <a:buNone/>
-            </a:pPr>
-            <a:r>
-              <a:rPr lang="en" sz="2400" b="1" dirty="0">
-                <a:solidFill>
-                  <a:srgbClr val="B9D4B4"/>
-                </a:solidFill>
-                <a:latin typeface="Cascadia Code" panose="020B0609020000020004" pitchFamily="49" charset="0"/>
-                <a:cs typeface="Cascadia Code" panose="020B0609020000020004" pitchFamily="49" charset="0"/>
-              </a:rPr>
-              <a:t>Recap</a:t>
-            </a:r>
-            <a:br>
-              <a:rPr lang="en" dirty="0">
-                <a:latin typeface="Cascadia Code" panose="020B0609020000020004" pitchFamily="49" charset="0"/>
-                <a:cs typeface="Cascadia Code" panose="020B0609020000020004" pitchFamily="49" charset="0"/>
-              </a:rPr>
-            </a:br>
-            <a:r>
-              <a:rPr lang="en" sz="1600" dirty="0">
-                <a:latin typeface="Cascadia Code" panose="020B0609020000020004" pitchFamily="49" charset="0"/>
-                <a:cs typeface="Cascadia Code" panose="020B0609020000020004" pitchFamily="49" charset="0"/>
-              </a:rPr>
-              <a:t>What have we learned?</a:t>
-            </a:r>
-            <a:endParaRPr lang="en" dirty="0">
-              <a:latin typeface="Cascadia Code" panose="020B0609020000020004" pitchFamily="49" charset="0"/>
-              <a:cs typeface="Cascadia Code" panose="020B0609020000020004" pitchFamily="49" charset="0"/>
-            </a:endParaRPr>
-          </a:p>
-        </p:txBody>
-      </p:sp>
-      <p:sp>
-        <p:nvSpPr>
           <p:cNvPr id="23" name="Google Shape;89;p5">
             <a:extLst>
               <a:ext uri="{FF2B5EF4-FFF2-40B4-BE49-F238E27FC236}">
@@ -20889,7 +21574,7 @@
                 <a:latin typeface="Cascadia Code" panose="020B0609020000020004" pitchFamily="49" charset="0"/>
                 <a:cs typeface="Cascadia Code" panose="020B0609020000020004" pitchFamily="49" charset="0"/>
               </a:rPr>
-              <a:t>Demo</a:t>
+              <a:t>Recap</a:t>
             </a:r>
             <a:br>
               <a:rPr lang="en" dirty="0">
@@ -20902,7 +21587,7 @@
                 <a:latin typeface="Cascadia Code" panose="020B0609020000020004" pitchFamily="49" charset="0"/>
                 <a:cs typeface="Cascadia Code" panose="020B0609020000020004" pitchFamily="49" charset="0"/>
               </a:rPr>
-              <a:t>Developing functions.</a:t>
+              <a:t>What have we learned?</a:t>
             </a:r>
           </a:p>
         </p:txBody>
@@ -20984,8 +21669,8 @@
         </p:nvSpPr>
         <p:spPr>
           <a:xfrm>
-            <a:off x="4330243" y="1979957"/>
-            <a:ext cx="3509100" cy="1323164"/>
+            <a:off x="4282709" y="1979956"/>
+            <a:ext cx="3598216" cy="1356767"/>
           </a:xfrm>
           <a:prstGeom prst="roundRect">
             <a:avLst>
@@ -21045,8 +21730,8 @@
         </p:nvSpPr>
         <p:spPr>
           <a:xfrm>
-            <a:off x="4371957" y="1952525"/>
-            <a:ext cx="3675905" cy="1206300"/>
+            <a:off x="4324424" y="1952525"/>
+            <a:ext cx="3556502" cy="1206300"/>
           </a:xfrm>
           <a:prstGeom prst="rect">
             <a:avLst/>
@@ -21246,10 +21931,7 @@
           </a:bodyPr>
           <a:lstStyle/>
           <a:p>
-            <a:pPr marL="0" lvl="0" indent="0" algn="l" rtl="0">
-              <a:spcBef>
-                <a:spcPts val="0"/>
-              </a:spcBef>
+            <a:pPr marL="0" lvl="0" indent="0">
               <a:spcAft>
                 <a:spcPts val="2100"/>
               </a:spcAft>
@@ -21263,7 +21945,7 @@
                 <a:latin typeface="Cascadia Code" panose="020B0609020000020004" pitchFamily="49" charset="0"/>
                 <a:cs typeface="Cascadia Code" panose="020B0609020000020004" pitchFamily="49" charset="0"/>
               </a:rPr>
-              <a:t>Tooling</a:t>
+              <a:t>Demo</a:t>
             </a:r>
             <a:br>
               <a:rPr lang="en" dirty="0">
@@ -21283,7 +21965,7 @@
                 <a:latin typeface="Cascadia Code" panose="020B0609020000020004" pitchFamily="49" charset="0"/>
                 <a:cs typeface="Cascadia Code" panose="020B0609020000020004" pitchFamily="49" charset="0"/>
               </a:rPr>
-              <a:t>unction Core Tools, VSCode, VS, Azurite, PowerShell ...</a:t>
+              <a:t>unction Core Tools, VSCode, C#, PowerShell, Azurite ...</a:t>
             </a:r>
           </a:p>
         </p:txBody>
@@ -21703,7 +22385,11 @@
                                           </p:stCondLst>
                                         </p:cTn>
                                         <p:tgtEl>
-                                          <p:spTgt spid="29"/>
+                                          <p:spTgt spid="398">
+                                            <p:txEl>
+                                              <p:pRg st="0" end="0"/>
+                                            </p:txEl>
+                                          </p:spTgt>
                                         </p:tgtEl>
                                         <p:attrNameLst>
                                           <p:attrName>style.visibility</p:attrName>
@@ -21717,7 +22403,11 @@
                                       <p:cBhvr>
                                         <p:cTn id="39" dur="500"/>
                                         <p:tgtEl>
-                                          <p:spTgt spid="29"/>
+                                          <p:spTgt spid="398">
+                                            <p:txEl>
+                                              <p:pRg st="0" end="0"/>
+                                            </p:txEl>
+                                          </p:spTgt>
                                         </p:tgtEl>
                                       </p:cBhvr>
                                     </p:animEffect>
@@ -21738,11 +22428,7 @@
                                           </p:stCondLst>
                                         </p:cTn>
                                         <p:tgtEl>
-                                          <p:spTgt spid="397">
-                                            <p:txEl>
-                                              <p:pRg st="0" end="0"/>
-                                            </p:txEl>
-                                          </p:spTgt>
+                                          <p:spTgt spid="17"/>
                                         </p:tgtEl>
                                         <p:attrNameLst>
                                           <p:attrName>style.visibility</p:attrName>
@@ -21755,106 +22441,6 @@
                                     <p:animEffect transition="in" filter="fade">
                                       <p:cBhvr>
                                         <p:cTn id="42" dur="500"/>
-                                        <p:tgtEl>
-                                          <p:spTgt spid="397">
-                                            <p:txEl>
-                                              <p:pRg st="0" end="0"/>
-                                            </p:txEl>
-                                          </p:spTgt>
-                                        </p:tgtEl>
-                                      </p:cBhvr>
-                                    </p:animEffect>
-                                  </p:childTnLst>
-                                </p:cTn>
-                              </p:par>
-                            </p:childTnLst>
-                          </p:cTn>
-                        </p:par>
-                      </p:childTnLst>
-                    </p:cTn>
-                  </p:par>
-                  <p:par>
-                    <p:cTn id="43" fill="hold">
-                      <p:stCondLst>
-                        <p:cond delay="indefinite"/>
-                      </p:stCondLst>
-                      <p:childTnLst>
-                        <p:par>
-                          <p:cTn id="44" fill="hold">
-                            <p:stCondLst>
-                              <p:cond delay="0"/>
-                            </p:stCondLst>
-                            <p:childTnLst>
-                              <p:par>
-                                <p:cTn id="45" presetID="10" presetClass="entr" presetSubtype="0" fill="hold" grpId="0" nodeType="clickEffect">
-                                  <p:stCondLst>
-                                    <p:cond delay="0"/>
-                                  </p:stCondLst>
-                                  <p:childTnLst>
-                                    <p:set>
-                                      <p:cBhvr>
-                                        <p:cTn id="46" dur="1" fill="hold">
-                                          <p:stCondLst>
-                                            <p:cond delay="0"/>
-                                          </p:stCondLst>
-                                        </p:cTn>
-                                        <p:tgtEl>
-                                          <p:spTgt spid="398">
-                                            <p:txEl>
-                                              <p:pRg st="0" end="0"/>
-                                            </p:txEl>
-                                          </p:spTgt>
-                                        </p:tgtEl>
-                                        <p:attrNameLst>
-                                          <p:attrName>style.visibility</p:attrName>
-                                        </p:attrNameLst>
-                                      </p:cBhvr>
-                                      <p:to>
-                                        <p:strVal val="visible"/>
-                                      </p:to>
-                                    </p:set>
-                                    <p:animEffect transition="in" filter="fade">
-                                      <p:cBhvr>
-                                        <p:cTn id="47" dur="500"/>
-                                        <p:tgtEl>
-                                          <p:spTgt spid="398">
-                                            <p:txEl>
-                                              <p:pRg st="0" end="0"/>
-                                            </p:txEl>
-                                          </p:spTgt>
-                                        </p:tgtEl>
-                                      </p:cBhvr>
-                                    </p:animEffect>
-                                  </p:childTnLst>
-                                </p:cTn>
-                              </p:par>
-                              <p:par>
-                                <p:cTn id="48" presetID="10" presetClass="entr" presetSubtype="0" fill="hold" grpId="0" nodeType="withEffect">
-                                  <p:stCondLst>
-                                    <p:cond delay="0"/>
-                                  </p:stCondLst>
-                                  <p:childTnLst>
-                                    <p:set>
-                                      <p:cBhvr>
-                                        <p:cTn id="49" dur="1" fill="hold">
-                                          <p:stCondLst>
-                                            <p:cond delay="0"/>
-                                          </p:stCondLst>
-                                        </p:cTn>
-                                        <p:tgtEl>
-                                          <p:spTgt spid="17"/>
-                                        </p:tgtEl>
-                                        <p:attrNameLst>
-                                          <p:attrName>style.visibility</p:attrName>
-                                        </p:attrNameLst>
-                                      </p:cBhvr>
-                                      <p:to>
-                                        <p:strVal val="visible"/>
-                                      </p:to>
-                                    </p:set>
-                                    <p:animEffect transition="in" filter="fade">
-                                      <p:cBhvr>
-                                        <p:cTn id="50" dur="500"/>
                                         <p:tgtEl>
                                           <p:spTgt spid="17"/>
                                         </p:tgtEl>
@@ -21894,8 +22480,6 @@
       <p:bldP spid="4" grpId="0" animBg="1"/>
       <p:bldP spid="17" grpId="0" animBg="1"/>
       <p:bldP spid="398" grpId="0" build="p"/>
-      <p:bldP spid="29" grpId="0" animBg="1"/>
-      <p:bldP spid="397" grpId="0" build="p"/>
       <p:bldP spid="23" grpId="0" animBg="1"/>
       <p:bldP spid="15" grpId="0"/>
       <p:bldP spid="41" grpId="0" animBg="1"/>
@@ -24167,6 +24751,168 @@
                                   </p:childTnLst>
                                 </p:cTn>
                               </p:par>
+                              <p:par>
+                                <p:cTn id="35" presetID="19" presetClass="emph" presetSubtype="0" fill="hold" grpId="1" nodeType="withEffect">
+                                  <p:stCondLst>
+                                    <p:cond delay="0"/>
+                                  </p:stCondLst>
+                                  <p:childTnLst>
+                                    <p:animClr clrSpc="rgb" dir="cw">
+                                      <p:cBhvr override="childStyle">
+                                        <p:cTn id="36" dur="500" fill="hold"/>
+                                        <p:tgtEl>
+                                          <p:spTgt spid="540">
+                                            <p:txEl>
+                                              <p:pRg st="0" end="0"/>
+                                            </p:txEl>
+                                          </p:spTgt>
+                                        </p:tgtEl>
+                                        <p:attrNameLst>
+                                          <p:attrName>style.color</p:attrName>
+                                        </p:attrNameLst>
+                                      </p:cBhvr>
+                                      <p:to>
+                                        <a:srgbClr val="7F7F7F"/>
+                                      </p:to>
+                                    </p:animClr>
+                                    <p:animClr clrSpc="rgb" dir="cw">
+                                      <p:cBhvr>
+                                        <p:cTn id="37" dur="500" fill="hold"/>
+                                        <p:tgtEl>
+                                          <p:spTgt spid="540">
+                                            <p:txEl>
+                                              <p:pRg st="0" end="0"/>
+                                            </p:txEl>
+                                          </p:spTgt>
+                                        </p:tgtEl>
+                                        <p:attrNameLst>
+                                          <p:attrName>fillcolor</p:attrName>
+                                        </p:attrNameLst>
+                                      </p:cBhvr>
+                                      <p:to>
+                                        <a:srgbClr val="7F7F7F"/>
+                                      </p:to>
+                                    </p:animClr>
+                                    <p:set>
+                                      <p:cBhvr>
+                                        <p:cTn id="38" dur="500" fill="hold"/>
+                                        <p:tgtEl>
+                                          <p:spTgt spid="540">
+                                            <p:txEl>
+                                              <p:pRg st="0" end="0"/>
+                                            </p:txEl>
+                                          </p:spTgt>
+                                        </p:tgtEl>
+                                        <p:attrNameLst>
+                                          <p:attrName>fill.type</p:attrName>
+                                        </p:attrNameLst>
+                                      </p:cBhvr>
+                                      <p:to>
+                                        <p:strVal val="solid"/>
+                                      </p:to>
+                                    </p:set>
+                                    <p:set>
+                                      <p:cBhvr>
+                                        <p:cTn id="39" dur="500" fill="hold"/>
+                                        <p:tgtEl>
+                                          <p:spTgt spid="540">
+                                            <p:txEl>
+                                              <p:pRg st="0" end="0"/>
+                                            </p:txEl>
+                                          </p:spTgt>
+                                        </p:tgtEl>
+                                        <p:attrNameLst>
+                                          <p:attrName>fill.on</p:attrName>
+                                        </p:attrNameLst>
+                                      </p:cBhvr>
+                                      <p:to>
+                                        <p:strVal val="true"/>
+                                      </p:to>
+                                    </p:set>
+                                  </p:childTnLst>
+                                </p:cTn>
+                              </p:par>
+                              <p:par>
+                                <p:cTn id="40" presetID="19" presetClass="emph" presetSubtype="0" fill="hold" grpId="1" nodeType="withEffect">
+                                  <p:stCondLst>
+                                    <p:cond delay="0"/>
+                                  </p:stCondLst>
+                                  <p:childTnLst>
+                                    <p:animClr clrSpc="rgb" dir="cw">
+                                      <p:cBhvr override="childStyle">
+                                        <p:cTn id="41" dur="500" fill="hold"/>
+                                        <p:tgtEl>
+                                          <p:spTgt spid="543">
+                                            <p:txEl>
+                                              <p:pRg st="0" end="0"/>
+                                            </p:txEl>
+                                          </p:spTgt>
+                                        </p:tgtEl>
+                                        <p:attrNameLst>
+                                          <p:attrName>style.color</p:attrName>
+                                        </p:attrNameLst>
+                                      </p:cBhvr>
+                                      <p:to>
+                                        <a:srgbClr val="7F7F7F"/>
+                                      </p:to>
+                                    </p:animClr>
+                                    <p:animClr clrSpc="rgb" dir="cw">
+                                      <p:cBhvr>
+                                        <p:cTn id="42" dur="500" fill="hold"/>
+                                        <p:tgtEl>
+                                          <p:spTgt spid="543">
+                                            <p:txEl>
+                                              <p:pRg st="0" end="0"/>
+                                            </p:txEl>
+                                          </p:spTgt>
+                                        </p:tgtEl>
+                                        <p:attrNameLst>
+                                          <p:attrName>fillcolor</p:attrName>
+                                        </p:attrNameLst>
+                                      </p:cBhvr>
+                                      <p:to>
+                                        <a:srgbClr val="7F7F7F"/>
+                                      </p:to>
+                                    </p:animClr>
+                                    <p:set>
+                                      <p:cBhvr>
+                                        <p:cTn id="43" dur="500" fill="hold"/>
+                                        <p:tgtEl>
+                                          <p:spTgt spid="543">
+                                            <p:txEl>
+                                              <p:pRg st="0" end="0"/>
+                                            </p:txEl>
+                                          </p:spTgt>
+                                        </p:tgtEl>
+                                        <p:attrNameLst>
+                                          <p:attrName>fill.type</p:attrName>
+                                        </p:attrNameLst>
+                                      </p:cBhvr>
+                                      <p:to>
+                                        <p:strVal val="solid"/>
+                                      </p:to>
+                                    </p:set>
+                                    <p:set>
+                                      <p:cBhvr>
+                                        <p:cTn id="44" dur="500" fill="hold"/>
+                                        <p:tgtEl>
+                                          <p:spTgt spid="543">
+                                            <p:txEl>
+                                              <p:pRg st="0" end="0"/>
+                                            </p:txEl>
+                                          </p:spTgt>
+                                        </p:tgtEl>
+                                        <p:attrNameLst>
+                                          <p:attrName>fill.on</p:attrName>
+                                        </p:attrNameLst>
+                                      </p:cBhvr>
+                                      <p:to>
+                                        <p:strVal val="true"/>
+                                      </p:to>
+                                    </p:set>
+                                  </p:childTnLst>
+                                </p:cTn>
+                              </p:par>
                             </p:childTnLst>
                           </p:cTn>
                         </p:par>
@@ -24174,26 +24920,26 @@
                     </p:cTn>
                   </p:par>
                   <p:par>
-                    <p:cTn id="35" fill="hold">
+                    <p:cTn id="45" fill="hold">
                       <p:stCondLst>
                         <p:cond delay="indefinite"/>
                       </p:stCondLst>
                       <p:childTnLst>
                         <p:par>
-                          <p:cTn id="36" fill="hold">
+                          <p:cTn id="46" fill="hold">
                             <p:stCondLst>
                               <p:cond delay="0"/>
                             </p:stCondLst>
                             <p:childTnLst>
                               <p:par>
-                                <p:cTn id="37" presetID="10" presetClass="entr" presetSubtype="0" fill="hold" grpId="0" nodeType="clickEffect">
+                                <p:cTn id="47" presetID="10" presetClass="entr" presetSubtype="0" fill="hold" grpId="0" nodeType="clickEffect">
                                   <p:stCondLst>
                                     <p:cond delay="0"/>
                                   </p:stCondLst>
                                   <p:childTnLst>
                                     <p:set>
                                       <p:cBhvr>
-                                        <p:cTn id="38" dur="1" fill="hold">
+                                        <p:cTn id="48" dur="1" fill="hold">
                                           <p:stCondLst>
                                             <p:cond delay="0"/>
                                           </p:stCondLst>
@@ -24215,7 +24961,7 @@
                                     </p:set>
                                     <p:animEffect transition="in" filter="fade">
                                       <p:cBhvr>
-                                        <p:cTn id="39" dur="500"/>
+                                        <p:cTn id="49" dur="500"/>
                                         <p:tgtEl>
                                           <p:spTgt spid="544">
                                             <p:txEl>
@@ -24229,14 +24975,14 @@
                                 </p:cTn>
                               </p:par>
                               <p:par>
-                                <p:cTn id="40" presetID="10" presetClass="entr" presetSubtype="0" fill="hold" grpId="0" nodeType="withEffect">
+                                <p:cTn id="50" presetID="10" presetClass="entr" presetSubtype="0" fill="hold" grpId="0" nodeType="withEffect">
                                   <p:stCondLst>
                                     <p:cond delay="0"/>
                                   </p:stCondLst>
                                   <p:childTnLst>
                                     <p:set>
                                       <p:cBhvr>
-                                        <p:cTn id="41" dur="1" fill="hold">
+                                        <p:cTn id="51" dur="1" fill="hold">
                                           <p:stCondLst>
                                             <p:cond delay="0"/>
                                           </p:stCondLst>
@@ -24254,7 +25000,7 @@
                                     </p:set>
                                     <p:animEffect transition="in" filter="fade">
                                       <p:cBhvr>
-                                        <p:cTn id="42" dur="500"/>
+                                        <p:cTn id="52" dur="500"/>
                                         <p:tgtEl>
                                           <p:spTgt spid="29"/>
                                         </p:tgtEl>
@@ -24264,14 +25010,14 @@
                                 </p:cTn>
                               </p:par>
                               <p:par>
-                                <p:cTn id="43" presetID="10" presetClass="entr" presetSubtype="0" fill="hold" grpId="0" nodeType="withEffect">
+                                <p:cTn id="53" presetID="10" presetClass="entr" presetSubtype="0" fill="hold" grpId="0" nodeType="withEffect">
                                   <p:stCondLst>
                                     <p:cond delay="0"/>
                                   </p:stCondLst>
                                   <p:childTnLst>
                                     <p:set>
                                       <p:cBhvr>
-                                        <p:cTn id="44" dur="1" fill="hold">
+                                        <p:cTn id="54" dur="1" fill="hold">
                                           <p:stCondLst>
                                             <p:cond delay="0"/>
                                           </p:stCondLst>
@@ -24293,7 +25039,7 @@
                                     </p:set>
                                     <p:animEffect transition="in" filter="fade">
                                       <p:cBhvr>
-                                        <p:cTn id="45" dur="500"/>
+                                        <p:cTn id="55" dur="500"/>
                                         <p:tgtEl>
                                           <p:spTgt spid="551">
                                             <p:txEl>
@@ -24306,6 +25052,168 @@
                                   </p:childTnLst>
                                 </p:cTn>
                               </p:par>
+                              <p:par>
+                                <p:cTn id="56" presetID="19" presetClass="emph" presetSubtype="0" fill="hold" grpId="1" nodeType="withEffect">
+                                  <p:stCondLst>
+                                    <p:cond delay="0"/>
+                                  </p:stCondLst>
+                                  <p:childTnLst>
+                                    <p:animClr clrSpc="rgb" dir="cw">
+                                      <p:cBhvr override="childStyle">
+                                        <p:cTn id="57" dur="500" fill="hold"/>
+                                        <p:tgtEl>
+                                          <p:spTgt spid="546">
+                                            <p:txEl>
+                                              <p:pRg st="0" end="0"/>
+                                            </p:txEl>
+                                          </p:spTgt>
+                                        </p:tgtEl>
+                                        <p:attrNameLst>
+                                          <p:attrName>style.color</p:attrName>
+                                        </p:attrNameLst>
+                                      </p:cBhvr>
+                                      <p:to>
+                                        <a:srgbClr val="7F7F7F"/>
+                                      </p:to>
+                                    </p:animClr>
+                                    <p:animClr clrSpc="rgb" dir="cw">
+                                      <p:cBhvr>
+                                        <p:cTn id="58" dur="500" fill="hold"/>
+                                        <p:tgtEl>
+                                          <p:spTgt spid="546">
+                                            <p:txEl>
+                                              <p:pRg st="0" end="0"/>
+                                            </p:txEl>
+                                          </p:spTgt>
+                                        </p:tgtEl>
+                                        <p:attrNameLst>
+                                          <p:attrName>fillcolor</p:attrName>
+                                        </p:attrNameLst>
+                                      </p:cBhvr>
+                                      <p:to>
+                                        <a:srgbClr val="7F7F7F"/>
+                                      </p:to>
+                                    </p:animClr>
+                                    <p:set>
+                                      <p:cBhvr>
+                                        <p:cTn id="59" dur="500" fill="hold"/>
+                                        <p:tgtEl>
+                                          <p:spTgt spid="546">
+                                            <p:txEl>
+                                              <p:pRg st="0" end="0"/>
+                                            </p:txEl>
+                                          </p:spTgt>
+                                        </p:tgtEl>
+                                        <p:attrNameLst>
+                                          <p:attrName>fill.type</p:attrName>
+                                        </p:attrNameLst>
+                                      </p:cBhvr>
+                                      <p:to>
+                                        <p:strVal val="solid"/>
+                                      </p:to>
+                                    </p:set>
+                                    <p:set>
+                                      <p:cBhvr>
+                                        <p:cTn id="60" dur="500" fill="hold"/>
+                                        <p:tgtEl>
+                                          <p:spTgt spid="546">
+                                            <p:txEl>
+                                              <p:pRg st="0" end="0"/>
+                                            </p:txEl>
+                                          </p:spTgt>
+                                        </p:tgtEl>
+                                        <p:attrNameLst>
+                                          <p:attrName>fill.on</p:attrName>
+                                        </p:attrNameLst>
+                                      </p:cBhvr>
+                                      <p:to>
+                                        <p:strVal val="true"/>
+                                      </p:to>
+                                    </p:set>
+                                  </p:childTnLst>
+                                </p:cTn>
+                              </p:par>
+                              <p:par>
+                                <p:cTn id="61" presetID="19" presetClass="emph" presetSubtype="0" fill="hold" grpId="1" nodeType="withEffect">
+                                  <p:stCondLst>
+                                    <p:cond delay="0"/>
+                                  </p:stCondLst>
+                                  <p:childTnLst>
+                                    <p:animClr clrSpc="rgb" dir="cw">
+                                      <p:cBhvr override="childStyle">
+                                        <p:cTn id="62" dur="500" fill="hold"/>
+                                        <p:tgtEl>
+                                          <p:spTgt spid="549">
+                                            <p:txEl>
+                                              <p:pRg st="0" end="0"/>
+                                            </p:txEl>
+                                          </p:spTgt>
+                                        </p:tgtEl>
+                                        <p:attrNameLst>
+                                          <p:attrName>style.color</p:attrName>
+                                        </p:attrNameLst>
+                                      </p:cBhvr>
+                                      <p:to>
+                                        <a:srgbClr val="7F7F7F"/>
+                                      </p:to>
+                                    </p:animClr>
+                                    <p:animClr clrSpc="rgb" dir="cw">
+                                      <p:cBhvr>
+                                        <p:cTn id="63" dur="500" fill="hold"/>
+                                        <p:tgtEl>
+                                          <p:spTgt spid="549">
+                                            <p:txEl>
+                                              <p:pRg st="0" end="0"/>
+                                            </p:txEl>
+                                          </p:spTgt>
+                                        </p:tgtEl>
+                                        <p:attrNameLst>
+                                          <p:attrName>fillcolor</p:attrName>
+                                        </p:attrNameLst>
+                                      </p:cBhvr>
+                                      <p:to>
+                                        <a:srgbClr val="7F7F7F"/>
+                                      </p:to>
+                                    </p:animClr>
+                                    <p:set>
+                                      <p:cBhvr>
+                                        <p:cTn id="64" dur="500" fill="hold"/>
+                                        <p:tgtEl>
+                                          <p:spTgt spid="549">
+                                            <p:txEl>
+                                              <p:pRg st="0" end="0"/>
+                                            </p:txEl>
+                                          </p:spTgt>
+                                        </p:tgtEl>
+                                        <p:attrNameLst>
+                                          <p:attrName>fill.type</p:attrName>
+                                        </p:attrNameLst>
+                                      </p:cBhvr>
+                                      <p:to>
+                                        <p:strVal val="solid"/>
+                                      </p:to>
+                                    </p:set>
+                                    <p:set>
+                                      <p:cBhvr>
+                                        <p:cTn id="65" dur="500" fill="hold"/>
+                                        <p:tgtEl>
+                                          <p:spTgt spid="549">
+                                            <p:txEl>
+                                              <p:pRg st="0" end="0"/>
+                                            </p:txEl>
+                                          </p:spTgt>
+                                        </p:tgtEl>
+                                        <p:attrNameLst>
+                                          <p:attrName>fill.on</p:attrName>
+                                        </p:attrNameLst>
+                                      </p:cBhvr>
+                                      <p:to>
+                                        <p:strVal val="true"/>
+                                      </p:to>
+                                    </p:set>
+                                  </p:childTnLst>
+                                </p:cTn>
+                              </p:par>
                             </p:childTnLst>
                           </p:cTn>
                         </p:par>
@@ -24313,26 +25221,26 @@
                     </p:cTn>
                   </p:par>
                   <p:par>
-                    <p:cTn id="46" fill="hold">
+                    <p:cTn id="66" fill="hold">
                       <p:stCondLst>
                         <p:cond delay="indefinite"/>
                       </p:stCondLst>
                       <p:childTnLst>
                         <p:par>
-                          <p:cTn id="47" fill="hold">
+                          <p:cTn id="67" fill="hold">
                             <p:stCondLst>
                               <p:cond delay="0"/>
                             </p:stCondLst>
                             <p:childTnLst>
                               <p:par>
-                                <p:cTn id="48" presetID="10" presetClass="entr" presetSubtype="0" fill="hold" grpId="0" nodeType="clickEffect">
+                                <p:cTn id="68" presetID="10" presetClass="entr" presetSubtype="0" fill="hold" grpId="0" nodeType="clickEffect">
                                   <p:stCondLst>
                                     <p:cond delay="0"/>
                                   </p:stCondLst>
                                   <p:childTnLst>
                                     <p:set>
                                       <p:cBhvr>
-                                        <p:cTn id="49" dur="1" fill="hold">
+                                        <p:cTn id="69" dur="1" fill="hold">
                                           <p:stCondLst>
                                             <p:cond delay="0"/>
                                           </p:stCondLst>
@@ -24354,7 +25262,7 @@
                                     </p:set>
                                     <p:animEffect transition="in" filter="fade">
                                       <p:cBhvr>
-                                        <p:cTn id="50" dur="500"/>
+                                        <p:cTn id="70" dur="500"/>
                                         <p:tgtEl>
                                           <p:spTgt spid="542">
                                             <p:txEl>
@@ -24368,14 +25276,14 @@
                                 </p:cTn>
                               </p:par>
                               <p:par>
-                                <p:cTn id="51" presetID="10" presetClass="entr" presetSubtype="0" fill="hold" grpId="0" nodeType="withEffect">
+                                <p:cTn id="71" presetID="10" presetClass="entr" presetSubtype="0" fill="hold" grpId="0" nodeType="withEffect">
                                   <p:stCondLst>
                                     <p:cond delay="0"/>
                                   </p:stCondLst>
                                   <p:childTnLst>
                                     <p:set>
                                       <p:cBhvr>
-                                        <p:cTn id="52" dur="1" fill="hold">
+                                        <p:cTn id="72" dur="1" fill="hold">
                                           <p:stCondLst>
                                             <p:cond delay="0"/>
                                           </p:stCondLst>
@@ -24393,7 +25301,7 @@
                                     </p:set>
                                     <p:animEffect transition="in" filter="fade">
                                       <p:cBhvr>
-                                        <p:cTn id="53" dur="500"/>
+                                        <p:cTn id="73" dur="500"/>
                                         <p:tgtEl>
                                           <p:spTgt spid="15"/>
                                         </p:tgtEl>
@@ -24403,14 +25311,14 @@
                                 </p:cTn>
                               </p:par>
                               <p:par>
-                                <p:cTn id="54" presetID="10" presetClass="entr" presetSubtype="0" fill="hold" grpId="0" nodeType="withEffect">
+                                <p:cTn id="74" presetID="10" presetClass="entr" presetSubtype="0" fill="hold" grpId="0" nodeType="withEffect">
                                   <p:stCondLst>
                                     <p:cond delay="0"/>
                                   </p:stCondLst>
                                   <p:childTnLst>
                                     <p:set>
                                       <p:cBhvr>
-                                        <p:cTn id="55" dur="1" fill="hold">
+                                        <p:cTn id="75" dur="1" fill="hold">
                                           <p:stCondLst>
                                             <p:cond delay="0"/>
                                           </p:stCondLst>
@@ -24432,7 +25340,7 @@
                                     </p:set>
                                     <p:animEffect transition="in" filter="fade">
                                       <p:cBhvr>
-                                        <p:cTn id="56" dur="500"/>
+                                        <p:cTn id="76" dur="500"/>
                                         <p:tgtEl>
                                           <p:spTgt spid="545">
                                             <p:txEl>
@@ -24445,6 +25353,168 @@
                                   </p:childTnLst>
                                 </p:cTn>
                               </p:par>
+                              <p:par>
+                                <p:cTn id="77" presetID="19" presetClass="emph" presetSubtype="0" fill="hold" grpId="1" nodeType="withEffect">
+                                  <p:stCondLst>
+                                    <p:cond delay="0"/>
+                                  </p:stCondLst>
+                                  <p:childTnLst>
+                                    <p:animClr clrSpc="rgb" dir="cw">
+                                      <p:cBhvr override="childStyle">
+                                        <p:cTn id="78" dur="500" fill="hold"/>
+                                        <p:tgtEl>
+                                          <p:spTgt spid="544">
+                                            <p:txEl>
+                                              <p:pRg st="0" end="0"/>
+                                            </p:txEl>
+                                          </p:spTgt>
+                                        </p:tgtEl>
+                                        <p:attrNameLst>
+                                          <p:attrName>style.color</p:attrName>
+                                        </p:attrNameLst>
+                                      </p:cBhvr>
+                                      <p:to>
+                                        <a:srgbClr val="7F7F7F"/>
+                                      </p:to>
+                                    </p:animClr>
+                                    <p:animClr clrSpc="rgb" dir="cw">
+                                      <p:cBhvr>
+                                        <p:cTn id="79" dur="500" fill="hold"/>
+                                        <p:tgtEl>
+                                          <p:spTgt spid="544">
+                                            <p:txEl>
+                                              <p:pRg st="0" end="0"/>
+                                            </p:txEl>
+                                          </p:spTgt>
+                                        </p:tgtEl>
+                                        <p:attrNameLst>
+                                          <p:attrName>fillcolor</p:attrName>
+                                        </p:attrNameLst>
+                                      </p:cBhvr>
+                                      <p:to>
+                                        <a:srgbClr val="7F7F7F"/>
+                                      </p:to>
+                                    </p:animClr>
+                                    <p:set>
+                                      <p:cBhvr>
+                                        <p:cTn id="80" dur="500" fill="hold"/>
+                                        <p:tgtEl>
+                                          <p:spTgt spid="544">
+                                            <p:txEl>
+                                              <p:pRg st="0" end="0"/>
+                                            </p:txEl>
+                                          </p:spTgt>
+                                        </p:tgtEl>
+                                        <p:attrNameLst>
+                                          <p:attrName>fill.type</p:attrName>
+                                        </p:attrNameLst>
+                                      </p:cBhvr>
+                                      <p:to>
+                                        <p:strVal val="solid"/>
+                                      </p:to>
+                                    </p:set>
+                                    <p:set>
+                                      <p:cBhvr>
+                                        <p:cTn id="81" dur="500" fill="hold"/>
+                                        <p:tgtEl>
+                                          <p:spTgt spid="544">
+                                            <p:txEl>
+                                              <p:pRg st="0" end="0"/>
+                                            </p:txEl>
+                                          </p:spTgt>
+                                        </p:tgtEl>
+                                        <p:attrNameLst>
+                                          <p:attrName>fill.on</p:attrName>
+                                        </p:attrNameLst>
+                                      </p:cBhvr>
+                                      <p:to>
+                                        <p:strVal val="true"/>
+                                      </p:to>
+                                    </p:set>
+                                  </p:childTnLst>
+                                </p:cTn>
+                              </p:par>
+                              <p:par>
+                                <p:cTn id="82" presetID="19" presetClass="emph" presetSubtype="0" fill="hold" grpId="1" nodeType="withEffect">
+                                  <p:stCondLst>
+                                    <p:cond delay="0"/>
+                                  </p:stCondLst>
+                                  <p:childTnLst>
+                                    <p:animClr clrSpc="rgb" dir="cw">
+                                      <p:cBhvr override="childStyle">
+                                        <p:cTn id="83" dur="500" fill="hold"/>
+                                        <p:tgtEl>
+                                          <p:spTgt spid="551">
+                                            <p:txEl>
+                                              <p:pRg st="0" end="0"/>
+                                            </p:txEl>
+                                          </p:spTgt>
+                                        </p:tgtEl>
+                                        <p:attrNameLst>
+                                          <p:attrName>style.color</p:attrName>
+                                        </p:attrNameLst>
+                                      </p:cBhvr>
+                                      <p:to>
+                                        <a:srgbClr val="7F7F7F"/>
+                                      </p:to>
+                                    </p:animClr>
+                                    <p:animClr clrSpc="rgb" dir="cw">
+                                      <p:cBhvr>
+                                        <p:cTn id="84" dur="500" fill="hold"/>
+                                        <p:tgtEl>
+                                          <p:spTgt spid="551">
+                                            <p:txEl>
+                                              <p:pRg st="0" end="0"/>
+                                            </p:txEl>
+                                          </p:spTgt>
+                                        </p:tgtEl>
+                                        <p:attrNameLst>
+                                          <p:attrName>fillcolor</p:attrName>
+                                        </p:attrNameLst>
+                                      </p:cBhvr>
+                                      <p:to>
+                                        <a:srgbClr val="7F7F7F"/>
+                                      </p:to>
+                                    </p:animClr>
+                                    <p:set>
+                                      <p:cBhvr>
+                                        <p:cTn id="85" dur="500" fill="hold"/>
+                                        <p:tgtEl>
+                                          <p:spTgt spid="551">
+                                            <p:txEl>
+                                              <p:pRg st="0" end="0"/>
+                                            </p:txEl>
+                                          </p:spTgt>
+                                        </p:tgtEl>
+                                        <p:attrNameLst>
+                                          <p:attrName>fill.type</p:attrName>
+                                        </p:attrNameLst>
+                                      </p:cBhvr>
+                                      <p:to>
+                                        <p:strVal val="solid"/>
+                                      </p:to>
+                                    </p:set>
+                                    <p:set>
+                                      <p:cBhvr>
+                                        <p:cTn id="86" dur="500" fill="hold"/>
+                                        <p:tgtEl>
+                                          <p:spTgt spid="551">
+                                            <p:txEl>
+                                              <p:pRg st="0" end="0"/>
+                                            </p:txEl>
+                                          </p:spTgt>
+                                        </p:tgtEl>
+                                        <p:attrNameLst>
+                                          <p:attrName>fill.on</p:attrName>
+                                        </p:attrNameLst>
+                                      </p:cBhvr>
+                                      <p:to>
+                                        <p:strVal val="true"/>
+                                      </p:to>
+                                    </p:set>
+                                  </p:childTnLst>
+                                </p:cTn>
+                              </p:par>
                             </p:childTnLst>
                           </p:cTn>
                         </p:par>
@@ -24452,26 +25522,26 @@
                     </p:cTn>
                   </p:par>
                   <p:par>
-                    <p:cTn id="57" fill="hold">
+                    <p:cTn id="87" fill="hold">
                       <p:stCondLst>
                         <p:cond delay="indefinite"/>
                       </p:stCondLst>
                       <p:childTnLst>
                         <p:par>
-                          <p:cTn id="58" fill="hold">
+                          <p:cTn id="88" fill="hold">
                             <p:stCondLst>
                               <p:cond delay="0"/>
                             </p:stCondLst>
                             <p:childTnLst>
                               <p:par>
-                                <p:cTn id="59" presetID="10" presetClass="entr" presetSubtype="0" fill="hold" grpId="0" nodeType="clickEffect">
+                                <p:cTn id="89" presetID="10" presetClass="entr" presetSubtype="0" fill="hold" grpId="0" nodeType="clickEffect">
                                   <p:stCondLst>
                                     <p:cond delay="0"/>
                                   </p:stCondLst>
                                   <p:childTnLst>
                                     <p:set>
                                       <p:cBhvr>
-                                        <p:cTn id="60" dur="1" fill="hold">
+                                        <p:cTn id="90" dur="1" fill="hold">
                                           <p:stCondLst>
                                             <p:cond delay="0"/>
                                           </p:stCondLst>
@@ -24493,7 +25563,7 @@
                                     </p:set>
                                     <p:animEffect transition="in" filter="fade">
                                       <p:cBhvr>
-                                        <p:cTn id="61" dur="500"/>
+                                        <p:cTn id="91" dur="500"/>
                                         <p:tgtEl>
                                           <p:spTgt spid="547">
                                             <p:txEl>
@@ -24507,14 +25577,14 @@
                                 </p:cTn>
                               </p:par>
                               <p:par>
-                                <p:cTn id="62" presetID="10" presetClass="entr" presetSubtype="0" fill="hold" grpId="0" nodeType="withEffect">
+                                <p:cTn id="92" presetID="10" presetClass="entr" presetSubtype="0" fill="hold" grpId="0" nodeType="withEffect">
                                   <p:stCondLst>
                                     <p:cond delay="0"/>
                                   </p:stCondLst>
                                   <p:childTnLst>
                                     <p:set>
                                       <p:cBhvr>
-                                        <p:cTn id="63" dur="1" fill="hold">
+                                        <p:cTn id="93" dur="1" fill="hold">
                                           <p:stCondLst>
                                             <p:cond delay="0"/>
                                           </p:stCondLst>
@@ -24532,7 +25602,7 @@
                                     </p:set>
                                     <p:animEffect transition="in" filter="fade">
                                       <p:cBhvr>
-                                        <p:cTn id="64" dur="500"/>
+                                        <p:cTn id="94" dur="500"/>
                                         <p:tgtEl>
                                           <p:spTgt spid="28"/>
                                         </p:tgtEl>
@@ -24542,14 +25612,14 @@
                                 </p:cTn>
                               </p:par>
                               <p:par>
-                                <p:cTn id="65" presetID="10" presetClass="entr" presetSubtype="0" fill="hold" grpId="0" nodeType="withEffect">
+                                <p:cTn id="95" presetID="10" presetClass="entr" presetSubtype="0" fill="hold" grpId="0" nodeType="withEffect">
                                   <p:stCondLst>
                                     <p:cond delay="0"/>
                                   </p:stCondLst>
                                   <p:childTnLst>
                                     <p:set>
                                       <p:cBhvr>
-                                        <p:cTn id="66" dur="1" fill="hold">
+                                        <p:cTn id="96" dur="1" fill="hold">
                                           <p:stCondLst>
                                             <p:cond delay="0"/>
                                           </p:stCondLst>
@@ -24571,7 +25641,7 @@
                                     </p:set>
                                     <p:animEffect transition="in" filter="fade">
                                       <p:cBhvr>
-                                        <p:cTn id="67" dur="500"/>
+                                        <p:cTn id="97" dur="500"/>
                                         <p:tgtEl>
                                           <p:spTgt spid="550">
                                             <p:txEl>
@@ -24584,6 +25654,168 @@
                                   </p:childTnLst>
                                 </p:cTn>
                               </p:par>
+                              <p:par>
+                                <p:cTn id="98" presetID="19" presetClass="emph" presetSubtype="0" fill="hold" grpId="1" nodeType="withEffect">
+                                  <p:stCondLst>
+                                    <p:cond delay="0"/>
+                                  </p:stCondLst>
+                                  <p:childTnLst>
+                                    <p:animClr clrSpc="rgb" dir="cw">
+                                      <p:cBhvr override="childStyle">
+                                        <p:cTn id="99" dur="500" fill="hold"/>
+                                        <p:tgtEl>
+                                          <p:spTgt spid="542">
+                                            <p:txEl>
+                                              <p:pRg st="0" end="0"/>
+                                            </p:txEl>
+                                          </p:spTgt>
+                                        </p:tgtEl>
+                                        <p:attrNameLst>
+                                          <p:attrName>style.color</p:attrName>
+                                        </p:attrNameLst>
+                                      </p:cBhvr>
+                                      <p:to>
+                                        <a:srgbClr val="7F7F7F"/>
+                                      </p:to>
+                                    </p:animClr>
+                                    <p:animClr clrSpc="rgb" dir="cw">
+                                      <p:cBhvr>
+                                        <p:cTn id="100" dur="500" fill="hold"/>
+                                        <p:tgtEl>
+                                          <p:spTgt spid="542">
+                                            <p:txEl>
+                                              <p:pRg st="0" end="0"/>
+                                            </p:txEl>
+                                          </p:spTgt>
+                                        </p:tgtEl>
+                                        <p:attrNameLst>
+                                          <p:attrName>fillcolor</p:attrName>
+                                        </p:attrNameLst>
+                                      </p:cBhvr>
+                                      <p:to>
+                                        <a:srgbClr val="7F7F7F"/>
+                                      </p:to>
+                                    </p:animClr>
+                                    <p:set>
+                                      <p:cBhvr>
+                                        <p:cTn id="101" dur="500" fill="hold"/>
+                                        <p:tgtEl>
+                                          <p:spTgt spid="542">
+                                            <p:txEl>
+                                              <p:pRg st="0" end="0"/>
+                                            </p:txEl>
+                                          </p:spTgt>
+                                        </p:tgtEl>
+                                        <p:attrNameLst>
+                                          <p:attrName>fill.type</p:attrName>
+                                        </p:attrNameLst>
+                                      </p:cBhvr>
+                                      <p:to>
+                                        <p:strVal val="solid"/>
+                                      </p:to>
+                                    </p:set>
+                                    <p:set>
+                                      <p:cBhvr>
+                                        <p:cTn id="102" dur="500" fill="hold"/>
+                                        <p:tgtEl>
+                                          <p:spTgt spid="542">
+                                            <p:txEl>
+                                              <p:pRg st="0" end="0"/>
+                                            </p:txEl>
+                                          </p:spTgt>
+                                        </p:tgtEl>
+                                        <p:attrNameLst>
+                                          <p:attrName>fill.on</p:attrName>
+                                        </p:attrNameLst>
+                                      </p:cBhvr>
+                                      <p:to>
+                                        <p:strVal val="true"/>
+                                      </p:to>
+                                    </p:set>
+                                  </p:childTnLst>
+                                </p:cTn>
+                              </p:par>
+                              <p:par>
+                                <p:cTn id="103" presetID="19" presetClass="emph" presetSubtype="0" fill="hold" grpId="1" nodeType="withEffect">
+                                  <p:stCondLst>
+                                    <p:cond delay="0"/>
+                                  </p:stCondLst>
+                                  <p:childTnLst>
+                                    <p:animClr clrSpc="rgb" dir="cw">
+                                      <p:cBhvr override="childStyle">
+                                        <p:cTn id="104" dur="500" fill="hold"/>
+                                        <p:tgtEl>
+                                          <p:spTgt spid="545">
+                                            <p:txEl>
+                                              <p:pRg st="0" end="0"/>
+                                            </p:txEl>
+                                          </p:spTgt>
+                                        </p:tgtEl>
+                                        <p:attrNameLst>
+                                          <p:attrName>style.color</p:attrName>
+                                        </p:attrNameLst>
+                                      </p:cBhvr>
+                                      <p:to>
+                                        <a:srgbClr val="7F7F7F"/>
+                                      </p:to>
+                                    </p:animClr>
+                                    <p:animClr clrSpc="rgb" dir="cw">
+                                      <p:cBhvr>
+                                        <p:cTn id="105" dur="500" fill="hold"/>
+                                        <p:tgtEl>
+                                          <p:spTgt spid="545">
+                                            <p:txEl>
+                                              <p:pRg st="0" end="0"/>
+                                            </p:txEl>
+                                          </p:spTgt>
+                                        </p:tgtEl>
+                                        <p:attrNameLst>
+                                          <p:attrName>fillcolor</p:attrName>
+                                        </p:attrNameLst>
+                                      </p:cBhvr>
+                                      <p:to>
+                                        <a:srgbClr val="7F7F7F"/>
+                                      </p:to>
+                                    </p:animClr>
+                                    <p:set>
+                                      <p:cBhvr>
+                                        <p:cTn id="106" dur="500" fill="hold"/>
+                                        <p:tgtEl>
+                                          <p:spTgt spid="545">
+                                            <p:txEl>
+                                              <p:pRg st="0" end="0"/>
+                                            </p:txEl>
+                                          </p:spTgt>
+                                        </p:tgtEl>
+                                        <p:attrNameLst>
+                                          <p:attrName>fill.type</p:attrName>
+                                        </p:attrNameLst>
+                                      </p:cBhvr>
+                                      <p:to>
+                                        <p:strVal val="solid"/>
+                                      </p:to>
+                                    </p:set>
+                                    <p:set>
+                                      <p:cBhvr>
+                                        <p:cTn id="107" dur="500" fill="hold"/>
+                                        <p:tgtEl>
+                                          <p:spTgt spid="545">
+                                            <p:txEl>
+                                              <p:pRg st="0" end="0"/>
+                                            </p:txEl>
+                                          </p:spTgt>
+                                        </p:tgtEl>
+                                        <p:attrNameLst>
+                                          <p:attrName>fill.on</p:attrName>
+                                        </p:attrNameLst>
+                                      </p:cBhvr>
+                                      <p:to>
+                                        <p:strVal val="true"/>
+                                      </p:to>
+                                    </p:set>
+                                  </p:childTnLst>
+                                </p:cTn>
+                              </p:par>
                             </p:childTnLst>
                           </p:cTn>
                         </p:par>
@@ -24591,26 +25823,26 @@
                     </p:cTn>
                   </p:par>
                   <p:par>
-                    <p:cTn id="68" fill="hold">
+                    <p:cTn id="108" fill="hold">
                       <p:stCondLst>
                         <p:cond delay="indefinite"/>
                       </p:stCondLst>
                       <p:childTnLst>
                         <p:par>
-                          <p:cTn id="69" fill="hold">
+                          <p:cTn id="109" fill="hold">
                             <p:stCondLst>
                               <p:cond delay="0"/>
                             </p:stCondLst>
                             <p:childTnLst>
                               <p:par>
-                                <p:cTn id="70" presetID="10" presetClass="entr" presetSubtype="0" fill="hold" grpId="0" nodeType="clickEffect">
+                                <p:cTn id="110" presetID="10" presetClass="entr" presetSubtype="0" fill="hold" grpId="0" nodeType="clickEffect">
                                   <p:stCondLst>
                                     <p:cond delay="0"/>
                                   </p:stCondLst>
                                   <p:childTnLst>
                                     <p:set>
                                       <p:cBhvr>
-                                        <p:cTn id="71" dur="1" fill="hold">
+                                        <p:cTn id="111" dur="1" fill="hold">
                                           <p:stCondLst>
                                             <p:cond delay="0"/>
                                           </p:stCondLst>
@@ -24632,7 +25864,7 @@
                                     </p:set>
                                     <p:animEffect transition="in" filter="fade">
                                       <p:cBhvr>
-                                        <p:cTn id="72" dur="500"/>
+                                        <p:cTn id="112" dur="500"/>
                                         <p:tgtEl>
                                           <p:spTgt spid="548">
                                             <p:txEl>
@@ -24646,14 +25878,14 @@
                                 </p:cTn>
                               </p:par>
                               <p:par>
-                                <p:cTn id="73" presetID="10" presetClass="entr" presetSubtype="0" fill="hold" grpId="0" nodeType="withEffect">
+                                <p:cTn id="113" presetID="10" presetClass="entr" presetSubtype="0" fill="hold" grpId="0" nodeType="withEffect">
                                   <p:stCondLst>
                                     <p:cond delay="0"/>
                                   </p:stCondLst>
                                   <p:childTnLst>
                                     <p:set>
                                       <p:cBhvr>
-                                        <p:cTn id="74" dur="1" fill="hold">
+                                        <p:cTn id="114" dur="1" fill="hold">
                                           <p:stCondLst>
                                             <p:cond delay="0"/>
                                           </p:stCondLst>
@@ -24671,7 +25903,7 @@
                                     </p:set>
                                     <p:animEffect transition="in" filter="fade">
                                       <p:cBhvr>
-                                        <p:cTn id="75" dur="500"/>
+                                        <p:cTn id="115" dur="500"/>
                                         <p:tgtEl>
                                           <p:spTgt spid="25"/>
                                         </p:tgtEl>
@@ -24681,14 +25913,14 @@
                                 </p:cTn>
                               </p:par>
                               <p:par>
-                                <p:cTn id="76" presetID="10" presetClass="entr" presetSubtype="0" fill="hold" grpId="0" nodeType="withEffect">
+                                <p:cTn id="116" presetID="10" presetClass="entr" presetSubtype="0" fill="hold" grpId="0" nodeType="withEffect">
                                   <p:stCondLst>
                                     <p:cond delay="0"/>
                                   </p:stCondLst>
                                   <p:childTnLst>
                                     <p:set>
                                       <p:cBhvr>
-                                        <p:cTn id="77" dur="1" fill="hold">
+                                        <p:cTn id="117" dur="1" fill="hold">
                                           <p:stCondLst>
                                             <p:cond delay="0"/>
                                           </p:stCondLst>
@@ -24710,7 +25942,7 @@
                                     </p:set>
                                     <p:animEffect transition="in" filter="fade">
                                       <p:cBhvr>
-                                        <p:cTn id="78" dur="500"/>
+                                        <p:cTn id="118" dur="500"/>
                                         <p:tgtEl>
                                           <p:spTgt spid="541">
                                             <p:txEl>
@@ -24720,6 +25952,168 @@
                                         </p:tgtEl>
                                       </p:cBhvr>
                                     </p:animEffect>
+                                  </p:childTnLst>
+                                </p:cTn>
+                              </p:par>
+                              <p:par>
+                                <p:cTn id="119" presetID="19" presetClass="emph" presetSubtype="0" fill="hold" grpId="1" nodeType="withEffect">
+                                  <p:stCondLst>
+                                    <p:cond delay="0"/>
+                                  </p:stCondLst>
+                                  <p:childTnLst>
+                                    <p:animClr clrSpc="rgb" dir="cw">
+                                      <p:cBhvr override="childStyle">
+                                        <p:cTn id="120" dur="500" fill="hold"/>
+                                        <p:tgtEl>
+                                          <p:spTgt spid="547">
+                                            <p:txEl>
+                                              <p:pRg st="0" end="0"/>
+                                            </p:txEl>
+                                          </p:spTgt>
+                                        </p:tgtEl>
+                                        <p:attrNameLst>
+                                          <p:attrName>style.color</p:attrName>
+                                        </p:attrNameLst>
+                                      </p:cBhvr>
+                                      <p:to>
+                                        <a:srgbClr val="7F7F7F"/>
+                                      </p:to>
+                                    </p:animClr>
+                                    <p:animClr clrSpc="rgb" dir="cw">
+                                      <p:cBhvr>
+                                        <p:cTn id="121" dur="500" fill="hold"/>
+                                        <p:tgtEl>
+                                          <p:spTgt spid="547">
+                                            <p:txEl>
+                                              <p:pRg st="0" end="0"/>
+                                            </p:txEl>
+                                          </p:spTgt>
+                                        </p:tgtEl>
+                                        <p:attrNameLst>
+                                          <p:attrName>fillcolor</p:attrName>
+                                        </p:attrNameLst>
+                                      </p:cBhvr>
+                                      <p:to>
+                                        <a:srgbClr val="7F7F7F"/>
+                                      </p:to>
+                                    </p:animClr>
+                                    <p:set>
+                                      <p:cBhvr>
+                                        <p:cTn id="122" dur="500" fill="hold"/>
+                                        <p:tgtEl>
+                                          <p:spTgt spid="547">
+                                            <p:txEl>
+                                              <p:pRg st="0" end="0"/>
+                                            </p:txEl>
+                                          </p:spTgt>
+                                        </p:tgtEl>
+                                        <p:attrNameLst>
+                                          <p:attrName>fill.type</p:attrName>
+                                        </p:attrNameLst>
+                                      </p:cBhvr>
+                                      <p:to>
+                                        <p:strVal val="solid"/>
+                                      </p:to>
+                                    </p:set>
+                                    <p:set>
+                                      <p:cBhvr>
+                                        <p:cTn id="123" dur="500" fill="hold"/>
+                                        <p:tgtEl>
+                                          <p:spTgt spid="547">
+                                            <p:txEl>
+                                              <p:pRg st="0" end="0"/>
+                                            </p:txEl>
+                                          </p:spTgt>
+                                        </p:tgtEl>
+                                        <p:attrNameLst>
+                                          <p:attrName>fill.on</p:attrName>
+                                        </p:attrNameLst>
+                                      </p:cBhvr>
+                                      <p:to>
+                                        <p:strVal val="true"/>
+                                      </p:to>
+                                    </p:set>
+                                  </p:childTnLst>
+                                </p:cTn>
+                              </p:par>
+                              <p:par>
+                                <p:cTn id="124" presetID="19" presetClass="emph" presetSubtype="0" fill="hold" grpId="1" nodeType="withEffect">
+                                  <p:stCondLst>
+                                    <p:cond delay="0"/>
+                                  </p:stCondLst>
+                                  <p:childTnLst>
+                                    <p:animClr clrSpc="rgb" dir="cw">
+                                      <p:cBhvr override="childStyle">
+                                        <p:cTn id="125" dur="500" fill="hold"/>
+                                        <p:tgtEl>
+                                          <p:spTgt spid="550">
+                                            <p:txEl>
+                                              <p:pRg st="0" end="0"/>
+                                            </p:txEl>
+                                          </p:spTgt>
+                                        </p:tgtEl>
+                                        <p:attrNameLst>
+                                          <p:attrName>style.color</p:attrName>
+                                        </p:attrNameLst>
+                                      </p:cBhvr>
+                                      <p:to>
+                                        <a:srgbClr val="7F7F7F"/>
+                                      </p:to>
+                                    </p:animClr>
+                                    <p:animClr clrSpc="rgb" dir="cw">
+                                      <p:cBhvr>
+                                        <p:cTn id="126" dur="500" fill="hold"/>
+                                        <p:tgtEl>
+                                          <p:spTgt spid="550">
+                                            <p:txEl>
+                                              <p:pRg st="0" end="0"/>
+                                            </p:txEl>
+                                          </p:spTgt>
+                                        </p:tgtEl>
+                                        <p:attrNameLst>
+                                          <p:attrName>fillcolor</p:attrName>
+                                        </p:attrNameLst>
+                                      </p:cBhvr>
+                                      <p:to>
+                                        <a:srgbClr val="7F7F7F"/>
+                                      </p:to>
+                                    </p:animClr>
+                                    <p:set>
+                                      <p:cBhvr>
+                                        <p:cTn id="127" dur="500" fill="hold"/>
+                                        <p:tgtEl>
+                                          <p:spTgt spid="550">
+                                            <p:txEl>
+                                              <p:pRg st="0" end="0"/>
+                                            </p:txEl>
+                                          </p:spTgt>
+                                        </p:tgtEl>
+                                        <p:attrNameLst>
+                                          <p:attrName>fill.type</p:attrName>
+                                        </p:attrNameLst>
+                                      </p:cBhvr>
+                                      <p:to>
+                                        <p:strVal val="solid"/>
+                                      </p:to>
+                                    </p:set>
+                                    <p:set>
+                                      <p:cBhvr>
+                                        <p:cTn id="128" dur="500" fill="hold"/>
+                                        <p:tgtEl>
+                                          <p:spTgt spid="550">
+                                            <p:txEl>
+                                              <p:pRg st="0" end="0"/>
+                                            </p:txEl>
+                                          </p:spTgt>
+                                        </p:tgtEl>
+                                        <p:attrNameLst>
+                                          <p:attrName>fill.on</p:attrName>
+                                        </p:attrNameLst>
+                                      </p:cBhvr>
+                                      <p:to>
+                                        <p:strVal val="true"/>
+                                      </p:to>
+                                    </p:set>
                                   </p:childTnLst>
                                 </p:cTn>
                               </p:par>
@@ -24758,17 +26152,27 @@
       <p:bldP spid="25" grpId="0" animBg="1"/>
       <p:bldP spid="15" grpId="0" animBg="1"/>
       <p:bldP spid="540" grpId="0" build="p"/>
+      <p:bldP spid="540" grpId="1" build="p"/>
       <p:bldP spid="541" grpId="0" build="p"/>
       <p:bldP spid="542" grpId="0" build="p"/>
+      <p:bldP spid="542" grpId="1" build="p"/>
       <p:bldP spid="543" grpId="0" build="p"/>
+      <p:bldP spid="543" grpId="1" build="p"/>
       <p:bldP spid="544" grpId="0" build="p"/>
+      <p:bldP spid="544" grpId="1" build="p"/>
       <p:bldP spid="545" grpId="0" build="p"/>
+      <p:bldP spid="545" grpId="1" build="p"/>
       <p:bldP spid="546" grpId="0" build="p"/>
+      <p:bldP spid="546" grpId="1" build="p"/>
       <p:bldP spid="547" grpId="0" build="p"/>
+      <p:bldP spid="547" grpId="1" build="p"/>
       <p:bldP spid="548" grpId="0" build="p"/>
       <p:bldP spid="549" grpId="0" build="p"/>
+      <p:bldP spid="549" grpId="1" build="p"/>
       <p:bldP spid="550" grpId="0" build="p"/>
+      <p:bldP spid="550" grpId="1" build="p"/>
       <p:bldP spid="551" grpId="0" build="p"/>
+      <p:bldP spid="551" grpId="1" build="p"/>
       <p:bldP spid="2" grpId="0" build="p"/>
       <p:bldP spid="2" grpId="1" build="allAtOnce"/>
       <p:bldP spid="3" grpId="0"/>
@@ -24794,60 +26198,6 @@
           <a:chExt cx="0" cy="0"/>
         </a:xfrm>
       </p:grpSpPr>
-      <p:sp>
-        <p:nvSpPr>
-          <p:cNvPr id="440" name="Bindings"/>
-          <p:cNvSpPr txBox="1">
-            <a:spLocks noGrp="1"/>
-          </p:cNvSpPr>
-          <p:nvPr>
-            <p:ph type="title"/>
-          </p:nvPr>
-        </p:nvSpPr>
-        <p:spPr>
-          <a:xfrm>
-            <a:off x="684150" y="358863"/>
-            <a:ext cx="9755100" cy="763500"/>
-          </a:xfrm>
-          <a:prstGeom prst="rect">
-            <a:avLst/>
-          </a:prstGeom>
-        </p:spPr>
-        <p:txBody>
-          <a:bodyPr spcFirstLastPara="1" wrap="square" lIns="121900" tIns="121900" rIns="121900" bIns="121900" anchor="t" anchorCtr="0">
-            <a:noAutofit/>
-          </a:bodyPr>
-          <a:lstStyle/>
-          <a:p>
-            <a:pPr marL="0" lvl="0" indent="0" algn="l" rtl="0">
-              <a:spcBef>
-                <a:spcPts val="0"/>
-              </a:spcBef>
-              <a:spcAft>
-                <a:spcPts val="0"/>
-              </a:spcAft>
-              <a:buNone/>
-            </a:pPr>
-            <a:r>
-              <a:rPr lang="en" sz="6000" dirty="0">
-                <a:solidFill>
-                  <a:schemeClr val="accent2"/>
-                </a:solidFill>
-                <a:latin typeface="Cascadia Code" panose="020B0609020000020004" pitchFamily="49" charset="0"/>
-                <a:cs typeface="Cascadia Code" panose="020B0609020000020004" pitchFamily="49" charset="0"/>
-              </a:rPr>
-              <a:t>Bindings &amp; Triggers</a:t>
-            </a:r>
-            <a:endParaRPr sz="6000" dirty="0">
-              <a:solidFill>
-                <a:schemeClr val="accent2"/>
-              </a:solidFill>
-              <a:latin typeface="Cascadia Code" panose="020B0609020000020004" pitchFamily="49" charset="0"/>
-              <a:cs typeface="Cascadia Code" panose="020B0609020000020004" pitchFamily="49" charset="0"/>
-            </a:endParaRPr>
-          </a:p>
-        </p:txBody>
-      </p:sp>
       <p:grpSp>
         <p:nvGrpSpPr>
           <p:cNvPr id="623" name="FunctionA">
@@ -28577,6 +29927,60 @@
           </a:prstGeom>
         </p:spPr>
       </p:pic>
+      <p:sp>
+        <p:nvSpPr>
+          <p:cNvPr id="440" name="Bindings"/>
+          <p:cNvSpPr txBox="1">
+            <a:spLocks noGrp="1"/>
+          </p:cNvSpPr>
+          <p:nvPr>
+            <p:ph type="title"/>
+          </p:nvPr>
+        </p:nvSpPr>
+        <p:spPr>
+          <a:xfrm>
+            <a:off x="684150" y="358863"/>
+            <a:ext cx="9755100" cy="763500"/>
+          </a:xfrm>
+          <a:prstGeom prst="rect">
+            <a:avLst/>
+          </a:prstGeom>
+        </p:spPr>
+        <p:txBody>
+          <a:bodyPr spcFirstLastPara="1" wrap="square" lIns="121900" tIns="121900" rIns="121900" bIns="121900" anchor="t" anchorCtr="0">
+            <a:noAutofit/>
+          </a:bodyPr>
+          <a:lstStyle/>
+          <a:p>
+            <a:pPr marL="0" lvl="0" indent="0" algn="l" rtl="0">
+              <a:spcBef>
+                <a:spcPts val="0"/>
+              </a:spcBef>
+              <a:spcAft>
+                <a:spcPts val="0"/>
+              </a:spcAft>
+              <a:buNone/>
+            </a:pPr>
+            <a:r>
+              <a:rPr lang="en" sz="6000" dirty="0">
+                <a:solidFill>
+                  <a:schemeClr val="accent2"/>
+                </a:solidFill>
+                <a:latin typeface="Cascadia Code" panose="020B0609020000020004" pitchFamily="49" charset="0"/>
+                <a:cs typeface="Cascadia Code" panose="020B0609020000020004" pitchFamily="49" charset="0"/>
+              </a:rPr>
+              <a:t>Bindings &amp; Triggers</a:t>
+            </a:r>
+            <a:endParaRPr sz="6000" dirty="0">
+              <a:solidFill>
+                <a:schemeClr val="accent2"/>
+              </a:solidFill>
+              <a:latin typeface="Cascadia Code" panose="020B0609020000020004" pitchFamily="49" charset="0"/>
+              <a:cs typeface="Cascadia Code" panose="020B0609020000020004" pitchFamily="49" charset="0"/>
+            </a:endParaRPr>
+          </a:p>
+        </p:txBody>
+      </p:sp>
     </p:spTree>
     <p:extLst>
       <p:ext uri="{BB962C8B-B14F-4D97-AF65-F5344CB8AC3E}">
@@ -31123,51 +32527,2647 @@
           <a:chExt cx="0" cy="0"/>
         </a:xfrm>
       </p:grpSpPr>
-      <p:sp>
-        <p:nvSpPr>
-          <p:cNvPr id="440" name="Google Shape;440;p29"/>
-          <p:cNvSpPr txBox="1">
-            <a:spLocks noGrp="1"/>
-          </p:cNvSpPr>
-          <p:nvPr>
-            <p:ph type="title"/>
-          </p:nvPr>
-        </p:nvSpPr>
+      <p:grpSp>
+        <p:nvGrpSpPr>
+          <p:cNvPr id="623" name="FunctionA">
+            <a:extLst>
+              <a:ext uri="{FF2B5EF4-FFF2-40B4-BE49-F238E27FC236}">
+                <a16:creationId xmlns:a16="http://schemas.microsoft.com/office/drawing/2014/main" id="{6B7B7C04-C3C0-E2E3-4C23-791284B273B7}"/>
+              </a:ext>
+            </a:extLst>
+          </p:cNvPr>
+          <p:cNvGrpSpPr/>
+          <p:nvPr/>
+        </p:nvGrpSpPr>
+        <p:grpSpPr>
+          <a:xfrm>
+            <a:off x="2745798" y="3632547"/>
+            <a:ext cx="1231001" cy="922484"/>
+            <a:chOff x="6096000" y="3361888"/>
+            <a:chExt cx="1231001" cy="922484"/>
+          </a:xfrm>
+        </p:grpSpPr>
+        <p:pic>
+          <p:nvPicPr>
+            <p:cNvPr id="5" name="Picture 4">
+              <a:extLst>
+                <a:ext uri="{FF2B5EF4-FFF2-40B4-BE49-F238E27FC236}">
+                  <a16:creationId xmlns:a16="http://schemas.microsoft.com/office/drawing/2014/main" id="{7DB6DE33-F759-B30A-A374-370C25A4100D}"/>
+                </a:ext>
+              </a:extLst>
+            </p:cNvPr>
+            <p:cNvPicPr>
+              <a:picLocks noChangeAspect="1"/>
+            </p:cNvPicPr>
+            <p:nvPr/>
+          </p:nvPicPr>
+          <p:blipFill>
+            <a:blip r:embed="rId3"/>
+            <a:stretch>
+              <a:fillRect/>
+            </a:stretch>
+          </p:blipFill>
+          <p:spPr>
+            <a:xfrm>
+              <a:off x="6096000" y="3361888"/>
+              <a:ext cx="912824" cy="912824"/>
+            </a:xfrm>
+            <a:prstGeom prst="rect">
+              <a:avLst/>
+            </a:prstGeom>
+          </p:spPr>
+        </p:pic>
+        <p:sp>
+          <p:nvSpPr>
+            <p:cNvPr id="7" name="TextBox 6">
+              <a:extLst>
+                <a:ext uri="{FF2B5EF4-FFF2-40B4-BE49-F238E27FC236}">
+                  <a16:creationId xmlns:a16="http://schemas.microsoft.com/office/drawing/2014/main" id="{C0766231-664F-03EF-5FE4-8122A4C1E9CB}"/>
+                </a:ext>
+              </a:extLst>
+            </p:cNvPr>
+            <p:cNvSpPr txBox="1"/>
+            <p:nvPr/>
+          </p:nvSpPr>
+          <p:spPr>
+            <a:xfrm>
+              <a:off x="6460108" y="4022762"/>
+              <a:ext cx="866893" cy="261610"/>
+            </a:xfrm>
+            <a:prstGeom prst="rect">
+              <a:avLst/>
+            </a:prstGeom>
+            <a:noFill/>
+          </p:spPr>
+          <p:txBody>
+            <a:bodyPr wrap="square" rtlCol="0">
+              <a:spAutoFit/>
+            </a:bodyPr>
+            <a:lstStyle/>
+            <a:p>
+              <a:r>
+                <a:rPr lang="en-US" sz="1100" b="1" dirty="0">
+                  <a:solidFill>
+                    <a:srgbClr val="B9D4B4"/>
+                  </a:solidFill>
+                  <a:latin typeface="Cascadia Code" panose="020B0609020000020004" pitchFamily="49" charset="0"/>
+                  <a:cs typeface="Cascadia Code" panose="020B0609020000020004" pitchFamily="49" charset="0"/>
+                </a:rPr>
+                <a:t>Function</a:t>
+              </a:r>
+              <a:endParaRPr lang="en-SE" sz="1100" b="1" dirty="0">
+                <a:solidFill>
+                  <a:srgbClr val="B9D4B4"/>
+                </a:solidFill>
+                <a:latin typeface="Cascadia Code" panose="020B0609020000020004" pitchFamily="49" charset="0"/>
+                <a:cs typeface="Cascadia Code" panose="020B0609020000020004" pitchFamily="49" charset="0"/>
+              </a:endParaRPr>
+            </a:p>
+          </p:txBody>
+        </p:sp>
+      </p:grpSp>
+      <p:grpSp>
+        <p:nvGrpSpPr>
+          <p:cNvPr id="16" name="FunctionApp">
+            <a:extLst>
+              <a:ext uri="{FF2B5EF4-FFF2-40B4-BE49-F238E27FC236}">
+                <a16:creationId xmlns:a16="http://schemas.microsoft.com/office/drawing/2014/main" id="{5EB8993F-E833-A9DC-776E-22DD3C2CA097}"/>
+              </a:ext>
+            </a:extLst>
+          </p:cNvPr>
+          <p:cNvGrpSpPr/>
+          <p:nvPr/>
+        </p:nvGrpSpPr>
+        <p:grpSpPr>
+          <a:xfrm>
+            <a:off x="1559452" y="2359750"/>
+            <a:ext cx="4820569" cy="2951206"/>
+            <a:chOff x="3208601" y="2359750"/>
+            <a:chExt cx="4820569" cy="2951206"/>
+          </a:xfrm>
+        </p:grpSpPr>
+        <p:sp>
+          <p:nvSpPr>
+            <p:cNvPr id="6" name="Rectangle: Rounded Corners 5">
+              <a:extLst>
+                <a:ext uri="{FF2B5EF4-FFF2-40B4-BE49-F238E27FC236}">
+                  <a16:creationId xmlns:a16="http://schemas.microsoft.com/office/drawing/2014/main" id="{E02AADEF-779E-CF90-1B6E-D1614DD5B135}"/>
+                </a:ext>
+              </a:extLst>
+            </p:cNvPr>
+            <p:cNvSpPr/>
+            <p:nvPr/>
+          </p:nvSpPr>
+          <p:spPr>
+            <a:xfrm>
+              <a:off x="3208601" y="2359750"/>
+              <a:ext cx="4820569" cy="2643429"/>
+            </a:xfrm>
+            <a:prstGeom prst="roundRect">
+              <a:avLst/>
+            </a:prstGeom>
+            <a:noFill/>
+            <a:ln>
+              <a:solidFill>
+                <a:srgbClr val="EB8FD8"/>
+              </a:solidFill>
+              <a:prstDash val="dash"/>
+            </a:ln>
+          </p:spPr>
+          <p:style>
+            <a:lnRef idx="2">
+              <a:schemeClr val="accent1">
+                <a:shade val="50000"/>
+              </a:schemeClr>
+            </a:lnRef>
+            <a:fillRef idx="1">
+              <a:schemeClr val="accent1"/>
+            </a:fillRef>
+            <a:effectRef idx="0">
+              <a:schemeClr val="accent1"/>
+            </a:effectRef>
+            <a:fontRef idx="minor">
+              <a:schemeClr val="lt1"/>
+            </a:fontRef>
+          </p:style>
+          <p:txBody>
+            <a:bodyPr rtlCol="0" anchor="ctr"/>
+            <a:lstStyle/>
+            <a:p>
+              <a:pPr algn="ctr"/>
+              <a:endParaRPr lang="en-SE"/>
+            </a:p>
+          </p:txBody>
+        </p:sp>
+        <p:sp>
+          <p:nvSpPr>
+            <p:cNvPr id="15" name="TextBox 14">
+              <a:extLst>
+                <a:ext uri="{FF2B5EF4-FFF2-40B4-BE49-F238E27FC236}">
+                  <a16:creationId xmlns:a16="http://schemas.microsoft.com/office/drawing/2014/main" id="{7E2F3D77-E7FF-37E0-F5F1-225B5CB25776}"/>
+                </a:ext>
+              </a:extLst>
+            </p:cNvPr>
+            <p:cNvSpPr txBox="1"/>
+            <p:nvPr/>
+          </p:nvSpPr>
+          <p:spPr>
+            <a:xfrm>
+              <a:off x="6303488" y="5003179"/>
+              <a:ext cx="1622611" cy="307777"/>
+            </a:xfrm>
+            <a:prstGeom prst="rect">
+              <a:avLst/>
+            </a:prstGeom>
+            <a:noFill/>
+          </p:spPr>
+          <p:txBody>
+            <a:bodyPr wrap="square" rtlCol="0">
+              <a:spAutoFit/>
+            </a:bodyPr>
+            <a:lstStyle/>
+            <a:p>
+              <a:r>
+                <a:rPr lang="en-US" b="1" dirty="0">
+                  <a:solidFill>
+                    <a:srgbClr val="B9D4B4"/>
+                  </a:solidFill>
+                  <a:latin typeface="Cascadia Code" panose="020B0609020000020004" pitchFamily="49" charset="0"/>
+                  <a:cs typeface="Cascadia Code" panose="020B0609020000020004" pitchFamily="49" charset="0"/>
+                </a:rPr>
+                <a:t>Function App</a:t>
+              </a:r>
+              <a:endParaRPr lang="en-SE" b="1" dirty="0">
+                <a:solidFill>
+                  <a:srgbClr val="B9D4B4"/>
+                </a:solidFill>
+                <a:latin typeface="Cascadia Code" panose="020B0609020000020004" pitchFamily="49" charset="0"/>
+                <a:cs typeface="Cascadia Code" panose="020B0609020000020004" pitchFamily="49" charset="0"/>
+              </a:endParaRPr>
+            </a:p>
+          </p:txBody>
+        </p:sp>
+      </p:grpSp>
+      <p:grpSp>
+        <p:nvGrpSpPr>
+          <p:cNvPr id="391" name="TriggerArrow">
+            <a:extLst>
+              <a:ext uri="{FF2B5EF4-FFF2-40B4-BE49-F238E27FC236}">
+                <a16:creationId xmlns:a16="http://schemas.microsoft.com/office/drawing/2014/main" id="{8A709BE2-901F-F1D1-45F0-EE4D4893E332}"/>
+              </a:ext>
+            </a:extLst>
+          </p:cNvPr>
+          <p:cNvGrpSpPr/>
+          <p:nvPr/>
+        </p:nvGrpSpPr>
+        <p:grpSpPr>
+          <a:xfrm>
+            <a:off x="3133390" y="3336214"/>
+            <a:ext cx="137160" cy="237325"/>
+            <a:chOff x="6027180" y="3065555"/>
+            <a:chExt cx="137160" cy="237325"/>
+          </a:xfrm>
+        </p:grpSpPr>
+        <mc:AlternateContent xmlns:mc="http://schemas.openxmlformats.org/markup-compatibility/2006">
+          <mc:Choice xmlns:p14="http://schemas.microsoft.com/office/powerpoint/2010/main" Requires="p14">
+            <p:contentPart p14:bwMode="auto" r:id="rId4">
+              <p14:nvContentPartPr>
+                <p14:cNvPr id="35" name="Ink 34">
+                  <a:extLst>
+                    <a:ext uri="{FF2B5EF4-FFF2-40B4-BE49-F238E27FC236}">
+                      <a16:creationId xmlns:a16="http://schemas.microsoft.com/office/drawing/2014/main" id="{FB339B32-8392-8F50-4240-1BB299150642}"/>
+                    </a:ext>
+                  </a:extLst>
+                </p14:cNvPr>
+                <p14:cNvContentPartPr/>
+                <p14:nvPr/>
+              </p14:nvContentPartPr>
+              <p14:xfrm>
+                <a:off x="6095654" y="3065555"/>
+                <a:ext cx="360" cy="230040"/>
+              </p14:xfrm>
+            </p:contentPart>
+          </mc:Choice>
+          <mc:Fallback>
+            <p:pic>
+              <p:nvPicPr>
+                <p:cNvPr id="35" name="Ink 34">
+                  <a:extLst>
+                    <a:ext uri="{FF2B5EF4-FFF2-40B4-BE49-F238E27FC236}">
+                      <a16:creationId xmlns:a16="http://schemas.microsoft.com/office/drawing/2014/main" id="{FB339B32-8392-8F50-4240-1BB299150642}"/>
+                    </a:ext>
+                  </a:extLst>
+                </p:cNvPr>
+                <p:cNvPicPr/>
+                <p:nvPr/>
+              </p:nvPicPr>
+              <p:blipFill>
+                <a:blip r:embed="rId5"/>
+                <a:stretch>
+                  <a:fillRect/>
+                </a:stretch>
+              </p:blipFill>
+              <p:spPr>
+                <a:xfrm>
+                  <a:off x="6086654" y="3056555"/>
+                  <a:ext cx="18000" cy="247680"/>
+                </a:xfrm>
+                <a:prstGeom prst="rect">
+                  <a:avLst/>
+                </a:prstGeom>
+              </p:spPr>
+            </p:pic>
+          </mc:Fallback>
+        </mc:AlternateContent>
+        <mc:AlternateContent xmlns:mc="http://schemas.openxmlformats.org/markup-compatibility/2006">
+          <mc:Choice xmlns:p14="http://schemas.microsoft.com/office/powerpoint/2010/main" Requires="p14">
+            <p:contentPart p14:bwMode="auto" r:id="rId6">
+              <p14:nvContentPartPr>
+                <p14:cNvPr id="390" name="Ink 389">
+                  <a:extLst>
+                    <a:ext uri="{FF2B5EF4-FFF2-40B4-BE49-F238E27FC236}">
+                      <a16:creationId xmlns:a16="http://schemas.microsoft.com/office/drawing/2014/main" id="{A37494CF-0C18-68C2-E334-33C768E5CB00}"/>
+                    </a:ext>
+                  </a:extLst>
+                </p14:cNvPr>
+                <p14:cNvContentPartPr/>
+                <p14:nvPr/>
+              </p14:nvContentPartPr>
+              <p14:xfrm>
+                <a:off x="6027180" y="3206040"/>
+                <a:ext cx="137160" cy="96840"/>
+              </p14:xfrm>
+            </p:contentPart>
+          </mc:Choice>
+          <mc:Fallback>
+            <p:pic>
+              <p:nvPicPr>
+                <p:cNvPr id="390" name="Ink 389">
+                  <a:extLst>
+                    <a:ext uri="{FF2B5EF4-FFF2-40B4-BE49-F238E27FC236}">
+                      <a16:creationId xmlns:a16="http://schemas.microsoft.com/office/drawing/2014/main" id="{A37494CF-0C18-68C2-E334-33C768E5CB00}"/>
+                    </a:ext>
+                  </a:extLst>
+                </p:cNvPr>
+                <p:cNvPicPr/>
+                <p:nvPr/>
+              </p:nvPicPr>
+              <p:blipFill>
+                <a:blip r:embed="rId7"/>
+                <a:stretch>
+                  <a:fillRect/>
+                </a:stretch>
+              </p:blipFill>
+              <p:spPr>
+                <a:xfrm>
+                  <a:off x="6018180" y="3197006"/>
+                  <a:ext cx="154800" cy="114546"/>
+                </a:xfrm>
+                <a:prstGeom prst="rect">
+                  <a:avLst/>
+                </a:prstGeom>
+              </p:spPr>
+            </p:pic>
+          </mc:Fallback>
+        </mc:AlternateContent>
+      </p:grpSp>
+      <p:grpSp>
+        <p:nvGrpSpPr>
+          <p:cNvPr id="577" name="OutputArrow">
+            <a:extLst>
+              <a:ext uri="{FF2B5EF4-FFF2-40B4-BE49-F238E27FC236}">
+                <a16:creationId xmlns:a16="http://schemas.microsoft.com/office/drawing/2014/main" id="{B7C9E93C-8BD0-FE39-6BE0-199355A3D5EB}"/>
+              </a:ext>
+            </a:extLst>
+          </p:cNvPr>
+          <p:cNvGrpSpPr/>
+          <p:nvPr/>
+        </p:nvGrpSpPr>
+        <p:grpSpPr>
+          <a:xfrm>
+            <a:off x="3753812" y="4012988"/>
+            <a:ext cx="257400" cy="126720"/>
+            <a:chOff x="8234355" y="3742329"/>
+            <a:chExt cx="257400" cy="126720"/>
+          </a:xfrm>
+        </p:grpSpPr>
+        <mc:AlternateContent xmlns:mc="http://schemas.openxmlformats.org/markup-compatibility/2006">
+          <mc:Choice xmlns:p14="http://schemas.microsoft.com/office/powerpoint/2010/main" Requires="p14">
+            <p:contentPart p14:bwMode="auto" r:id="rId8">
+              <p14:nvContentPartPr>
+                <p14:cNvPr id="558" name="Ink 557">
+                  <a:extLst>
+                    <a:ext uri="{FF2B5EF4-FFF2-40B4-BE49-F238E27FC236}">
+                      <a16:creationId xmlns:a16="http://schemas.microsoft.com/office/drawing/2014/main" id="{BCEB9FCA-96D1-9B84-1EAA-AABE3AC913EF}"/>
+                    </a:ext>
+                  </a:extLst>
+                </p14:cNvPr>
+                <p14:cNvContentPartPr/>
+                <p14:nvPr/>
+              </p14:nvContentPartPr>
+              <p14:xfrm>
+                <a:off x="8234355" y="3809944"/>
+                <a:ext cx="246960" cy="5400"/>
+              </p14:xfrm>
+            </p:contentPart>
+          </mc:Choice>
+          <mc:Fallback>
+            <p:pic>
+              <p:nvPicPr>
+                <p:cNvPr id="558" name="Ink 557">
+                  <a:extLst>
+                    <a:ext uri="{FF2B5EF4-FFF2-40B4-BE49-F238E27FC236}">
+                      <a16:creationId xmlns:a16="http://schemas.microsoft.com/office/drawing/2014/main" id="{BCEB9FCA-96D1-9B84-1EAA-AABE3AC913EF}"/>
+                    </a:ext>
+                  </a:extLst>
+                </p:cNvPr>
+                <p:cNvPicPr/>
+                <p:nvPr/>
+              </p:nvPicPr>
+              <p:blipFill>
+                <a:blip r:embed="rId9"/>
+                <a:stretch>
+                  <a:fillRect/>
+                </a:stretch>
+              </p:blipFill>
+              <p:spPr>
+                <a:xfrm>
+                  <a:off x="8225355" y="3801506"/>
+                  <a:ext cx="264600" cy="21938"/>
+                </a:xfrm>
+                <a:prstGeom prst="rect">
+                  <a:avLst/>
+                </a:prstGeom>
+              </p:spPr>
+            </p:pic>
+          </mc:Fallback>
+        </mc:AlternateContent>
+        <mc:AlternateContent xmlns:mc="http://schemas.openxmlformats.org/markup-compatibility/2006">
+          <mc:Choice xmlns:p14="http://schemas.microsoft.com/office/powerpoint/2010/main" Requires="p14">
+            <p:contentPart p14:bwMode="auto" r:id="rId10">
+              <p14:nvContentPartPr>
+                <p14:cNvPr id="564" name="Ink 563">
+                  <a:extLst>
+                    <a:ext uri="{FF2B5EF4-FFF2-40B4-BE49-F238E27FC236}">
+                      <a16:creationId xmlns:a16="http://schemas.microsoft.com/office/drawing/2014/main" id="{1C4B3E33-5317-1802-FD43-9238FB3B9F04}"/>
+                    </a:ext>
+                  </a:extLst>
+                </p14:cNvPr>
+                <p14:cNvContentPartPr/>
+                <p14:nvPr/>
+              </p14:nvContentPartPr>
+              <p14:xfrm>
+                <a:off x="8415075" y="3742329"/>
+                <a:ext cx="76680" cy="126720"/>
+              </p14:xfrm>
+            </p:contentPart>
+          </mc:Choice>
+          <mc:Fallback>
+            <p:pic>
+              <p:nvPicPr>
+                <p:cNvPr id="564" name="Ink 563">
+                  <a:extLst>
+                    <a:ext uri="{FF2B5EF4-FFF2-40B4-BE49-F238E27FC236}">
+                      <a16:creationId xmlns:a16="http://schemas.microsoft.com/office/drawing/2014/main" id="{1C4B3E33-5317-1802-FD43-9238FB3B9F04}"/>
+                    </a:ext>
+                  </a:extLst>
+                </p:cNvPr>
+                <p:cNvPicPr/>
+                <p:nvPr/>
+              </p:nvPicPr>
+              <p:blipFill>
+                <a:blip r:embed="rId11"/>
+                <a:stretch>
+                  <a:fillRect/>
+                </a:stretch>
+              </p:blipFill>
+              <p:spPr>
+                <a:xfrm>
+                  <a:off x="8406075" y="3733329"/>
+                  <a:ext cx="94320" cy="144360"/>
+                </a:xfrm>
+                <a:prstGeom prst="rect">
+                  <a:avLst/>
+                </a:prstGeom>
+              </p:spPr>
+            </p:pic>
+          </mc:Fallback>
+        </mc:AlternateContent>
+      </p:grpSp>
+      <p:grpSp>
+        <p:nvGrpSpPr>
+          <p:cNvPr id="578" name="TriggerInputArrow">
+            <a:extLst>
+              <a:ext uri="{FF2B5EF4-FFF2-40B4-BE49-F238E27FC236}">
+                <a16:creationId xmlns:a16="http://schemas.microsoft.com/office/drawing/2014/main" id="{07331E41-C122-75D2-0F1F-D6432A248D28}"/>
+              </a:ext>
+            </a:extLst>
+          </p:cNvPr>
+          <p:cNvGrpSpPr/>
+          <p:nvPr/>
+        </p:nvGrpSpPr>
+        <p:grpSpPr>
+          <a:xfrm>
+            <a:off x="4641207" y="4023144"/>
+            <a:ext cx="276480" cy="141120"/>
+            <a:chOff x="9121750" y="3752485"/>
+            <a:chExt cx="276480" cy="141120"/>
+          </a:xfrm>
+        </p:grpSpPr>
+        <mc:AlternateContent xmlns:mc="http://schemas.openxmlformats.org/markup-compatibility/2006">
+          <mc:Choice xmlns:p14="http://schemas.microsoft.com/office/powerpoint/2010/main" Requires="p14">
+            <p:contentPart p14:bwMode="auto" r:id="rId12">
+              <p14:nvContentPartPr>
+                <p14:cNvPr id="567" name="Ink 566">
+                  <a:extLst>
+                    <a:ext uri="{FF2B5EF4-FFF2-40B4-BE49-F238E27FC236}">
+                      <a16:creationId xmlns:a16="http://schemas.microsoft.com/office/drawing/2014/main" id="{7B820DCC-C5B7-834B-AFED-19503552B512}"/>
+                    </a:ext>
+                  </a:extLst>
+                </p14:cNvPr>
+                <p14:cNvContentPartPr/>
+                <p14:nvPr/>
+              </p14:nvContentPartPr>
+              <p14:xfrm>
+                <a:off x="9121750" y="3819445"/>
+                <a:ext cx="275040" cy="6840"/>
+              </p14:xfrm>
+            </p:contentPart>
+          </mc:Choice>
+          <mc:Fallback>
+            <p:pic>
+              <p:nvPicPr>
+                <p:cNvPr id="567" name="Ink 566">
+                  <a:extLst>
+                    <a:ext uri="{FF2B5EF4-FFF2-40B4-BE49-F238E27FC236}">
+                      <a16:creationId xmlns:a16="http://schemas.microsoft.com/office/drawing/2014/main" id="{7B820DCC-C5B7-834B-AFED-19503552B512}"/>
+                    </a:ext>
+                  </a:extLst>
+                </p:cNvPr>
+                <p:cNvPicPr/>
+                <p:nvPr/>
+              </p:nvPicPr>
+              <p:blipFill>
+                <a:blip r:embed="rId13"/>
+                <a:stretch>
+                  <a:fillRect/>
+                </a:stretch>
+              </p:blipFill>
+              <p:spPr>
+                <a:xfrm>
+                  <a:off x="9112750" y="3810445"/>
+                  <a:ext cx="292680" cy="24480"/>
+                </a:xfrm>
+                <a:prstGeom prst="rect">
+                  <a:avLst/>
+                </a:prstGeom>
+              </p:spPr>
+            </p:pic>
+          </mc:Fallback>
+        </mc:AlternateContent>
+        <mc:AlternateContent xmlns:mc="http://schemas.openxmlformats.org/markup-compatibility/2006">
+          <mc:Choice xmlns:p14="http://schemas.microsoft.com/office/powerpoint/2010/main" Requires="p14">
+            <p:contentPart p14:bwMode="auto" r:id="rId14">
+              <p14:nvContentPartPr>
+                <p14:cNvPr id="573" name="Ink 572">
+                  <a:extLst>
+                    <a:ext uri="{FF2B5EF4-FFF2-40B4-BE49-F238E27FC236}">
+                      <a16:creationId xmlns:a16="http://schemas.microsoft.com/office/drawing/2014/main" id="{F7413B65-A9B3-9625-2290-BBA3F87D72B1}"/>
+                    </a:ext>
+                  </a:extLst>
+                </p14:cNvPr>
+                <p14:cNvContentPartPr/>
+                <p14:nvPr/>
+              </p14:nvContentPartPr>
+              <p14:xfrm>
+                <a:off x="9321190" y="3752485"/>
+                <a:ext cx="77040" cy="141120"/>
+              </p14:xfrm>
+            </p:contentPart>
+          </mc:Choice>
+          <mc:Fallback>
+            <p:pic>
+              <p:nvPicPr>
+                <p:cNvPr id="573" name="Ink 572">
+                  <a:extLst>
+                    <a:ext uri="{FF2B5EF4-FFF2-40B4-BE49-F238E27FC236}">
+                      <a16:creationId xmlns:a16="http://schemas.microsoft.com/office/drawing/2014/main" id="{F7413B65-A9B3-9625-2290-BBA3F87D72B1}"/>
+                    </a:ext>
+                  </a:extLst>
+                </p:cNvPr>
+                <p:cNvPicPr/>
+                <p:nvPr/>
+              </p:nvPicPr>
+              <p:blipFill>
+                <a:blip r:embed="rId15"/>
+                <a:stretch>
+                  <a:fillRect/>
+                </a:stretch>
+              </p:blipFill>
+              <p:spPr>
+                <a:xfrm>
+                  <a:off x="9312190" y="3743462"/>
+                  <a:ext cx="94680" cy="158805"/>
+                </a:xfrm>
+                <a:prstGeom prst="rect">
+                  <a:avLst/>
+                </a:prstGeom>
+              </p:spPr>
+            </p:pic>
+          </mc:Fallback>
+        </mc:AlternateContent>
+      </p:grpSp>
+      <p:grpSp>
+        <p:nvGrpSpPr>
+          <p:cNvPr id="622" name="FunctionB">
+            <a:extLst>
+              <a:ext uri="{FF2B5EF4-FFF2-40B4-BE49-F238E27FC236}">
+                <a16:creationId xmlns:a16="http://schemas.microsoft.com/office/drawing/2014/main" id="{119D310B-950E-B929-038F-8C4148D52924}"/>
+              </a:ext>
+            </a:extLst>
+          </p:cNvPr>
+          <p:cNvGrpSpPr/>
+          <p:nvPr/>
+        </p:nvGrpSpPr>
+        <p:grpSpPr>
+          <a:xfrm>
+            <a:off x="5049936" y="3624191"/>
+            <a:ext cx="1601238" cy="922484"/>
+            <a:chOff x="8400138" y="3353532"/>
+            <a:chExt cx="1601238" cy="922484"/>
+          </a:xfrm>
+        </p:grpSpPr>
+        <p:pic>
+          <p:nvPicPr>
+            <p:cNvPr id="579" name="Picture 578">
+              <a:extLst>
+                <a:ext uri="{FF2B5EF4-FFF2-40B4-BE49-F238E27FC236}">
+                  <a16:creationId xmlns:a16="http://schemas.microsoft.com/office/drawing/2014/main" id="{A14BF98C-7FA3-ECCE-D2D7-D59C52A3ED41}"/>
+                </a:ext>
+              </a:extLst>
+            </p:cNvPr>
+            <p:cNvPicPr>
+              <a:picLocks noChangeAspect="1"/>
+            </p:cNvPicPr>
+            <p:nvPr/>
+          </p:nvPicPr>
+          <p:blipFill>
+            <a:blip r:embed="rId3"/>
+            <a:stretch>
+              <a:fillRect/>
+            </a:stretch>
+          </p:blipFill>
+          <p:spPr>
+            <a:xfrm>
+              <a:off x="8400138" y="3353532"/>
+              <a:ext cx="912824" cy="912824"/>
+            </a:xfrm>
+            <a:prstGeom prst="rect">
+              <a:avLst/>
+            </a:prstGeom>
+          </p:spPr>
+        </p:pic>
+        <p:sp>
+          <p:nvSpPr>
+            <p:cNvPr id="580" name="TextBox 579">
+              <a:extLst>
+                <a:ext uri="{FF2B5EF4-FFF2-40B4-BE49-F238E27FC236}">
+                  <a16:creationId xmlns:a16="http://schemas.microsoft.com/office/drawing/2014/main" id="{3B1E4F5F-AF32-47D9-464F-F6A7EB04A5D5}"/>
+                </a:ext>
+              </a:extLst>
+            </p:cNvPr>
+            <p:cNvSpPr txBox="1"/>
+            <p:nvPr/>
+          </p:nvSpPr>
+          <p:spPr>
+            <a:xfrm>
+              <a:off x="8764246" y="4014406"/>
+              <a:ext cx="1237130" cy="261610"/>
+            </a:xfrm>
+            <a:prstGeom prst="rect">
+              <a:avLst/>
+            </a:prstGeom>
+            <a:noFill/>
+          </p:spPr>
+          <p:txBody>
+            <a:bodyPr wrap="square" rtlCol="0">
+              <a:spAutoFit/>
+            </a:bodyPr>
+            <a:lstStyle/>
+            <a:p>
+              <a:r>
+                <a:rPr lang="en-US" sz="1100" b="1" dirty="0">
+                  <a:solidFill>
+                    <a:srgbClr val="B9D4B4"/>
+                  </a:solidFill>
+                  <a:latin typeface="Cascadia Code" panose="020B0609020000020004" pitchFamily="49" charset="0"/>
+                  <a:cs typeface="Cascadia Code" panose="020B0609020000020004" pitchFamily="49" charset="0"/>
+                </a:rPr>
+                <a:t>Function</a:t>
+              </a:r>
+              <a:endParaRPr lang="en-SE" sz="1100" b="1" dirty="0">
+                <a:solidFill>
+                  <a:srgbClr val="B9D4B4"/>
+                </a:solidFill>
+                <a:latin typeface="Cascadia Code" panose="020B0609020000020004" pitchFamily="49" charset="0"/>
+                <a:cs typeface="Cascadia Code" panose="020B0609020000020004" pitchFamily="49" charset="0"/>
+              </a:endParaRPr>
+            </a:p>
+          </p:txBody>
+        </p:sp>
+      </p:grpSp>
+      <p:grpSp>
+        <p:nvGrpSpPr>
+          <p:cNvPr id="632" name="StorageQueue">
+            <a:extLst>
+              <a:ext uri="{FF2B5EF4-FFF2-40B4-BE49-F238E27FC236}">
+                <a16:creationId xmlns:a16="http://schemas.microsoft.com/office/drawing/2014/main" id="{F9D8AFFE-7BC8-B6BA-C67C-5890C3921BAB}"/>
+              </a:ext>
+            </a:extLst>
+          </p:cNvPr>
+          <p:cNvGrpSpPr/>
+          <p:nvPr/>
+        </p:nvGrpSpPr>
+        <p:grpSpPr>
+          <a:xfrm>
+            <a:off x="3986593" y="3859720"/>
+            <a:ext cx="912824" cy="775062"/>
+            <a:chOff x="8386742" y="4440456"/>
+            <a:chExt cx="912824" cy="775062"/>
+          </a:xfrm>
+        </p:grpSpPr>
+        <p:pic>
+          <p:nvPicPr>
+            <p:cNvPr id="631" name="Graphic 630">
+              <a:extLst>
+                <a:ext uri="{FF2B5EF4-FFF2-40B4-BE49-F238E27FC236}">
+                  <a16:creationId xmlns:a16="http://schemas.microsoft.com/office/drawing/2014/main" id="{9DCFEE89-C7C9-E275-1E85-537319F51F0A}"/>
+                </a:ext>
+              </a:extLst>
+            </p:cNvPr>
+            <p:cNvPicPr>
+              <a:picLocks noChangeAspect="1"/>
+            </p:cNvPicPr>
+            <p:nvPr/>
+          </p:nvPicPr>
+          <p:blipFill>
+            <a:blip r:embed="rId16">
+              <a:extLst>
+                <a:ext uri="{96DAC541-7B7A-43D3-8B79-37D633B846F1}">
+                  <asvg:svgBlip xmlns:asvg="http://schemas.microsoft.com/office/drawing/2016/SVG/main" r:embed="rId17"/>
+                </a:ext>
+              </a:extLst>
+            </a:blip>
+            <a:stretch>
+              <a:fillRect/>
+            </a:stretch>
+          </p:blipFill>
+          <p:spPr>
+            <a:xfrm>
+              <a:off x="8522327" y="4440456"/>
+              <a:ext cx="444524" cy="444524"/>
+            </a:xfrm>
+            <a:prstGeom prst="rect">
+              <a:avLst/>
+            </a:prstGeom>
+          </p:spPr>
+        </p:pic>
+        <p:sp>
+          <p:nvSpPr>
+            <p:cNvPr id="610" name="TextBox 609">
+              <a:extLst>
+                <a:ext uri="{FF2B5EF4-FFF2-40B4-BE49-F238E27FC236}">
+                  <a16:creationId xmlns:a16="http://schemas.microsoft.com/office/drawing/2014/main" id="{CB9917F7-B517-A756-8454-69833150EC4D}"/>
+                </a:ext>
+              </a:extLst>
+            </p:cNvPr>
+            <p:cNvSpPr txBox="1"/>
+            <p:nvPr/>
+          </p:nvSpPr>
+          <p:spPr>
+            <a:xfrm>
+              <a:off x="8386742" y="4784631"/>
+              <a:ext cx="912824" cy="430887"/>
+            </a:xfrm>
+            <a:prstGeom prst="rect">
+              <a:avLst/>
+            </a:prstGeom>
+            <a:noFill/>
+          </p:spPr>
+          <p:txBody>
+            <a:bodyPr wrap="square" rtlCol="0">
+              <a:spAutoFit/>
+            </a:bodyPr>
+            <a:lstStyle/>
+            <a:p>
+              <a:pPr algn="r"/>
+              <a:r>
+                <a:rPr lang="en-US" sz="1100" b="1" dirty="0">
+                  <a:solidFill>
+                    <a:srgbClr val="B9D4B4"/>
+                  </a:solidFill>
+                  <a:latin typeface="Cascadia Code" panose="020B0609020000020004" pitchFamily="49" charset="0"/>
+                  <a:cs typeface="Cascadia Code" panose="020B0609020000020004" pitchFamily="49" charset="0"/>
+                </a:rPr>
+                <a:t>Storage Queue</a:t>
+              </a:r>
+              <a:endParaRPr lang="en-SE" sz="1100" b="1" dirty="0">
+                <a:solidFill>
+                  <a:srgbClr val="B9D4B4"/>
+                </a:solidFill>
+                <a:latin typeface="Cascadia Code" panose="020B0609020000020004" pitchFamily="49" charset="0"/>
+                <a:cs typeface="Cascadia Code" panose="020B0609020000020004" pitchFamily="49" charset="0"/>
+              </a:endParaRPr>
+            </a:p>
+          </p:txBody>
+        </p:sp>
+      </p:grpSp>
+      <p:grpSp>
+        <p:nvGrpSpPr>
+          <p:cNvPr id="618" name="Timer">
+            <a:extLst>
+              <a:ext uri="{FF2B5EF4-FFF2-40B4-BE49-F238E27FC236}">
+                <a16:creationId xmlns:a16="http://schemas.microsoft.com/office/drawing/2014/main" id="{36D27091-3220-BCD6-8621-91823C19FA67}"/>
+              </a:ext>
+            </a:extLst>
+          </p:cNvPr>
+          <p:cNvGrpSpPr/>
+          <p:nvPr/>
+        </p:nvGrpSpPr>
+        <p:grpSpPr>
+          <a:xfrm>
+            <a:off x="2548722" y="2718848"/>
+            <a:ext cx="944761" cy="603078"/>
+            <a:chOff x="6892266" y="2393110"/>
+            <a:chExt cx="944761" cy="603078"/>
+          </a:xfrm>
+        </p:grpSpPr>
+        <p:sp>
+          <p:nvSpPr>
+            <p:cNvPr id="613" name="TextBox 612">
+              <a:extLst>
+                <a:ext uri="{FF2B5EF4-FFF2-40B4-BE49-F238E27FC236}">
+                  <a16:creationId xmlns:a16="http://schemas.microsoft.com/office/drawing/2014/main" id="{63CE1645-30A4-B88F-A22F-9318CD5EC3A3}"/>
+                </a:ext>
+              </a:extLst>
+            </p:cNvPr>
+            <p:cNvSpPr txBox="1"/>
+            <p:nvPr/>
+          </p:nvSpPr>
+          <p:spPr>
+            <a:xfrm>
+              <a:off x="7243803" y="2472968"/>
+              <a:ext cx="593224" cy="523220"/>
+            </a:xfrm>
+            <a:prstGeom prst="rect">
+              <a:avLst/>
+            </a:prstGeom>
+            <a:noFill/>
+          </p:spPr>
+          <p:txBody>
+            <a:bodyPr wrap="square" rtlCol="0">
+              <a:spAutoFit/>
+            </a:bodyPr>
+            <a:lstStyle/>
+            <a:p>
+              <a:pPr algn="ctr"/>
+              <a:r>
+                <a:rPr lang="en-US" sz="2800" b="1" dirty="0">
+                  <a:solidFill>
+                    <a:srgbClr val="B9D4B4"/>
+                  </a:solidFill>
+                  <a:latin typeface="Cascadia Code" panose="020B0609020000020004" pitchFamily="49" charset="0"/>
+                  <a:cs typeface="Cascadia Code" panose="020B0609020000020004" pitchFamily="49" charset="0"/>
+                </a:rPr>
+                <a:t>🕚</a:t>
+              </a:r>
+              <a:endParaRPr lang="en-SE" sz="2800" b="1" dirty="0">
+                <a:solidFill>
+                  <a:srgbClr val="B9D4B4"/>
+                </a:solidFill>
+                <a:latin typeface="Cascadia Code" panose="020B0609020000020004" pitchFamily="49" charset="0"/>
+                <a:cs typeface="Cascadia Code" panose="020B0609020000020004" pitchFamily="49" charset="0"/>
+              </a:endParaRPr>
+            </a:p>
+          </p:txBody>
+        </p:sp>
+        <p:sp>
+          <p:nvSpPr>
+            <p:cNvPr id="614" name="TextBox 613">
+              <a:extLst>
+                <a:ext uri="{FF2B5EF4-FFF2-40B4-BE49-F238E27FC236}">
+                  <a16:creationId xmlns:a16="http://schemas.microsoft.com/office/drawing/2014/main" id="{0AF2B8F0-ECAE-14FD-BB28-39C7B6E5C40D}"/>
+                </a:ext>
+              </a:extLst>
+            </p:cNvPr>
+            <p:cNvSpPr txBox="1"/>
+            <p:nvPr/>
+          </p:nvSpPr>
+          <p:spPr>
+            <a:xfrm>
+              <a:off x="6892266" y="2393110"/>
+              <a:ext cx="648149" cy="261610"/>
+            </a:xfrm>
+            <a:prstGeom prst="rect">
+              <a:avLst/>
+            </a:prstGeom>
+            <a:noFill/>
+          </p:spPr>
+          <p:txBody>
+            <a:bodyPr wrap="square" rtlCol="0">
+              <a:spAutoFit/>
+            </a:bodyPr>
+            <a:lstStyle/>
+            <a:p>
+              <a:r>
+                <a:rPr lang="en-US" sz="1100" b="1" dirty="0">
+                  <a:solidFill>
+                    <a:srgbClr val="B9D4B4"/>
+                  </a:solidFill>
+                  <a:latin typeface="Cascadia Code" panose="020B0609020000020004" pitchFamily="49" charset="0"/>
+                  <a:cs typeface="Cascadia Code" panose="020B0609020000020004" pitchFamily="49" charset="0"/>
+                </a:rPr>
+                <a:t>Timer</a:t>
+              </a:r>
+              <a:endParaRPr lang="en-SE" sz="1100" b="1" dirty="0">
+                <a:solidFill>
+                  <a:srgbClr val="B9D4B4"/>
+                </a:solidFill>
+                <a:latin typeface="Cascadia Code" panose="020B0609020000020004" pitchFamily="49" charset="0"/>
+                <a:cs typeface="Cascadia Code" panose="020B0609020000020004" pitchFamily="49" charset="0"/>
+              </a:endParaRPr>
+            </a:p>
+          </p:txBody>
+        </p:sp>
+      </p:grpSp>
+      <p:grpSp>
+        <p:nvGrpSpPr>
+          <p:cNvPr id="638" name="CostManagement">
+            <a:extLst>
+              <a:ext uri="{FF2B5EF4-FFF2-40B4-BE49-F238E27FC236}">
+                <a16:creationId xmlns:a16="http://schemas.microsoft.com/office/drawing/2014/main" id="{681E3C64-643F-6C4B-C462-0BB8FDA952A0}"/>
+              </a:ext>
+            </a:extLst>
+          </p:cNvPr>
+          <p:cNvGrpSpPr/>
+          <p:nvPr/>
+        </p:nvGrpSpPr>
+        <p:grpSpPr>
+          <a:xfrm>
+            <a:off x="3871656" y="3062710"/>
+            <a:ext cx="1364911" cy="597345"/>
+            <a:chOff x="7285999" y="2830592"/>
+            <a:chExt cx="1364911" cy="597345"/>
+          </a:xfrm>
+        </p:grpSpPr>
+        <p:pic>
+          <p:nvPicPr>
+            <p:cNvPr id="626" name="Graphic 625">
+              <a:extLst>
+                <a:ext uri="{FF2B5EF4-FFF2-40B4-BE49-F238E27FC236}">
+                  <a16:creationId xmlns:a16="http://schemas.microsoft.com/office/drawing/2014/main" id="{9EC7F7C0-B364-58DE-4033-1B832C83EAE6}"/>
+                </a:ext>
+              </a:extLst>
+            </p:cNvPr>
+            <p:cNvPicPr>
+              <a:picLocks noChangeAspect="1"/>
+            </p:cNvPicPr>
+            <p:nvPr/>
+          </p:nvPicPr>
+          <p:blipFill>
+            <a:blip r:embed="rId18">
+              <a:extLst>
+                <a:ext uri="{96DAC541-7B7A-43D3-8B79-37D633B846F1}">
+                  <asvg:svgBlip xmlns:asvg="http://schemas.microsoft.com/office/drawing/2016/SVG/main" r:embed="rId19"/>
+                </a:ext>
+              </a:extLst>
+            </a:blip>
+            <a:stretch>
+              <a:fillRect/>
+            </a:stretch>
+          </p:blipFill>
+          <p:spPr>
+            <a:xfrm>
+              <a:off x="7285999" y="2830592"/>
+              <a:ext cx="388738" cy="388738"/>
+            </a:xfrm>
+            <a:prstGeom prst="rect">
+              <a:avLst/>
+            </a:prstGeom>
+          </p:spPr>
+        </p:pic>
+        <p:sp>
+          <p:nvSpPr>
+            <p:cNvPr id="627" name="TextBox 626">
+              <a:extLst>
+                <a:ext uri="{FF2B5EF4-FFF2-40B4-BE49-F238E27FC236}">
+                  <a16:creationId xmlns:a16="http://schemas.microsoft.com/office/drawing/2014/main" id="{DB3DB316-EE53-A5B2-A4FB-744CACE4AE85}"/>
+                </a:ext>
+              </a:extLst>
+            </p:cNvPr>
+            <p:cNvSpPr txBox="1"/>
+            <p:nvPr/>
+          </p:nvSpPr>
+          <p:spPr>
+            <a:xfrm>
+              <a:off x="7572663" y="2997050"/>
+              <a:ext cx="1078247" cy="430887"/>
+            </a:xfrm>
+            <a:prstGeom prst="rect">
+              <a:avLst/>
+            </a:prstGeom>
+            <a:noFill/>
+          </p:spPr>
+          <p:txBody>
+            <a:bodyPr wrap="square" rtlCol="0">
+              <a:spAutoFit/>
+            </a:bodyPr>
+            <a:lstStyle/>
+            <a:p>
+              <a:r>
+                <a:rPr lang="en-US" sz="1100" b="1" dirty="0">
+                  <a:solidFill>
+                    <a:srgbClr val="B9D4B4"/>
+                  </a:solidFill>
+                  <a:latin typeface="Cascadia Code" panose="020B0609020000020004" pitchFamily="49" charset="0"/>
+                  <a:cs typeface="Cascadia Code" panose="020B0609020000020004" pitchFamily="49" charset="0"/>
+                </a:rPr>
+                <a:t>Cost</a:t>
+              </a:r>
+              <a:br>
+                <a:rPr lang="en-US" sz="1100" b="1" dirty="0">
+                  <a:solidFill>
+                    <a:srgbClr val="B9D4B4"/>
+                  </a:solidFill>
+                  <a:latin typeface="Cascadia Code" panose="020B0609020000020004" pitchFamily="49" charset="0"/>
+                  <a:cs typeface="Cascadia Code" panose="020B0609020000020004" pitchFamily="49" charset="0"/>
+                </a:rPr>
+              </a:br>
+              <a:r>
+                <a:rPr lang="en-US" sz="1100" b="1" dirty="0">
+                  <a:solidFill>
+                    <a:srgbClr val="B9D4B4"/>
+                  </a:solidFill>
+                  <a:latin typeface="Cascadia Code" panose="020B0609020000020004" pitchFamily="49" charset="0"/>
+                  <a:cs typeface="Cascadia Code" panose="020B0609020000020004" pitchFamily="49" charset="0"/>
+                </a:rPr>
+                <a:t>Management</a:t>
+              </a:r>
+              <a:endParaRPr lang="en-SE" sz="1100" b="1" dirty="0">
+                <a:solidFill>
+                  <a:srgbClr val="B9D4B4"/>
+                </a:solidFill>
+                <a:latin typeface="Cascadia Code" panose="020B0609020000020004" pitchFamily="49" charset="0"/>
+                <a:cs typeface="Cascadia Code" panose="020B0609020000020004" pitchFamily="49" charset="0"/>
+              </a:endParaRPr>
+            </a:p>
+          </p:txBody>
+        </p:sp>
+      </p:grpSp>
+      <p:grpSp>
+        <p:nvGrpSpPr>
+          <p:cNvPr id="669" name="APIArrows">
+            <a:extLst>
+              <a:ext uri="{FF2B5EF4-FFF2-40B4-BE49-F238E27FC236}">
+                <a16:creationId xmlns:a16="http://schemas.microsoft.com/office/drawing/2014/main" id="{22027391-7458-D7A7-4487-806D50774545}"/>
+              </a:ext>
+            </a:extLst>
+          </p:cNvPr>
+          <p:cNvGrpSpPr/>
+          <p:nvPr/>
+        </p:nvGrpSpPr>
+        <p:grpSpPr>
+          <a:xfrm>
+            <a:off x="3550372" y="3436015"/>
+            <a:ext cx="364680" cy="316080"/>
+            <a:chOff x="6900574" y="3165356"/>
+            <a:chExt cx="364680" cy="316080"/>
+          </a:xfrm>
+        </p:grpSpPr>
+        <mc:AlternateContent xmlns:mc="http://schemas.openxmlformats.org/markup-compatibility/2006">
+          <mc:Choice xmlns:p14="http://schemas.microsoft.com/office/powerpoint/2010/main" Requires="p14">
+            <p:contentPart p14:bwMode="auto" r:id="rId20">
+              <p14:nvContentPartPr>
+                <p14:cNvPr id="659" name="Ink 658">
+                  <a:extLst>
+                    <a:ext uri="{FF2B5EF4-FFF2-40B4-BE49-F238E27FC236}">
+                      <a16:creationId xmlns:a16="http://schemas.microsoft.com/office/drawing/2014/main" id="{2D8224F1-13B3-0D21-B1B2-635A5B50EC83}"/>
+                    </a:ext>
+                  </a:extLst>
+                </p14:cNvPr>
+                <p14:cNvContentPartPr/>
+                <p14:nvPr/>
+              </p14:nvContentPartPr>
+              <p14:xfrm>
+                <a:off x="6900574" y="3175796"/>
+                <a:ext cx="233280" cy="215280"/>
+              </p14:xfrm>
+            </p:contentPart>
+          </mc:Choice>
+          <mc:Fallback>
+            <p:pic>
+              <p:nvPicPr>
+                <p:cNvPr id="659" name="Ink 658">
+                  <a:extLst>
+                    <a:ext uri="{FF2B5EF4-FFF2-40B4-BE49-F238E27FC236}">
+                      <a16:creationId xmlns:a16="http://schemas.microsoft.com/office/drawing/2014/main" id="{2D8224F1-13B3-0D21-B1B2-635A5B50EC83}"/>
+                    </a:ext>
+                  </a:extLst>
+                </p:cNvPr>
+                <p:cNvPicPr/>
+                <p:nvPr/>
+              </p:nvPicPr>
+              <p:blipFill>
+                <a:blip r:embed="rId21"/>
+                <a:stretch>
+                  <a:fillRect/>
+                </a:stretch>
+              </p:blipFill>
+              <p:spPr>
+                <a:xfrm>
+                  <a:off x="6891574" y="3166796"/>
+                  <a:ext cx="250920" cy="232920"/>
+                </a:xfrm>
+                <a:prstGeom prst="rect">
+                  <a:avLst/>
+                </a:prstGeom>
+              </p:spPr>
+            </p:pic>
+          </mc:Fallback>
+        </mc:AlternateContent>
+        <mc:AlternateContent xmlns:mc="http://schemas.openxmlformats.org/markup-compatibility/2006">
+          <mc:Choice xmlns:p14="http://schemas.microsoft.com/office/powerpoint/2010/main" Requires="p14">
+            <p:contentPart p14:bwMode="auto" r:id="rId22">
+              <p14:nvContentPartPr>
+                <p14:cNvPr id="663" name="Ink 662">
+                  <a:extLst>
+                    <a:ext uri="{FF2B5EF4-FFF2-40B4-BE49-F238E27FC236}">
+                      <a16:creationId xmlns:a16="http://schemas.microsoft.com/office/drawing/2014/main" id="{41B849B8-079B-5D0E-536E-350AB1FD8B62}"/>
+                    </a:ext>
+                  </a:extLst>
+                </p14:cNvPr>
+                <p14:cNvContentPartPr/>
+                <p14:nvPr/>
+              </p14:nvContentPartPr>
+              <p14:xfrm>
+                <a:off x="7038814" y="3165356"/>
+                <a:ext cx="109080" cy="108720"/>
+              </p14:xfrm>
+            </p:contentPart>
+          </mc:Choice>
+          <mc:Fallback>
+            <p:pic>
+              <p:nvPicPr>
+                <p:cNvPr id="663" name="Ink 662">
+                  <a:extLst>
+                    <a:ext uri="{FF2B5EF4-FFF2-40B4-BE49-F238E27FC236}">
+                      <a16:creationId xmlns:a16="http://schemas.microsoft.com/office/drawing/2014/main" id="{41B849B8-079B-5D0E-536E-350AB1FD8B62}"/>
+                    </a:ext>
+                  </a:extLst>
+                </p:cNvPr>
+                <p:cNvPicPr/>
+                <p:nvPr/>
+              </p:nvPicPr>
+              <p:blipFill>
+                <a:blip r:embed="rId23"/>
+                <a:stretch>
+                  <a:fillRect/>
+                </a:stretch>
+              </p:blipFill>
+              <p:spPr>
+                <a:xfrm>
+                  <a:off x="7029814" y="3156356"/>
+                  <a:ext cx="126720" cy="126360"/>
+                </a:xfrm>
+                <a:prstGeom prst="rect">
+                  <a:avLst/>
+                </a:prstGeom>
+              </p:spPr>
+            </p:pic>
+          </mc:Fallback>
+        </mc:AlternateContent>
+        <mc:AlternateContent xmlns:mc="http://schemas.openxmlformats.org/markup-compatibility/2006">
+          <mc:Choice xmlns:p14="http://schemas.microsoft.com/office/powerpoint/2010/main" Requires="p14">
+            <p:contentPart p14:bwMode="auto" r:id="rId24">
+              <p14:nvContentPartPr>
+                <p14:cNvPr id="665" name="Ink 664">
+                  <a:extLst>
+                    <a:ext uri="{FF2B5EF4-FFF2-40B4-BE49-F238E27FC236}">
+                      <a16:creationId xmlns:a16="http://schemas.microsoft.com/office/drawing/2014/main" id="{CF0A3D72-1857-0921-5086-21FEE09677F9}"/>
+                    </a:ext>
+                  </a:extLst>
+                </p14:cNvPr>
+                <p14:cNvContentPartPr/>
+                <p14:nvPr/>
+              </p14:nvContentPartPr>
+              <p14:xfrm>
+                <a:off x="6983014" y="3252476"/>
+                <a:ext cx="282240" cy="215640"/>
+              </p14:xfrm>
+            </p:contentPart>
+          </mc:Choice>
+          <mc:Fallback>
+            <p:pic>
+              <p:nvPicPr>
+                <p:cNvPr id="665" name="Ink 664">
+                  <a:extLst>
+                    <a:ext uri="{FF2B5EF4-FFF2-40B4-BE49-F238E27FC236}">
+                      <a16:creationId xmlns:a16="http://schemas.microsoft.com/office/drawing/2014/main" id="{CF0A3D72-1857-0921-5086-21FEE09677F9}"/>
+                    </a:ext>
+                  </a:extLst>
+                </p:cNvPr>
+                <p:cNvPicPr/>
+                <p:nvPr/>
+              </p:nvPicPr>
+              <p:blipFill>
+                <a:blip r:embed="rId25"/>
+                <a:stretch>
+                  <a:fillRect/>
+                </a:stretch>
+              </p:blipFill>
+              <p:spPr>
+                <a:xfrm>
+                  <a:off x="6974014" y="3243476"/>
+                  <a:ext cx="299880" cy="233280"/>
+                </a:xfrm>
+                <a:prstGeom prst="rect">
+                  <a:avLst/>
+                </a:prstGeom>
+              </p:spPr>
+            </p:pic>
+          </mc:Fallback>
+        </mc:AlternateContent>
+        <mc:AlternateContent xmlns:mc="http://schemas.openxmlformats.org/markup-compatibility/2006">
+          <mc:Choice xmlns:p14="http://schemas.microsoft.com/office/powerpoint/2010/main" Requires="p14">
+            <p:contentPart p14:bwMode="auto" r:id="rId26">
+              <p14:nvContentPartPr>
+                <p14:cNvPr id="668" name="Ink 667">
+                  <a:extLst>
+                    <a:ext uri="{FF2B5EF4-FFF2-40B4-BE49-F238E27FC236}">
+                      <a16:creationId xmlns:a16="http://schemas.microsoft.com/office/drawing/2014/main" id="{8756D880-A260-4938-DC62-1A110F8BA33F}"/>
+                    </a:ext>
+                  </a:extLst>
+                </p14:cNvPr>
+                <p14:cNvContentPartPr/>
+                <p14:nvPr/>
+              </p14:nvContentPartPr>
+              <p14:xfrm>
+                <a:off x="6984454" y="3381356"/>
+                <a:ext cx="91080" cy="100080"/>
+              </p14:xfrm>
+            </p:contentPart>
+          </mc:Choice>
+          <mc:Fallback>
+            <p:pic>
+              <p:nvPicPr>
+                <p:cNvPr id="668" name="Ink 667">
+                  <a:extLst>
+                    <a:ext uri="{FF2B5EF4-FFF2-40B4-BE49-F238E27FC236}">
+                      <a16:creationId xmlns:a16="http://schemas.microsoft.com/office/drawing/2014/main" id="{8756D880-A260-4938-DC62-1A110F8BA33F}"/>
+                    </a:ext>
+                  </a:extLst>
+                </p:cNvPr>
+                <p:cNvPicPr/>
+                <p:nvPr/>
+              </p:nvPicPr>
+              <p:blipFill>
+                <a:blip r:embed="rId27"/>
+                <a:stretch>
+                  <a:fillRect/>
+                </a:stretch>
+              </p:blipFill>
+              <p:spPr>
+                <a:xfrm>
+                  <a:off x="6975454" y="3372356"/>
+                  <a:ext cx="108720" cy="117720"/>
+                </a:xfrm>
+                <a:prstGeom prst="rect">
+                  <a:avLst/>
+                </a:prstGeom>
+              </p:spPr>
+            </p:pic>
+          </mc:Fallback>
+        </mc:AlternateContent>
+      </p:grpSp>
+      <p:grpSp>
+        <p:nvGrpSpPr>
+          <p:cNvPr id="8" name="StorageTable">
+            <a:extLst>
+              <a:ext uri="{FF2B5EF4-FFF2-40B4-BE49-F238E27FC236}">
+                <a16:creationId xmlns:a16="http://schemas.microsoft.com/office/drawing/2014/main" id="{E656317B-DC61-B095-B5AB-B8E399D97BC3}"/>
+              </a:ext>
+            </a:extLst>
+          </p:cNvPr>
+          <p:cNvGrpSpPr/>
+          <p:nvPr/>
+        </p:nvGrpSpPr>
+        <p:grpSpPr>
+          <a:xfrm>
+            <a:off x="6815225" y="3834412"/>
+            <a:ext cx="912824" cy="786332"/>
+            <a:chOff x="9406279" y="2635984"/>
+            <a:chExt cx="912824" cy="786332"/>
+          </a:xfrm>
+        </p:grpSpPr>
+        <p:pic>
+          <p:nvPicPr>
+            <p:cNvPr id="9" name="Graphic 8">
+              <a:extLst>
+                <a:ext uri="{FF2B5EF4-FFF2-40B4-BE49-F238E27FC236}">
+                  <a16:creationId xmlns:a16="http://schemas.microsoft.com/office/drawing/2014/main" id="{CFB099E8-3017-0005-A3CA-9461832D3F77}"/>
+                </a:ext>
+              </a:extLst>
+            </p:cNvPr>
+            <p:cNvPicPr>
+              <a:picLocks noChangeAspect="1"/>
+            </p:cNvPicPr>
+            <p:nvPr/>
+          </p:nvPicPr>
+          <p:blipFill>
+            <a:blip r:embed="rId28">
+              <a:extLst>
+                <a:ext uri="{96DAC541-7B7A-43D3-8B79-37D633B846F1}">
+                  <asvg:svgBlip xmlns:asvg="http://schemas.microsoft.com/office/drawing/2016/SVG/main" r:embed="rId29"/>
+                </a:ext>
+              </a:extLst>
+            </a:blip>
+            <a:stretch>
+              <a:fillRect/>
+            </a:stretch>
+          </p:blipFill>
+          <p:spPr>
+            <a:xfrm>
+              <a:off x="9551291" y="2635984"/>
+              <a:ext cx="444523" cy="444523"/>
+            </a:xfrm>
+            <a:prstGeom prst="rect">
+              <a:avLst/>
+            </a:prstGeom>
+          </p:spPr>
+        </p:pic>
+        <p:sp>
+          <p:nvSpPr>
+            <p:cNvPr id="10" name="TextBox 9">
+              <a:extLst>
+                <a:ext uri="{FF2B5EF4-FFF2-40B4-BE49-F238E27FC236}">
+                  <a16:creationId xmlns:a16="http://schemas.microsoft.com/office/drawing/2014/main" id="{E7FE62C3-2CA7-DEA6-745D-C7DA82503F2C}"/>
+                </a:ext>
+              </a:extLst>
+            </p:cNvPr>
+            <p:cNvSpPr txBox="1"/>
+            <p:nvPr/>
+          </p:nvSpPr>
+          <p:spPr>
+            <a:xfrm>
+              <a:off x="9406279" y="2991429"/>
+              <a:ext cx="912824" cy="430887"/>
+            </a:xfrm>
+            <a:prstGeom prst="rect">
+              <a:avLst/>
+            </a:prstGeom>
+            <a:noFill/>
+          </p:spPr>
+          <p:txBody>
+            <a:bodyPr wrap="square" rtlCol="0">
+              <a:spAutoFit/>
+            </a:bodyPr>
+            <a:lstStyle/>
+            <a:p>
+              <a:pPr algn="r"/>
+              <a:r>
+                <a:rPr lang="en-US" sz="1100" b="1" dirty="0">
+                  <a:solidFill>
+                    <a:srgbClr val="B9D4B4"/>
+                  </a:solidFill>
+                  <a:latin typeface="Cascadia Code" panose="020B0609020000020004" pitchFamily="49" charset="0"/>
+                  <a:cs typeface="Cascadia Code" panose="020B0609020000020004" pitchFamily="49" charset="0"/>
+                </a:rPr>
+                <a:t>Storage Table</a:t>
+              </a:r>
+              <a:endParaRPr lang="en-SE" sz="1100" b="1" dirty="0">
+                <a:solidFill>
+                  <a:srgbClr val="B9D4B4"/>
+                </a:solidFill>
+                <a:latin typeface="Cascadia Code" panose="020B0609020000020004" pitchFamily="49" charset="0"/>
+                <a:cs typeface="Cascadia Code" panose="020B0609020000020004" pitchFamily="49" charset="0"/>
+              </a:endParaRPr>
+            </a:p>
+          </p:txBody>
+        </p:sp>
+      </p:grpSp>
+      <p:grpSp>
+        <p:nvGrpSpPr>
+          <p:cNvPr id="51" name="OutputTableArrow">
+            <a:extLst>
+              <a:ext uri="{FF2B5EF4-FFF2-40B4-BE49-F238E27FC236}">
+                <a16:creationId xmlns:a16="http://schemas.microsoft.com/office/drawing/2014/main" id="{3C14E3E3-CD6B-2D05-3E6E-0B44B815BC44}"/>
+              </a:ext>
+            </a:extLst>
+          </p:cNvPr>
+          <p:cNvGrpSpPr/>
+          <p:nvPr/>
+        </p:nvGrpSpPr>
+        <p:grpSpPr>
+          <a:xfrm>
+            <a:off x="6109965" y="4006678"/>
+            <a:ext cx="697975" cy="155880"/>
+            <a:chOff x="5595615" y="4006678"/>
+            <a:chExt cx="697975" cy="155880"/>
+          </a:xfrm>
+        </p:grpSpPr>
+        <mc:AlternateContent xmlns:mc="http://schemas.openxmlformats.org/markup-compatibility/2006">
+          <mc:Choice xmlns:p14="http://schemas.microsoft.com/office/powerpoint/2010/main" Requires="p14">
+            <p:contentPart p14:bwMode="auto" r:id="rId30">
+              <p14:nvContentPartPr>
+                <p14:cNvPr id="48" name="Ink 47">
+                  <a:extLst>
+                    <a:ext uri="{FF2B5EF4-FFF2-40B4-BE49-F238E27FC236}">
+                      <a16:creationId xmlns:a16="http://schemas.microsoft.com/office/drawing/2014/main" id="{EAF3E80C-5DBF-1254-FD85-6D7B39B464AD}"/>
+                    </a:ext>
+                  </a:extLst>
+                </p14:cNvPr>
+                <p14:cNvContentPartPr/>
+                <p14:nvPr/>
+              </p14:nvContentPartPr>
+              <p14:xfrm>
+                <a:off x="5595615" y="4095533"/>
+                <a:ext cx="676800" cy="14760"/>
+              </p14:xfrm>
+            </p:contentPart>
+          </mc:Choice>
+          <mc:Fallback>
+            <p:pic>
+              <p:nvPicPr>
+                <p:cNvPr id="48" name="Ink 47">
+                  <a:extLst>
+                    <a:ext uri="{FF2B5EF4-FFF2-40B4-BE49-F238E27FC236}">
+                      <a16:creationId xmlns:a16="http://schemas.microsoft.com/office/drawing/2014/main" id="{EAF3E80C-5DBF-1254-FD85-6D7B39B464AD}"/>
+                    </a:ext>
+                  </a:extLst>
+                </p:cNvPr>
+                <p:cNvPicPr/>
+                <p:nvPr/>
+              </p:nvPicPr>
+              <p:blipFill>
+                <a:blip r:embed="rId31"/>
+                <a:stretch>
+                  <a:fillRect/>
+                </a:stretch>
+              </p:blipFill>
+              <p:spPr>
+                <a:xfrm>
+                  <a:off x="5586610" y="4086533"/>
+                  <a:ext cx="694449" cy="32400"/>
+                </a:xfrm>
+                <a:prstGeom prst="rect">
+                  <a:avLst/>
+                </a:prstGeom>
+              </p:spPr>
+            </p:pic>
+          </mc:Fallback>
+        </mc:AlternateContent>
+        <mc:AlternateContent xmlns:mc="http://schemas.openxmlformats.org/markup-compatibility/2006">
+          <mc:Choice xmlns:p14="http://schemas.microsoft.com/office/powerpoint/2010/main" Requires="p14">
+            <p:contentPart p14:bwMode="auto" r:id="rId32">
+              <p14:nvContentPartPr>
+                <p14:cNvPr id="50" name="Ink 49">
+                  <a:extLst>
+                    <a:ext uri="{FF2B5EF4-FFF2-40B4-BE49-F238E27FC236}">
+                      <a16:creationId xmlns:a16="http://schemas.microsoft.com/office/drawing/2014/main" id="{B39ABA0E-7ED3-D081-9775-8C01BC89BE17}"/>
+                    </a:ext>
+                  </a:extLst>
+                </p14:cNvPr>
+                <p14:cNvContentPartPr/>
+                <p14:nvPr/>
+              </p14:nvContentPartPr>
+              <p14:xfrm>
+                <a:off x="6175870" y="4006678"/>
+                <a:ext cx="117720" cy="155880"/>
+              </p14:xfrm>
+            </p:contentPart>
+          </mc:Choice>
+          <mc:Fallback>
+            <p:pic>
+              <p:nvPicPr>
+                <p:cNvPr id="50" name="Ink 49">
+                  <a:extLst>
+                    <a:ext uri="{FF2B5EF4-FFF2-40B4-BE49-F238E27FC236}">
+                      <a16:creationId xmlns:a16="http://schemas.microsoft.com/office/drawing/2014/main" id="{B39ABA0E-7ED3-D081-9775-8C01BC89BE17}"/>
+                    </a:ext>
+                  </a:extLst>
+                </p:cNvPr>
+                <p:cNvPicPr/>
+                <p:nvPr/>
+              </p:nvPicPr>
+              <p:blipFill>
+                <a:blip r:embed="rId33"/>
+                <a:stretch>
+                  <a:fillRect/>
+                </a:stretch>
+              </p:blipFill>
+              <p:spPr>
+                <a:xfrm>
+                  <a:off x="6166870" y="3997699"/>
+                  <a:ext cx="135360" cy="173479"/>
+                </a:xfrm>
+                <a:prstGeom prst="rect">
+                  <a:avLst/>
+                </a:prstGeom>
+              </p:spPr>
+            </p:pic>
+          </mc:Fallback>
+        </mc:AlternateContent>
+      </p:grpSp>
+      <p:grpSp>
+        <p:nvGrpSpPr>
+          <p:cNvPr id="52" name="FunctionApp">
+            <a:extLst>
+              <a:ext uri="{FF2B5EF4-FFF2-40B4-BE49-F238E27FC236}">
+                <a16:creationId xmlns:a16="http://schemas.microsoft.com/office/drawing/2014/main" id="{922FBC0B-93E4-AFBF-80FB-893B1B3DD235}"/>
+              </a:ext>
+            </a:extLst>
+          </p:cNvPr>
+          <p:cNvGrpSpPr/>
+          <p:nvPr/>
+        </p:nvGrpSpPr>
+        <p:grpSpPr>
+          <a:xfrm>
+            <a:off x="7984977" y="2422572"/>
+            <a:ext cx="2231161" cy="2893662"/>
+            <a:chOff x="3208602" y="2359750"/>
+            <a:chExt cx="2231161" cy="2893662"/>
+          </a:xfrm>
+        </p:grpSpPr>
+        <p:sp>
+          <p:nvSpPr>
+            <p:cNvPr id="53" name="Rectangle: Rounded Corners 52">
+              <a:extLst>
+                <a:ext uri="{FF2B5EF4-FFF2-40B4-BE49-F238E27FC236}">
+                  <a16:creationId xmlns:a16="http://schemas.microsoft.com/office/drawing/2014/main" id="{45581A64-9D0E-B530-6915-ABB91349DAC1}"/>
+                </a:ext>
+              </a:extLst>
+            </p:cNvPr>
+            <p:cNvSpPr/>
+            <p:nvPr/>
+          </p:nvSpPr>
+          <p:spPr>
+            <a:xfrm>
+              <a:off x="3208602" y="2359750"/>
+              <a:ext cx="2230458" cy="2580607"/>
+            </a:xfrm>
+            <a:prstGeom prst="roundRect">
+              <a:avLst/>
+            </a:prstGeom>
+            <a:noFill/>
+            <a:ln>
+              <a:solidFill>
+                <a:srgbClr val="EB8FD8"/>
+              </a:solidFill>
+              <a:prstDash val="dash"/>
+            </a:ln>
+          </p:spPr>
+          <p:style>
+            <a:lnRef idx="2">
+              <a:schemeClr val="accent1">
+                <a:shade val="50000"/>
+              </a:schemeClr>
+            </a:lnRef>
+            <a:fillRef idx="1">
+              <a:schemeClr val="accent1"/>
+            </a:fillRef>
+            <a:effectRef idx="0">
+              <a:schemeClr val="accent1"/>
+            </a:effectRef>
+            <a:fontRef idx="minor">
+              <a:schemeClr val="lt1"/>
+            </a:fontRef>
+          </p:style>
+          <p:txBody>
+            <a:bodyPr rtlCol="0" anchor="ctr"/>
+            <a:lstStyle/>
+            <a:p>
+              <a:pPr algn="ctr"/>
+              <a:endParaRPr lang="en-SE"/>
+            </a:p>
+          </p:txBody>
+        </p:sp>
+        <p:sp>
+          <p:nvSpPr>
+            <p:cNvPr id="54" name="TextBox 53">
+              <a:extLst>
+                <a:ext uri="{FF2B5EF4-FFF2-40B4-BE49-F238E27FC236}">
+                  <a16:creationId xmlns:a16="http://schemas.microsoft.com/office/drawing/2014/main" id="{1E4E9146-1D80-BC2D-94D7-31394E9764FF}"/>
+                </a:ext>
+              </a:extLst>
+            </p:cNvPr>
+            <p:cNvSpPr txBox="1"/>
+            <p:nvPr/>
+          </p:nvSpPr>
+          <p:spPr>
+            <a:xfrm>
+              <a:off x="3817152" y="4945635"/>
+              <a:ext cx="1622611" cy="307777"/>
+            </a:xfrm>
+            <a:prstGeom prst="rect">
+              <a:avLst/>
+            </a:prstGeom>
+            <a:noFill/>
+          </p:spPr>
+          <p:txBody>
+            <a:bodyPr wrap="square" rtlCol="0">
+              <a:spAutoFit/>
+            </a:bodyPr>
+            <a:lstStyle/>
+            <a:p>
+              <a:r>
+                <a:rPr lang="en-US" b="1" dirty="0">
+                  <a:solidFill>
+                    <a:srgbClr val="B9D4B4"/>
+                  </a:solidFill>
+                  <a:latin typeface="Cascadia Code" panose="020B0609020000020004" pitchFamily="49" charset="0"/>
+                  <a:cs typeface="Cascadia Code" panose="020B0609020000020004" pitchFamily="49" charset="0"/>
+                </a:rPr>
+                <a:t>Function App</a:t>
+              </a:r>
+              <a:endParaRPr lang="en-SE" b="1" dirty="0">
+                <a:solidFill>
+                  <a:srgbClr val="B9D4B4"/>
+                </a:solidFill>
+                <a:latin typeface="Cascadia Code" panose="020B0609020000020004" pitchFamily="49" charset="0"/>
+                <a:cs typeface="Cascadia Code" panose="020B0609020000020004" pitchFamily="49" charset="0"/>
+              </a:endParaRPr>
+            </a:p>
+          </p:txBody>
+        </p:sp>
+      </p:grpSp>
+      <p:grpSp>
+        <p:nvGrpSpPr>
+          <p:cNvPr id="55" name="FunctionC">
+            <a:extLst>
+              <a:ext uri="{FF2B5EF4-FFF2-40B4-BE49-F238E27FC236}">
+                <a16:creationId xmlns:a16="http://schemas.microsoft.com/office/drawing/2014/main" id="{88514D5D-AE2E-3EE3-5A1F-F62B0733C71B}"/>
+              </a:ext>
+            </a:extLst>
+          </p:cNvPr>
+          <p:cNvGrpSpPr/>
+          <p:nvPr/>
+        </p:nvGrpSpPr>
+        <p:grpSpPr>
+          <a:xfrm>
+            <a:off x="8593527" y="3624191"/>
+            <a:ext cx="1601238" cy="922484"/>
+            <a:chOff x="8400138" y="3353532"/>
+            <a:chExt cx="1601238" cy="922484"/>
+          </a:xfrm>
+        </p:grpSpPr>
+        <p:pic>
+          <p:nvPicPr>
+            <p:cNvPr id="56" name="Picture 55">
+              <a:extLst>
+                <a:ext uri="{FF2B5EF4-FFF2-40B4-BE49-F238E27FC236}">
+                  <a16:creationId xmlns:a16="http://schemas.microsoft.com/office/drawing/2014/main" id="{F4E828CC-55D1-E587-D60F-EE9FD43A20A8}"/>
+                </a:ext>
+              </a:extLst>
+            </p:cNvPr>
+            <p:cNvPicPr>
+              <a:picLocks noChangeAspect="1"/>
+            </p:cNvPicPr>
+            <p:nvPr/>
+          </p:nvPicPr>
+          <p:blipFill>
+            <a:blip r:embed="rId3"/>
+            <a:stretch>
+              <a:fillRect/>
+            </a:stretch>
+          </p:blipFill>
+          <p:spPr>
+            <a:xfrm>
+              <a:off x="8400138" y="3353532"/>
+              <a:ext cx="912824" cy="912824"/>
+            </a:xfrm>
+            <a:prstGeom prst="rect">
+              <a:avLst/>
+            </a:prstGeom>
+          </p:spPr>
+        </p:pic>
+        <p:sp>
+          <p:nvSpPr>
+            <p:cNvPr id="57" name="TextBox 56">
+              <a:extLst>
+                <a:ext uri="{FF2B5EF4-FFF2-40B4-BE49-F238E27FC236}">
+                  <a16:creationId xmlns:a16="http://schemas.microsoft.com/office/drawing/2014/main" id="{0EB8D217-EC72-7DB1-55C2-99BA266720B5}"/>
+                </a:ext>
+              </a:extLst>
+            </p:cNvPr>
+            <p:cNvSpPr txBox="1"/>
+            <p:nvPr/>
+          </p:nvSpPr>
+          <p:spPr>
+            <a:xfrm>
+              <a:off x="8764246" y="4014406"/>
+              <a:ext cx="1237130" cy="261610"/>
+            </a:xfrm>
+            <a:prstGeom prst="rect">
+              <a:avLst/>
+            </a:prstGeom>
+            <a:noFill/>
+          </p:spPr>
+          <p:txBody>
+            <a:bodyPr wrap="square" rtlCol="0">
+              <a:spAutoFit/>
+            </a:bodyPr>
+            <a:lstStyle/>
+            <a:p>
+              <a:r>
+                <a:rPr lang="en-US" sz="1100" b="1" dirty="0">
+                  <a:solidFill>
+                    <a:srgbClr val="B9D4B4"/>
+                  </a:solidFill>
+                  <a:latin typeface="Cascadia Code" panose="020B0609020000020004" pitchFamily="49" charset="0"/>
+                  <a:cs typeface="Cascadia Code" panose="020B0609020000020004" pitchFamily="49" charset="0"/>
+                </a:rPr>
+                <a:t>Function</a:t>
+              </a:r>
+              <a:endParaRPr lang="en-SE" sz="1100" b="1" dirty="0">
+                <a:solidFill>
+                  <a:srgbClr val="B9D4B4"/>
+                </a:solidFill>
+                <a:latin typeface="Cascadia Code" panose="020B0609020000020004" pitchFamily="49" charset="0"/>
+                <a:cs typeface="Cascadia Code" panose="020B0609020000020004" pitchFamily="49" charset="0"/>
+              </a:endParaRPr>
+            </a:p>
+          </p:txBody>
+        </p:sp>
+      </p:grpSp>
+      <p:grpSp>
+        <p:nvGrpSpPr>
+          <p:cNvPr id="58" name="Trigger">
+            <a:extLst>
+              <a:ext uri="{FF2B5EF4-FFF2-40B4-BE49-F238E27FC236}">
+                <a16:creationId xmlns:a16="http://schemas.microsoft.com/office/drawing/2014/main" id="{DE43C9C7-A344-2EB4-84B9-1D5C10609094}"/>
+              </a:ext>
+            </a:extLst>
+          </p:cNvPr>
+          <p:cNvGrpSpPr/>
+          <p:nvPr/>
+        </p:nvGrpSpPr>
+        <p:grpSpPr>
+          <a:xfrm>
+            <a:off x="8357296" y="2576907"/>
+            <a:ext cx="1155511" cy="746135"/>
+            <a:chOff x="5817761" y="2251989"/>
+            <a:chExt cx="1155511" cy="746135"/>
+          </a:xfrm>
+        </p:grpSpPr>
+        <p:sp>
+          <p:nvSpPr>
+            <p:cNvPr id="59" name="TextBox 58">
+              <a:extLst>
+                <a:ext uri="{FF2B5EF4-FFF2-40B4-BE49-F238E27FC236}">
+                  <a16:creationId xmlns:a16="http://schemas.microsoft.com/office/drawing/2014/main" id="{13B4E07A-B2CA-7794-8E33-8864CCE1840A}"/>
+                </a:ext>
+              </a:extLst>
+            </p:cNvPr>
+            <p:cNvSpPr txBox="1"/>
+            <p:nvPr/>
+          </p:nvSpPr>
+          <p:spPr>
+            <a:xfrm>
+              <a:off x="6135613" y="2474904"/>
+              <a:ext cx="837659" cy="523220"/>
+            </a:xfrm>
+            <a:prstGeom prst="rect">
+              <a:avLst/>
+            </a:prstGeom>
+            <a:noFill/>
+          </p:spPr>
+          <p:txBody>
+            <a:bodyPr wrap="square" rtlCol="0">
+              <a:spAutoFit/>
+            </a:bodyPr>
+            <a:lstStyle/>
+            <a:p>
+              <a:pPr algn="ctr"/>
+              <a:r>
+                <a:rPr lang="en-US" sz="2800" b="1" dirty="0">
+                  <a:solidFill>
+                    <a:srgbClr val="B9D4B4"/>
+                  </a:solidFill>
+                  <a:latin typeface="Cascadia Code" panose="020B0609020000020004" pitchFamily="49" charset="0"/>
+                  <a:cs typeface="Cascadia Code" panose="020B0609020000020004" pitchFamily="49" charset="0"/>
+                </a:rPr>
+                <a:t>⚡</a:t>
+              </a:r>
+              <a:endParaRPr lang="en-SE" sz="2800" b="1" dirty="0">
+                <a:solidFill>
+                  <a:srgbClr val="B9D4B4"/>
+                </a:solidFill>
+                <a:latin typeface="Cascadia Code" panose="020B0609020000020004" pitchFamily="49" charset="0"/>
+                <a:cs typeface="Cascadia Code" panose="020B0609020000020004" pitchFamily="49" charset="0"/>
+              </a:endParaRPr>
+            </a:p>
+          </p:txBody>
+        </p:sp>
+        <p:sp>
+          <p:nvSpPr>
+            <p:cNvPr id="60" name="TextBox 59">
+              <a:extLst>
+                <a:ext uri="{FF2B5EF4-FFF2-40B4-BE49-F238E27FC236}">
+                  <a16:creationId xmlns:a16="http://schemas.microsoft.com/office/drawing/2014/main" id="{649319A4-5722-DB6F-F80D-8CFA0A46BBB6}"/>
+                </a:ext>
+              </a:extLst>
+            </p:cNvPr>
+            <p:cNvSpPr txBox="1"/>
+            <p:nvPr/>
+          </p:nvSpPr>
+          <p:spPr>
+            <a:xfrm>
+              <a:off x="5817761" y="2251989"/>
+              <a:ext cx="771545" cy="430887"/>
+            </a:xfrm>
+            <a:prstGeom prst="rect">
+              <a:avLst/>
+            </a:prstGeom>
+            <a:noFill/>
+          </p:spPr>
+          <p:txBody>
+            <a:bodyPr wrap="square" rtlCol="0">
+              <a:spAutoFit/>
+            </a:bodyPr>
+            <a:lstStyle/>
+            <a:p>
+              <a:pPr algn="r"/>
+              <a:r>
+                <a:rPr lang="en-US" sz="1100" b="1" dirty="0">
+                  <a:solidFill>
+                    <a:srgbClr val="B9D4B4"/>
+                  </a:solidFill>
+                  <a:latin typeface="Cascadia Code" panose="020B0609020000020004" pitchFamily="49" charset="0"/>
+                  <a:cs typeface="Cascadia Code" panose="020B0609020000020004" pitchFamily="49" charset="0"/>
+                </a:rPr>
+                <a:t>HTTP Trigger</a:t>
+              </a:r>
+              <a:endParaRPr lang="en-SE" sz="1100" b="1" dirty="0">
+                <a:solidFill>
+                  <a:srgbClr val="B9D4B4"/>
+                </a:solidFill>
+                <a:latin typeface="Cascadia Code" panose="020B0609020000020004" pitchFamily="49" charset="0"/>
+                <a:cs typeface="Cascadia Code" panose="020B0609020000020004" pitchFamily="49" charset="0"/>
+              </a:endParaRPr>
+            </a:p>
+          </p:txBody>
+        </p:sp>
+      </p:grpSp>
+      <p:grpSp>
+        <p:nvGrpSpPr>
+          <p:cNvPr id="521" name="Trigger2Arrow">
+            <a:extLst>
+              <a:ext uri="{FF2B5EF4-FFF2-40B4-BE49-F238E27FC236}">
+                <a16:creationId xmlns:a16="http://schemas.microsoft.com/office/drawing/2014/main" id="{219C5D56-E3D1-59D9-4D6C-9618EBA94E83}"/>
+              </a:ext>
+            </a:extLst>
+          </p:cNvPr>
+          <p:cNvGrpSpPr/>
+          <p:nvPr/>
+        </p:nvGrpSpPr>
+        <p:grpSpPr>
+          <a:xfrm>
+            <a:off x="8978805" y="3333480"/>
+            <a:ext cx="135360" cy="253025"/>
+            <a:chOff x="8464455" y="3333480"/>
+            <a:chExt cx="135360" cy="253025"/>
+          </a:xfrm>
+        </p:grpSpPr>
+        <mc:AlternateContent xmlns:mc="http://schemas.openxmlformats.org/markup-compatibility/2006">
+          <mc:Choice xmlns:p14="http://schemas.microsoft.com/office/powerpoint/2010/main" Requires="p14">
+            <p:contentPart p14:bwMode="auto" r:id="rId34">
+              <p14:nvContentPartPr>
+                <p14:cNvPr id="448" name="Ink 447">
+                  <a:extLst>
+                    <a:ext uri="{FF2B5EF4-FFF2-40B4-BE49-F238E27FC236}">
+                      <a16:creationId xmlns:a16="http://schemas.microsoft.com/office/drawing/2014/main" id="{E4325E1E-4C66-ED44-07FD-89033A1DCDD9}"/>
+                    </a:ext>
+                  </a:extLst>
+                </p14:cNvPr>
+                <p14:cNvContentPartPr/>
+                <p14:nvPr/>
+              </p14:nvContentPartPr>
+              <p14:xfrm>
+                <a:off x="8515210" y="3333480"/>
+                <a:ext cx="6840" cy="247320"/>
+              </p14:xfrm>
+            </p:contentPart>
+          </mc:Choice>
+          <mc:Fallback>
+            <p:pic>
+              <p:nvPicPr>
+                <p:cNvPr id="448" name="Ink 447">
+                  <a:extLst>
+                    <a:ext uri="{FF2B5EF4-FFF2-40B4-BE49-F238E27FC236}">
+                      <a16:creationId xmlns:a16="http://schemas.microsoft.com/office/drawing/2014/main" id="{E4325E1E-4C66-ED44-07FD-89033A1DCDD9}"/>
+                    </a:ext>
+                  </a:extLst>
+                </p:cNvPr>
+                <p:cNvPicPr/>
+                <p:nvPr/>
+              </p:nvPicPr>
+              <p:blipFill>
+                <a:blip r:embed="rId35"/>
+                <a:stretch>
+                  <a:fillRect/>
+                </a:stretch>
+              </p:blipFill>
+              <p:spPr>
+                <a:xfrm>
+                  <a:off x="8506210" y="3324480"/>
+                  <a:ext cx="24480" cy="264960"/>
+                </a:xfrm>
+                <a:prstGeom prst="rect">
+                  <a:avLst/>
+                </a:prstGeom>
+              </p:spPr>
+            </p:pic>
+          </mc:Fallback>
+        </mc:AlternateContent>
+        <mc:AlternateContent xmlns:mc="http://schemas.openxmlformats.org/markup-compatibility/2006">
+          <mc:Choice xmlns:p14="http://schemas.microsoft.com/office/powerpoint/2010/main" Requires="p14">
+            <p:contentPart p14:bwMode="auto" r:id="rId36">
+              <p14:nvContentPartPr>
+                <p14:cNvPr id="466" name="Ink 465">
+                  <a:extLst>
+                    <a:ext uri="{FF2B5EF4-FFF2-40B4-BE49-F238E27FC236}">
+                      <a16:creationId xmlns:a16="http://schemas.microsoft.com/office/drawing/2014/main" id="{236FA126-58DE-36F7-6920-58EE5D0C3440}"/>
+                    </a:ext>
+                  </a:extLst>
+                </p14:cNvPr>
+                <p14:cNvContentPartPr/>
+                <p14:nvPr/>
+              </p14:nvContentPartPr>
+              <p14:xfrm>
+                <a:off x="8464455" y="3488225"/>
+                <a:ext cx="135360" cy="98280"/>
+              </p14:xfrm>
+            </p:contentPart>
+          </mc:Choice>
+          <mc:Fallback>
+            <p:pic>
+              <p:nvPicPr>
+                <p:cNvPr id="466" name="Ink 465">
+                  <a:extLst>
+                    <a:ext uri="{FF2B5EF4-FFF2-40B4-BE49-F238E27FC236}">
+                      <a16:creationId xmlns:a16="http://schemas.microsoft.com/office/drawing/2014/main" id="{236FA126-58DE-36F7-6920-58EE5D0C3440}"/>
+                    </a:ext>
+                  </a:extLst>
+                </p:cNvPr>
+                <p:cNvPicPr/>
+                <p:nvPr/>
+              </p:nvPicPr>
+              <p:blipFill>
+                <a:blip r:embed="rId37"/>
+                <a:stretch>
+                  <a:fillRect/>
+                </a:stretch>
+              </p:blipFill>
+              <p:spPr>
+                <a:xfrm>
+                  <a:off x="8455455" y="3479225"/>
+                  <a:ext cx="153000" cy="115920"/>
+                </a:xfrm>
+                <a:prstGeom prst="rect">
+                  <a:avLst/>
+                </a:prstGeom>
+              </p:spPr>
+            </p:pic>
+          </mc:Fallback>
+        </mc:AlternateContent>
+      </p:grpSp>
+      <p:grpSp>
+        <p:nvGrpSpPr>
+          <p:cNvPr id="520" name="InputTableBinding">
+            <a:extLst>
+              <a:ext uri="{FF2B5EF4-FFF2-40B4-BE49-F238E27FC236}">
+                <a16:creationId xmlns:a16="http://schemas.microsoft.com/office/drawing/2014/main" id="{64EEDBB9-EC80-4F31-C5A9-96F7DAAA3720}"/>
+              </a:ext>
+            </a:extLst>
+          </p:cNvPr>
+          <p:cNvGrpSpPr/>
+          <p:nvPr/>
+        </p:nvGrpSpPr>
+        <p:grpSpPr>
+          <a:xfrm flipH="1">
+            <a:off x="7514905" y="4002984"/>
+            <a:ext cx="953400" cy="174240"/>
+            <a:chOff x="7015930" y="3984360"/>
+            <a:chExt cx="953400" cy="174240"/>
+          </a:xfrm>
+        </p:grpSpPr>
+        <mc:AlternateContent xmlns:mc="http://schemas.openxmlformats.org/markup-compatibility/2006">
+          <mc:Choice xmlns:p14="http://schemas.microsoft.com/office/powerpoint/2010/main" Requires="p14">
+            <p:contentPart p14:bwMode="auto" r:id="rId38">
+              <p14:nvContentPartPr>
+                <p14:cNvPr id="470" name="Ink 469">
+                  <a:extLst>
+                    <a:ext uri="{FF2B5EF4-FFF2-40B4-BE49-F238E27FC236}">
+                      <a16:creationId xmlns:a16="http://schemas.microsoft.com/office/drawing/2014/main" id="{38CC7CAC-0D6E-FDF9-3941-D054B966C565}"/>
+                    </a:ext>
+                  </a:extLst>
+                </p14:cNvPr>
+                <p14:cNvContentPartPr/>
+                <p14:nvPr/>
+              </p14:nvContentPartPr>
+              <p14:xfrm>
+                <a:off x="7020730" y="4056600"/>
+                <a:ext cx="948600" cy="28080"/>
+              </p14:xfrm>
+            </p:contentPart>
+          </mc:Choice>
+          <mc:Fallback>
+            <p:pic>
+              <p:nvPicPr>
+                <p:cNvPr id="470" name="Ink 469">
+                  <a:extLst>
+                    <a:ext uri="{FF2B5EF4-FFF2-40B4-BE49-F238E27FC236}">
+                      <a16:creationId xmlns:a16="http://schemas.microsoft.com/office/drawing/2014/main" id="{38CC7CAC-0D6E-FDF9-3941-D054B966C565}"/>
+                    </a:ext>
+                  </a:extLst>
+                </p:cNvPr>
+                <p:cNvPicPr/>
+                <p:nvPr/>
+              </p:nvPicPr>
+              <p:blipFill>
+                <a:blip r:embed="rId39"/>
+                <a:stretch>
+                  <a:fillRect/>
+                </a:stretch>
+              </p:blipFill>
+              <p:spPr>
+                <a:xfrm>
+                  <a:off x="7011733" y="4047600"/>
+                  <a:ext cx="966233" cy="45720"/>
+                </a:xfrm>
+                <a:prstGeom prst="rect">
+                  <a:avLst/>
+                </a:prstGeom>
+              </p:spPr>
+            </p:pic>
+          </mc:Fallback>
+        </mc:AlternateContent>
+        <mc:AlternateContent xmlns:mc="http://schemas.openxmlformats.org/markup-compatibility/2006">
+          <mc:Choice xmlns:p14="http://schemas.microsoft.com/office/powerpoint/2010/main" Requires="p14">
+            <p:contentPart p14:bwMode="auto" r:id="rId40">
+              <p14:nvContentPartPr>
+                <p14:cNvPr id="487" name="Ink 486">
+                  <a:extLst>
+                    <a:ext uri="{FF2B5EF4-FFF2-40B4-BE49-F238E27FC236}">
+                      <a16:creationId xmlns:a16="http://schemas.microsoft.com/office/drawing/2014/main" id="{272FDD9D-21A6-AF5D-8841-378BB25E290F}"/>
+                    </a:ext>
+                  </a:extLst>
+                </p14:cNvPr>
+                <p14:cNvContentPartPr/>
+                <p14:nvPr/>
+              </p14:nvContentPartPr>
+              <p14:xfrm>
+                <a:off x="7015930" y="3984360"/>
+                <a:ext cx="111960" cy="174240"/>
+              </p14:xfrm>
+            </p:contentPart>
+          </mc:Choice>
+          <mc:Fallback>
+            <p:pic>
+              <p:nvPicPr>
+                <p:cNvPr id="487" name="Ink 486">
+                  <a:extLst>
+                    <a:ext uri="{FF2B5EF4-FFF2-40B4-BE49-F238E27FC236}">
+                      <a16:creationId xmlns:a16="http://schemas.microsoft.com/office/drawing/2014/main" id="{272FDD9D-21A6-AF5D-8841-378BB25E290F}"/>
+                    </a:ext>
+                  </a:extLst>
+                </p:cNvPr>
+                <p:cNvPicPr/>
+                <p:nvPr/>
+              </p:nvPicPr>
+              <p:blipFill>
+                <a:blip r:embed="rId41"/>
+                <a:stretch>
+                  <a:fillRect/>
+                </a:stretch>
+              </p:blipFill>
+              <p:spPr>
+                <a:xfrm>
+                  <a:off x="7006930" y="3975360"/>
+                  <a:ext cx="129600" cy="191880"/>
+                </a:xfrm>
+                <a:prstGeom prst="rect">
+                  <a:avLst/>
+                </a:prstGeom>
+              </p:spPr>
+            </p:pic>
+          </mc:Fallback>
+        </mc:AlternateContent>
+      </p:grpSp>
+      <p:grpSp>
+        <p:nvGrpSpPr>
+          <p:cNvPr id="519" name="OutputResponseArrow">
+            <a:extLst>
+              <a:ext uri="{FF2B5EF4-FFF2-40B4-BE49-F238E27FC236}">
+                <a16:creationId xmlns:a16="http://schemas.microsoft.com/office/drawing/2014/main" id="{7D9653CF-7C8E-FF32-98F7-10624951DC42}"/>
+              </a:ext>
+            </a:extLst>
+          </p:cNvPr>
+          <p:cNvGrpSpPr/>
+          <p:nvPr/>
+        </p:nvGrpSpPr>
+        <p:grpSpPr>
+          <a:xfrm>
+            <a:off x="9158273" y="3322841"/>
+            <a:ext cx="106920" cy="252439"/>
+            <a:chOff x="8643923" y="3322841"/>
+            <a:chExt cx="106920" cy="252439"/>
+          </a:xfrm>
+        </p:grpSpPr>
+        <mc:AlternateContent xmlns:mc="http://schemas.openxmlformats.org/markup-compatibility/2006">
+          <mc:Choice xmlns:p14="http://schemas.microsoft.com/office/powerpoint/2010/main" Requires="p14">
+            <p:contentPart p14:bwMode="auto" r:id="rId42">
+              <p14:nvContentPartPr>
+                <p14:cNvPr id="513" name="Ink 512">
+                  <a:extLst>
+                    <a:ext uri="{FF2B5EF4-FFF2-40B4-BE49-F238E27FC236}">
+                      <a16:creationId xmlns:a16="http://schemas.microsoft.com/office/drawing/2014/main" id="{F7D4CC97-24F2-53C1-15D8-4B1A013B17DB}"/>
+                    </a:ext>
+                  </a:extLst>
+                </p14:cNvPr>
+                <p14:cNvContentPartPr/>
+                <p14:nvPr/>
+              </p14:nvContentPartPr>
+              <p14:xfrm>
+                <a:off x="8693290" y="3328320"/>
+                <a:ext cx="25560" cy="246960"/>
+              </p14:xfrm>
+            </p:contentPart>
+          </mc:Choice>
+          <mc:Fallback>
+            <p:pic>
+              <p:nvPicPr>
+                <p:cNvPr id="513" name="Ink 512">
+                  <a:extLst>
+                    <a:ext uri="{FF2B5EF4-FFF2-40B4-BE49-F238E27FC236}">
+                      <a16:creationId xmlns:a16="http://schemas.microsoft.com/office/drawing/2014/main" id="{F7D4CC97-24F2-53C1-15D8-4B1A013B17DB}"/>
+                    </a:ext>
+                  </a:extLst>
+                </p:cNvPr>
+                <p:cNvPicPr/>
+                <p:nvPr/>
+              </p:nvPicPr>
+              <p:blipFill>
+                <a:blip r:embed="rId43"/>
+                <a:stretch>
+                  <a:fillRect/>
+                </a:stretch>
+              </p:blipFill>
+              <p:spPr>
+                <a:xfrm>
+                  <a:off x="8684290" y="3319320"/>
+                  <a:ext cx="43200" cy="264600"/>
+                </a:xfrm>
+                <a:prstGeom prst="rect">
+                  <a:avLst/>
+                </a:prstGeom>
+              </p:spPr>
+            </p:pic>
+          </mc:Fallback>
+        </mc:AlternateContent>
+        <mc:AlternateContent xmlns:mc="http://schemas.openxmlformats.org/markup-compatibility/2006">
+          <mc:Choice xmlns:p14="http://schemas.microsoft.com/office/powerpoint/2010/main" Requires="p14">
+            <p:contentPart p14:bwMode="auto" r:id="rId44">
+              <p14:nvContentPartPr>
+                <p14:cNvPr id="518" name="Ink 517">
+                  <a:extLst>
+                    <a:ext uri="{FF2B5EF4-FFF2-40B4-BE49-F238E27FC236}">
+                      <a16:creationId xmlns:a16="http://schemas.microsoft.com/office/drawing/2014/main" id="{159A23FE-4F77-97D9-6AE1-4B53609A1D1D}"/>
+                    </a:ext>
+                  </a:extLst>
+                </p14:cNvPr>
+                <p14:cNvContentPartPr/>
+                <p14:nvPr/>
+              </p14:nvContentPartPr>
+              <p14:xfrm>
+                <a:off x="8643923" y="3322841"/>
+                <a:ext cx="106920" cy="101520"/>
+              </p14:xfrm>
+            </p:contentPart>
+          </mc:Choice>
+          <mc:Fallback>
+            <p:pic>
+              <p:nvPicPr>
+                <p:cNvPr id="518" name="Ink 517">
+                  <a:extLst>
+                    <a:ext uri="{FF2B5EF4-FFF2-40B4-BE49-F238E27FC236}">
+                      <a16:creationId xmlns:a16="http://schemas.microsoft.com/office/drawing/2014/main" id="{159A23FE-4F77-97D9-6AE1-4B53609A1D1D}"/>
+                    </a:ext>
+                  </a:extLst>
+                </p:cNvPr>
+                <p:cNvPicPr/>
+                <p:nvPr/>
+              </p:nvPicPr>
+              <p:blipFill>
+                <a:blip r:embed="rId45"/>
+                <a:stretch>
+                  <a:fillRect/>
+                </a:stretch>
+              </p:blipFill>
+              <p:spPr>
+                <a:xfrm>
+                  <a:off x="8634923" y="3313873"/>
+                  <a:ext cx="124560" cy="119098"/>
+                </a:xfrm>
+                <a:prstGeom prst="rect">
+                  <a:avLst/>
+                </a:prstGeom>
+              </p:spPr>
+            </p:pic>
+          </mc:Fallback>
+        </mc:AlternateContent>
+      </p:grpSp>
+      <p:pic>
+        <p:nvPicPr>
+          <p:cNvPr id="523" name="pwsh">
+            <a:extLst>
+              <a:ext uri="{FF2B5EF4-FFF2-40B4-BE49-F238E27FC236}">
+                <a16:creationId xmlns:a16="http://schemas.microsoft.com/office/drawing/2014/main" id="{70C1325F-96AE-67BC-C222-3013E7FBD4F4}"/>
+              </a:ext>
+            </a:extLst>
+          </p:cNvPr>
+          <p:cNvPicPr>
+            <a:picLocks noChangeAspect="1"/>
+          </p:cNvPicPr>
+          <p:nvPr/>
+        </p:nvPicPr>
+        <p:blipFill>
+          <a:blip r:embed="rId46">
+            <a:extLst>
+              <a:ext uri="{96DAC541-7B7A-43D3-8B79-37D633B846F1}">
+                <asvg:svgBlip xmlns:asvg="http://schemas.microsoft.com/office/drawing/2016/SVG/main" r:embed="rId47"/>
+              </a:ext>
+            </a:extLst>
+          </a:blip>
+          <a:stretch>
+            <a:fillRect/>
+          </a:stretch>
+        </p:blipFill>
         <p:spPr>
           <a:xfrm>
-            <a:off x="684150" y="358863"/>
-            <a:ext cx="9755100" cy="763500"/>
+            <a:off x="9835918" y="2294411"/>
+            <a:ext cx="571500" cy="428625"/>
           </a:xfrm>
           <a:prstGeom prst="rect">
             <a:avLst/>
           </a:prstGeom>
         </p:spPr>
+      </p:pic>
+      <p:pic>
+        <p:nvPicPr>
+          <p:cNvPr id="527" name="csharp" descr="Icon&#10;&#10;Description automatically generated">
+            <a:extLst>
+              <a:ext uri="{FF2B5EF4-FFF2-40B4-BE49-F238E27FC236}">
+                <a16:creationId xmlns:a16="http://schemas.microsoft.com/office/drawing/2014/main" id="{AA62BD71-8CA9-A6D1-FE07-23AA49A2F456}"/>
+              </a:ext>
+            </a:extLst>
+          </p:cNvPr>
+          <p:cNvPicPr>
+            <a:picLocks noChangeAspect="1"/>
+          </p:cNvPicPr>
+          <p:nvPr/>
+        </p:nvPicPr>
+        <p:blipFill>
+          <a:blip r:embed="rId48"/>
+          <a:stretch>
+            <a:fillRect/>
+          </a:stretch>
+        </p:blipFill>
+        <p:spPr>
+          <a:xfrm>
+            <a:off x="5726076" y="2028598"/>
+            <a:ext cx="996682" cy="996682"/>
+          </a:xfrm>
+          <a:prstGeom prst="rect">
+            <a:avLst/>
+          </a:prstGeom>
+        </p:spPr>
+      </p:pic>
+      <p:sp>
+        <p:nvSpPr>
+          <p:cNvPr id="2" name="Demo">
+            <a:extLst>
+              <a:ext uri="{FF2B5EF4-FFF2-40B4-BE49-F238E27FC236}">
+                <a16:creationId xmlns:a16="http://schemas.microsoft.com/office/drawing/2014/main" id="{56340E41-58BC-93E1-71FE-B9B15BA3D778}"/>
+              </a:ext>
+            </a:extLst>
+          </p:cNvPr>
+          <p:cNvSpPr txBox="1">
+            <a:spLocks/>
+          </p:cNvSpPr>
+          <p:nvPr/>
+        </p:nvSpPr>
+        <p:spPr>
+          <a:xfrm>
+            <a:off x="687771" y="354934"/>
+            <a:ext cx="2212488" cy="763500"/>
+          </a:xfrm>
+          <a:prstGeom prst="rect">
+            <a:avLst/>
+          </a:prstGeom>
+          <a:noFill/>
+          <a:ln>
+            <a:noFill/>
+          </a:ln>
+        </p:spPr>
         <p:txBody>
           <a:bodyPr spcFirstLastPara="1" wrap="square" lIns="121900" tIns="121900" rIns="121900" bIns="121900" anchor="t" anchorCtr="0">
             <a:noAutofit/>
           </a:bodyPr>
-          <a:lstStyle/>
+          <a:lstStyle>
+            <a:defPPr marR="0" lvl="0" algn="l" rtl="0">
+              <a:lnSpc>
+                <a:spcPct val="100000"/>
+              </a:lnSpc>
+              <a:spcBef>
+                <a:spcPts val="0"/>
+              </a:spcBef>
+              <a:spcAft>
+                <a:spcPts val="0"/>
+              </a:spcAft>
+            </a:defPPr>
+            <a:lvl1pPr marL="0" marR="0" lvl="0" indent="0" algn="l" rtl="0">
+              <a:lnSpc>
+                <a:spcPct val="100000"/>
+              </a:lnSpc>
+              <a:spcBef>
+                <a:spcPts val="0"/>
+              </a:spcBef>
+              <a:spcAft>
+                <a:spcPts val="0"/>
+              </a:spcAft>
+              <a:buClr>
+                <a:schemeClr val="dk1"/>
+              </a:buClr>
+              <a:buSzPts val="4000"/>
+              <a:buFont typeface="Aldrich"/>
+              <a:buNone/>
+              <a:defRPr sz="4000" b="1" i="0" u="none" strike="noStrike" cap="none">
+                <a:solidFill>
+                  <a:schemeClr val="dk1"/>
+                </a:solidFill>
+                <a:latin typeface="Roboto"/>
+                <a:ea typeface="Roboto"/>
+                <a:cs typeface="Roboto"/>
+                <a:sym typeface="Roboto"/>
+              </a:defRPr>
+            </a:lvl1pPr>
+            <a:lvl2pPr marR="0" lvl="1" algn="l" rtl="0">
+              <a:lnSpc>
+                <a:spcPct val="80000"/>
+              </a:lnSpc>
+              <a:spcBef>
+                <a:spcPts val="0"/>
+              </a:spcBef>
+              <a:spcAft>
+                <a:spcPts val="0"/>
+              </a:spcAft>
+              <a:buClr>
+                <a:schemeClr val="dk1"/>
+              </a:buClr>
+              <a:buSzPts val="4000"/>
+              <a:buFont typeface="Abril Fatface"/>
+              <a:buNone/>
+              <a:defRPr sz="4000" b="1" i="0" u="none" strike="noStrike" cap="none">
+                <a:solidFill>
+                  <a:schemeClr val="dk1"/>
+                </a:solidFill>
+                <a:latin typeface="Abril Fatface"/>
+                <a:ea typeface="Abril Fatface"/>
+                <a:cs typeface="Abril Fatface"/>
+                <a:sym typeface="Abril Fatface"/>
+              </a:defRPr>
+            </a:lvl2pPr>
+            <a:lvl3pPr marR="0" lvl="2" algn="l" rtl="0">
+              <a:lnSpc>
+                <a:spcPct val="80000"/>
+              </a:lnSpc>
+              <a:spcBef>
+                <a:spcPts val="0"/>
+              </a:spcBef>
+              <a:spcAft>
+                <a:spcPts val="0"/>
+              </a:spcAft>
+              <a:buClr>
+                <a:schemeClr val="dk1"/>
+              </a:buClr>
+              <a:buSzPts val="4000"/>
+              <a:buFont typeface="Abril Fatface"/>
+              <a:buNone/>
+              <a:defRPr sz="4000" b="1" i="0" u="none" strike="noStrike" cap="none">
+                <a:solidFill>
+                  <a:schemeClr val="dk1"/>
+                </a:solidFill>
+                <a:latin typeface="Abril Fatface"/>
+                <a:ea typeface="Abril Fatface"/>
+                <a:cs typeface="Abril Fatface"/>
+                <a:sym typeface="Abril Fatface"/>
+              </a:defRPr>
+            </a:lvl3pPr>
+            <a:lvl4pPr marR="0" lvl="3" algn="l" rtl="0">
+              <a:lnSpc>
+                <a:spcPct val="80000"/>
+              </a:lnSpc>
+              <a:spcBef>
+                <a:spcPts val="0"/>
+              </a:spcBef>
+              <a:spcAft>
+                <a:spcPts val="0"/>
+              </a:spcAft>
+              <a:buClr>
+                <a:schemeClr val="dk1"/>
+              </a:buClr>
+              <a:buSzPts val="4000"/>
+              <a:buFont typeface="Abril Fatface"/>
+              <a:buNone/>
+              <a:defRPr sz="4000" b="1" i="0" u="none" strike="noStrike" cap="none">
+                <a:solidFill>
+                  <a:schemeClr val="dk1"/>
+                </a:solidFill>
+                <a:latin typeface="Abril Fatface"/>
+                <a:ea typeface="Abril Fatface"/>
+                <a:cs typeface="Abril Fatface"/>
+                <a:sym typeface="Abril Fatface"/>
+              </a:defRPr>
+            </a:lvl4pPr>
+            <a:lvl5pPr marR="0" lvl="4" algn="l" rtl="0">
+              <a:lnSpc>
+                <a:spcPct val="80000"/>
+              </a:lnSpc>
+              <a:spcBef>
+                <a:spcPts val="0"/>
+              </a:spcBef>
+              <a:spcAft>
+                <a:spcPts val="0"/>
+              </a:spcAft>
+              <a:buClr>
+                <a:schemeClr val="dk1"/>
+              </a:buClr>
+              <a:buSzPts val="4000"/>
+              <a:buFont typeface="Abril Fatface"/>
+              <a:buNone/>
+              <a:defRPr sz="4000" b="1" i="0" u="none" strike="noStrike" cap="none">
+                <a:solidFill>
+                  <a:schemeClr val="dk1"/>
+                </a:solidFill>
+                <a:latin typeface="Abril Fatface"/>
+                <a:ea typeface="Abril Fatface"/>
+                <a:cs typeface="Abril Fatface"/>
+                <a:sym typeface="Abril Fatface"/>
+              </a:defRPr>
+            </a:lvl5pPr>
+            <a:lvl6pPr marR="0" lvl="5" algn="l" rtl="0">
+              <a:lnSpc>
+                <a:spcPct val="80000"/>
+              </a:lnSpc>
+              <a:spcBef>
+                <a:spcPts val="0"/>
+              </a:spcBef>
+              <a:spcAft>
+                <a:spcPts val="0"/>
+              </a:spcAft>
+              <a:buClr>
+                <a:schemeClr val="dk1"/>
+              </a:buClr>
+              <a:buSzPts val="4000"/>
+              <a:buFont typeface="Abril Fatface"/>
+              <a:buNone/>
+              <a:defRPr sz="4000" b="1" i="0" u="none" strike="noStrike" cap="none">
+                <a:solidFill>
+                  <a:schemeClr val="dk1"/>
+                </a:solidFill>
+                <a:latin typeface="Abril Fatface"/>
+                <a:ea typeface="Abril Fatface"/>
+                <a:cs typeface="Abril Fatface"/>
+                <a:sym typeface="Abril Fatface"/>
+              </a:defRPr>
+            </a:lvl6pPr>
+            <a:lvl7pPr marR="0" lvl="6" algn="l" rtl="0">
+              <a:lnSpc>
+                <a:spcPct val="80000"/>
+              </a:lnSpc>
+              <a:spcBef>
+                <a:spcPts val="0"/>
+              </a:spcBef>
+              <a:spcAft>
+                <a:spcPts val="0"/>
+              </a:spcAft>
+              <a:buClr>
+                <a:schemeClr val="dk1"/>
+              </a:buClr>
+              <a:buSzPts val="4000"/>
+              <a:buFont typeface="Abril Fatface"/>
+              <a:buNone/>
+              <a:defRPr sz="4000" b="1" i="0" u="none" strike="noStrike" cap="none">
+                <a:solidFill>
+                  <a:schemeClr val="dk1"/>
+                </a:solidFill>
+                <a:latin typeface="Abril Fatface"/>
+                <a:ea typeface="Abril Fatface"/>
+                <a:cs typeface="Abril Fatface"/>
+                <a:sym typeface="Abril Fatface"/>
+              </a:defRPr>
+            </a:lvl7pPr>
+            <a:lvl8pPr marR="0" lvl="7" algn="l" rtl="0">
+              <a:lnSpc>
+                <a:spcPct val="80000"/>
+              </a:lnSpc>
+              <a:spcBef>
+                <a:spcPts val="0"/>
+              </a:spcBef>
+              <a:spcAft>
+                <a:spcPts val="0"/>
+              </a:spcAft>
+              <a:buClr>
+                <a:schemeClr val="dk1"/>
+              </a:buClr>
+              <a:buSzPts val="4000"/>
+              <a:buFont typeface="Abril Fatface"/>
+              <a:buNone/>
+              <a:defRPr sz="4000" b="1" i="0" u="none" strike="noStrike" cap="none">
+                <a:solidFill>
+                  <a:schemeClr val="dk1"/>
+                </a:solidFill>
+                <a:latin typeface="Abril Fatface"/>
+                <a:ea typeface="Abril Fatface"/>
+                <a:cs typeface="Abril Fatface"/>
+                <a:sym typeface="Abril Fatface"/>
+              </a:defRPr>
+            </a:lvl8pPr>
+            <a:lvl9pPr marR="0" lvl="8" algn="l" rtl="0">
+              <a:lnSpc>
+                <a:spcPct val="80000"/>
+              </a:lnSpc>
+              <a:spcBef>
+                <a:spcPts val="0"/>
+              </a:spcBef>
+              <a:spcAft>
+                <a:spcPts val="0"/>
+              </a:spcAft>
+              <a:buClr>
+                <a:schemeClr val="dk1"/>
+              </a:buClr>
+              <a:buSzPts val="4000"/>
+              <a:buFont typeface="Abril Fatface"/>
+              <a:buNone/>
+              <a:defRPr sz="4000" b="1" i="0" u="none" strike="noStrike" cap="none">
+                <a:solidFill>
+                  <a:schemeClr val="dk1"/>
+                </a:solidFill>
+                <a:latin typeface="Abril Fatface"/>
+                <a:ea typeface="Abril Fatface"/>
+                <a:cs typeface="Abril Fatface"/>
+                <a:sym typeface="Abril Fatface"/>
+              </a:defRPr>
+            </a:lvl9pPr>
+          </a:lstStyle>
           <a:p>
-            <a:pPr marL="0" lvl="0" indent="0" algn="l" rtl="0">
-              <a:spcBef>
-                <a:spcPts val="0"/>
-              </a:spcBef>
-              <a:spcAft>
-                <a:spcPts val="0"/>
-              </a:spcAft>
-              <a:buNone/>
-            </a:pPr>
             <a:r>
-              <a:rPr lang="en" sz="6000" dirty="0">
+              <a:rPr lang="en-US" sz="6000" dirty="0">
                 <a:solidFill>
                   <a:schemeClr val="accent2"/>
                 </a:solidFill>
+                <a:latin typeface="Cascadia Code" panose="020B0609020000020004" pitchFamily="49" charset="0"/>
+                <a:cs typeface="Cascadia Code" panose="020B0609020000020004" pitchFamily="49" charset="0"/>
               </a:rPr>
-              <a:t>Notes</a:t>
+              <a:t>Demo</a:t>
             </a:r>
-            <a:endParaRPr sz="6000" dirty="0">
+          </a:p>
+        </p:txBody>
+      </p:sp>
+    </p:spTree>
+    <p:extLst>
+      <p:ext uri="{BB962C8B-B14F-4D97-AF65-F5344CB8AC3E}">
+        <p14:creationId xmlns:p14="http://schemas.microsoft.com/office/powerpoint/2010/main" val="2678440465"/>
+      </p:ext>
+    </p:extLst>
+  </p:cSld>
+  <p:clrMapOvr>
+    <a:masterClrMapping/>
+  </p:clrMapOvr>
+  <mc:AlternateContent xmlns:mc="http://schemas.openxmlformats.org/markup-compatibility/2006">
+    <mc:Choice xmlns:p14="http://schemas.microsoft.com/office/powerpoint/2010/main" Requires="p14">
+      <p:transition spd="med" p14:dur="700">
+        <p:fade/>
+      </p:transition>
+    </mc:Choice>
+    <mc:Fallback>
+      <p:transition spd="med">
+        <p:fade/>
+      </p:transition>
+    </mc:Fallback>
+  </mc:AlternateContent>
+</p:sld>
+</file>
+
+<file path=ppt/slides/slide7.xml><?xml version="1.0" encoding="utf-8"?>
+<p:sld xmlns:a="http://schemas.openxmlformats.org/drawingml/2006/main" xmlns:r="http://schemas.openxmlformats.org/officeDocument/2006/relationships" xmlns:p="http://schemas.openxmlformats.org/presentationml/2006/main">
+  <p:cSld>
+    <p:spTree>
+      <p:nvGrpSpPr>
+        <p:cNvPr id="1" name="Shape 852"/>
+        <p:cNvGrpSpPr/>
+        <p:nvPr/>
+      </p:nvGrpSpPr>
+      <p:grpSpPr>
+        <a:xfrm>
+          <a:off x="0" y="0"/>
+          <a:ext cx="0" cy="0"/>
+          <a:chOff x="0" y="0"/>
+          <a:chExt cx="0" cy="0"/>
+        </a:xfrm>
+      </p:grpSpPr>
+      <p:sp>
+        <p:nvSpPr>
+          <p:cNvPr id="913" name="TextBox 912">
+            <a:extLst>
+              <a:ext uri="{FF2B5EF4-FFF2-40B4-BE49-F238E27FC236}">
+                <a16:creationId xmlns:a16="http://schemas.microsoft.com/office/drawing/2014/main" id="{6443ED34-0EA8-2B38-6289-24C347D98AB9}"/>
+              </a:ext>
+            </a:extLst>
+          </p:cNvPr>
+          <p:cNvSpPr txBox="1"/>
+          <p:nvPr/>
+        </p:nvSpPr>
+        <p:spPr>
+          <a:xfrm>
+            <a:off x="9596710" y="6124760"/>
+            <a:ext cx="2704231" cy="400110"/>
+          </a:xfrm>
+          <a:prstGeom prst="rect">
+            <a:avLst/>
+          </a:prstGeom>
+          <a:noFill/>
+        </p:spPr>
+        <p:txBody>
+          <a:bodyPr wrap="square">
+            <a:spAutoFit/>
+          </a:bodyPr>
+          <a:lstStyle/>
+          <a:p>
+            <a:r>
+              <a:rPr lang="en-US" sz="2000" b="1" dirty="0">
+                <a:solidFill>
+                  <a:schemeClr val="tx1"/>
+                </a:solidFill>
+                <a:latin typeface="Cascadia Code" panose="020B0609020000020004" pitchFamily="49" charset="0"/>
+                <a:cs typeface="Cascadia Code" panose="020B0609020000020004" pitchFamily="49" charset="0"/>
+              </a:rPr>
+              <a:t>https://pipe.how</a:t>
+            </a:r>
+            <a:endParaRPr lang="en-SE" sz="2000" b="1" dirty="0">
               <a:solidFill>
-                <a:schemeClr val="accent2"/>
+                <a:schemeClr val="tx1"/>
               </a:solidFill>
             </a:endParaRPr>
           </a:p>
@@ -31175,205 +35175,1332 @@
       </p:sp>
       <p:sp>
         <p:nvSpPr>
-          <p:cNvPr id="13" name="Text Placeholder 12">
+          <p:cNvPr id="6" name="Google Shape;381;p22">
             <a:extLst>
               <a:ext uri="{FF2B5EF4-FFF2-40B4-BE49-F238E27FC236}">
-                <a16:creationId xmlns:a16="http://schemas.microsoft.com/office/drawing/2014/main" id="{F5FDCA09-65AB-38E3-FABB-CF9F7ED2B624}"/>
+                <a16:creationId xmlns:a16="http://schemas.microsoft.com/office/drawing/2014/main" id="{ECFF9E5B-E2D0-B1AD-AC4C-B3AED77B7F73}"/>
               </a:ext>
             </a:extLst>
           </p:cNvPr>
-          <p:cNvSpPr>
-            <a:spLocks noGrp="1"/>
+          <p:cNvSpPr txBox="1">
+            <a:spLocks/>
           </p:cNvSpPr>
-          <p:nvPr>
-            <p:ph type="body" idx="5"/>
-          </p:nvPr>
+          <p:nvPr/>
         </p:nvSpPr>
         <p:spPr>
           <a:xfrm>
-            <a:off x="1217550" y="2026227"/>
-            <a:ext cx="9755100" cy="3834246"/>
+            <a:off x="2560231" y="1421700"/>
+            <a:ext cx="7175447" cy="586888"/>
           </a:xfrm>
+          <a:prstGeom prst="rect">
+            <a:avLst/>
+          </a:prstGeom>
+          <a:noFill/>
+          <a:ln>
+            <a:noFill/>
+          </a:ln>
         </p:spPr>
         <p:txBody>
-          <a:bodyPr/>
-          <a:lstStyle/>
-          <a:p>
-            <a:pPr>
+          <a:bodyPr spcFirstLastPara="1" wrap="square" lIns="121900" tIns="121900" rIns="121900" bIns="121900" anchor="t" anchorCtr="0">
+            <a:noAutofit/>
+          </a:bodyPr>
+          <a:lstStyle>
+            <a:defPPr marR="0" lvl="0" algn="l" rtl="0">
               <a:lnSpc>
                 <a:spcPct val="100000"/>
               </a:lnSpc>
+              <a:spcBef>
+                <a:spcPts val="0"/>
+              </a:spcBef>
+              <a:spcAft>
+                <a:spcPts val="0"/>
+              </a:spcAft>
+            </a:defPPr>
+            <a:lvl1pPr marL="457200" marR="0" lvl="0" indent="-342900" algn="l" rtl="0">
+              <a:lnSpc>
+                <a:spcPct val="115000"/>
+              </a:lnSpc>
+              <a:spcBef>
+                <a:spcPts val="0"/>
+              </a:spcBef>
+              <a:spcAft>
+                <a:spcPts val="0"/>
+              </a:spcAft>
+              <a:buClr>
+                <a:schemeClr val="dk2"/>
+              </a:buClr>
+              <a:buSzPts val="2000"/>
+              <a:buFont typeface="Roboto Mono"/>
+              <a:buNone/>
+              <a:defRPr sz="2000" b="1" i="0" u="none" strike="noStrike" cap="none">
+                <a:solidFill>
+                  <a:schemeClr val="accent3"/>
+                </a:solidFill>
+                <a:latin typeface="Roboto Mono"/>
+                <a:ea typeface="Roboto Mono"/>
+                <a:cs typeface="Roboto Mono"/>
+                <a:sym typeface="Roboto Mono"/>
+              </a:defRPr>
+            </a:lvl1pPr>
+            <a:lvl2pPr marL="914400" marR="0" lvl="1" indent="-342900" algn="l" rtl="0">
+              <a:lnSpc>
+                <a:spcPct val="115000"/>
+              </a:lnSpc>
+              <a:spcBef>
+                <a:spcPts val="2100"/>
+              </a:spcBef>
+              <a:spcAft>
+                <a:spcPts val="0"/>
+              </a:spcAft>
+              <a:buClr>
+                <a:schemeClr val="dk2"/>
+              </a:buClr>
+              <a:buSzPts val="2000"/>
+              <a:buFont typeface="Roboto Mono"/>
+              <a:buNone/>
+              <a:defRPr sz="2000" b="1" i="0" u="none" strike="noStrike" cap="none">
+                <a:solidFill>
+                  <a:schemeClr val="dk2"/>
+                </a:solidFill>
+                <a:latin typeface="Roboto Mono"/>
+                <a:ea typeface="Roboto Mono"/>
+                <a:cs typeface="Roboto Mono"/>
+                <a:sym typeface="Roboto Mono"/>
+              </a:defRPr>
+            </a:lvl2pPr>
+            <a:lvl3pPr marL="1371600" marR="0" lvl="2" indent="-342900" algn="l" rtl="0">
+              <a:lnSpc>
+                <a:spcPct val="115000"/>
+              </a:lnSpc>
+              <a:spcBef>
+                <a:spcPts val="2100"/>
+              </a:spcBef>
+              <a:spcAft>
+                <a:spcPts val="0"/>
+              </a:spcAft>
+              <a:buClr>
+                <a:schemeClr val="dk2"/>
+              </a:buClr>
+              <a:buSzPts val="2000"/>
+              <a:buFont typeface="Roboto Mono"/>
+              <a:buNone/>
+              <a:defRPr sz="2000" b="1" i="0" u="none" strike="noStrike" cap="none">
+                <a:solidFill>
+                  <a:schemeClr val="dk2"/>
+                </a:solidFill>
+                <a:latin typeface="Roboto Mono"/>
+                <a:ea typeface="Roboto Mono"/>
+                <a:cs typeface="Roboto Mono"/>
+                <a:sym typeface="Roboto Mono"/>
+              </a:defRPr>
+            </a:lvl3pPr>
+            <a:lvl4pPr marL="1828800" marR="0" lvl="3" indent="-342900" algn="l" rtl="0">
+              <a:lnSpc>
+                <a:spcPct val="115000"/>
+              </a:lnSpc>
+              <a:spcBef>
+                <a:spcPts val="2100"/>
+              </a:spcBef>
+              <a:spcAft>
+                <a:spcPts val="0"/>
+              </a:spcAft>
+              <a:buClr>
+                <a:schemeClr val="dk2"/>
+              </a:buClr>
+              <a:buSzPts val="2000"/>
+              <a:buFont typeface="Roboto Mono"/>
+              <a:buNone/>
+              <a:defRPr sz="2000" b="1" i="0" u="none" strike="noStrike" cap="none">
+                <a:solidFill>
+                  <a:schemeClr val="dk2"/>
+                </a:solidFill>
+                <a:latin typeface="Roboto Mono"/>
+                <a:ea typeface="Roboto Mono"/>
+                <a:cs typeface="Roboto Mono"/>
+                <a:sym typeface="Roboto Mono"/>
+              </a:defRPr>
+            </a:lvl4pPr>
+            <a:lvl5pPr marL="2286000" marR="0" lvl="4" indent="-342900" algn="l" rtl="0">
+              <a:lnSpc>
+                <a:spcPct val="115000"/>
+              </a:lnSpc>
+              <a:spcBef>
+                <a:spcPts val="2100"/>
+              </a:spcBef>
+              <a:spcAft>
+                <a:spcPts val="0"/>
+              </a:spcAft>
+              <a:buClr>
+                <a:schemeClr val="dk2"/>
+              </a:buClr>
+              <a:buSzPts val="2000"/>
+              <a:buFont typeface="Roboto Mono"/>
+              <a:buNone/>
+              <a:defRPr sz="2000" b="1" i="0" u="none" strike="noStrike" cap="none">
+                <a:solidFill>
+                  <a:schemeClr val="dk2"/>
+                </a:solidFill>
+                <a:latin typeface="Roboto Mono"/>
+                <a:ea typeface="Roboto Mono"/>
+                <a:cs typeface="Roboto Mono"/>
+                <a:sym typeface="Roboto Mono"/>
+              </a:defRPr>
+            </a:lvl5pPr>
+            <a:lvl6pPr marL="2743200" marR="0" lvl="5" indent="-342900" algn="l" rtl="0">
+              <a:lnSpc>
+                <a:spcPct val="115000"/>
+              </a:lnSpc>
+              <a:spcBef>
+                <a:spcPts val="2100"/>
+              </a:spcBef>
+              <a:spcAft>
+                <a:spcPts val="0"/>
+              </a:spcAft>
+              <a:buClr>
+                <a:schemeClr val="dk2"/>
+              </a:buClr>
+              <a:buSzPts val="2000"/>
+              <a:buFont typeface="Roboto Mono"/>
+              <a:buNone/>
+              <a:defRPr sz="2000" b="1" i="0" u="none" strike="noStrike" cap="none">
+                <a:solidFill>
+                  <a:schemeClr val="dk2"/>
+                </a:solidFill>
+                <a:latin typeface="Roboto Mono"/>
+                <a:ea typeface="Roboto Mono"/>
+                <a:cs typeface="Roboto Mono"/>
+                <a:sym typeface="Roboto Mono"/>
+              </a:defRPr>
+            </a:lvl6pPr>
+            <a:lvl7pPr marL="3200400" marR="0" lvl="6" indent="-342900" algn="l" rtl="0">
+              <a:lnSpc>
+                <a:spcPct val="115000"/>
+              </a:lnSpc>
+              <a:spcBef>
+                <a:spcPts val="2100"/>
+              </a:spcBef>
+              <a:spcAft>
+                <a:spcPts val="0"/>
+              </a:spcAft>
+              <a:buClr>
+                <a:schemeClr val="dk2"/>
+              </a:buClr>
+              <a:buSzPts val="2000"/>
+              <a:buFont typeface="Roboto Mono"/>
+              <a:buNone/>
+              <a:defRPr sz="2000" b="1" i="0" u="none" strike="noStrike" cap="none">
+                <a:solidFill>
+                  <a:schemeClr val="dk2"/>
+                </a:solidFill>
+                <a:latin typeface="Roboto Mono"/>
+                <a:ea typeface="Roboto Mono"/>
+                <a:cs typeface="Roboto Mono"/>
+                <a:sym typeface="Roboto Mono"/>
+              </a:defRPr>
+            </a:lvl7pPr>
+            <a:lvl8pPr marL="3657600" marR="0" lvl="7" indent="-342900" algn="l" rtl="0">
+              <a:lnSpc>
+                <a:spcPct val="115000"/>
+              </a:lnSpc>
+              <a:spcBef>
+                <a:spcPts val="2100"/>
+              </a:spcBef>
+              <a:spcAft>
+                <a:spcPts val="0"/>
+              </a:spcAft>
+              <a:buClr>
+                <a:schemeClr val="dk2"/>
+              </a:buClr>
+              <a:buSzPts val="2000"/>
+              <a:buFont typeface="Roboto Mono"/>
+              <a:buNone/>
+              <a:defRPr sz="2000" b="1" i="0" u="none" strike="noStrike" cap="none">
+                <a:solidFill>
+                  <a:schemeClr val="dk2"/>
+                </a:solidFill>
+                <a:latin typeface="Roboto Mono"/>
+                <a:ea typeface="Roboto Mono"/>
+                <a:cs typeface="Roboto Mono"/>
+                <a:sym typeface="Roboto Mono"/>
+              </a:defRPr>
+            </a:lvl8pPr>
+            <a:lvl9pPr marL="4114800" marR="0" lvl="8" indent="-342900" algn="l" rtl="0">
+              <a:lnSpc>
+                <a:spcPct val="115000"/>
+              </a:lnSpc>
+              <a:spcBef>
+                <a:spcPts val="2100"/>
+              </a:spcBef>
+              <a:spcAft>
+                <a:spcPts val="2100"/>
+              </a:spcAft>
+              <a:buClr>
+                <a:schemeClr val="dk2"/>
+              </a:buClr>
+              <a:buSzPts val="2000"/>
+              <a:buFont typeface="Roboto Mono"/>
+              <a:buNone/>
+              <a:defRPr sz="2000" b="1" i="0" u="none" strike="noStrike" cap="none">
+                <a:solidFill>
+                  <a:schemeClr val="dk2"/>
+                </a:solidFill>
+                <a:latin typeface="Roboto Mono"/>
+                <a:ea typeface="Roboto Mono"/>
+                <a:cs typeface="Roboto Mono"/>
+                <a:sym typeface="Roboto Mono"/>
+              </a:defRPr>
+            </a:lvl9pPr>
+          </a:lstStyle>
+          <a:p>
+            <a:pPr marL="0" indent="0">
+              <a:spcAft>
+                <a:spcPts val="2100"/>
+              </a:spcAft>
             </a:pPr>
             <a:r>
-              <a:rPr lang="en-US" dirty="0"/>
-              <a:t>Extension Bundles for non-dotnet (</a:t>
+              <a:rPr lang="en-US" sz="1800" b="0" dirty="0" err="1">
+                <a:solidFill>
+                  <a:schemeClr val="tx1"/>
+                </a:solidFill>
+                <a:latin typeface="Cascadia Code" panose="020B0609020000020004" pitchFamily="49" charset="0"/>
+                <a:ea typeface="Roboto Mono" panose="00000009000000000000" pitchFamily="49" charset="0"/>
+                <a:cs typeface="Cascadia Code" panose="020B0609020000020004" pitchFamily="49" charset="0"/>
+              </a:rPr>
+              <a:t>func</a:t>
             </a:r>
             <a:r>
-              <a:rPr lang="en-US" dirty="0" err="1"/>
-              <a:t>ie</a:t>
+              <a:rPr lang="en-US" sz="1800" b="0" dirty="0">
+                <a:solidFill>
+                  <a:schemeClr val="tx1"/>
+                </a:solidFill>
+                <a:latin typeface="Cascadia Code" panose="020B0609020000020004" pitchFamily="49" charset="0"/>
+                <a:ea typeface="Roboto Mono" panose="00000009000000000000" pitchFamily="49" charset="0"/>
+                <a:cs typeface="Cascadia Code" panose="020B0609020000020004" pitchFamily="49" charset="0"/>
+              </a:rPr>
+              <a:t> durable rewind --id glb-az-sthlm23</a:t>
+            </a:r>
+          </a:p>
+        </p:txBody>
+      </p:sp>
+      <p:sp>
+        <p:nvSpPr>
+          <p:cNvPr id="7" name="Google Shape;381;p22">
+            <a:extLst>
+              <a:ext uri="{FF2B5EF4-FFF2-40B4-BE49-F238E27FC236}">
+                <a16:creationId xmlns:a16="http://schemas.microsoft.com/office/drawing/2014/main" id="{7E54D70C-6599-F645-FDEA-1C8513044688}"/>
+              </a:ext>
+            </a:extLst>
+          </p:cNvPr>
+          <p:cNvSpPr txBox="1">
+            <a:spLocks/>
+          </p:cNvSpPr>
+          <p:nvPr/>
+        </p:nvSpPr>
+        <p:spPr>
+          <a:xfrm>
+            <a:off x="1254601" y="1421700"/>
+            <a:ext cx="1468602" cy="586888"/>
+          </a:xfrm>
+          <a:prstGeom prst="rect">
+            <a:avLst/>
+          </a:prstGeom>
+          <a:noFill/>
+          <a:ln>
+            <a:noFill/>
+          </a:ln>
+        </p:spPr>
+        <p:txBody>
+          <a:bodyPr spcFirstLastPara="1" wrap="square" lIns="121900" tIns="121900" rIns="121900" bIns="121900" anchor="t" anchorCtr="0">
+            <a:noAutofit/>
+          </a:bodyPr>
+          <a:lstStyle>
+            <a:defPPr marR="0" lvl="0" algn="l" rtl="0">
+              <a:lnSpc>
+                <a:spcPct val="100000"/>
+              </a:lnSpc>
+              <a:spcBef>
+                <a:spcPts val="0"/>
+              </a:spcBef>
+              <a:spcAft>
+                <a:spcPts val="0"/>
+              </a:spcAft>
+            </a:defPPr>
+            <a:lvl1pPr marL="457200" marR="0" lvl="0" indent="-342900" algn="l" rtl="0">
+              <a:lnSpc>
+                <a:spcPct val="115000"/>
+              </a:lnSpc>
+              <a:spcBef>
+                <a:spcPts val="0"/>
+              </a:spcBef>
+              <a:spcAft>
+                <a:spcPts val="0"/>
+              </a:spcAft>
+              <a:buClr>
+                <a:schemeClr val="dk2"/>
+              </a:buClr>
+              <a:buSzPts val="1800"/>
+              <a:buFont typeface="Roboto Mono"/>
+              <a:buNone/>
+              <a:defRPr sz="1800" b="0" i="0" u="none" strike="noStrike" cap="none">
+                <a:solidFill>
+                  <a:schemeClr val="dk2"/>
+                </a:solidFill>
+                <a:latin typeface="Roboto Mono"/>
+                <a:ea typeface="Roboto Mono"/>
+                <a:cs typeface="Roboto Mono"/>
+                <a:sym typeface="Roboto Mono"/>
+              </a:defRPr>
+            </a:lvl1pPr>
+            <a:lvl2pPr marL="914400" marR="0" lvl="1" indent="-342900" algn="ctr" rtl="0">
+              <a:lnSpc>
+                <a:spcPct val="115000"/>
+              </a:lnSpc>
+              <a:spcBef>
+                <a:spcPts val="2100"/>
+              </a:spcBef>
+              <a:spcAft>
+                <a:spcPts val="0"/>
+              </a:spcAft>
+              <a:buClr>
+                <a:schemeClr val="dk2"/>
+              </a:buClr>
+              <a:buSzPts val="1800"/>
+              <a:buFont typeface="Roboto Mono"/>
+              <a:buNone/>
+              <a:defRPr sz="1800" b="0" i="0" u="none" strike="noStrike" cap="none">
+                <a:solidFill>
+                  <a:schemeClr val="dk2"/>
+                </a:solidFill>
+                <a:latin typeface="Roboto Mono"/>
+                <a:ea typeface="Roboto Mono"/>
+                <a:cs typeface="Roboto Mono"/>
+                <a:sym typeface="Roboto Mono"/>
+              </a:defRPr>
+            </a:lvl2pPr>
+            <a:lvl3pPr marL="1371600" marR="0" lvl="2" indent="-342900" algn="ctr" rtl="0">
+              <a:lnSpc>
+                <a:spcPct val="115000"/>
+              </a:lnSpc>
+              <a:spcBef>
+                <a:spcPts val="2100"/>
+              </a:spcBef>
+              <a:spcAft>
+                <a:spcPts val="0"/>
+              </a:spcAft>
+              <a:buClr>
+                <a:schemeClr val="dk2"/>
+              </a:buClr>
+              <a:buSzPts val="1800"/>
+              <a:buFont typeface="Roboto Mono"/>
+              <a:buNone/>
+              <a:defRPr sz="1800" b="0" i="0" u="none" strike="noStrike" cap="none">
+                <a:solidFill>
+                  <a:schemeClr val="dk2"/>
+                </a:solidFill>
+                <a:latin typeface="Roboto Mono"/>
+                <a:ea typeface="Roboto Mono"/>
+                <a:cs typeface="Roboto Mono"/>
+                <a:sym typeface="Roboto Mono"/>
+              </a:defRPr>
+            </a:lvl3pPr>
+            <a:lvl4pPr marL="1828800" marR="0" lvl="3" indent="-342900" algn="ctr" rtl="0">
+              <a:lnSpc>
+                <a:spcPct val="115000"/>
+              </a:lnSpc>
+              <a:spcBef>
+                <a:spcPts val="2100"/>
+              </a:spcBef>
+              <a:spcAft>
+                <a:spcPts val="0"/>
+              </a:spcAft>
+              <a:buClr>
+                <a:schemeClr val="dk2"/>
+              </a:buClr>
+              <a:buSzPts val="1800"/>
+              <a:buFont typeface="Roboto Mono"/>
+              <a:buNone/>
+              <a:defRPr sz="1800" b="0" i="0" u="none" strike="noStrike" cap="none">
+                <a:solidFill>
+                  <a:schemeClr val="dk2"/>
+                </a:solidFill>
+                <a:latin typeface="Roboto Mono"/>
+                <a:ea typeface="Roboto Mono"/>
+                <a:cs typeface="Roboto Mono"/>
+                <a:sym typeface="Roboto Mono"/>
+              </a:defRPr>
+            </a:lvl4pPr>
+            <a:lvl5pPr marL="2286000" marR="0" lvl="4" indent="-342900" algn="ctr" rtl="0">
+              <a:lnSpc>
+                <a:spcPct val="115000"/>
+              </a:lnSpc>
+              <a:spcBef>
+                <a:spcPts val="2100"/>
+              </a:spcBef>
+              <a:spcAft>
+                <a:spcPts val="0"/>
+              </a:spcAft>
+              <a:buClr>
+                <a:schemeClr val="dk2"/>
+              </a:buClr>
+              <a:buSzPts val="1800"/>
+              <a:buFont typeface="Roboto Mono"/>
+              <a:buNone/>
+              <a:defRPr sz="1800" b="0" i="0" u="none" strike="noStrike" cap="none">
+                <a:solidFill>
+                  <a:schemeClr val="dk2"/>
+                </a:solidFill>
+                <a:latin typeface="Roboto Mono"/>
+                <a:ea typeface="Roboto Mono"/>
+                <a:cs typeface="Roboto Mono"/>
+                <a:sym typeface="Roboto Mono"/>
+              </a:defRPr>
+            </a:lvl5pPr>
+            <a:lvl6pPr marL="2743200" marR="0" lvl="5" indent="-342900" algn="ctr" rtl="0">
+              <a:lnSpc>
+                <a:spcPct val="115000"/>
+              </a:lnSpc>
+              <a:spcBef>
+                <a:spcPts val="2100"/>
+              </a:spcBef>
+              <a:spcAft>
+                <a:spcPts val="0"/>
+              </a:spcAft>
+              <a:buClr>
+                <a:schemeClr val="dk2"/>
+              </a:buClr>
+              <a:buSzPts val="1800"/>
+              <a:buFont typeface="Roboto Mono"/>
+              <a:buNone/>
+              <a:defRPr sz="1800" b="0" i="0" u="none" strike="noStrike" cap="none">
+                <a:solidFill>
+                  <a:schemeClr val="dk2"/>
+                </a:solidFill>
+                <a:latin typeface="Roboto Mono"/>
+                <a:ea typeface="Roboto Mono"/>
+                <a:cs typeface="Roboto Mono"/>
+                <a:sym typeface="Roboto Mono"/>
+              </a:defRPr>
+            </a:lvl6pPr>
+            <a:lvl7pPr marL="3200400" marR="0" lvl="6" indent="-342900" algn="ctr" rtl="0">
+              <a:lnSpc>
+                <a:spcPct val="115000"/>
+              </a:lnSpc>
+              <a:spcBef>
+                <a:spcPts val="2100"/>
+              </a:spcBef>
+              <a:spcAft>
+                <a:spcPts val="0"/>
+              </a:spcAft>
+              <a:buClr>
+                <a:schemeClr val="dk2"/>
+              </a:buClr>
+              <a:buSzPts val="1800"/>
+              <a:buFont typeface="Roboto Mono"/>
+              <a:buNone/>
+              <a:defRPr sz="1800" b="0" i="0" u="none" strike="noStrike" cap="none">
+                <a:solidFill>
+                  <a:schemeClr val="dk2"/>
+                </a:solidFill>
+                <a:latin typeface="Roboto Mono"/>
+                <a:ea typeface="Roboto Mono"/>
+                <a:cs typeface="Roboto Mono"/>
+                <a:sym typeface="Roboto Mono"/>
+              </a:defRPr>
+            </a:lvl7pPr>
+            <a:lvl8pPr marL="3657600" marR="0" lvl="7" indent="-342900" algn="ctr" rtl="0">
+              <a:lnSpc>
+                <a:spcPct val="115000"/>
+              </a:lnSpc>
+              <a:spcBef>
+                <a:spcPts val="2100"/>
+              </a:spcBef>
+              <a:spcAft>
+                <a:spcPts val="0"/>
+              </a:spcAft>
+              <a:buClr>
+                <a:schemeClr val="dk2"/>
+              </a:buClr>
+              <a:buSzPts val="1800"/>
+              <a:buFont typeface="Roboto Mono"/>
+              <a:buNone/>
+              <a:defRPr sz="1800" b="0" i="0" u="none" strike="noStrike" cap="none">
+                <a:solidFill>
+                  <a:schemeClr val="dk2"/>
+                </a:solidFill>
+                <a:latin typeface="Roboto Mono"/>
+                <a:ea typeface="Roboto Mono"/>
+                <a:cs typeface="Roboto Mono"/>
+                <a:sym typeface="Roboto Mono"/>
+              </a:defRPr>
+            </a:lvl8pPr>
+            <a:lvl9pPr marL="4114800" marR="0" lvl="8" indent="-342900" algn="ctr" rtl="0">
+              <a:lnSpc>
+                <a:spcPct val="115000"/>
+              </a:lnSpc>
+              <a:spcBef>
+                <a:spcPts val="2100"/>
+              </a:spcBef>
+              <a:spcAft>
+                <a:spcPts val="2100"/>
+              </a:spcAft>
+              <a:buClr>
+                <a:schemeClr val="dk2"/>
+              </a:buClr>
+              <a:buSzPts val="1800"/>
+              <a:buFont typeface="Roboto Mono"/>
+              <a:buNone/>
+              <a:defRPr sz="1800" b="0" i="0" u="none" strike="noStrike" cap="none">
+                <a:solidFill>
+                  <a:schemeClr val="dk2"/>
+                </a:solidFill>
+                <a:latin typeface="Roboto Mono"/>
+                <a:ea typeface="Roboto Mono"/>
+                <a:cs typeface="Roboto Mono"/>
+                <a:sym typeface="Roboto Mono"/>
+              </a:defRPr>
+            </a:lvl9pPr>
+          </a:lstStyle>
+          <a:p>
+            <a:pPr marL="0" indent="0">
+              <a:spcAft>
+                <a:spcPts val="2100"/>
+              </a:spcAft>
+            </a:pPr>
+            <a:r>
+              <a:rPr lang="en-US" dirty="0" err="1">
+                <a:solidFill>
+                  <a:schemeClr val="accent1"/>
+                </a:solidFill>
+                <a:latin typeface="Cascadia Code" panose="020B0609020000020004" pitchFamily="49" charset="0"/>
+                <a:ea typeface="Roboto Mono" panose="00000009000000000000" pitchFamily="49" charset="0"/>
+                <a:cs typeface="Cascadia Code" panose="020B0609020000020004" pitchFamily="49" charset="0"/>
+              </a:rPr>
+              <a:t>pipe.how</a:t>
             </a:r>
             <a:r>
-              <a:rPr lang="en-US" dirty="0"/>
-              <a:t> non-C#)</a:t>
+              <a:rPr lang="en-US" dirty="0">
+                <a:solidFill>
+                  <a:schemeClr val="accent1"/>
+                </a:solidFill>
+                <a:latin typeface="Cascadia Code" panose="020B0609020000020004" pitchFamily="49" charset="0"/>
+                <a:ea typeface="Roboto Mono" panose="00000009000000000000" pitchFamily="49" charset="0"/>
+                <a:cs typeface="Cascadia Code" panose="020B0609020000020004" pitchFamily="49" charset="0"/>
+              </a:rPr>
+              <a:t>&gt;</a:t>
+            </a:r>
+          </a:p>
+        </p:txBody>
+      </p:sp>
+      <p:sp>
+        <p:nvSpPr>
+          <p:cNvPr id="8" name="Text">
+            <a:extLst>
+              <a:ext uri="{FF2B5EF4-FFF2-40B4-BE49-F238E27FC236}">
+                <a16:creationId xmlns:a16="http://schemas.microsoft.com/office/drawing/2014/main" id="{C06AA0F1-37E4-8887-523D-76DD07379B02}"/>
+              </a:ext>
+            </a:extLst>
+          </p:cNvPr>
+          <p:cNvSpPr txBox="1">
+            <a:spLocks/>
+          </p:cNvSpPr>
+          <p:nvPr/>
+        </p:nvSpPr>
+        <p:spPr>
+          <a:xfrm>
+            <a:off x="1171472" y="1421700"/>
+            <a:ext cx="7175447" cy="4040776"/>
+          </a:xfrm>
+          <a:prstGeom prst="rect">
+            <a:avLst/>
+          </a:prstGeom>
+          <a:noFill/>
+          <a:ln>
+            <a:noFill/>
+          </a:ln>
+        </p:spPr>
+        <p:txBody>
+          <a:bodyPr spcFirstLastPara="1" wrap="square" lIns="121900" tIns="121900" rIns="121900" bIns="121900" anchor="t" anchorCtr="0">
+            <a:noAutofit/>
+          </a:bodyPr>
+          <a:lstStyle>
+            <a:defPPr marR="0" lvl="0" algn="l" rtl="0">
+              <a:lnSpc>
+                <a:spcPct val="100000"/>
+              </a:lnSpc>
+              <a:spcBef>
+                <a:spcPts val="0"/>
+              </a:spcBef>
+              <a:spcAft>
+                <a:spcPts val="0"/>
+              </a:spcAft>
+            </a:defPPr>
+            <a:lvl1pPr marL="457200" marR="0" lvl="0" indent="-317500" algn="l" rtl="0">
+              <a:lnSpc>
+                <a:spcPct val="115000"/>
+              </a:lnSpc>
+              <a:spcBef>
+                <a:spcPts val="0"/>
+              </a:spcBef>
+              <a:spcAft>
+                <a:spcPts val="0"/>
+              </a:spcAft>
+              <a:buClr>
+                <a:schemeClr val="dk2"/>
+              </a:buClr>
+              <a:buSzPts val="1400"/>
+              <a:buFont typeface="Roboto Mono"/>
+              <a:buChar char="●"/>
+              <a:defRPr sz="1400" b="0" i="0" u="none" strike="noStrike" cap="none">
+                <a:solidFill>
+                  <a:schemeClr val="dk2"/>
+                </a:solidFill>
+                <a:latin typeface="Roboto Mono"/>
+                <a:ea typeface="Roboto Mono"/>
+                <a:cs typeface="Roboto Mono"/>
+                <a:sym typeface="Roboto Mono"/>
+              </a:defRPr>
+            </a:lvl1pPr>
+            <a:lvl2pPr marL="914400" marR="0" lvl="1" indent="-317500" algn="l" rtl="0">
+              <a:lnSpc>
+                <a:spcPct val="115000"/>
+              </a:lnSpc>
+              <a:spcBef>
+                <a:spcPts val="2100"/>
+              </a:spcBef>
+              <a:spcAft>
+                <a:spcPts val="0"/>
+              </a:spcAft>
+              <a:buClr>
+                <a:schemeClr val="dk2"/>
+              </a:buClr>
+              <a:buSzPts val="1400"/>
+              <a:buFont typeface="Roboto Mono"/>
+              <a:buChar char="○"/>
+              <a:defRPr sz="1400" b="0" i="0" u="none" strike="noStrike" cap="none">
+                <a:solidFill>
+                  <a:schemeClr val="dk2"/>
+                </a:solidFill>
+                <a:latin typeface="Roboto Mono"/>
+                <a:ea typeface="Roboto Mono"/>
+                <a:cs typeface="Roboto Mono"/>
+                <a:sym typeface="Roboto Mono"/>
+              </a:defRPr>
+            </a:lvl2pPr>
+            <a:lvl3pPr marL="1371600" marR="0" lvl="2" indent="-317500" algn="l" rtl="0">
+              <a:lnSpc>
+                <a:spcPct val="115000"/>
+              </a:lnSpc>
+              <a:spcBef>
+                <a:spcPts val="2100"/>
+              </a:spcBef>
+              <a:spcAft>
+                <a:spcPts val="0"/>
+              </a:spcAft>
+              <a:buClr>
+                <a:schemeClr val="dk2"/>
+              </a:buClr>
+              <a:buSzPts val="1400"/>
+              <a:buFont typeface="Roboto Mono"/>
+              <a:buChar char="■"/>
+              <a:defRPr sz="1400" b="0" i="0" u="none" strike="noStrike" cap="none">
+                <a:solidFill>
+                  <a:schemeClr val="dk2"/>
+                </a:solidFill>
+                <a:latin typeface="Roboto Mono"/>
+                <a:ea typeface="Roboto Mono"/>
+                <a:cs typeface="Roboto Mono"/>
+                <a:sym typeface="Roboto Mono"/>
+              </a:defRPr>
+            </a:lvl3pPr>
+            <a:lvl4pPr marL="1828800" marR="0" lvl="3" indent="-317500" algn="l" rtl="0">
+              <a:lnSpc>
+                <a:spcPct val="115000"/>
+              </a:lnSpc>
+              <a:spcBef>
+                <a:spcPts val="2100"/>
+              </a:spcBef>
+              <a:spcAft>
+                <a:spcPts val="0"/>
+              </a:spcAft>
+              <a:buClr>
+                <a:schemeClr val="dk2"/>
+              </a:buClr>
+              <a:buSzPts val="1400"/>
+              <a:buFont typeface="Roboto Mono"/>
+              <a:buChar char="●"/>
+              <a:defRPr sz="1400" b="0" i="0" u="none" strike="noStrike" cap="none">
+                <a:solidFill>
+                  <a:schemeClr val="dk2"/>
+                </a:solidFill>
+                <a:latin typeface="Roboto Mono"/>
+                <a:ea typeface="Roboto Mono"/>
+                <a:cs typeface="Roboto Mono"/>
+                <a:sym typeface="Roboto Mono"/>
+              </a:defRPr>
+            </a:lvl4pPr>
+            <a:lvl5pPr marL="2286000" marR="0" lvl="4" indent="-317500" algn="l" rtl="0">
+              <a:lnSpc>
+                <a:spcPct val="115000"/>
+              </a:lnSpc>
+              <a:spcBef>
+                <a:spcPts val="2100"/>
+              </a:spcBef>
+              <a:spcAft>
+                <a:spcPts val="0"/>
+              </a:spcAft>
+              <a:buClr>
+                <a:schemeClr val="dk2"/>
+              </a:buClr>
+              <a:buSzPts val="1400"/>
+              <a:buFont typeface="Roboto Mono"/>
+              <a:buChar char="○"/>
+              <a:defRPr sz="1400" b="0" i="0" u="none" strike="noStrike" cap="none">
+                <a:solidFill>
+                  <a:schemeClr val="dk2"/>
+                </a:solidFill>
+                <a:latin typeface="Roboto Mono"/>
+                <a:ea typeface="Roboto Mono"/>
+                <a:cs typeface="Roboto Mono"/>
+                <a:sym typeface="Roboto Mono"/>
+              </a:defRPr>
+            </a:lvl5pPr>
+            <a:lvl6pPr marL="2743200" marR="0" lvl="5" indent="-317500" algn="l" rtl="0">
+              <a:lnSpc>
+                <a:spcPct val="115000"/>
+              </a:lnSpc>
+              <a:spcBef>
+                <a:spcPts val="2100"/>
+              </a:spcBef>
+              <a:spcAft>
+                <a:spcPts val="0"/>
+              </a:spcAft>
+              <a:buClr>
+                <a:schemeClr val="dk2"/>
+              </a:buClr>
+              <a:buSzPts val="1400"/>
+              <a:buFont typeface="Roboto Mono"/>
+              <a:buChar char="■"/>
+              <a:defRPr sz="1400" b="0" i="0" u="none" strike="noStrike" cap="none">
+                <a:solidFill>
+                  <a:schemeClr val="dk2"/>
+                </a:solidFill>
+                <a:latin typeface="Roboto Mono"/>
+                <a:ea typeface="Roboto Mono"/>
+                <a:cs typeface="Roboto Mono"/>
+                <a:sym typeface="Roboto Mono"/>
+              </a:defRPr>
+            </a:lvl6pPr>
+            <a:lvl7pPr marL="3200400" marR="0" lvl="6" indent="-317500" algn="l" rtl="0">
+              <a:lnSpc>
+                <a:spcPct val="115000"/>
+              </a:lnSpc>
+              <a:spcBef>
+                <a:spcPts val="2100"/>
+              </a:spcBef>
+              <a:spcAft>
+                <a:spcPts val="0"/>
+              </a:spcAft>
+              <a:buClr>
+                <a:schemeClr val="dk2"/>
+              </a:buClr>
+              <a:buSzPts val="1400"/>
+              <a:buFont typeface="Roboto Mono"/>
+              <a:buChar char="●"/>
+              <a:defRPr sz="1400" b="0" i="0" u="none" strike="noStrike" cap="none">
+                <a:solidFill>
+                  <a:schemeClr val="dk2"/>
+                </a:solidFill>
+                <a:latin typeface="Roboto Mono"/>
+                <a:ea typeface="Roboto Mono"/>
+                <a:cs typeface="Roboto Mono"/>
+                <a:sym typeface="Roboto Mono"/>
+              </a:defRPr>
+            </a:lvl7pPr>
+            <a:lvl8pPr marL="3657600" marR="0" lvl="7" indent="-317500" algn="l" rtl="0">
+              <a:lnSpc>
+                <a:spcPct val="115000"/>
+              </a:lnSpc>
+              <a:spcBef>
+                <a:spcPts val="2100"/>
+              </a:spcBef>
+              <a:spcAft>
+                <a:spcPts val="0"/>
+              </a:spcAft>
+              <a:buClr>
+                <a:schemeClr val="dk2"/>
+              </a:buClr>
+              <a:buSzPts val="1400"/>
+              <a:buFont typeface="Roboto Mono"/>
+              <a:buChar char="○"/>
+              <a:defRPr sz="1400" b="0" i="0" u="none" strike="noStrike" cap="none">
+                <a:solidFill>
+                  <a:schemeClr val="dk2"/>
+                </a:solidFill>
+                <a:latin typeface="Roboto Mono"/>
+                <a:ea typeface="Roboto Mono"/>
+                <a:cs typeface="Roboto Mono"/>
+                <a:sym typeface="Roboto Mono"/>
+              </a:defRPr>
+            </a:lvl8pPr>
+            <a:lvl9pPr marL="4114800" marR="0" lvl="8" indent="-317500" algn="l" rtl="0">
+              <a:lnSpc>
+                <a:spcPct val="115000"/>
+              </a:lnSpc>
+              <a:spcBef>
+                <a:spcPts val="2100"/>
+              </a:spcBef>
+              <a:spcAft>
+                <a:spcPts val="2100"/>
+              </a:spcAft>
+              <a:buClr>
+                <a:schemeClr val="dk2"/>
+              </a:buClr>
+              <a:buSzPts val="1400"/>
+              <a:buFont typeface="Roboto Mono"/>
+              <a:buChar char="■"/>
+              <a:defRPr sz="1400" b="0" i="0" u="none" strike="noStrike" cap="none">
+                <a:solidFill>
+                  <a:schemeClr val="dk2"/>
+                </a:solidFill>
+                <a:latin typeface="Roboto Mono"/>
+                <a:ea typeface="Roboto Mono"/>
+                <a:cs typeface="Roboto Mono"/>
+                <a:sym typeface="Roboto Mono"/>
+              </a:defRPr>
+            </a:lvl9pPr>
+          </a:lstStyle>
+          <a:p>
+            <a:pPr marL="139700" indent="0">
+              <a:lnSpc>
+                <a:spcPct val="150000"/>
+              </a:lnSpc>
+              <a:buNone/>
+            </a:pPr>
+            <a:r>
+              <a:rPr lang="en-US" sz="3200" dirty="0">
+                <a:latin typeface="Cascadia Code" panose="020B0609020000020004" pitchFamily="49" charset="0"/>
+                <a:cs typeface="Cascadia Code" panose="020B0609020000020004" pitchFamily="49" charset="0"/>
+              </a:rPr>
+              <a:t>⚡ “Just run my code”</a:t>
             </a:r>
           </a:p>
           <a:p>
-            <a:pPr lvl="1">
+            <a:pPr marL="139700" indent="0">
               <a:lnSpc>
-                <a:spcPct val="100000"/>
+                <a:spcPct val="150000"/>
               </a:lnSpc>
+              <a:buNone/>
+            </a:pPr>
+            <a:endParaRPr lang="en-US" sz="3200" dirty="0">
+              <a:latin typeface="Cascadia Code" panose="020B0609020000020004" pitchFamily="49" charset="0"/>
+              <a:cs typeface="Cascadia Code" panose="020B0609020000020004" pitchFamily="49" charset="0"/>
+            </a:endParaRPr>
+          </a:p>
+          <a:p>
+            <a:pPr marL="139700" indent="0">
+              <a:lnSpc>
+                <a:spcPct val="150000"/>
+              </a:lnSpc>
+              <a:buNone/>
             </a:pPr>
             <a:r>
-              <a:rPr lang="en-US" dirty="0"/>
-              <a:t>Behind the scenes everything is a </a:t>
-            </a:r>
-            <a:r>
-              <a:rPr lang="en-US" dirty="0" err="1"/>
-              <a:t>nuget</a:t>
-            </a:r>
-            <a:r>
-              <a:rPr lang="en-US" dirty="0"/>
-              <a:t> package anyway</a:t>
+              <a:rPr lang="en-US" sz="3200" dirty="0">
+                <a:latin typeface="Cascadia Code" panose="020B0609020000020004" pitchFamily="49" charset="0"/>
+                <a:cs typeface="Cascadia Code" panose="020B0609020000020004" pitchFamily="49" charset="0"/>
+              </a:rPr>
+              <a:t>🔃 Integrations &amp; Auth</a:t>
             </a:r>
           </a:p>
           <a:p>
-            <a:pPr>
+            <a:pPr marL="139700" indent="0">
               <a:lnSpc>
-                <a:spcPct val="100000"/>
+                <a:spcPct val="150000"/>
               </a:lnSpc>
+              <a:buNone/>
+            </a:pPr>
+            <a:endParaRPr lang="en-US" sz="3200" dirty="0">
+              <a:latin typeface="Cascadia Code" panose="020B0609020000020004" pitchFamily="49" charset="0"/>
+              <a:cs typeface="Cascadia Code" panose="020B0609020000020004" pitchFamily="49" charset="0"/>
+            </a:endParaRPr>
+          </a:p>
+          <a:p>
+            <a:pPr marL="139700" indent="0">
+              <a:lnSpc>
+                <a:spcPct val="150000"/>
+              </a:lnSpc>
+              <a:buNone/>
             </a:pPr>
             <a:r>
-              <a:rPr lang="en-US" dirty="0"/>
-              <a:t>NuGet Packages for C#</a:t>
-            </a:r>
-          </a:p>
-          <a:p>
-            <a:pPr>
-              <a:lnSpc>
-                <a:spcPct val="100000"/>
-              </a:lnSpc>
-            </a:pPr>
-            <a:endParaRPr lang="en-US" dirty="0"/>
-          </a:p>
-          <a:p>
-            <a:pPr>
-              <a:lnSpc>
-                <a:spcPct val="100000"/>
-              </a:lnSpc>
-            </a:pPr>
-            <a:endParaRPr lang="en-US" dirty="0"/>
-          </a:p>
-          <a:p>
-            <a:pPr>
-              <a:lnSpc>
-                <a:spcPct val="100000"/>
-              </a:lnSpc>
-            </a:pPr>
-            <a:endParaRPr lang="en-US" dirty="0"/>
-          </a:p>
-          <a:p>
-            <a:pPr>
-              <a:lnSpc>
-                <a:spcPct val="100000"/>
-              </a:lnSpc>
-            </a:pPr>
-            <a:r>
-              <a:rPr lang="en-US" dirty="0"/>
-              <a:t>Identity-based connection</a:t>
-            </a:r>
-          </a:p>
-          <a:p>
-            <a:pPr>
-              <a:lnSpc>
-                <a:spcPct val="100000"/>
-              </a:lnSpc>
-            </a:pPr>
-            <a:endParaRPr lang="en-US" dirty="0"/>
-          </a:p>
-          <a:p>
-            <a:pPr>
-              <a:lnSpc>
-                <a:spcPct val="100000"/>
-              </a:lnSpc>
-            </a:pPr>
-            <a:endParaRPr lang="en-US" dirty="0"/>
-          </a:p>
-          <a:p>
-            <a:pPr>
-              <a:lnSpc>
-                <a:spcPct val="100000"/>
-              </a:lnSpc>
-            </a:pPr>
-            <a:r>
-              <a:rPr lang="en-US" dirty="0"/>
-              <a:t>Azure Function Demo</a:t>
-            </a:r>
-            <a:br>
-              <a:rPr lang="en-US" dirty="0"/>
-            </a:br>
-            <a:r>
-              <a:rPr lang="en-US" dirty="0"/>
-              <a:t>Bicep template</a:t>
-            </a:r>
-            <a:br>
-              <a:rPr lang="en-US" dirty="0"/>
-            </a:br>
-            <a:r>
-              <a:rPr lang="en-US" dirty="0"/>
-              <a:t>  Shared ASP, Consumption</a:t>
-            </a:r>
-            <a:br>
-              <a:rPr lang="en-US" dirty="0"/>
-            </a:br>
-            <a:r>
-              <a:rPr lang="en-US" dirty="0"/>
-              <a:t>  Two in C#</a:t>
-            </a:r>
-            <a:br>
-              <a:rPr lang="en-US" dirty="0"/>
-            </a:br>
-            <a:r>
-              <a:rPr lang="en-US" dirty="0"/>
-              <a:t>    Timer Trigger, Get Cost Management API (System-Assigned), Post to Queue (Binding)</a:t>
-            </a:r>
-            <a:br>
-              <a:rPr lang="en-US" dirty="0"/>
-            </a:br>
-            <a:r>
-              <a:rPr lang="en-US" dirty="0"/>
-              <a:t>	Queue Trigger, Post item to Table (Binding)</a:t>
-            </a:r>
-            <a:br>
-              <a:rPr lang="en-US" dirty="0"/>
-            </a:br>
-            <a:r>
-              <a:rPr lang="en-US" dirty="0"/>
-              <a:t>  One in PowerShell</a:t>
-            </a:r>
-            <a:br>
-              <a:rPr lang="en-US" dirty="0"/>
-            </a:br>
-            <a:r>
-              <a:rPr lang="en-US" dirty="0"/>
-              <a:t>	HTTP Trigger, Get Table results (Binding), HTTP Response</a:t>
+              <a:rPr lang="en-US" sz="3200" dirty="0">
+                <a:latin typeface="Cascadia Code" panose="020B0609020000020004" pitchFamily="49" charset="0"/>
+                <a:cs typeface="Cascadia Code" panose="020B0609020000020004" pitchFamily="49" charset="0"/>
+              </a:rPr>
+              <a:t>📦 Platform Flexibility</a:t>
             </a:r>
           </a:p>
         </p:txBody>
       </p:sp>
     </p:spTree>
-    <p:extLst>
-      <p:ext uri="{BB962C8B-B14F-4D97-AF65-F5344CB8AC3E}">
-        <p14:creationId xmlns:p14="http://schemas.microsoft.com/office/powerpoint/2010/main" val="588388030"/>
-      </p:ext>
-    </p:extLst>
   </p:cSld>
   <p:clrMapOvr>
     <a:masterClrMapping/>
   </p:clrMapOvr>
+  <p:timing>
+    <p:tnLst>
+      <p:par>
+        <p:cTn id="1" dur="indefinite" restart="never" nodeType="tmRoot">
+          <p:childTnLst>
+            <p:seq concurrent="1" nextAc="seek">
+              <p:cTn id="2" dur="indefinite" nodeType="mainSeq">
+                <p:childTnLst>
+                  <p:par>
+                    <p:cTn id="3" fill="hold">
+                      <p:stCondLst>
+                        <p:cond delay="indefinite"/>
+                      </p:stCondLst>
+                      <p:childTnLst>
+                        <p:par>
+                          <p:cTn id="4" fill="hold">
+                            <p:stCondLst>
+                              <p:cond delay="0"/>
+                            </p:stCondLst>
+                            <p:childTnLst>
+                              <p:par>
+                                <p:cTn id="5" presetID="1" presetClass="entr" presetSubtype="0" fill="hold" grpId="0" nodeType="clickEffect">
+                                  <p:stCondLst>
+                                    <p:cond delay="0"/>
+                                  </p:stCondLst>
+                                  <p:iterate type="lt">
+                                    <p:tmAbs val="50"/>
+                                  </p:iterate>
+                                  <p:childTnLst>
+                                    <p:set>
+                                      <p:cBhvr>
+                                        <p:cTn id="6" dur="1" fill="hold">
+                                          <p:stCondLst>
+                                            <p:cond delay="0"/>
+                                          </p:stCondLst>
+                                        </p:cTn>
+                                        <p:tgtEl>
+                                          <p:spTgt spid="6">
+                                            <p:txEl>
+                                              <p:pRg st="0" end="0"/>
+                                            </p:txEl>
+                                          </p:spTgt>
+                                        </p:tgtEl>
+                                        <p:attrNameLst>
+                                          <p:attrName>style.visibility</p:attrName>
+                                        </p:attrNameLst>
+                                      </p:cBhvr>
+                                      <p:to>
+                                        <p:strVal val="visible"/>
+                                      </p:to>
+                                    </p:set>
+                                  </p:childTnLst>
+                                </p:cTn>
+                              </p:par>
+                            </p:childTnLst>
+                          </p:cTn>
+                        </p:par>
+                      </p:childTnLst>
+                    </p:cTn>
+                  </p:par>
+                  <p:par>
+                    <p:cTn id="7" fill="hold">
+                      <p:stCondLst>
+                        <p:cond delay="indefinite"/>
+                      </p:stCondLst>
+                      <p:childTnLst>
+                        <p:par>
+                          <p:cTn id="8" fill="hold">
+                            <p:stCondLst>
+                              <p:cond delay="0"/>
+                            </p:stCondLst>
+                            <p:childTnLst>
+                              <p:par>
+                                <p:cTn id="9" presetID="10" presetClass="exit" presetSubtype="0" fill="hold" grpId="1" nodeType="clickEffect">
+                                  <p:stCondLst>
+                                    <p:cond delay="0"/>
+                                  </p:stCondLst>
+                                  <p:iterate type="lt">
+                                    <p:tmPct val="0"/>
+                                  </p:iterate>
+                                  <p:childTnLst>
+                                    <p:animEffect transition="out" filter="fade">
+                                      <p:cBhvr>
+                                        <p:cTn id="10" dur="500"/>
+                                        <p:tgtEl>
+                                          <p:spTgt spid="6">
+                                            <p:txEl>
+                                              <p:pRg st="0" end="0"/>
+                                            </p:txEl>
+                                          </p:spTgt>
+                                        </p:tgtEl>
+                                      </p:cBhvr>
+                                    </p:animEffect>
+                                    <p:set>
+                                      <p:cBhvr>
+                                        <p:cTn id="11" dur="1" fill="hold">
+                                          <p:stCondLst>
+                                            <p:cond delay="499"/>
+                                          </p:stCondLst>
+                                        </p:cTn>
+                                        <p:tgtEl>
+                                          <p:spTgt spid="6">
+                                            <p:txEl>
+                                              <p:pRg st="0" end="0"/>
+                                            </p:txEl>
+                                          </p:spTgt>
+                                        </p:tgtEl>
+                                        <p:attrNameLst>
+                                          <p:attrName>style.visibility</p:attrName>
+                                        </p:attrNameLst>
+                                      </p:cBhvr>
+                                      <p:to>
+                                        <p:strVal val="hidden"/>
+                                      </p:to>
+                                    </p:set>
+                                  </p:childTnLst>
+                                </p:cTn>
+                              </p:par>
+                              <p:par>
+                                <p:cTn id="12" presetID="10" presetClass="exit" presetSubtype="0" fill="hold" grpId="0" nodeType="withEffect">
+                                  <p:stCondLst>
+                                    <p:cond delay="0"/>
+                                  </p:stCondLst>
+                                  <p:childTnLst>
+                                    <p:animEffect transition="out" filter="fade">
+                                      <p:cBhvr>
+                                        <p:cTn id="13" dur="500"/>
+                                        <p:tgtEl>
+                                          <p:spTgt spid="7"/>
+                                        </p:tgtEl>
+                                      </p:cBhvr>
+                                    </p:animEffect>
+                                    <p:set>
+                                      <p:cBhvr>
+                                        <p:cTn id="14" dur="1" fill="hold">
+                                          <p:stCondLst>
+                                            <p:cond delay="499"/>
+                                          </p:stCondLst>
+                                        </p:cTn>
+                                        <p:tgtEl>
+                                          <p:spTgt spid="7"/>
+                                        </p:tgtEl>
+                                        <p:attrNameLst>
+                                          <p:attrName>style.visibility</p:attrName>
+                                        </p:attrNameLst>
+                                      </p:cBhvr>
+                                      <p:to>
+                                        <p:strVal val="hidden"/>
+                                      </p:to>
+                                    </p:set>
+                                  </p:childTnLst>
+                                </p:cTn>
+                              </p:par>
+                              <p:par>
+                                <p:cTn id="15" presetID="10" presetClass="entr" presetSubtype="0" fill="hold" grpId="0" nodeType="withEffect">
+                                  <p:stCondLst>
+                                    <p:cond delay="500"/>
+                                  </p:stCondLst>
+                                  <p:childTnLst>
+                                    <p:set>
+                                      <p:cBhvr>
+                                        <p:cTn id="16" dur="1" fill="hold">
+                                          <p:stCondLst>
+                                            <p:cond delay="0"/>
+                                          </p:stCondLst>
+                                        </p:cTn>
+                                        <p:tgtEl>
+                                          <p:spTgt spid="8">
+                                            <p:txEl>
+                                              <p:pRg st="0" end="0"/>
+                                            </p:txEl>
+                                          </p:spTgt>
+                                        </p:tgtEl>
+                                        <p:attrNameLst>
+                                          <p:attrName>style.visibility</p:attrName>
+                                        </p:attrNameLst>
+                                      </p:cBhvr>
+                                      <p:to>
+                                        <p:strVal val="visible"/>
+                                      </p:to>
+                                    </p:set>
+                                    <p:animEffect transition="in" filter="fade">
+                                      <p:cBhvr>
+                                        <p:cTn id="17" dur="500"/>
+                                        <p:tgtEl>
+                                          <p:spTgt spid="8">
+                                            <p:txEl>
+                                              <p:pRg st="0" end="0"/>
+                                            </p:txEl>
+                                          </p:spTgt>
+                                        </p:tgtEl>
+                                      </p:cBhvr>
+                                    </p:animEffect>
+                                  </p:childTnLst>
+                                </p:cTn>
+                              </p:par>
+                            </p:childTnLst>
+                          </p:cTn>
+                        </p:par>
+                      </p:childTnLst>
+                    </p:cTn>
+                  </p:par>
+                  <p:par>
+                    <p:cTn id="18" fill="hold">
+                      <p:stCondLst>
+                        <p:cond delay="indefinite"/>
+                      </p:stCondLst>
+                      <p:childTnLst>
+                        <p:par>
+                          <p:cTn id="19" fill="hold">
+                            <p:stCondLst>
+                              <p:cond delay="0"/>
+                            </p:stCondLst>
+                            <p:childTnLst>
+                              <p:par>
+                                <p:cTn id="20" presetID="10" presetClass="entr" presetSubtype="0" fill="hold" grpId="0" nodeType="clickEffect">
+                                  <p:stCondLst>
+                                    <p:cond delay="0"/>
+                                  </p:stCondLst>
+                                  <p:childTnLst>
+                                    <p:set>
+                                      <p:cBhvr>
+                                        <p:cTn id="21" dur="1" fill="hold">
+                                          <p:stCondLst>
+                                            <p:cond delay="0"/>
+                                          </p:stCondLst>
+                                        </p:cTn>
+                                        <p:tgtEl>
+                                          <p:spTgt spid="8">
+                                            <p:txEl>
+                                              <p:pRg st="2" end="2"/>
+                                            </p:txEl>
+                                          </p:spTgt>
+                                        </p:tgtEl>
+                                        <p:attrNameLst>
+                                          <p:attrName>style.visibility</p:attrName>
+                                        </p:attrNameLst>
+                                      </p:cBhvr>
+                                      <p:to>
+                                        <p:strVal val="visible"/>
+                                      </p:to>
+                                    </p:set>
+                                    <p:animEffect transition="in" filter="fade">
+                                      <p:cBhvr>
+                                        <p:cTn id="22" dur="500"/>
+                                        <p:tgtEl>
+                                          <p:spTgt spid="8">
+                                            <p:txEl>
+                                              <p:pRg st="2" end="2"/>
+                                            </p:txEl>
+                                          </p:spTgt>
+                                        </p:tgtEl>
+                                      </p:cBhvr>
+                                    </p:animEffect>
+                                  </p:childTnLst>
+                                </p:cTn>
+                              </p:par>
+                            </p:childTnLst>
+                          </p:cTn>
+                        </p:par>
+                      </p:childTnLst>
+                    </p:cTn>
+                  </p:par>
+                  <p:par>
+                    <p:cTn id="23" fill="hold">
+                      <p:stCondLst>
+                        <p:cond delay="indefinite"/>
+                      </p:stCondLst>
+                      <p:childTnLst>
+                        <p:par>
+                          <p:cTn id="24" fill="hold">
+                            <p:stCondLst>
+                              <p:cond delay="0"/>
+                            </p:stCondLst>
+                            <p:childTnLst>
+                              <p:par>
+                                <p:cTn id="25" presetID="10" presetClass="entr" presetSubtype="0" fill="hold" grpId="0" nodeType="clickEffect">
+                                  <p:stCondLst>
+                                    <p:cond delay="0"/>
+                                  </p:stCondLst>
+                                  <p:childTnLst>
+                                    <p:set>
+                                      <p:cBhvr>
+                                        <p:cTn id="26" dur="1" fill="hold">
+                                          <p:stCondLst>
+                                            <p:cond delay="0"/>
+                                          </p:stCondLst>
+                                        </p:cTn>
+                                        <p:tgtEl>
+                                          <p:spTgt spid="8">
+                                            <p:txEl>
+                                              <p:pRg st="4" end="4"/>
+                                            </p:txEl>
+                                          </p:spTgt>
+                                        </p:tgtEl>
+                                        <p:attrNameLst>
+                                          <p:attrName>style.visibility</p:attrName>
+                                        </p:attrNameLst>
+                                      </p:cBhvr>
+                                      <p:to>
+                                        <p:strVal val="visible"/>
+                                      </p:to>
+                                    </p:set>
+                                    <p:animEffect transition="in" filter="fade">
+                                      <p:cBhvr>
+                                        <p:cTn id="27" dur="500"/>
+                                        <p:tgtEl>
+                                          <p:spTgt spid="8">
+                                            <p:txEl>
+                                              <p:pRg st="4" end="4"/>
+                                            </p:txEl>
+                                          </p:spTgt>
+                                        </p:tgtEl>
+                                      </p:cBhvr>
+                                    </p:animEffect>
+                                  </p:childTnLst>
+                                </p:cTn>
+                              </p:par>
+                            </p:childTnLst>
+                          </p:cTn>
+                        </p:par>
+                      </p:childTnLst>
+                    </p:cTn>
+                  </p:par>
+                </p:childTnLst>
+              </p:cTn>
+              <p:prevCondLst>
+                <p:cond evt="onPrev" delay="0">
+                  <p:tgtEl>
+                    <p:sldTgt/>
+                  </p:tgtEl>
+                </p:cond>
+              </p:prevCondLst>
+              <p:nextCondLst>
+                <p:cond evt="onNext" delay="0">
+                  <p:tgtEl>
+                    <p:sldTgt/>
+                  </p:tgtEl>
+                </p:cond>
+              </p:nextCondLst>
+            </p:seq>
+          </p:childTnLst>
+        </p:cTn>
+      </p:par>
+    </p:tnLst>
+    <p:bldLst>
+      <p:bldP spid="6" grpId="0" build="p"/>
+      <p:bldP spid="6" grpId="1" build="allAtOnce"/>
+      <p:bldP spid="7" grpId="0"/>
+      <p:bldP spid="8" grpId="0" uiExpand="1" build="p"/>
+    </p:bldLst>
+  </p:timing>
 </p:sld>
 </file>
 
-<file path=ppt/slides/slide7.xml><?xml version="1.0" encoding="utf-8"?>
+<file path=ppt/slides/slide8.xml><?xml version="1.0" encoding="utf-8"?>
 <p:sld xmlns:a="http://schemas.openxmlformats.org/drawingml/2006/main" xmlns:r="http://schemas.openxmlformats.org/officeDocument/2006/relationships" xmlns:p="http://schemas.openxmlformats.org/presentationml/2006/main">
   <p:cSld>
     <p:spTree>
@@ -31929,8 +37056,8 @@
             <a:chExt cx="3907080" cy="1721160"/>
           </a:xfrm>
         </p:grpSpPr>
-        <mc:AlternateContent xmlns:mc="http://schemas.openxmlformats.org/markup-compatibility/2006" xmlns:p14="http://schemas.microsoft.com/office/powerpoint/2010/main">
-          <mc:Choice Requires="p14">
+        <mc:AlternateContent xmlns:mc="http://schemas.openxmlformats.org/markup-compatibility/2006">
+          <mc:Choice xmlns:p14="http://schemas.microsoft.com/office/powerpoint/2010/main" Requires="p14">
             <p:contentPart p14:bwMode="auto" r:id="rId3">
               <p14:nvContentPartPr>
                 <p14:cNvPr id="27" name="Ink 26">
@@ -31949,7 +37076,7 @@
               </p14:xfrm>
             </p:contentPart>
           </mc:Choice>
-          <mc:Fallback xmlns="">
+          <mc:Fallback>
             <p:pic>
               <p:nvPicPr>
                 <p:cNvPr id="27" name="Ink 26">
@@ -31970,8 +37097,8 @@
               </p:blipFill>
               <p:spPr>
                 <a:xfrm>
-                  <a:off x="8318655" y="5012516"/>
-                  <a:ext cx="1496880" cy="1026720"/>
+                  <a:off x="8318659" y="5012516"/>
+                  <a:ext cx="1496871" cy="1026720"/>
                 </a:xfrm>
                 <a:prstGeom prst="rect">
                   <a:avLst/>
@@ -31980,9 +37107,60 @@
             </p:pic>
           </mc:Fallback>
         </mc:AlternateContent>
-        <mc:AlternateContent xmlns:mc="http://schemas.openxmlformats.org/markup-compatibility/2006" xmlns:p14="http://schemas.microsoft.com/office/powerpoint/2010/main">
-          <mc:Choice Requires="p14">
+        <mc:AlternateContent xmlns:mc="http://schemas.openxmlformats.org/markup-compatibility/2006">
+          <mc:Choice xmlns:p14="http://schemas.microsoft.com/office/powerpoint/2010/main" Requires="p14">
             <p:contentPart p14:bwMode="auto" r:id="rId5">
+              <p14:nvContentPartPr>
+                <p14:cNvPr id="31" name="Ink 30">
+                  <a:extLst>
+                    <a:ext uri="{FF2B5EF4-FFF2-40B4-BE49-F238E27FC236}">
+                      <a16:creationId xmlns:a16="http://schemas.microsoft.com/office/drawing/2014/main" id="{C3A6BBED-7B79-907F-589F-43C1D9BAAB4A}"/>
+                    </a:ext>
+                  </a:extLst>
+                </p14:cNvPr>
+                <p14:cNvContentPartPr/>
+                <p14:nvPr/>
+              </p14:nvContentPartPr>
+              <p14:xfrm>
+                <a:off x="9544455" y="5650076"/>
+                <a:ext cx="254160" cy="361440"/>
+              </p14:xfrm>
+            </p:contentPart>
+          </mc:Choice>
+          <mc:Fallback>
+            <p:pic>
+              <p:nvPicPr>
+                <p:cNvPr id="31" name="Ink 30">
+                  <a:extLst>
+                    <a:ext uri="{FF2B5EF4-FFF2-40B4-BE49-F238E27FC236}">
+                      <a16:creationId xmlns:a16="http://schemas.microsoft.com/office/drawing/2014/main" id="{C3A6BBED-7B79-907F-589F-43C1D9BAAB4A}"/>
+                    </a:ext>
+                  </a:extLst>
+                </p:cNvPr>
+                <p:cNvPicPr/>
+                <p:nvPr/>
+              </p:nvPicPr>
+              <p:blipFill>
+                <a:blip r:embed="rId6"/>
+                <a:stretch>
+                  <a:fillRect/>
+                </a:stretch>
+              </p:blipFill>
+              <p:spPr>
+                <a:xfrm>
+                  <a:off x="9526455" y="5632076"/>
+                  <a:ext cx="289800" cy="397080"/>
+                </a:xfrm>
+                <a:prstGeom prst="rect">
+                  <a:avLst/>
+                </a:prstGeom>
+              </p:spPr>
+            </p:pic>
+          </mc:Fallback>
+        </mc:AlternateContent>
+        <mc:AlternateContent xmlns:mc="http://schemas.openxmlformats.org/markup-compatibility/2006">
+          <mc:Choice xmlns:p14="http://schemas.microsoft.com/office/powerpoint/2010/main" Requires="p14">
+            <p:contentPart p14:bwMode="auto" r:id="rId7">
               <p14:nvContentPartPr>
                 <p14:cNvPr id="881" name="Ink 880">
                   <a:extLst>
@@ -32000,7 +37178,7 @@
               </p14:xfrm>
             </p:contentPart>
           </mc:Choice>
-          <mc:Fallback xmlns="">
+          <mc:Fallback>
             <p:pic>
               <p:nvPicPr>
                 <p:cNvPr id="881" name="Ink 880">
@@ -32014,14 +37192,14 @@
                 <p:nvPr/>
               </p:nvPicPr>
               <p:blipFill>
-                <a:blip r:embed="rId6"/>
+                <a:blip r:embed="rId8"/>
                 <a:stretch>
                   <a:fillRect/>
                 </a:stretch>
               </p:blipFill>
               <p:spPr>
                 <a:xfrm>
-                  <a:off x="8043165" y="5939615"/>
+                  <a:off x="8043165" y="5939255"/>
                   <a:ext cx="1215000" cy="441720"/>
                 </a:xfrm>
                 <a:prstGeom prst="rect">
@@ -32031,9 +37209,9 @@
             </p:pic>
           </mc:Fallback>
         </mc:AlternateContent>
-        <mc:AlternateContent xmlns:mc="http://schemas.openxmlformats.org/markup-compatibility/2006" xmlns:p14="http://schemas.microsoft.com/office/powerpoint/2010/main">
-          <mc:Choice Requires="p14">
-            <p:contentPart p14:bwMode="auto" r:id="rId7">
+        <mc:AlternateContent xmlns:mc="http://schemas.openxmlformats.org/markup-compatibility/2006">
+          <mc:Choice xmlns:p14="http://schemas.microsoft.com/office/powerpoint/2010/main" Requires="p14">
+            <p:contentPart p14:bwMode="auto" r:id="rId9">
               <p14:nvContentPartPr>
                 <p14:cNvPr id="904" name="Ink 903">
                   <a:extLst>
@@ -32051,7 +37229,7 @@
               </p14:xfrm>
             </p:contentPart>
           </mc:Choice>
-          <mc:Fallback xmlns="">
+          <mc:Fallback>
             <p:pic>
               <p:nvPicPr>
                 <p:cNvPr id="904" name="Ink 903">
@@ -32065,14 +37243,14 @@
                 <p:nvPr/>
               </p:nvPicPr>
               <p:blipFill>
-                <a:blip r:embed="rId8"/>
+                <a:blip r:embed="rId10"/>
                 <a:stretch>
                   <a:fillRect/>
                 </a:stretch>
               </p:blipFill>
               <p:spPr>
                 <a:xfrm>
-                  <a:off x="8956845" y="6099095"/>
+                  <a:off x="8956485" y="6098735"/>
                   <a:ext cx="326160" cy="380160"/>
                 </a:xfrm>
                 <a:prstGeom prst="rect">
@@ -32082,9 +37260,213 @@
             </p:pic>
           </mc:Fallback>
         </mc:AlternateContent>
-        <mc:AlternateContent xmlns:mc="http://schemas.openxmlformats.org/markup-compatibility/2006" xmlns:p14="http://schemas.microsoft.com/office/powerpoint/2010/main">
-          <mc:Choice Requires="p14">
-            <p:contentPart p14:bwMode="auto" r:id="rId9">
+        <mc:AlternateContent xmlns:mc="http://schemas.openxmlformats.org/markup-compatibility/2006">
+          <mc:Choice xmlns:p14="http://schemas.microsoft.com/office/powerpoint/2010/main" Requires="p14">
+            <p:contentPart p14:bwMode="auto" r:id="rId11">
+              <p14:nvContentPartPr>
+                <p14:cNvPr id="988" name="Ink 987">
+                  <a:extLst>
+                    <a:ext uri="{FF2B5EF4-FFF2-40B4-BE49-F238E27FC236}">
+                      <a16:creationId xmlns:a16="http://schemas.microsoft.com/office/drawing/2014/main" id="{DFBBB614-68C5-161F-2CD5-2F84E3EFBBF1}"/>
+                    </a:ext>
+                  </a:extLst>
+                </p14:cNvPr>
+                <p14:cNvContentPartPr/>
+                <p14:nvPr/>
+              </p14:nvContentPartPr>
+              <p14:xfrm>
+                <a:off x="10859625" y="4748375"/>
+                <a:ext cx="248400" cy="1208880"/>
+              </p14:xfrm>
+            </p:contentPart>
+          </mc:Choice>
+          <mc:Fallback>
+            <p:pic>
+              <p:nvPicPr>
+                <p:cNvPr id="988" name="Ink 987">
+                  <a:extLst>
+                    <a:ext uri="{FF2B5EF4-FFF2-40B4-BE49-F238E27FC236}">
+                      <a16:creationId xmlns:a16="http://schemas.microsoft.com/office/drawing/2014/main" id="{DFBBB614-68C5-161F-2CD5-2F84E3EFBBF1}"/>
+                    </a:ext>
+                  </a:extLst>
+                </p:cNvPr>
+                <p:cNvPicPr/>
+                <p:nvPr/>
+              </p:nvPicPr>
+              <p:blipFill>
+                <a:blip r:embed="rId12"/>
+                <a:stretch>
+                  <a:fillRect/>
+                </a:stretch>
+              </p:blipFill>
+              <p:spPr>
+                <a:xfrm>
+                  <a:off x="10841625" y="4730375"/>
+                  <a:ext cx="284040" cy="1244520"/>
+                </a:xfrm>
+                <a:prstGeom prst="rect">
+                  <a:avLst/>
+                </a:prstGeom>
+              </p:spPr>
+            </p:pic>
+          </mc:Fallback>
+        </mc:AlternateContent>
+        <mc:AlternateContent xmlns:mc="http://schemas.openxmlformats.org/markup-compatibility/2006">
+          <mc:Choice xmlns:p14="http://schemas.microsoft.com/office/powerpoint/2010/main" Requires="p14">
+            <p:contentPart p14:bwMode="auto" r:id="rId13">
+              <p14:nvContentPartPr>
+                <p14:cNvPr id="1003" name="Ink 1002">
+                  <a:extLst>
+                    <a:ext uri="{FF2B5EF4-FFF2-40B4-BE49-F238E27FC236}">
+                      <a16:creationId xmlns:a16="http://schemas.microsoft.com/office/drawing/2014/main" id="{240DCE1E-383D-E2A6-E2E2-197DF52E63B2}"/>
+                    </a:ext>
+                  </a:extLst>
+                </p14:cNvPr>
+                <p14:cNvContentPartPr/>
+                <p14:nvPr/>
+              </p14:nvContentPartPr>
+              <p14:xfrm>
+                <a:off x="10906425" y="5605175"/>
+                <a:ext cx="389880" cy="395280"/>
+              </p14:xfrm>
+            </p:contentPart>
+          </mc:Choice>
+          <mc:Fallback>
+            <p:pic>
+              <p:nvPicPr>
+                <p:cNvPr id="1003" name="Ink 1002">
+                  <a:extLst>
+                    <a:ext uri="{FF2B5EF4-FFF2-40B4-BE49-F238E27FC236}">
+                      <a16:creationId xmlns:a16="http://schemas.microsoft.com/office/drawing/2014/main" id="{240DCE1E-383D-E2A6-E2E2-197DF52E63B2}"/>
+                    </a:ext>
+                  </a:extLst>
+                </p:cNvPr>
+                <p:cNvPicPr/>
+                <p:nvPr/>
+              </p:nvPicPr>
+              <p:blipFill>
+                <a:blip r:embed="rId14"/>
+                <a:stretch>
+                  <a:fillRect/>
+                </a:stretch>
+              </p:blipFill>
+              <p:spPr>
+                <a:xfrm>
+                  <a:off x="10888425" y="5587175"/>
+                  <a:ext cx="425520" cy="430920"/>
+                </a:xfrm>
+                <a:prstGeom prst="rect">
+                  <a:avLst/>
+                </a:prstGeom>
+              </p:spPr>
+            </p:pic>
+          </mc:Fallback>
+        </mc:AlternateContent>
+        <mc:AlternateContent xmlns:mc="http://schemas.openxmlformats.org/markup-compatibility/2006">
+          <mc:Choice xmlns:p14="http://schemas.microsoft.com/office/powerpoint/2010/main" Requires="p14">
+            <p:contentPart p14:bwMode="auto" r:id="rId15">
+              <p14:nvContentPartPr>
+                <p14:cNvPr id="32" name="Ink 31">
+                  <a:extLst>
+                    <a:ext uri="{FF2B5EF4-FFF2-40B4-BE49-F238E27FC236}">
+                      <a16:creationId xmlns:a16="http://schemas.microsoft.com/office/drawing/2014/main" id="{6BECFCBB-B47D-4CEB-E359-875F71616421}"/>
+                    </a:ext>
+                  </a:extLst>
+                </p14:cNvPr>
+                <p14:cNvContentPartPr/>
+                <p14:nvPr/>
+              </p14:nvContentPartPr>
+              <p14:xfrm>
+                <a:off x="9764685" y="4740095"/>
+                <a:ext cx="674280" cy="1260360"/>
+              </p14:xfrm>
+            </p:contentPart>
+          </mc:Choice>
+          <mc:Fallback>
+            <p:pic>
+              <p:nvPicPr>
+                <p:cNvPr id="32" name="Ink 31">
+                  <a:extLst>
+                    <a:ext uri="{FF2B5EF4-FFF2-40B4-BE49-F238E27FC236}">
+                      <a16:creationId xmlns:a16="http://schemas.microsoft.com/office/drawing/2014/main" id="{6BECFCBB-B47D-4CEB-E359-875F71616421}"/>
+                    </a:ext>
+                  </a:extLst>
+                </p:cNvPr>
+                <p:cNvPicPr/>
+                <p:nvPr/>
+              </p:nvPicPr>
+              <p:blipFill>
+                <a:blip r:embed="rId16"/>
+                <a:stretch>
+                  <a:fillRect/>
+                </a:stretch>
+              </p:blipFill>
+              <p:spPr>
+                <a:xfrm>
+                  <a:off x="9746685" y="4722090"/>
+                  <a:ext cx="709920" cy="1296010"/>
+                </a:xfrm>
+                <a:prstGeom prst="rect">
+                  <a:avLst/>
+                </a:prstGeom>
+              </p:spPr>
+            </p:pic>
+          </mc:Fallback>
+        </mc:AlternateContent>
+        <mc:AlternateContent xmlns:mc="http://schemas.openxmlformats.org/markup-compatibility/2006">
+          <mc:Choice xmlns:p14="http://schemas.microsoft.com/office/powerpoint/2010/main" Requires="p14">
+            <p:contentPart p14:bwMode="auto" r:id="rId17">
+              <p14:nvContentPartPr>
+                <p14:cNvPr id="1010" name="Ink 1009">
+                  <a:extLst>
+                    <a:ext uri="{FF2B5EF4-FFF2-40B4-BE49-F238E27FC236}">
+                      <a16:creationId xmlns:a16="http://schemas.microsoft.com/office/drawing/2014/main" id="{9A28EC22-6264-2D6C-E231-6B667A862C69}"/>
+                    </a:ext>
+                  </a:extLst>
+                </p14:cNvPr>
+                <p14:cNvContentPartPr/>
+                <p14:nvPr/>
+              </p14:nvContentPartPr>
+              <p14:xfrm>
+                <a:off x="10183939" y="5731148"/>
+                <a:ext cx="395280" cy="273240"/>
+              </p14:xfrm>
+            </p:contentPart>
+          </mc:Choice>
+          <mc:Fallback>
+            <p:pic>
+              <p:nvPicPr>
+                <p:cNvPr id="1010" name="Ink 1009">
+                  <a:extLst>
+                    <a:ext uri="{FF2B5EF4-FFF2-40B4-BE49-F238E27FC236}">
+                      <a16:creationId xmlns:a16="http://schemas.microsoft.com/office/drawing/2014/main" id="{9A28EC22-6264-2D6C-E231-6B667A862C69}"/>
+                    </a:ext>
+                  </a:extLst>
+                </p:cNvPr>
+                <p:cNvPicPr/>
+                <p:nvPr/>
+              </p:nvPicPr>
+              <p:blipFill>
+                <a:blip r:embed="rId18"/>
+                <a:stretch>
+                  <a:fillRect/>
+                </a:stretch>
+              </p:blipFill>
+              <p:spPr>
+                <a:xfrm>
+                  <a:off x="10165923" y="5713148"/>
+                  <a:ext cx="430952" cy="308880"/>
+                </a:xfrm>
+                <a:prstGeom prst="rect">
+                  <a:avLst/>
+                </a:prstGeom>
+              </p:spPr>
+            </p:pic>
+          </mc:Fallback>
+        </mc:AlternateContent>
+        <mc:AlternateContent xmlns:mc="http://schemas.openxmlformats.org/markup-compatibility/2006">
+          <mc:Choice xmlns:p14="http://schemas.microsoft.com/office/powerpoint/2010/main" Requires="p14">
+            <p:contentPart p14:bwMode="auto" r:id="rId19">
               <p14:nvContentPartPr>
                 <p14:cNvPr id="963" name="Ink 962">
                   <a:extLst>
@@ -32102,7 +37484,7 @@
               </p14:xfrm>
             </p:contentPart>
           </mc:Choice>
-          <mc:Fallback xmlns="">
+          <mc:Fallback>
             <p:pic>
               <p:nvPicPr>
                 <p:cNvPr id="963" name="Ink 962">
@@ -32116,15 +37498,15 @@
                 <p:nvPr/>
               </p:nvPicPr>
               <p:blipFill>
-                <a:blip r:embed="rId10"/>
+                <a:blip r:embed="rId20"/>
                 <a:stretch>
                   <a:fillRect/>
                 </a:stretch>
               </p:blipFill>
               <p:spPr>
                 <a:xfrm>
-                  <a:off x="11663685" y="4926476"/>
-                  <a:ext cx="322200" cy="1113120"/>
+                  <a:off x="11663708" y="4926116"/>
+                  <a:ext cx="322155" cy="1113120"/>
                 </a:xfrm>
                 <a:prstGeom prst="rect">
                   <a:avLst/>
@@ -32133,9 +37515,9 @@
             </p:pic>
           </mc:Fallback>
         </mc:AlternateContent>
-        <mc:AlternateContent xmlns:mc="http://schemas.openxmlformats.org/markup-compatibility/2006" xmlns:p14="http://schemas.microsoft.com/office/powerpoint/2010/main">
-          <mc:Choice Requires="p14">
-            <p:contentPart p14:bwMode="auto" r:id="rId11">
+        <mc:AlternateContent xmlns:mc="http://schemas.openxmlformats.org/markup-compatibility/2006">
+          <mc:Choice xmlns:p14="http://schemas.microsoft.com/office/powerpoint/2010/main" Requires="p14">
+            <p:contentPart p14:bwMode="auto" r:id="rId21">
               <p14:nvContentPartPr>
                 <p14:cNvPr id="979" name="Ink 978">
                   <a:extLst>
@@ -32153,268 +37535,13 @@
               </p14:xfrm>
             </p:contentPart>
           </mc:Choice>
-          <mc:Fallback xmlns="">
+          <mc:Fallback>
             <p:pic>
               <p:nvPicPr>
                 <p:cNvPr id="979" name="Ink 978">
                   <a:extLst>
                     <a:ext uri="{FF2B5EF4-FFF2-40B4-BE49-F238E27FC236}">
                       <a16:creationId xmlns:a16="http://schemas.microsoft.com/office/drawing/2014/main" id="{DD55DD7D-118F-1D66-680F-2CAEC6EFF826}"/>
-                    </a:ext>
-                  </a:extLst>
-                </p:cNvPr>
-                <p:cNvPicPr/>
-                <p:nvPr/>
-              </p:nvPicPr>
-              <p:blipFill>
-                <a:blip r:embed="rId12"/>
-                <a:stretch>
-                  <a:fillRect/>
-                </a:stretch>
-              </p:blipFill>
-              <p:spPr>
-                <a:xfrm>
-                  <a:off x="11567565" y="5784716"/>
-                  <a:ext cx="403560" cy="249120"/>
-                </a:xfrm>
-                <a:prstGeom prst="rect">
-                  <a:avLst/>
-                </a:prstGeom>
-              </p:spPr>
-            </p:pic>
-          </mc:Fallback>
-        </mc:AlternateContent>
-        <mc:AlternateContent xmlns:mc="http://schemas.openxmlformats.org/markup-compatibility/2006" xmlns:p14="http://schemas.microsoft.com/office/powerpoint/2010/main">
-          <mc:Choice Requires="p14">
-            <p:contentPart p14:bwMode="auto" r:id="rId13">
-              <p14:nvContentPartPr>
-                <p14:cNvPr id="988" name="Ink 987">
-                  <a:extLst>
-                    <a:ext uri="{FF2B5EF4-FFF2-40B4-BE49-F238E27FC236}">
-                      <a16:creationId xmlns:a16="http://schemas.microsoft.com/office/drawing/2014/main" id="{DFBBB614-68C5-161F-2CD5-2F84E3EFBBF1}"/>
-                    </a:ext>
-                  </a:extLst>
-                </p14:cNvPr>
-                <p14:cNvContentPartPr/>
-                <p14:nvPr/>
-              </p14:nvContentPartPr>
-              <p14:xfrm>
-                <a:off x="10859625" y="4748375"/>
-                <a:ext cx="248400" cy="1208880"/>
-              </p14:xfrm>
-            </p:contentPart>
-          </mc:Choice>
-          <mc:Fallback xmlns="">
-            <p:pic>
-              <p:nvPicPr>
-                <p:cNvPr id="988" name="Ink 987">
-                  <a:extLst>
-                    <a:ext uri="{FF2B5EF4-FFF2-40B4-BE49-F238E27FC236}">
-                      <a16:creationId xmlns:a16="http://schemas.microsoft.com/office/drawing/2014/main" id="{DFBBB614-68C5-161F-2CD5-2F84E3EFBBF1}"/>
-                    </a:ext>
-                  </a:extLst>
-                </p:cNvPr>
-                <p:cNvPicPr/>
-                <p:nvPr/>
-              </p:nvPicPr>
-              <p:blipFill>
-                <a:blip r:embed="rId14"/>
-                <a:stretch>
-                  <a:fillRect/>
-                </a:stretch>
-              </p:blipFill>
-              <p:spPr>
-                <a:xfrm>
-                  <a:off x="10841985" y="4730375"/>
-                  <a:ext cx="284040" cy="1244520"/>
-                </a:xfrm>
-                <a:prstGeom prst="rect">
-                  <a:avLst/>
-                </a:prstGeom>
-              </p:spPr>
-            </p:pic>
-          </mc:Fallback>
-        </mc:AlternateContent>
-        <mc:AlternateContent xmlns:mc="http://schemas.openxmlformats.org/markup-compatibility/2006" xmlns:p14="http://schemas.microsoft.com/office/powerpoint/2010/main">
-          <mc:Choice Requires="p14">
-            <p:contentPart p14:bwMode="auto" r:id="rId15">
-              <p14:nvContentPartPr>
-                <p14:cNvPr id="1003" name="Ink 1002">
-                  <a:extLst>
-                    <a:ext uri="{FF2B5EF4-FFF2-40B4-BE49-F238E27FC236}">
-                      <a16:creationId xmlns:a16="http://schemas.microsoft.com/office/drawing/2014/main" id="{240DCE1E-383D-E2A6-E2E2-197DF52E63B2}"/>
-                    </a:ext>
-                  </a:extLst>
-                </p14:cNvPr>
-                <p14:cNvContentPartPr/>
-                <p14:nvPr/>
-              </p14:nvContentPartPr>
-              <p14:xfrm>
-                <a:off x="10906425" y="5605175"/>
-                <a:ext cx="389880" cy="395280"/>
-              </p14:xfrm>
-            </p:contentPart>
-          </mc:Choice>
-          <mc:Fallback xmlns="">
-            <p:pic>
-              <p:nvPicPr>
-                <p:cNvPr id="1003" name="Ink 1002">
-                  <a:extLst>
-                    <a:ext uri="{FF2B5EF4-FFF2-40B4-BE49-F238E27FC236}">
-                      <a16:creationId xmlns:a16="http://schemas.microsoft.com/office/drawing/2014/main" id="{240DCE1E-383D-E2A6-E2E2-197DF52E63B2}"/>
-                    </a:ext>
-                  </a:extLst>
-                </p:cNvPr>
-                <p:cNvPicPr/>
-                <p:nvPr/>
-              </p:nvPicPr>
-              <p:blipFill>
-                <a:blip r:embed="rId16"/>
-                <a:stretch>
-                  <a:fillRect/>
-                </a:stretch>
-              </p:blipFill>
-              <p:spPr>
-                <a:xfrm>
-                  <a:off x="10888425" y="5587535"/>
-                  <a:ext cx="425520" cy="430920"/>
-                </a:xfrm>
-                <a:prstGeom prst="rect">
-                  <a:avLst/>
-                </a:prstGeom>
-              </p:spPr>
-            </p:pic>
-          </mc:Fallback>
-        </mc:AlternateContent>
-        <mc:AlternateContent xmlns:mc="http://schemas.openxmlformats.org/markup-compatibility/2006" xmlns:p14="http://schemas.microsoft.com/office/powerpoint/2010/main">
-          <mc:Choice Requires="p14">
-            <p:contentPart p14:bwMode="auto" r:id="rId17">
-              <p14:nvContentPartPr>
-                <p14:cNvPr id="31" name="Ink 30">
-                  <a:extLst>
-                    <a:ext uri="{FF2B5EF4-FFF2-40B4-BE49-F238E27FC236}">
-                      <a16:creationId xmlns:a16="http://schemas.microsoft.com/office/drawing/2014/main" id="{C3A6BBED-7B79-907F-589F-43C1D9BAAB4A}"/>
-                    </a:ext>
-                  </a:extLst>
-                </p14:cNvPr>
-                <p14:cNvContentPartPr/>
-                <p14:nvPr/>
-              </p14:nvContentPartPr>
-              <p14:xfrm>
-                <a:off x="9544455" y="5650076"/>
-                <a:ext cx="254160" cy="361440"/>
-              </p14:xfrm>
-            </p:contentPart>
-          </mc:Choice>
-          <mc:Fallback xmlns="">
-            <p:pic>
-              <p:nvPicPr>
-                <p:cNvPr id="31" name="Ink 30">
-                  <a:extLst>
-                    <a:ext uri="{FF2B5EF4-FFF2-40B4-BE49-F238E27FC236}">
-                      <a16:creationId xmlns:a16="http://schemas.microsoft.com/office/drawing/2014/main" id="{C3A6BBED-7B79-907F-589F-43C1D9BAAB4A}"/>
-                    </a:ext>
-                  </a:extLst>
-                </p:cNvPr>
-                <p:cNvPicPr/>
-                <p:nvPr/>
-              </p:nvPicPr>
-              <p:blipFill>
-                <a:blip r:embed="rId18"/>
-                <a:stretch>
-                  <a:fillRect/>
-                </a:stretch>
-              </p:blipFill>
-              <p:spPr>
-                <a:xfrm>
-                  <a:off x="9526815" y="5632076"/>
-                  <a:ext cx="289800" cy="397080"/>
-                </a:xfrm>
-                <a:prstGeom prst="rect">
-                  <a:avLst/>
-                </a:prstGeom>
-              </p:spPr>
-            </p:pic>
-          </mc:Fallback>
-        </mc:AlternateContent>
-        <mc:AlternateContent xmlns:mc="http://schemas.openxmlformats.org/markup-compatibility/2006" xmlns:p14="http://schemas.microsoft.com/office/powerpoint/2010/main">
-          <mc:Choice Requires="p14">
-            <p:contentPart p14:bwMode="auto" r:id="rId19">
-              <p14:nvContentPartPr>
-                <p14:cNvPr id="32" name="Ink 31">
-                  <a:extLst>
-                    <a:ext uri="{FF2B5EF4-FFF2-40B4-BE49-F238E27FC236}">
-                      <a16:creationId xmlns:a16="http://schemas.microsoft.com/office/drawing/2014/main" id="{6BECFCBB-B47D-4CEB-E359-875F71616421}"/>
-                    </a:ext>
-                  </a:extLst>
-                </p14:cNvPr>
-                <p14:cNvContentPartPr/>
-                <p14:nvPr/>
-              </p14:nvContentPartPr>
-              <p14:xfrm>
-                <a:off x="9764685" y="4740095"/>
-                <a:ext cx="674280" cy="1260360"/>
-              </p14:xfrm>
-            </p:contentPart>
-          </mc:Choice>
-          <mc:Fallback xmlns="">
-            <p:pic>
-              <p:nvPicPr>
-                <p:cNvPr id="32" name="Ink 31">
-                  <a:extLst>
-                    <a:ext uri="{FF2B5EF4-FFF2-40B4-BE49-F238E27FC236}">
-                      <a16:creationId xmlns:a16="http://schemas.microsoft.com/office/drawing/2014/main" id="{6BECFCBB-B47D-4CEB-E359-875F71616421}"/>
-                    </a:ext>
-                  </a:extLst>
-                </p:cNvPr>
-                <p:cNvPicPr/>
-                <p:nvPr/>
-              </p:nvPicPr>
-              <p:blipFill>
-                <a:blip r:embed="rId20"/>
-                <a:stretch>
-                  <a:fillRect/>
-                </a:stretch>
-              </p:blipFill>
-              <p:spPr>
-                <a:xfrm>
-                  <a:off x="9746685" y="4722455"/>
-                  <a:ext cx="709920" cy="1296000"/>
-                </a:xfrm>
-                <a:prstGeom prst="rect">
-                  <a:avLst/>
-                </a:prstGeom>
-              </p:spPr>
-            </p:pic>
-          </mc:Fallback>
-        </mc:AlternateContent>
-        <mc:AlternateContent xmlns:mc="http://schemas.openxmlformats.org/markup-compatibility/2006" xmlns:p14="http://schemas.microsoft.com/office/powerpoint/2010/main">
-          <mc:Choice Requires="p14">
-            <p:contentPart p14:bwMode="auto" r:id="rId21">
-              <p14:nvContentPartPr>
-                <p14:cNvPr id="1010" name="Ink 1009">
-                  <a:extLst>
-                    <a:ext uri="{FF2B5EF4-FFF2-40B4-BE49-F238E27FC236}">
-                      <a16:creationId xmlns:a16="http://schemas.microsoft.com/office/drawing/2014/main" id="{9A28EC22-6264-2D6C-E231-6B667A862C69}"/>
-                    </a:ext>
-                  </a:extLst>
-                </p14:cNvPr>
-                <p14:cNvContentPartPr/>
-                <p14:nvPr/>
-              </p14:nvContentPartPr>
-              <p14:xfrm>
-                <a:off x="10183939" y="5731148"/>
-                <a:ext cx="395280" cy="273240"/>
-              </p14:xfrm>
-            </p:contentPart>
-          </mc:Choice>
-          <mc:Fallback xmlns="">
-            <p:pic>
-              <p:nvPicPr>
-                <p:cNvPr id="1010" name="Ink 1009">
-                  <a:extLst>
-                    <a:ext uri="{FF2B5EF4-FFF2-40B4-BE49-F238E27FC236}">
-                      <a16:creationId xmlns:a16="http://schemas.microsoft.com/office/drawing/2014/main" id="{9A28EC22-6264-2D6C-E231-6B667A862C69}"/>
                     </a:ext>
                   </a:extLst>
                 </p:cNvPr>
@@ -32429,8 +37556,8 @@
               </p:blipFill>
               <p:spPr>
                 <a:xfrm>
-                  <a:off x="10166299" y="5713148"/>
-                  <a:ext cx="430920" cy="308880"/>
+                  <a:off x="11567205" y="5784716"/>
+                  <a:ext cx="403560" cy="249120"/>
                 </a:xfrm>
                 <a:prstGeom prst="rect">
                   <a:avLst/>
@@ -32441,6 +37568,11 @@
         </mc:AlternateContent>
       </p:grpSp>
     </p:spTree>
+    <p:extLst>
+      <p:ext uri="{BB962C8B-B14F-4D97-AF65-F5344CB8AC3E}">
+        <p14:creationId xmlns:p14="http://schemas.microsoft.com/office/powerpoint/2010/main" val="3580703597"/>
+      </p:ext>
+    </p:extLst>
   </p:cSld>
   <p:clrMapOvr>
     <a:masterClrMapping/>
@@ -32496,6 +37628,74 @@
                                         <p:strVal val="visible"/>
                                       </p:to>
                                     </p:set>
+                                  </p:childTnLst>
+                                </p:cTn>
+                              </p:par>
+                            </p:childTnLst>
+                          </p:cTn>
+                        </p:par>
+                      </p:childTnLst>
+                    </p:cTn>
+                  </p:par>
+                  <p:par>
+                    <p:cTn id="7" fill="hold">
+                      <p:stCondLst>
+                        <p:cond delay="indefinite"/>
+                      </p:stCondLst>
+                      <p:childTnLst>
+                        <p:par>
+                          <p:cTn id="8" fill="hold">
+                            <p:stCondLst>
+                              <p:cond delay="0"/>
+                            </p:stCondLst>
+                            <p:childTnLst>
+                              <p:par>
+                                <p:cTn id="9" presetID="63" presetClass="entr" presetSubtype="2" fill="hold" nodeType="clickEffect">
+                                  <p:stCondLst>
+                                    <p:cond delay="0"/>
+                                  </p:stCondLst>
+                                  <p:childTnLst>
+                                    <p:set>
+                                      <p:cBhvr>
+                                        <p:cTn id="10" dur="1" fill="hold">
+                                          <p:stCondLst>
+                                            <p:cond delay="0"/>
+                                          </p:stCondLst>
+                                        </p:cTn>
+                                        <p:tgtEl>
+                                          <p:spTgt spid="1012"/>
+                                        </p:tgtEl>
+                                        <p:attrNameLst>
+                                          <p:attrName>style.visibility</p:attrName>
+                                        </p:attrNameLst>
+                                      </p:cBhvr>
+                                      <p:to>
+                                        <p:strVal val="visible"/>
+                                      </p:to>
+                                    </p:set>
+                                    <p:anim calcmode="lin" valueType="num">
+                                      <p:cBhvr>
+                                        <p:cTn id="11" dur="1500" fill="hold"/>
+                                        <p:tgtEl>
+                                          <p:spTgt spid="1012"/>
+                                        </p:tgtEl>
+                                        <p:attrNameLst>
+                                          <p:attrName>drawProgress</p:attrName>
+                                        </p:attrNameLst>
+                                      </p:cBhvr>
+                                      <p:tavLst>
+                                        <p:tav tm="0">
+                                          <p:val>
+                                            <p:fltVal val="0"/>
+                                          </p:val>
+                                        </p:tav>
+                                        <p:tav tm="100000">
+                                          <p:val>
+                                            <p:fltVal val="1"/>
+                                          </p:val>
+                                        </p:tav>
+                                      </p:tavLst>
+                                    </p:anim>
                                   </p:childTnLst>
                                 </p:cTn>
                               </p:par>
@@ -33090,4 +38290,299 @@
   <a:objectDefaults/>
   <a:extraClrSchemeLst/>
 </a:theme>
+</file>
+
+<file path=ppt/theme/theme3.xml><?xml version="1.0" encoding="utf-8"?>
+<a:theme xmlns:a="http://schemas.openxmlformats.org/drawingml/2006/main" name="Office Theme">
+  <a:themeElements>
+    <a:clrScheme name="Office">
+      <a:dk1>
+        <a:sysClr val="windowText" lastClr="000000"/>
+      </a:dk1>
+      <a:lt1>
+        <a:sysClr val="window" lastClr="FFFFFF"/>
+      </a:lt1>
+      <a:dk2>
+        <a:srgbClr val="44546A"/>
+      </a:dk2>
+      <a:lt2>
+        <a:srgbClr val="E7E6E6"/>
+      </a:lt2>
+      <a:accent1>
+        <a:srgbClr val="4472C4"/>
+      </a:accent1>
+      <a:accent2>
+        <a:srgbClr val="ED7D31"/>
+      </a:accent2>
+      <a:accent3>
+        <a:srgbClr val="A5A5A5"/>
+      </a:accent3>
+      <a:accent4>
+        <a:srgbClr val="FFC000"/>
+      </a:accent4>
+      <a:accent5>
+        <a:srgbClr val="5B9BD5"/>
+      </a:accent5>
+      <a:accent6>
+        <a:srgbClr val="70AD47"/>
+      </a:accent6>
+      <a:hlink>
+        <a:srgbClr val="0563C1"/>
+      </a:hlink>
+      <a:folHlink>
+        <a:srgbClr val="954F72"/>
+      </a:folHlink>
+    </a:clrScheme>
+    <a:fontScheme name="Office">
+      <a:majorFont>
+        <a:latin typeface="Calibri Light" panose="020F0302020204030204"/>
+        <a:ea typeface=""/>
+        <a:cs typeface=""/>
+        <a:font script="Jpan" typeface="游ゴシック Light"/>
+        <a:font script="Hang" typeface="맑은 고딕"/>
+        <a:font script="Hans" typeface="等线 Light"/>
+        <a:font script="Hant" typeface="新細明體"/>
+        <a:font script="Arab" typeface="Times New Roman"/>
+        <a:font script="Hebr" typeface="Times New Roman"/>
+        <a:font script="Thai" typeface="Angsana New"/>
+        <a:font script="Ethi" typeface="Nyala"/>
+        <a:font script="Beng" typeface="Vrinda"/>
+        <a:font script="Gujr" typeface="Shruti"/>
+        <a:font script="Khmr" typeface="MoolBoran"/>
+        <a:font script="Knda" typeface="Tunga"/>
+        <a:font script="Guru" typeface="Raavi"/>
+        <a:font script="Cans" typeface="Euphemia"/>
+        <a:font script="Cher" typeface="Plantagenet Cherokee"/>
+        <a:font script="Yiii" typeface="Microsoft Yi Baiti"/>
+        <a:font script="Tibt" typeface="Microsoft Himalaya"/>
+        <a:font script="Thaa" typeface="MV Boli"/>
+        <a:font script="Deva" typeface="Mangal"/>
+        <a:font script="Telu" typeface="Gautami"/>
+        <a:font script="Taml" typeface="Latha"/>
+        <a:font script="Syrc" typeface="Estrangelo Edessa"/>
+        <a:font script="Orya" typeface="Kalinga"/>
+        <a:font script="Mlym" typeface="Kartika"/>
+        <a:font script="Laoo" typeface="DokChampa"/>
+        <a:font script="Sinh" typeface="Iskoola Pota"/>
+        <a:font script="Mong" typeface="Mongolian Baiti"/>
+        <a:font script="Viet" typeface="Times New Roman"/>
+        <a:font script="Uigh" typeface="Microsoft Uighur"/>
+        <a:font script="Geor" typeface="Sylfaen"/>
+        <a:font script="Armn" typeface="Arial"/>
+        <a:font script="Bugi" typeface="Leelawadee UI"/>
+        <a:font script="Bopo" typeface="Microsoft JhengHei"/>
+        <a:font script="Java" typeface="Javanese Text"/>
+        <a:font script="Lisu" typeface="Segoe UI"/>
+        <a:font script="Mymr" typeface="Myanmar Text"/>
+        <a:font script="Nkoo" typeface="Ebrima"/>
+        <a:font script="Olck" typeface="Nirmala UI"/>
+        <a:font script="Osma" typeface="Ebrima"/>
+        <a:font script="Phag" typeface="Phagspa"/>
+        <a:font script="Syrn" typeface="Estrangelo Edessa"/>
+        <a:font script="Syrj" typeface="Estrangelo Edessa"/>
+        <a:font script="Syre" typeface="Estrangelo Edessa"/>
+        <a:font script="Sora" typeface="Nirmala UI"/>
+        <a:font script="Tale" typeface="Microsoft Tai Le"/>
+        <a:font script="Talu" typeface="Microsoft New Tai Lue"/>
+        <a:font script="Tfng" typeface="Ebrima"/>
+      </a:majorFont>
+      <a:minorFont>
+        <a:latin typeface="Calibri" panose="020F0502020204030204"/>
+        <a:ea typeface=""/>
+        <a:cs typeface=""/>
+        <a:font script="Jpan" typeface="游ゴシック"/>
+        <a:font script="Hang" typeface="맑은 고딕"/>
+        <a:font script="Hans" typeface="等线"/>
+        <a:font script="Hant" typeface="新細明體"/>
+        <a:font script="Arab" typeface="Arial"/>
+        <a:font script="Hebr" typeface="Arial"/>
+        <a:font script="Thai" typeface="Cordia New"/>
+        <a:font script="Ethi" typeface="Nyala"/>
+        <a:font script="Beng" typeface="Vrinda"/>
+        <a:font script="Gujr" typeface="Shruti"/>
+        <a:font script="Khmr" typeface="DaunPenh"/>
+        <a:font script="Knda" typeface="Tunga"/>
+        <a:font script="Guru" typeface="Raavi"/>
+        <a:font script="Cans" typeface="Euphemia"/>
+        <a:font script="Cher" typeface="Plantagenet Cherokee"/>
+        <a:font script="Yiii" typeface="Microsoft Yi Baiti"/>
+        <a:font script="Tibt" typeface="Microsoft Himalaya"/>
+        <a:font script="Thaa" typeface="MV Boli"/>
+        <a:font script="Deva" typeface="Mangal"/>
+        <a:font script="Telu" typeface="Gautami"/>
+        <a:font script="Taml" typeface="Latha"/>
+        <a:font script="Syrc" typeface="Estrangelo Edessa"/>
+        <a:font script="Orya" typeface="Kalinga"/>
+        <a:font script="Mlym" typeface="Kartika"/>
+        <a:font script="Laoo" typeface="DokChampa"/>
+        <a:font script="Sinh" typeface="Iskoola Pota"/>
+        <a:font script="Mong" typeface="Mongolian Baiti"/>
+        <a:font script="Viet" typeface="Arial"/>
+        <a:font script="Uigh" typeface="Microsoft Uighur"/>
+        <a:font script="Geor" typeface="Sylfaen"/>
+        <a:font script="Armn" typeface="Arial"/>
+        <a:font script="Bugi" typeface="Leelawadee UI"/>
+        <a:font script="Bopo" typeface="Microsoft JhengHei"/>
+        <a:font script="Java" typeface="Javanese Text"/>
+        <a:font script="Lisu" typeface="Segoe UI"/>
+        <a:font script="Mymr" typeface="Myanmar Text"/>
+        <a:font script="Nkoo" typeface="Ebrima"/>
+        <a:font script="Olck" typeface="Nirmala UI"/>
+        <a:font script="Osma" typeface="Ebrima"/>
+        <a:font script="Phag" typeface="Phagspa"/>
+        <a:font script="Syrn" typeface="Estrangelo Edessa"/>
+        <a:font script="Syrj" typeface="Estrangelo Edessa"/>
+        <a:font script="Syre" typeface="Estrangelo Edessa"/>
+        <a:font script="Sora" typeface="Nirmala UI"/>
+        <a:font script="Tale" typeface="Microsoft Tai Le"/>
+        <a:font script="Talu" typeface="Microsoft New Tai Lue"/>
+        <a:font script="Tfng" typeface="Ebrima"/>
+      </a:minorFont>
+    </a:fontScheme>
+    <a:fmtScheme name="Office">
+      <a:fillStyleLst>
+        <a:solidFill>
+          <a:schemeClr val="phClr"/>
+        </a:solidFill>
+        <a:gradFill rotWithShape="1">
+          <a:gsLst>
+            <a:gs pos="0">
+              <a:schemeClr val="phClr">
+                <a:lumMod val="110000"/>
+                <a:satMod val="105000"/>
+                <a:tint val="67000"/>
+              </a:schemeClr>
+            </a:gs>
+            <a:gs pos="50000">
+              <a:schemeClr val="phClr">
+                <a:lumMod val="105000"/>
+                <a:satMod val="103000"/>
+                <a:tint val="73000"/>
+              </a:schemeClr>
+            </a:gs>
+            <a:gs pos="100000">
+              <a:schemeClr val="phClr">
+                <a:lumMod val="105000"/>
+                <a:satMod val="109000"/>
+                <a:tint val="81000"/>
+              </a:schemeClr>
+            </a:gs>
+          </a:gsLst>
+          <a:lin ang="5400000" scaled="0"/>
+        </a:gradFill>
+        <a:gradFill rotWithShape="1">
+          <a:gsLst>
+            <a:gs pos="0">
+              <a:schemeClr val="phClr">
+                <a:satMod val="103000"/>
+                <a:lumMod val="102000"/>
+                <a:tint val="94000"/>
+              </a:schemeClr>
+            </a:gs>
+            <a:gs pos="50000">
+              <a:schemeClr val="phClr">
+                <a:satMod val="110000"/>
+                <a:lumMod val="100000"/>
+                <a:shade val="100000"/>
+              </a:schemeClr>
+            </a:gs>
+            <a:gs pos="100000">
+              <a:schemeClr val="phClr">
+                <a:lumMod val="99000"/>
+                <a:satMod val="120000"/>
+                <a:shade val="78000"/>
+              </a:schemeClr>
+            </a:gs>
+          </a:gsLst>
+          <a:lin ang="5400000" scaled="0"/>
+        </a:gradFill>
+      </a:fillStyleLst>
+      <a:lnStyleLst>
+        <a:ln w="6350" cap="flat" cmpd="sng" algn="ctr">
+          <a:solidFill>
+            <a:schemeClr val="phClr"/>
+          </a:solidFill>
+          <a:prstDash val="solid"/>
+          <a:miter lim="800000"/>
+        </a:ln>
+        <a:ln w="12700" cap="flat" cmpd="sng" algn="ctr">
+          <a:solidFill>
+            <a:schemeClr val="phClr"/>
+          </a:solidFill>
+          <a:prstDash val="solid"/>
+          <a:miter lim="800000"/>
+        </a:ln>
+        <a:ln w="19050" cap="flat" cmpd="sng" algn="ctr">
+          <a:solidFill>
+            <a:schemeClr val="phClr"/>
+          </a:solidFill>
+          <a:prstDash val="solid"/>
+          <a:miter lim="800000"/>
+        </a:ln>
+      </a:lnStyleLst>
+      <a:effectStyleLst>
+        <a:effectStyle>
+          <a:effectLst/>
+        </a:effectStyle>
+        <a:effectStyle>
+          <a:effectLst/>
+        </a:effectStyle>
+        <a:effectStyle>
+          <a:effectLst>
+            <a:outerShdw blurRad="57150" dist="19050" dir="5400000" algn="ctr" rotWithShape="0">
+              <a:srgbClr val="000000">
+                <a:alpha val="63000"/>
+              </a:srgbClr>
+            </a:outerShdw>
+          </a:effectLst>
+        </a:effectStyle>
+      </a:effectStyleLst>
+      <a:bgFillStyleLst>
+        <a:solidFill>
+          <a:schemeClr val="phClr"/>
+        </a:solidFill>
+        <a:solidFill>
+          <a:schemeClr val="phClr">
+            <a:tint val="95000"/>
+            <a:satMod val="170000"/>
+          </a:schemeClr>
+        </a:solidFill>
+        <a:gradFill rotWithShape="1">
+          <a:gsLst>
+            <a:gs pos="0">
+              <a:schemeClr val="phClr">
+                <a:tint val="93000"/>
+                <a:satMod val="150000"/>
+                <a:shade val="98000"/>
+                <a:lumMod val="102000"/>
+              </a:schemeClr>
+            </a:gs>
+            <a:gs pos="50000">
+              <a:schemeClr val="phClr">
+                <a:tint val="98000"/>
+                <a:satMod val="130000"/>
+                <a:shade val="90000"/>
+                <a:lumMod val="103000"/>
+              </a:schemeClr>
+            </a:gs>
+            <a:gs pos="100000">
+              <a:schemeClr val="phClr">
+                <a:shade val="63000"/>
+                <a:satMod val="120000"/>
+              </a:schemeClr>
+            </a:gs>
+          </a:gsLst>
+          <a:lin ang="5400000" scaled="0"/>
+        </a:gradFill>
+      </a:bgFillStyleLst>
+    </a:fmtScheme>
+  </a:themeElements>
+  <a:objectDefaults/>
+  <a:extraClrSchemeLst/>
+  <a:extLst>
+    <a:ext uri="{05A4C25C-085E-4340-85A3-A5531E510DB2}">
+      <thm15:themeFamily xmlns:thm15="http://schemas.microsoft.com/office/thememl/2012/main" name="Office Theme" id="{62F939B6-93AF-4DB8-9C6B-D6C7DFDC589F}" vid="{4A3C46E8-61CC-4603-A589-7422A47A8E4A}"/>
+    </a:ext>
+  </a:extLst>
+</a:theme>
 </file>
--- a/GlobalAzure2023_GetYourFuncOnWithAzureFunctions.pptx
+++ b/GlobalAzure2023_GetYourFuncOnWithAzureFunctions.pptx
@@ -28,7 +28,7 @@
       <p:regular r:id="rId12"/>
     </p:embeddedFont>
     <p:embeddedFont>
-      <p:font typeface="Aldrich" panose="02000000000000000000" pitchFamily="2" charset="0"/>
+      <p:font typeface="Aldrich" panose="020B0604020202020204" charset="0"/>
       <p:regular r:id="rId13"/>
     </p:embeddedFont>
     <p:embeddedFont>
@@ -405,7 +405,7 @@
           <a:p>
             <a:fld id="{DD9B018F-CE35-4D11-9224-0AB2FB6DB20F}" type="datetimeFigureOut">
               <a:rPr lang="en-SE" smtClean="0"/>
-              <a:t>2023-05-02</a:t>
+              <a:t>2023-05-10</a:t>
             </a:fld>
             <a:endParaRPr lang="en-SE"/>
           </a:p>
@@ -26674,10 +26674,10 @@
         </p:nvGrpSpPr>
         <p:grpSpPr>
           <a:xfrm>
-            <a:off x="1655522" y="3790720"/>
-            <a:ext cx="837659" cy="660940"/>
-            <a:chOff x="5005724" y="3520061"/>
-            <a:chExt cx="837659" cy="660940"/>
+            <a:off x="1655522" y="3752616"/>
+            <a:ext cx="837659" cy="699044"/>
+            <a:chOff x="5005724" y="3481957"/>
+            <a:chExt cx="837659" cy="699044"/>
           </a:xfrm>
         </p:grpSpPr>
         <p:sp>
@@ -26694,7 +26694,7 @@
           </p:nvSpPr>
           <p:spPr>
             <a:xfrm>
-              <a:off x="5005724" y="3520061"/>
+              <a:off x="5005724" y="3481957"/>
               <a:ext cx="837659" cy="584775"/>
             </a:xfrm>
             <a:prstGeom prst="rect">
@@ -27275,10 +27275,10 @@
         </p:nvGrpSpPr>
         <p:grpSpPr>
           <a:xfrm>
-            <a:off x="3900306" y="3796481"/>
-            <a:ext cx="912824" cy="660940"/>
-            <a:chOff x="7250508" y="3525822"/>
-            <a:chExt cx="912824" cy="660940"/>
+            <a:off x="3900306" y="3763140"/>
+            <a:ext cx="912824" cy="694281"/>
+            <a:chOff x="7250508" y="3492481"/>
+            <a:chExt cx="912824" cy="694281"/>
           </a:xfrm>
         </p:grpSpPr>
         <p:sp>
@@ -27295,7 +27295,7 @@
           </p:nvSpPr>
           <p:spPr>
             <a:xfrm>
-              <a:off x="7261441" y="3525822"/>
+              <a:off x="7261441" y="3492481"/>
               <a:ext cx="837659" cy="584775"/>
             </a:xfrm>
             <a:prstGeom prst="rect">
@@ -32768,8 +32768,8 @@
             <a:chExt cx="137160" cy="237325"/>
           </a:xfrm>
         </p:grpSpPr>
-        <mc:AlternateContent xmlns:mc="http://schemas.openxmlformats.org/markup-compatibility/2006">
-          <mc:Choice xmlns:p14="http://schemas.microsoft.com/office/powerpoint/2010/main" Requires="p14">
+        <mc:AlternateContent xmlns:mc="http://schemas.openxmlformats.org/markup-compatibility/2006" xmlns:p14="http://schemas.microsoft.com/office/powerpoint/2010/main">
+          <mc:Choice Requires="p14">
             <p:contentPart p14:bwMode="auto" r:id="rId4">
               <p14:nvContentPartPr>
                 <p14:cNvPr id="35" name="Ink 34">
@@ -32788,7 +32788,7 @@
               </p14:xfrm>
             </p:contentPart>
           </mc:Choice>
-          <mc:Fallback>
+          <mc:Fallback xmlns="">
             <p:pic>
               <p:nvPicPr>
                 <p:cNvPr id="35" name="Ink 34">
@@ -32819,8 +32819,8 @@
             </p:pic>
           </mc:Fallback>
         </mc:AlternateContent>
-        <mc:AlternateContent xmlns:mc="http://schemas.openxmlformats.org/markup-compatibility/2006">
-          <mc:Choice xmlns:p14="http://schemas.microsoft.com/office/powerpoint/2010/main" Requires="p14">
+        <mc:AlternateContent xmlns:mc="http://schemas.openxmlformats.org/markup-compatibility/2006" xmlns:p14="http://schemas.microsoft.com/office/powerpoint/2010/main">
+          <mc:Choice Requires="p14">
             <p:contentPart p14:bwMode="auto" r:id="rId6">
               <p14:nvContentPartPr>
                 <p14:cNvPr id="390" name="Ink 389">
@@ -32839,7 +32839,7 @@
               </p14:xfrm>
             </p:contentPart>
           </mc:Choice>
-          <mc:Fallback>
+          <mc:Fallback xmlns="">
             <p:pic>
               <p:nvPicPr>
                 <p:cNvPr id="390" name="Ink 389">
@@ -32891,8 +32891,8 @@
             <a:chExt cx="257400" cy="126720"/>
           </a:xfrm>
         </p:grpSpPr>
-        <mc:AlternateContent xmlns:mc="http://schemas.openxmlformats.org/markup-compatibility/2006">
-          <mc:Choice xmlns:p14="http://schemas.microsoft.com/office/powerpoint/2010/main" Requires="p14">
+        <mc:AlternateContent xmlns:mc="http://schemas.openxmlformats.org/markup-compatibility/2006" xmlns:p14="http://schemas.microsoft.com/office/powerpoint/2010/main">
+          <mc:Choice Requires="p14">
             <p:contentPart p14:bwMode="auto" r:id="rId8">
               <p14:nvContentPartPr>
                 <p14:cNvPr id="558" name="Ink 557">
@@ -32911,7 +32911,7 @@
               </p14:xfrm>
             </p:contentPart>
           </mc:Choice>
-          <mc:Fallback>
+          <mc:Fallback xmlns="">
             <p:pic>
               <p:nvPicPr>
                 <p:cNvPr id="558" name="Ink 557">
@@ -32942,8 +32942,8 @@
             </p:pic>
           </mc:Fallback>
         </mc:AlternateContent>
-        <mc:AlternateContent xmlns:mc="http://schemas.openxmlformats.org/markup-compatibility/2006">
-          <mc:Choice xmlns:p14="http://schemas.microsoft.com/office/powerpoint/2010/main" Requires="p14">
+        <mc:AlternateContent xmlns:mc="http://schemas.openxmlformats.org/markup-compatibility/2006" xmlns:p14="http://schemas.microsoft.com/office/powerpoint/2010/main">
+          <mc:Choice Requires="p14">
             <p:contentPart p14:bwMode="auto" r:id="rId10">
               <p14:nvContentPartPr>
                 <p14:cNvPr id="564" name="Ink 563">
@@ -32962,7 +32962,7 @@
               </p14:xfrm>
             </p:contentPart>
           </mc:Choice>
-          <mc:Fallback>
+          <mc:Fallback xmlns="">
             <p:pic>
               <p:nvPicPr>
                 <p:cNvPr id="564" name="Ink 563">
@@ -33014,8 +33014,8 @@
             <a:chExt cx="276480" cy="141120"/>
           </a:xfrm>
         </p:grpSpPr>
-        <mc:AlternateContent xmlns:mc="http://schemas.openxmlformats.org/markup-compatibility/2006">
-          <mc:Choice xmlns:p14="http://schemas.microsoft.com/office/powerpoint/2010/main" Requires="p14">
+        <mc:AlternateContent xmlns:mc="http://schemas.openxmlformats.org/markup-compatibility/2006" xmlns:p14="http://schemas.microsoft.com/office/powerpoint/2010/main">
+          <mc:Choice Requires="p14">
             <p:contentPart p14:bwMode="auto" r:id="rId12">
               <p14:nvContentPartPr>
                 <p14:cNvPr id="567" name="Ink 566">
@@ -33034,7 +33034,7 @@
               </p14:xfrm>
             </p:contentPart>
           </mc:Choice>
-          <mc:Fallback>
+          <mc:Fallback xmlns="">
             <p:pic>
               <p:nvPicPr>
                 <p:cNvPr id="567" name="Ink 566">
@@ -33065,8 +33065,8 @@
             </p:pic>
           </mc:Fallback>
         </mc:AlternateContent>
-        <mc:AlternateContent xmlns:mc="http://schemas.openxmlformats.org/markup-compatibility/2006">
-          <mc:Choice xmlns:p14="http://schemas.microsoft.com/office/powerpoint/2010/main" Requires="p14">
+        <mc:AlternateContent xmlns:mc="http://schemas.openxmlformats.org/markup-compatibility/2006" xmlns:p14="http://schemas.microsoft.com/office/powerpoint/2010/main">
+          <mc:Choice Requires="p14">
             <p:contentPart p14:bwMode="auto" r:id="rId14">
               <p14:nvContentPartPr>
                 <p14:cNvPr id="573" name="Ink 572">
@@ -33085,7 +33085,7 @@
               </p14:xfrm>
             </p:contentPart>
           </mc:Choice>
-          <mc:Fallback>
+          <mc:Fallback xmlns="">
             <p:pic>
               <p:nvPicPr>
                 <p:cNvPr id="573" name="Ink 572">
@@ -33584,8 +33584,8 @@
             <a:chExt cx="364680" cy="316080"/>
           </a:xfrm>
         </p:grpSpPr>
-        <mc:AlternateContent xmlns:mc="http://schemas.openxmlformats.org/markup-compatibility/2006">
-          <mc:Choice xmlns:p14="http://schemas.microsoft.com/office/powerpoint/2010/main" Requires="p14">
+        <mc:AlternateContent xmlns:mc="http://schemas.openxmlformats.org/markup-compatibility/2006" xmlns:p14="http://schemas.microsoft.com/office/powerpoint/2010/main">
+          <mc:Choice Requires="p14">
             <p:contentPart p14:bwMode="auto" r:id="rId20">
               <p14:nvContentPartPr>
                 <p14:cNvPr id="659" name="Ink 658">
@@ -33604,7 +33604,7 @@
               </p14:xfrm>
             </p:contentPart>
           </mc:Choice>
-          <mc:Fallback>
+          <mc:Fallback xmlns="">
             <p:pic>
               <p:nvPicPr>
                 <p:cNvPr id="659" name="Ink 658">
@@ -33635,8 +33635,8 @@
             </p:pic>
           </mc:Fallback>
         </mc:AlternateContent>
-        <mc:AlternateContent xmlns:mc="http://schemas.openxmlformats.org/markup-compatibility/2006">
-          <mc:Choice xmlns:p14="http://schemas.microsoft.com/office/powerpoint/2010/main" Requires="p14">
+        <mc:AlternateContent xmlns:mc="http://schemas.openxmlformats.org/markup-compatibility/2006" xmlns:p14="http://schemas.microsoft.com/office/powerpoint/2010/main">
+          <mc:Choice Requires="p14">
             <p:contentPart p14:bwMode="auto" r:id="rId22">
               <p14:nvContentPartPr>
                 <p14:cNvPr id="663" name="Ink 662">
@@ -33655,7 +33655,7 @@
               </p14:xfrm>
             </p:contentPart>
           </mc:Choice>
-          <mc:Fallback>
+          <mc:Fallback xmlns="">
             <p:pic>
               <p:nvPicPr>
                 <p:cNvPr id="663" name="Ink 662">
@@ -33686,8 +33686,8 @@
             </p:pic>
           </mc:Fallback>
         </mc:AlternateContent>
-        <mc:AlternateContent xmlns:mc="http://schemas.openxmlformats.org/markup-compatibility/2006">
-          <mc:Choice xmlns:p14="http://schemas.microsoft.com/office/powerpoint/2010/main" Requires="p14">
+        <mc:AlternateContent xmlns:mc="http://schemas.openxmlformats.org/markup-compatibility/2006" xmlns:p14="http://schemas.microsoft.com/office/powerpoint/2010/main">
+          <mc:Choice Requires="p14">
             <p:contentPart p14:bwMode="auto" r:id="rId24">
               <p14:nvContentPartPr>
                 <p14:cNvPr id="665" name="Ink 664">
@@ -33706,7 +33706,7 @@
               </p14:xfrm>
             </p:contentPart>
           </mc:Choice>
-          <mc:Fallback>
+          <mc:Fallback xmlns="">
             <p:pic>
               <p:nvPicPr>
                 <p:cNvPr id="665" name="Ink 664">
@@ -33737,8 +33737,8 @@
             </p:pic>
           </mc:Fallback>
         </mc:AlternateContent>
-        <mc:AlternateContent xmlns:mc="http://schemas.openxmlformats.org/markup-compatibility/2006">
-          <mc:Choice xmlns:p14="http://schemas.microsoft.com/office/powerpoint/2010/main" Requires="p14">
+        <mc:AlternateContent xmlns:mc="http://schemas.openxmlformats.org/markup-compatibility/2006" xmlns:p14="http://schemas.microsoft.com/office/powerpoint/2010/main">
+          <mc:Choice Requires="p14">
             <p:contentPart p14:bwMode="auto" r:id="rId26">
               <p14:nvContentPartPr>
                 <p14:cNvPr id="668" name="Ink 667">
@@ -33757,7 +33757,7 @@
               </p14:xfrm>
             </p:contentPart>
           </mc:Choice>
-          <mc:Fallback>
+          <mc:Fallback xmlns="">
             <p:pic>
               <p:nvPicPr>
                 <p:cNvPr id="668" name="Ink 667">
@@ -33915,8 +33915,8 @@
             <a:chExt cx="697975" cy="155880"/>
           </a:xfrm>
         </p:grpSpPr>
-        <mc:AlternateContent xmlns:mc="http://schemas.openxmlformats.org/markup-compatibility/2006">
-          <mc:Choice xmlns:p14="http://schemas.microsoft.com/office/powerpoint/2010/main" Requires="p14">
+        <mc:AlternateContent xmlns:mc="http://schemas.openxmlformats.org/markup-compatibility/2006" xmlns:p14="http://schemas.microsoft.com/office/powerpoint/2010/main">
+          <mc:Choice Requires="p14">
             <p:contentPart p14:bwMode="auto" r:id="rId30">
               <p14:nvContentPartPr>
                 <p14:cNvPr id="48" name="Ink 47">
@@ -33935,7 +33935,7 @@
               </p14:xfrm>
             </p:contentPart>
           </mc:Choice>
-          <mc:Fallback>
+          <mc:Fallback xmlns="">
             <p:pic>
               <p:nvPicPr>
                 <p:cNvPr id="48" name="Ink 47">
@@ -33966,8 +33966,8 @@
             </p:pic>
           </mc:Fallback>
         </mc:AlternateContent>
-        <mc:AlternateContent xmlns:mc="http://schemas.openxmlformats.org/markup-compatibility/2006">
-          <mc:Choice xmlns:p14="http://schemas.microsoft.com/office/powerpoint/2010/main" Requires="p14">
+        <mc:AlternateContent xmlns:mc="http://schemas.openxmlformats.org/markup-compatibility/2006" xmlns:p14="http://schemas.microsoft.com/office/powerpoint/2010/main">
+          <mc:Choice Requires="p14">
             <p:contentPart p14:bwMode="auto" r:id="rId32">
               <p14:nvContentPartPr>
                 <p14:cNvPr id="50" name="Ink 49">
@@ -33986,7 +33986,7 @@
               </p14:xfrm>
             </p:contentPart>
           </mc:Choice>
-          <mc:Fallback>
+          <mc:Fallback xmlns="">
             <p:pic>
               <p:nvPicPr>
                 <p:cNvPr id="50" name="Ink 49">
@@ -34378,8 +34378,8 @@
             <a:chExt cx="135360" cy="253025"/>
           </a:xfrm>
         </p:grpSpPr>
-        <mc:AlternateContent xmlns:mc="http://schemas.openxmlformats.org/markup-compatibility/2006">
-          <mc:Choice xmlns:p14="http://schemas.microsoft.com/office/powerpoint/2010/main" Requires="p14">
+        <mc:AlternateContent xmlns:mc="http://schemas.openxmlformats.org/markup-compatibility/2006" xmlns:p14="http://schemas.microsoft.com/office/powerpoint/2010/main">
+          <mc:Choice Requires="p14">
             <p:contentPart p14:bwMode="auto" r:id="rId34">
               <p14:nvContentPartPr>
                 <p14:cNvPr id="448" name="Ink 447">
@@ -34398,7 +34398,7 @@
               </p14:xfrm>
             </p:contentPart>
           </mc:Choice>
-          <mc:Fallback>
+          <mc:Fallback xmlns="">
             <p:pic>
               <p:nvPicPr>
                 <p:cNvPr id="448" name="Ink 447">
@@ -34429,8 +34429,8 @@
             </p:pic>
           </mc:Fallback>
         </mc:AlternateContent>
-        <mc:AlternateContent xmlns:mc="http://schemas.openxmlformats.org/markup-compatibility/2006">
-          <mc:Choice xmlns:p14="http://schemas.microsoft.com/office/powerpoint/2010/main" Requires="p14">
+        <mc:AlternateContent xmlns:mc="http://schemas.openxmlformats.org/markup-compatibility/2006" xmlns:p14="http://schemas.microsoft.com/office/powerpoint/2010/main">
+          <mc:Choice Requires="p14">
             <p:contentPart p14:bwMode="auto" r:id="rId36">
               <p14:nvContentPartPr>
                 <p14:cNvPr id="466" name="Ink 465">
@@ -34449,7 +34449,7 @@
               </p14:xfrm>
             </p:contentPart>
           </mc:Choice>
-          <mc:Fallback>
+          <mc:Fallback xmlns="">
             <p:pic>
               <p:nvPicPr>
                 <p:cNvPr id="466" name="Ink 465">
@@ -34501,8 +34501,8 @@
             <a:chExt cx="953400" cy="174240"/>
           </a:xfrm>
         </p:grpSpPr>
-        <mc:AlternateContent xmlns:mc="http://schemas.openxmlformats.org/markup-compatibility/2006">
-          <mc:Choice xmlns:p14="http://schemas.microsoft.com/office/powerpoint/2010/main" Requires="p14">
+        <mc:AlternateContent xmlns:mc="http://schemas.openxmlformats.org/markup-compatibility/2006" xmlns:p14="http://schemas.microsoft.com/office/powerpoint/2010/main">
+          <mc:Choice Requires="p14">
             <p:contentPart p14:bwMode="auto" r:id="rId38">
               <p14:nvContentPartPr>
                 <p14:cNvPr id="470" name="Ink 469">
@@ -34521,7 +34521,7 @@
               </p14:xfrm>
             </p:contentPart>
           </mc:Choice>
-          <mc:Fallback>
+          <mc:Fallback xmlns="">
             <p:pic>
               <p:nvPicPr>
                 <p:cNvPr id="470" name="Ink 469">
@@ -34552,8 +34552,8 @@
             </p:pic>
           </mc:Fallback>
         </mc:AlternateContent>
-        <mc:AlternateContent xmlns:mc="http://schemas.openxmlformats.org/markup-compatibility/2006">
-          <mc:Choice xmlns:p14="http://schemas.microsoft.com/office/powerpoint/2010/main" Requires="p14">
+        <mc:AlternateContent xmlns:mc="http://schemas.openxmlformats.org/markup-compatibility/2006" xmlns:p14="http://schemas.microsoft.com/office/powerpoint/2010/main">
+          <mc:Choice Requires="p14">
             <p:contentPart p14:bwMode="auto" r:id="rId40">
               <p14:nvContentPartPr>
                 <p14:cNvPr id="487" name="Ink 486">
@@ -34572,7 +34572,7 @@
               </p14:xfrm>
             </p:contentPart>
           </mc:Choice>
-          <mc:Fallback>
+          <mc:Fallback xmlns="">
             <p:pic>
               <p:nvPicPr>
                 <p:cNvPr id="487" name="Ink 486">
@@ -34624,8 +34624,8 @@
             <a:chExt cx="106920" cy="252439"/>
           </a:xfrm>
         </p:grpSpPr>
-        <mc:AlternateContent xmlns:mc="http://schemas.openxmlformats.org/markup-compatibility/2006">
-          <mc:Choice xmlns:p14="http://schemas.microsoft.com/office/powerpoint/2010/main" Requires="p14">
+        <mc:AlternateContent xmlns:mc="http://schemas.openxmlformats.org/markup-compatibility/2006" xmlns:p14="http://schemas.microsoft.com/office/powerpoint/2010/main">
+          <mc:Choice Requires="p14">
             <p:contentPart p14:bwMode="auto" r:id="rId42">
               <p14:nvContentPartPr>
                 <p14:cNvPr id="513" name="Ink 512">
@@ -34644,7 +34644,7 @@
               </p14:xfrm>
             </p:contentPart>
           </mc:Choice>
-          <mc:Fallback>
+          <mc:Fallback xmlns="">
             <p:pic>
               <p:nvPicPr>
                 <p:cNvPr id="513" name="Ink 512">
@@ -34675,8 +34675,8 @@
             </p:pic>
           </mc:Fallback>
         </mc:AlternateContent>
-        <mc:AlternateContent xmlns:mc="http://schemas.openxmlformats.org/markup-compatibility/2006">
-          <mc:Choice xmlns:p14="http://schemas.microsoft.com/office/powerpoint/2010/main" Requires="p14">
+        <mc:AlternateContent xmlns:mc="http://schemas.openxmlformats.org/markup-compatibility/2006" xmlns:p14="http://schemas.microsoft.com/office/powerpoint/2010/main">
+          <mc:Choice Requires="p14">
             <p:contentPart p14:bwMode="auto" r:id="rId44">
               <p14:nvContentPartPr>
                 <p14:cNvPr id="518" name="Ink 517">
@@ -34695,7 +34695,7 @@
               </p14:xfrm>
             </p:contentPart>
           </mc:Choice>
-          <mc:Fallback>
+          <mc:Fallback xmlns="">
             <p:pic>
               <p:nvPicPr>
                 <p:cNvPr id="518" name="Ink 517">
@@ -35095,13 +35095,13 @@
   <p:clrMapOvr>
     <a:masterClrMapping/>
   </p:clrMapOvr>
-  <mc:AlternateContent xmlns:mc="http://schemas.openxmlformats.org/markup-compatibility/2006">
-    <mc:Choice xmlns:p14="http://schemas.microsoft.com/office/powerpoint/2010/main" Requires="p14">
+  <mc:AlternateContent xmlns:mc="http://schemas.openxmlformats.org/markup-compatibility/2006" xmlns:p14="http://schemas.microsoft.com/office/powerpoint/2010/main">
+    <mc:Choice Requires="p14">
       <p:transition spd="med" p14:dur="700">
         <p:fade/>
       </p:transition>
     </mc:Choice>
-    <mc:Fallback>
+    <mc:Fallback xmlns="">
       <p:transition spd="med">
         <p:fade/>
       </p:transition>
@@ -37056,8 +37056,8 @@
             <a:chExt cx="3907080" cy="1721160"/>
           </a:xfrm>
         </p:grpSpPr>
-        <mc:AlternateContent xmlns:mc="http://schemas.openxmlformats.org/markup-compatibility/2006">
-          <mc:Choice xmlns:p14="http://schemas.microsoft.com/office/powerpoint/2010/main" Requires="p14">
+        <mc:AlternateContent xmlns:mc="http://schemas.openxmlformats.org/markup-compatibility/2006" xmlns:p14="http://schemas.microsoft.com/office/powerpoint/2010/main">
+          <mc:Choice Requires="p14">
             <p:contentPart p14:bwMode="auto" r:id="rId3">
               <p14:nvContentPartPr>
                 <p14:cNvPr id="27" name="Ink 26">
@@ -37076,7 +37076,7 @@
               </p14:xfrm>
             </p:contentPart>
           </mc:Choice>
-          <mc:Fallback>
+          <mc:Fallback xmlns="">
             <p:pic>
               <p:nvPicPr>
                 <p:cNvPr id="27" name="Ink 26">
@@ -37107,8 +37107,8 @@
             </p:pic>
           </mc:Fallback>
         </mc:AlternateContent>
-        <mc:AlternateContent xmlns:mc="http://schemas.openxmlformats.org/markup-compatibility/2006">
-          <mc:Choice xmlns:p14="http://schemas.microsoft.com/office/powerpoint/2010/main" Requires="p14">
+        <mc:AlternateContent xmlns:mc="http://schemas.openxmlformats.org/markup-compatibility/2006" xmlns:p14="http://schemas.microsoft.com/office/powerpoint/2010/main">
+          <mc:Choice Requires="p14">
             <p:contentPart p14:bwMode="auto" r:id="rId5">
               <p14:nvContentPartPr>
                 <p14:cNvPr id="31" name="Ink 30">
@@ -37127,7 +37127,7 @@
               </p14:xfrm>
             </p:contentPart>
           </mc:Choice>
-          <mc:Fallback>
+          <mc:Fallback xmlns="">
             <p:pic>
               <p:nvPicPr>
                 <p:cNvPr id="31" name="Ink 30">
@@ -37158,8 +37158,8 @@
             </p:pic>
           </mc:Fallback>
         </mc:AlternateContent>
-        <mc:AlternateContent xmlns:mc="http://schemas.openxmlformats.org/markup-compatibility/2006">
-          <mc:Choice xmlns:p14="http://schemas.microsoft.com/office/powerpoint/2010/main" Requires="p14">
+        <mc:AlternateContent xmlns:mc="http://schemas.openxmlformats.org/markup-compatibility/2006" xmlns:p14="http://schemas.microsoft.com/office/powerpoint/2010/main">
+          <mc:Choice Requires="p14">
             <p:contentPart p14:bwMode="auto" r:id="rId7">
               <p14:nvContentPartPr>
                 <p14:cNvPr id="881" name="Ink 880">
@@ -37178,7 +37178,7 @@
               </p14:xfrm>
             </p:contentPart>
           </mc:Choice>
-          <mc:Fallback>
+          <mc:Fallback xmlns="">
             <p:pic>
               <p:nvPicPr>
                 <p:cNvPr id="881" name="Ink 880">
@@ -37209,8 +37209,8 @@
             </p:pic>
           </mc:Fallback>
         </mc:AlternateContent>
-        <mc:AlternateContent xmlns:mc="http://schemas.openxmlformats.org/markup-compatibility/2006">
-          <mc:Choice xmlns:p14="http://schemas.microsoft.com/office/powerpoint/2010/main" Requires="p14">
+        <mc:AlternateContent xmlns:mc="http://schemas.openxmlformats.org/markup-compatibility/2006" xmlns:p14="http://schemas.microsoft.com/office/powerpoint/2010/main">
+          <mc:Choice Requires="p14">
             <p:contentPart p14:bwMode="auto" r:id="rId9">
               <p14:nvContentPartPr>
                 <p14:cNvPr id="904" name="Ink 903">
@@ -37229,7 +37229,7 @@
               </p14:xfrm>
             </p:contentPart>
           </mc:Choice>
-          <mc:Fallback>
+          <mc:Fallback xmlns="">
             <p:pic>
               <p:nvPicPr>
                 <p:cNvPr id="904" name="Ink 903">
@@ -37260,8 +37260,8 @@
             </p:pic>
           </mc:Fallback>
         </mc:AlternateContent>
-        <mc:AlternateContent xmlns:mc="http://schemas.openxmlformats.org/markup-compatibility/2006">
-          <mc:Choice xmlns:p14="http://schemas.microsoft.com/office/powerpoint/2010/main" Requires="p14">
+        <mc:AlternateContent xmlns:mc="http://schemas.openxmlformats.org/markup-compatibility/2006" xmlns:p14="http://schemas.microsoft.com/office/powerpoint/2010/main">
+          <mc:Choice Requires="p14">
             <p:contentPart p14:bwMode="auto" r:id="rId11">
               <p14:nvContentPartPr>
                 <p14:cNvPr id="988" name="Ink 987">
@@ -37280,7 +37280,7 @@
               </p14:xfrm>
             </p:contentPart>
           </mc:Choice>
-          <mc:Fallback>
+          <mc:Fallback xmlns="">
             <p:pic>
               <p:nvPicPr>
                 <p:cNvPr id="988" name="Ink 987">
@@ -37311,8 +37311,8 @@
             </p:pic>
           </mc:Fallback>
         </mc:AlternateContent>
-        <mc:AlternateContent xmlns:mc="http://schemas.openxmlformats.org/markup-compatibility/2006">
-          <mc:Choice xmlns:p14="http://schemas.microsoft.com/office/powerpoint/2010/main" Requires="p14">
+        <mc:AlternateContent xmlns:mc="http://schemas.openxmlformats.org/markup-compatibility/2006" xmlns:p14="http://schemas.microsoft.com/office/powerpoint/2010/main">
+          <mc:Choice Requires="p14">
             <p:contentPart p14:bwMode="auto" r:id="rId13">
               <p14:nvContentPartPr>
                 <p14:cNvPr id="1003" name="Ink 1002">
@@ -37331,7 +37331,7 @@
               </p14:xfrm>
             </p:contentPart>
           </mc:Choice>
-          <mc:Fallback>
+          <mc:Fallback xmlns="">
             <p:pic>
               <p:nvPicPr>
                 <p:cNvPr id="1003" name="Ink 1002">
@@ -37362,8 +37362,8 @@
             </p:pic>
           </mc:Fallback>
         </mc:AlternateContent>
-        <mc:AlternateContent xmlns:mc="http://schemas.openxmlformats.org/markup-compatibility/2006">
-          <mc:Choice xmlns:p14="http://schemas.microsoft.com/office/powerpoint/2010/main" Requires="p14">
+        <mc:AlternateContent xmlns:mc="http://schemas.openxmlformats.org/markup-compatibility/2006" xmlns:p14="http://schemas.microsoft.com/office/powerpoint/2010/main">
+          <mc:Choice Requires="p14">
             <p:contentPart p14:bwMode="auto" r:id="rId15">
               <p14:nvContentPartPr>
                 <p14:cNvPr id="32" name="Ink 31">
@@ -37382,7 +37382,7 @@
               </p14:xfrm>
             </p:contentPart>
           </mc:Choice>
-          <mc:Fallback>
+          <mc:Fallback xmlns="">
             <p:pic>
               <p:nvPicPr>
                 <p:cNvPr id="32" name="Ink 31">
@@ -37413,8 +37413,8 @@
             </p:pic>
           </mc:Fallback>
         </mc:AlternateContent>
-        <mc:AlternateContent xmlns:mc="http://schemas.openxmlformats.org/markup-compatibility/2006">
-          <mc:Choice xmlns:p14="http://schemas.microsoft.com/office/powerpoint/2010/main" Requires="p14">
+        <mc:AlternateContent xmlns:mc="http://schemas.openxmlformats.org/markup-compatibility/2006" xmlns:p14="http://schemas.microsoft.com/office/powerpoint/2010/main">
+          <mc:Choice Requires="p14">
             <p:contentPart p14:bwMode="auto" r:id="rId17">
               <p14:nvContentPartPr>
                 <p14:cNvPr id="1010" name="Ink 1009">
@@ -37433,7 +37433,7 @@
               </p14:xfrm>
             </p:contentPart>
           </mc:Choice>
-          <mc:Fallback>
+          <mc:Fallback xmlns="">
             <p:pic>
               <p:nvPicPr>
                 <p:cNvPr id="1010" name="Ink 1009">
@@ -37464,8 +37464,8 @@
             </p:pic>
           </mc:Fallback>
         </mc:AlternateContent>
-        <mc:AlternateContent xmlns:mc="http://schemas.openxmlformats.org/markup-compatibility/2006">
-          <mc:Choice xmlns:p14="http://schemas.microsoft.com/office/powerpoint/2010/main" Requires="p14">
+        <mc:AlternateContent xmlns:mc="http://schemas.openxmlformats.org/markup-compatibility/2006" xmlns:p14="http://schemas.microsoft.com/office/powerpoint/2010/main">
+          <mc:Choice Requires="p14">
             <p:contentPart p14:bwMode="auto" r:id="rId19">
               <p14:nvContentPartPr>
                 <p14:cNvPr id="963" name="Ink 962">
@@ -37484,7 +37484,7 @@
               </p14:xfrm>
             </p:contentPart>
           </mc:Choice>
-          <mc:Fallback>
+          <mc:Fallback xmlns="">
             <p:pic>
               <p:nvPicPr>
                 <p:cNvPr id="963" name="Ink 962">
@@ -37515,8 +37515,8 @@
             </p:pic>
           </mc:Fallback>
         </mc:AlternateContent>
-        <mc:AlternateContent xmlns:mc="http://schemas.openxmlformats.org/markup-compatibility/2006">
-          <mc:Choice xmlns:p14="http://schemas.microsoft.com/office/powerpoint/2010/main" Requires="p14">
+        <mc:AlternateContent xmlns:mc="http://schemas.openxmlformats.org/markup-compatibility/2006" xmlns:p14="http://schemas.microsoft.com/office/powerpoint/2010/main">
+          <mc:Choice Requires="p14">
             <p:contentPart p14:bwMode="auto" r:id="rId21">
               <p14:nvContentPartPr>
                 <p14:cNvPr id="979" name="Ink 978">
@@ -37535,7 +37535,7 @@
               </p14:xfrm>
             </p:contentPart>
           </mc:Choice>
-          <mc:Fallback>
+          <mc:Fallback xmlns="">
             <p:pic>
               <p:nvPicPr>
                 <p:cNvPr id="979" name="Ink 978">
